--- a/plots/PSEMplots.pptx
+++ b/plots/PSEMplots.pptx
@@ -4,8 +4,14 @@
   <p:sldMasterIdLst>
     <p:sldMasterId id="2147483648" r:id="rId1"/>
   </p:sldMasterIdLst>
+  <p:notesMasterIdLst>
+    <p:notesMasterId r:id="rId6"/>
+  </p:notesMasterIdLst>
   <p:sldIdLst>
     <p:sldId id="256" r:id="rId2"/>
+    <p:sldId id="259" r:id="rId3"/>
+    <p:sldId id="257" r:id="rId4"/>
+    <p:sldId id="258" r:id="rId5"/>
   </p:sldIdLst>
   <p:sldSz cx="12192000" cy="6858000"/>
   <p:notesSz cx="6858000" cy="9144000"/>
@@ -104,7 +110,709 @@
       </a:defRPr>
     </a:lvl9pPr>
   </p:defaultTextStyle>
+  <p:extLst>
+    <p:ext uri="{EFAFB233-063F-42B5-8137-9DF3F51BA10A}">
+      <p15:sldGuideLst xmlns:p15="http://schemas.microsoft.com/office/powerpoint/2012/main"/>
+    </p:ext>
+  </p:extLst>
 </p:presentation>
+</file>
+
+<file path=ppt/notesMasters/notesMaster1.xml><?xml version="1.0" encoding="utf-8"?>
+<p:notesMaster xmlns:a="http://schemas.openxmlformats.org/drawingml/2006/main" xmlns:r="http://schemas.openxmlformats.org/officeDocument/2006/relationships" xmlns:p="http://schemas.openxmlformats.org/presentationml/2006/main">
+  <p:cSld>
+    <p:bg>
+      <p:bgRef idx="1001">
+        <a:schemeClr val="bg1"/>
+      </p:bgRef>
+    </p:bg>
+    <p:spTree>
+      <p:nvGrpSpPr>
+        <p:cNvPr id="1" name=""/>
+        <p:cNvGrpSpPr/>
+        <p:nvPr/>
+      </p:nvGrpSpPr>
+      <p:grpSpPr>
+        <a:xfrm>
+          <a:off x="0" y="0"/>
+          <a:ext cx="0" cy="0"/>
+          <a:chOff x="0" y="0"/>
+          <a:chExt cx="0" cy="0"/>
+        </a:xfrm>
+      </p:grpSpPr>
+      <p:sp>
+        <p:nvSpPr>
+          <p:cNvPr id="2" name="Header Placeholder 1"/>
+          <p:cNvSpPr>
+            <a:spLocks noGrp="1"/>
+          </p:cNvSpPr>
+          <p:nvPr>
+            <p:ph type="hdr" sz="quarter"/>
+          </p:nvPr>
+        </p:nvSpPr>
+        <p:spPr>
+          <a:xfrm>
+            <a:off x="0" y="0"/>
+            <a:ext cx="2971800" cy="458788"/>
+          </a:xfrm>
+          <a:prstGeom prst="rect">
+            <a:avLst/>
+          </a:prstGeom>
+        </p:spPr>
+        <p:txBody>
+          <a:bodyPr vert="horz" lIns="91440" tIns="45720" rIns="91440" bIns="45720" rtlCol="0"/>
+          <a:lstStyle>
+            <a:lvl1pPr algn="l">
+              <a:defRPr sz="1200"/>
+            </a:lvl1pPr>
+          </a:lstStyle>
+          <a:p>
+            <a:endParaRPr lang="en-US"/>
+          </a:p>
+        </p:txBody>
+      </p:sp>
+      <p:sp>
+        <p:nvSpPr>
+          <p:cNvPr id="3" name="Date Placeholder 2"/>
+          <p:cNvSpPr>
+            <a:spLocks noGrp="1"/>
+          </p:cNvSpPr>
+          <p:nvPr>
+            <p:ph type="dt" idx="1"/>
+          </p:nvPr>
+        </p:nvSpPr>
+        <p:spPr>
+          <a:xfrm>
+            <a:off x="3884613" y="0"/>
+            <a:ext cx="2971800" cy="458788"/>
+          </a:xfrm>
+          <a:prstGeom prst="rect">
+            <a:avLst/>
+          </a:prstGeom>
+        </p:spPr>
+        <p:txBody>
+          <a:bodyPr vert="horz" lIns="91440" tIns="45720" rIns="91440" bIns="45720" rtlCol="0"/>
+          <a:lstStyle>
+            <a:lvl1pPr algn="r">
+              <a:defRPr sz="1200"/>
+            </a:lvl1pPr>
+          </a:lstStyle>
+          <a:p>
+            <a:fld id="{09007E6E-1341-4B25-B897-05406DF805DE}" type="datetimeFigureOut">
+              <a:rPr lang="en-US" smtClean="0"/>
+              <a:t>5/6/2023</a:t>
+            </a:fld>
+            <a:endParaRPr lang="en-US"/>
+          </a:p>
+        </p:txBody>
+      </p:sp>
+      <p:sp>
+        <p:nvSpPr>
+          <p:cNvPr id="4" name="Slide Image Placeholder 3"/>
+          <p:cNvSpPr>
+            <a:spLocks noGrp="1" noRot="1" noChangeAspect="1"/>
+          </p:cNvSpPr>
+          <p:nvPr>
+            <p:ph type="sldImg" idx="2"/>
+          </p:nvPr>
+        </p:nvSpPr>
+        <p:spPr>
+          <a:xfrm>
+            <a:off x="685800" y="1143000"/>
+            <a:ext cx="5486400" cy="3086100"/>
+          </a:xfrm>
+          <a:prstGeom prst="rect">
+            <a:avLst/>
+          </a:prstGeom>
+          <a:noFill/>
+          <a:ln w="12700">
+            <a:solidFill>
+              <a:prstClr val="black"/>
+            </a:solidFill>
+          </a:ln>
+        </p:spPr>
+        <p:txBody>
+          <a:bodyPr vert="horz" lIns="91440" tIns="45720" rIns="91440" bIns="45720" rtlCol="0" anchor="ctr"/>
+          <a:lstStyle/>
+          <a:p>
+            <a:endParaRPr lang="en-US"/>
+          </a:p>
+        </p:txBody>
+      </p:sp>
+      <p:sp>
+        <p:nvSpPr>
+          <p:cNvPr id="5" name="Notes Placeholder 4"/>
+          <p:cNvSpPr>
+            <a:spLocks noGrp="1"/>
+          </p:cNvSpPr>
+          <p:nvPr>
+            <p:ph type="body" sz="quarter" idx="3"/>
+          </p:nvPr>
+        </p:nvSpPr>
+        <p:spPr>
+          <a:xfrm>
+            <a:off x="685800" y="4400550"/>
+            <a:ext cx="5486400" cy="3600450"/>
+          </a:xfrm>
+          <a:prstGeom prst="rect">
+            <a:avLst/>
+          </a:prstGeom>
+        </p:spPr>
+        <p:txBody>
+          <a:bodyPr vert="horz" lIns="91440" tIns="45720" rIns="91440" bIns="45720" rtlCol="0"/>
+          <a:lstStyle/>
+          <a:p>
+            <a:pPr lvl="0"/>
+            <a:r>
+              <a:rPr lang="en-US"/>
+              <a:t>Click to edit Master text styles</a:t>
+            </a:r>
+          </a:p>
+          <a:p>
+            <a:pPr lvl="1"/>
+            <a:r>
+              <a:rPr lang="en-US"/>
+              <a:t>Second level</a:t>
+            </a:r>
+          </a:p>
+          <a:p>
+            <a:pPr lvl="2"/>
+            <a:r>
+              <a:rPr lang="en-US"/>
+              <a:t>Third level</a:t>
+            </a:r>
+          </a:p>
+          <a:p>
+            <a:pPr lvl="3"/>
+            <a:r>
+              <a:rPr lang="en-US"/>
+              <a:t>Fourth level</a:t>
+            </a:r>
+          </a:p>
+          <a:p>
+            <a:pPr lvl="4"/>
+            <a:r>
+              <a:rPr lang="en-US"/>
+              <a:t>Fifth level</a:t>
+            </a:r>
+          </a:p>
+        </p:txBody>
+      </p:sp>
+      <p:sp>
+        <p:nvSpPr>
+          <p:cNvPr id="6" name="Footer Placeholder 5"/>
+          <p:cNvSpPr>
+            <a:spLocks noGrp="1"/>
+          </p:cNvSpPr>
+          <p:nvPr>
+            <p:ph type="ftr" sz="quarter" idx="4"/>
+          </p:nvPr>
+        </p:nvSpPr>
+        <p:spPr>
+          <a:xfrm>
+            <a:off x="0" y="8685213"/>
+            <a:ext cx="2971800" cy="458787"/>
+          </a:xfrm>
+          <a:prstGeom prst="rect">
+            <a:avLst/>
+          </a:prstGeom>
+        </p:spPr>
+        <p:txBody>
+          <a:bodyPr vert="horz" lIns="91440" tIns="45720" rIns="91440" bIns="45720" rtlCol="0" anchor="b"/>
+          <a:lstStyle>
+            <a:lvl1pPr algn="l">
+              <a:defRPr sz="1200"/>
+            </a:lvl1pPr>
+          </a:lstStyle>
+          <a:p>
+            <a:endParaRPr lang="en-US"/>
+          </a:p>
+        </p:txBody>
+      </p:sp>
+      <p:sp>
+        <p:nvSpPr>
+          <p:cNvPr id="7" name="Slide Number Placeholder 6"/>
+          <p:cNvSpPr>
+            <a:spLocks noGrp="1"/>
+          </p:cNvSpPr>
+          <p:nvPr>
+            <p:ph type="sldNum" sz="quarter" idx="5"/>
+          </p:nvPr>
+        </p:nvSpPr>
+        <p:spPr>
+          <a:xfrm>
+            <a:off x="3884613" y="8685213"/>
+            <a:ext cx="2971800" cy="458787"/>
+          </a:xfrm>
+          <a:prstGeom prst="rect">
+            <a:avLst/>
+          </a:prstGeom>
+        </p:spPr>
+        <p:txBody>
+          <a:bodyPr vert="horz" lIns="91440" tIns="45720" rIns="91440" bIns="45720" rtlCol="0" anchor="b"/>
+          <a:lstStyle>
+            <a:lvl1pPr algn="r">
+              <a:defRPr sz="1200"/>
+            </a:lvl1pPr>
+          </a:lstStyle>
+          <a:p>
+            <a:fld id="{5508A39D-4C1C-4E36-8DC0-64552EF26A19}" type="slidenum">
+              <a:rPr lang="en-US" smtClean="0"/>
+              <a:t>‹#›</a:t>
+            </a:fld>
+            <a:endParaRPr lang="en-US"/>
+          </a:p>
+        </p:txBody>
+      </p:sp>
+    </p:spTree>
+    <p:extLst>
+      <p:ext uri="{BB962C8B-B14F-4D97-AF65-F5344CB8AC3E}">
+        <p14:creationId xmlns:p14="http://schemas.microsoft.com/office/powerpoint/2010/main" val="4057009798"/>
+      </p:ext>
+    </p:extLst>
+  </p:cSld>
+  <p:clrMap bg1="lt1" tx1="dk1" bg2="lt2" tx2="dk2" accent1="accent1" accent2="accent2" accent3="accent3" accent4="accent4" accent5="accent5" accent6="accent6" hlink="hlink" folHlink="folHlink"/>
+  <p:notesStyle>
+    <a:lvl1pPr marL="0" algn="l" defTabSz="914400" rtl="0" eaLnBrk="1" latinLnBrk="0" hangingPunct="1">
+      <a:defRPr sz="1200" kern="1200">
+        <a:solidFill>
+          <a:schemeClr val="tx1"/>
+        </a:solidFill>
+        <a:latin typeface="+mn-lt"/>
+        <a:ea typeface="+mn-ea"/>
+        <a:cs typeface="+mn-cs"/>
+      </a:defRPr>
+    </a:lvl1pPr>
+    <a:lvl2pPr marL="457200" algn="l" defTabSz="914400" rtl="0" eaLnBrk="1" latinLnBrk="0" hangingPunct="1">
+      <a:defRPr sz="1200" kern="1200">
+        <a:solidFill>
+          <a:schemeClr val="tx1"/>
+        </a:solidFill>
+        <a:latin typeface="+mn-lt"/>
+        <a:ea typeface="+mn-ea"/>
+        <a:cs typeface="+mn-cs"/>
+      </a:defRPr>
+    </a:lvl2pPr>
+    <a:lvl3pPr marL="914400" algn="l" defTabSz="914400" rtl="0" eaLnBrk="1" latinLnBrk="0" hangingPunct="1">
+      <a:defRPr sz="1200" kern="1200">
+        <a:solidFill>
+          <a:schemeClr val="tx1"/>
+        </a:solidFill>
+        <a:latin typeface="+mn-lt"/>
+        <a:ea typeface="+mn-ea"/>
+        <a:cs typeface="+mn-cs"/>
+      </a:defRPr>
+    </a:lvl3pPr>
+    <a:lvl4pPr marL="1371600" algn="l" defTabSz="914400" rtl="0" eaLnBrk="1" latinLnBrk="0" hangingPunct="1">
+      <a:defRPr sz="1200" kern="1200">
+        <a:solidFill>
+          <a:schemeClr val="tx1"/>
+        </a:solidFill>
+        <a:latin typeface="+mn-lt"/>
+        <a:ea typeface="+mn-ea"/>
+        <a:cs typeface="+mn-cs"/>
+      </a:defRPr>
+    </a:lvl4pPr>
+    <a:lvl5pPr marL="1828800" algn="l" defTabSz="914400" rtl="0" eaLnBrk="1" latinLnBrk="0" hangingPunct="1">
+      <a:defRPr sz="1200" kern="1200">
+        <a:solidFill>
+          <a:schemeClr val="tx1"/>
+        </a:solidFill>
+        <a:latin typeface="+mn-lt"/>
+        <a:ea typeface="+mn-ea"/>
+        <a:cs typeface="+mn-cs"/>
+      </a:defRPr>
+    </a:lvl5pPr>
+    <a:lvl6pPr marL="2286000" algn="l" defTabSz="914400" rtl="0" eaLnBrk="1" latinLnBrk="0" hangingPunct="1">
+      <a:defRPr sz="1200" kern="1200">
+        <a:solidFill>
+          <a:schemeClr val="tx1"/>
+        </a:solidFill>
+        <a:latin typeface="+mn-lt"/>
+        <a:ea typeface="+mn-ea"/>
+        <a:cs typeface="+mn-cs"/>
+      </a:defRPr>
+    </a:lvl6pPr>
+    <a:lvl7pPr marL="2743200" algn="l" defTabSz="914400" rtl="0" eaLnBrk="1" latinLnBrk="0" hangingPunct="1">
+      <a:defRPr sz="1200" kern="1200">
+        <a:solidFill>
+          <a:schemeClr val="tx1"/>
+        </a:solidFill>
+        <a:latin typeface="+mn-lt"/>
+        <a:ea typeface="+mn-ea"/>
+        <a:cs typeface="+mn-cs"/>
+      </a:defRPr>
+    </a:lvl7pPr>
+    <a:lvl8pPr marL="3200400" algn="l" defTabSz="914400" rtl="0" eaLnBrk="1" latinLnBrk="0" hangingPunct="1">
+      <a:defRPr sz="1200" kern="1200">
+        <a:solidFill>
+          <a:schemeClr val="tx1"/>
+        </a:solidFill>
+        <a:latin typeface="+mn-lt"/>
+        <a:ea typeface="+mn-ea"/>
+        <a:cs typeface="+mn-cs"/>
+      </a:defRPr>
+    </a:lvl8pPr>
+    <a:lvl9pPr marL="3657600" algn="l" defTabSz="914400" rtl="0" eaLnBrk="1" latinLnBrk="0" hangingPunct="1">
+      <a:defRPr sz="1200" kern="1200">
+        <a:solidFill>
+          <a:schemeClr val="tx1"/>
+        </a:solidFill>
+        <a:latin typeface="+mn-lt"/>
+        <a:ea typeface="+mn-ea"/>
+        <a:cs typeface="+mn-cs"/>
+      </a:defRPr>
+    </a:lvl9pPr>
+  </p:notesStyle>
+</p:notesMaster>
+</file>
+
+<file path=ppt/notesSlides/notesSlide1.xml><?xml version="1.0" encoding="utf-8"?>
+<p:notes xmlns:a="http://schemas.openxmlformats.org/drawingml/2006/main" xmlns:r="http://schemas.openxmlformats.org/officeDocument/2006/relationships" xmlns:p="http://schemas.openxmlformats.org/presentationml/2006/main">
+  <p:cSld>
+    <p:spTree>
+      <p:nvGrpSpPr>
+        <p:cNvPr id="1" name=""/>
+        <p:cNvGrpSpPr/>
+        <p:nvPr/>
+      </p:nvGrpSpPr>
+      <p:grpSpPr>
+        <a:xfrm>
+          <a:off x="0" y="0"/>
+          <a:ext cx="0" cy="0"/>
+          <a:chOff x="0" y="0"/>
+          <a:chExt cx="0" cy="0"/>
+        </a:xfrm>
+      </p:grpSpPr>
+      <p:sp>
+        <p:nvSpPr>
+          <p:cNvPr id="2" name="Slide Image Placeholder 1"/>
+          <p:cNvSpPr>
+            <a:spLocks noGrp="1" noRot="1" noChangeAspect="1"/>
+          </p:cNvSpPr>
+          <p:nvPr>
+            <p:ph type="sldImg"/>
+          </p:nvPr>
+        </p:nvSpPr>
+        <p:spPr/>
+      </p:sp>
+      <p:sp>
+        <p:nvSpPr>
+          <p:cNvPr id="3" name="Notes Placeholder 2"/>
+          <p:cNvSpPr>
+            <a:spLocks noGrp="1"/>
+          </p:cNvSpPr>
+          <p:nvPr>
+            <p:ph type="body" idx="1"/>
+          </p:nvPr>
+        </p:nvSpPr>
+        <p:spPr/>
+        <p:txBody>
+          <a:bodyPr/>
+          <a:lstStyle/>
+          <a:p>
+            <a:r>
+              <a:rPr lang="en-US" dirty="0"/>
+              <a:t>Grass hypothesized relationships</a:t>
+            </a:r>
+          </a:p>
+        </p:txBody>
+      </p:sp>
+      <p:sp>
+        <p:nvSpPr>
+          <p:cNvPr id="4" name="Slide Number Placeholder 3"/>
+          <p:cNvSpPr>
+            <a:spLocks noGrp="1"/>
+          </p:cNvSpPr>
+          <p:nvPr>
+            <p:ph type="sldNum" sz="quarter" idx="5"/>
+          </p:nvPr>
+        </p:nvSpPr>
+        <p:spPr/>
+        <p:txBody>
+          <a:bodyPr/>
+          <a:lstStyle/>
+          <a:p>
+            <a:fld id="{5508A39D-4C1C-4E36-8DC0-64552EF26A19}" type="slidenum">
+              <a:rPr lang="en-US" smtClean="0"/>
+              <a:t>1</a:t>
+            </a:fld>
+            <a:endParaRPr lang="en-US"/>
+          </a:p>
+        </p:txBody>
+      </p:sp>
+    </p:spTree>
+    <p:extLst>
+      <p:ext uri="{BB962C8B-B14F-4D97-AF65-F5344CB8AC3E}">
+        <p14:creationId xmlns:p14="http://schemas.microsoft.com/office/powerpoint/2010/main" val="4215144988"/>
+      </p:ext>
+    </p:extLst>
+  </p:cSld>
+  <p:clrMapOvr>
+    <a:masterClrMapping/>
+  </p:clrMapOvr>
+</p:notes>
+</file>
+
+<file path=ppt/notesSlides/notesSlide2.xml><?xml version="1.0" encoding="utf-8"?>
+<p:notes xmlns:a="http://schemas.openxmlformats.org/drawingml/2006/main" xmlns:r="http://schemas.openxmlformats.org/officeDocument/2006/relationships" xmlns:p="http://schemas.openxmlformats.org/presentationml/2006/main">
+  <p:cSld>
+    <p:spTree>
+      <p:nvGrpSpPr>
+        <p:cNvPr id="1" name=""/>
+        <p:cNvGrpSpPr/>
+        <p:nvPr/>
+      </p:nvGrpSpPr>
+      <p:grpSpPr>
+        <a:xfrm>
+          <a:off x="0" y="0"/>
+          <a:ext cx="0" cy="0"/>
+          <a:chOff x="0" y="0"/>
+          <a:chExt cx="0" cy="0"/>
+        </a:xfrm>
+      </p:grpSpPr>
+      <p:sp>
+        <p:nvSpPr>
+          <p:cNvPr id="2" name="Slide Image Placeholder 1"/>
+          <p:cNvSpPr>
+            <a:spLocks noGrp="1" noRot="1" noChangeAspect="1"/>
+          </p:cNvSpPr>
+          <p:nvPr>
+            <p:ph type="sldImg"/>
+          </p:nvPr>
+        </p:nvSpPr>
+        <p:spPr/>
+      </p:sp>
+      <p:sp>
+        <p:nvSpPr>
+          <p:cNvPr id="3" name="Notes Placeholder 2"/>
+          <p:cNvSpPr>
+            <a:spLocks noGrp="1"/>
+          </p:cNvSpPr>
+          <p:nvPr>
+            <p:ph type="body" idx="1"/>
+          </p:nvPr>
+        </p:nvSpPr>
+        <p:spPr/>
+        <p:txBody>
+          <a:bodyPr/>
+          <a:lstStyle/>
+          <a:p>
+            <a:r>
+              <a:rPr lang="en-US" dirty="0"/>
+              <a:t>Forb hypothesized relationships</a:t>
+            </a:r>
+          </a:p>
+        </p:txBody>
+      </p:sp>
+      <p:sp>
+        <p:nvSpPr>
+          <p:cNvPr id="4" name="Slide Number Placeholder 3"/>
+          <p:cNvSpPr>
+            <a:spLocks noGrp="1"/>
+          </p:cNvSpPr>
+          <p:nvPr>
+            <p:ph type="sldNum" sz="quarter" idx="5"/>
+          </p:nvPr>
+        </p:nvSpPr>
+        <p:spPr/>
+        <p:txBody>
+          <a:bodyPr/>
+          <a:lstStyle/>
+          <a:p>
+            <a:fld id="{5508A39D-4C1C-4E36-8DC0-64552EF26A19}" type="slidenum">
+              <a:rPr lang="en-US" smtClean="0"/>
+              <a:t>2</a:t>
+            </a:fld>
+            <a:endParaRPr lang="en-US"/>
+          </a:p>
+        </p:txBody>
+      </p:sp>
+    </p:spTree>
+    <p:extLst>
+      <p:ext uri="{BB962C8B-B14F-4D97-AF65-F5344CB8AC3E}">
+        <p14:creationId xmlns:p14="http://schemas.microsoft.com/office/powerpoint/2010/main" val="1442071728"/>
+      </p:ext>
+    </p:extLst>
+  </p:cSld>
+  <p:clrMapOvr>
+    <a:masterClrMapping/>
+  </p:clrMapOvr>
+</p:notes>
+</file>
+
+<file path=ppt/notesSlides/notesSlide3.xml><?xml version="1.0" encoding="utf-8"?>
+<p:notes xmlns:a="http://schemas.openxmlformats.org/drawingml/2006/main" xmlns:r="http://schemas.openxmlformats.org/officeDocument/2006/relationships" xmlns:p="http://schemas.openxmlformats.org/presentationml/2006/main">
+  <p:cSld>
+    <p:spTree>
+      <p:nvGrpSpPr>
+        <p:cNvPr id="1" name=""/>
+        <p:cNvGrpSpPr/>
+        <p:nvPr/>
+      </p:nvGrpSpPr>
+      <p:grpSpPr>
+        <a:xfrm>
+          <a:off x="0" y="0"/>
+          <a:ext cx="0" cy="0"/>
+          <a:chOff x="0" y="0"/>
+          <a:chExt cx="0" cy="0"/>
+        </a:xfrm>
+      </p:grpSpPr>
+      <p:sp>
+        <p:nvSpPr>
+          <p:cNvPr id="2" name="Slide Image Placeholder 1"/>
+          <p:cNvSpPr>
+            <a:spLocks noGrp="1" noRot="1" noChangeAspect="1"/>
+          </p:cNvSpPr>
+          <p:nvPr>
+            <p:ph type="sldImg"/>
+          </p:nvPr>
+        </p:nvSpPr>
+        <p:spPr/>
+      </p:sp>
+      <p:sp>
+        <p:nvSpPr>
+          <p:cNvPr id="3" name="Notes Placeholder 2"/>
+          <p:cNvSpPr>
+            <a:spLocks noGrp="1"/>
+          </p:cNvSpPr>
+          <p:nvPr>
+            <p:ph type="body" idx="1"/>
+          </p:nvPr>
+        </p:nvSpPr>
+        <p:spPr/>
+        <p:txBody>
+          <a:bodyPr/>
+          <a:lstStyle/>
+          <a:p>
+            <a:r>
+              <a:rPr lang="en-US" dirty="0"/>
+              <a:t>Grass model</a:t>
+            </a:r>
+          </a:p>
+        </p:txBody>
+      </p:sp>
+      <p:sp>
+        <p:nvSpPr>
+          <p:cNvPr id="4" name="Slide Number Placeholder 3"/>
+          <p:cNvSpPr>
+            <a:spLocks noGrp="1"/>
+          </p:cNvSpPr>
+          <p:nvPr>
+            <p:ph type="sldNum" sz="quarter" idx="5"/>
+          </p:nvPr>
+        </p:nvSpPr>
+        <p:spPr/>
+        <p:txBody>
+          <a:bodyPr/>
+          <a:lstStyle/>
+          <a:p>
+            <a:fld id="{5508A39D-4C1C-4E36-8DC0-64552EF26A19}" type="slidenum">
+              <a:rPr lang="en-US" smtClean="0"/>
+              <a:t>3</a:t>
+            </a:fld>
+            <a:endParaRPr lang="en-US"/>
+          </a:p>
+        </p:txBody>
+      </p:sp>
+    </p:spTree>
+    <p:extLst>
+      <p:ext uri="{BB962C8B-B14F-4D97-AF65-F5344CB8AC3E}">
+        <p14:creationId xmlns:p14="http://schemas.microsoft.com/office/powerpoint/2010/main" val="989625822"/>
+      </p:ext>
+    </p:extLst>
+  </p:cSld>
+  <p:clrMapOvr>
+    <a:masterClrMapping/>
+  </p:clrMapOvr>
+</p:notes>
+</file>
+
+<file path=ppt/notesSlides/notesSlide4.xml><?xml version="1.0" encoding="utf-8"?>
+<p:notes xmlns:a="http://schemas.openxmlformats.org/drawingml/2006/main" xmlns:r="http://schemas.openxmlformats.org/officeDocument/2006/relationships" xmlns:p="http://schemas.openxmlformats.org/presentationml/2006/main">
+  <p:cSld>
+    <p:spTree>
+      <p:nvGrpSpPr>
+        <p:cNvPr id="1" name=""/>
+        <p:cNvGrpSpPr/>
+        <p:nvPr/>
+      </p:nvGrpSpPr>
+      <p:grpSpPr>
+        <a:xfrm>
+          <a:off x="0" y="0"/>
+          <a:ext cx="0" cy="0"/>
+          <a:chOff x="0" y="0"/>
+          <a:chExt cx="0" cy="0"/>
+        </a:xfrm>
+      </p:grpSpPr>
+      <p:sp>
+        <p:nvSpPr>
+          <p:cNvPr id="2" name="Slide Image Placeholder 1"/>
+          <p:cNvSpPr>
+            <a:spLocks noGrp="1" noRot="1" noChangeAspect="1"/>
+          </p:cNvSpPr>
+          <p:nvPr>
+            <p:ph type="sldImg"/>
+          </p:nvPr>
+        </p:nvSpPr>
+        <p:spPr/>
+      </p:sp>
+      <p:sp>
+        <p:nvSpPr>
+          <p:cNvPr id="3" name="Notes Placeholder 2"/>
+          <p:cNvSpPr>
+            <a:spLocks noGrp="1"/>
+          </p:cNvSpPr>
+          <p:nvPr>
+            <p:ph type="body" idx="1"/>
+          </p:nvPr>
+        </p:nvSpPr>
+        <p:spPr/>
+        <p:txBody>
+          <a:bodyPr/>
+          <a:lstStyle/>
+          <a:p>
+            <a:r>
+              <a:rPr lang="en-US" dirty="0"/>
+              <a:t>Forb model</a:t>
+            </a:r>
+          </a:p>
+        </p:txBody>
+      </p:sp>
+      <p:sp>
+        <p:nvSpPr>
+          <p:cNvPr id="4" name="Slide Number Placeholder 3"/>
+          <p:cNvSpPr>
+            <a:spLocks noGrp="1"/>
+          </p:cNvSpPr>
+          <p:nvPr>
+            <p:ph type="sldNum" sz="quarter" idx="5"/>
+          </p:nvPr>
+        </p:nvSpPr>
+        <p:spPr/>
+        <p:txBody>
+          <a:bodyPr/>
+          <a:lstStyle/>
+          <a:p>
+            <a:fld id="{5508A39D-4C1C-4E36-8DC0-64552EF26A19}" type="slidenum">
+              <a:rPr lang="en-US" smtClean="0"/>
+              <a:t>4</a:t>
+            </a:fld>
+            <a:endParaRPr lang="en-US"/>
+          </a:p>
+        </p:txBody>
+      </p:sp>
+    </p:spTree>
+    <p:extLst>
+      <p:ext uri="{BB962C8B-B14F-4D97-AF65-F5344CB8AC3E}">
+        <p14:creationId xmlns:p14="http://schemas.microsoft.com/office/powerpoint/2010/main" val="3064140792"/>
+      </p:ext>
+    </p:extLst>
+  </p:cSld>
+  <p:clrMapOvr>
+    <a:masterClrMapping/>
+  </p:clrMapOvr>
+</p:notes>
 </file>
 
 <file path=ppt/slideLayouts/slideLayout1.xml><?xml version="1.0" encoding="utf-8"?>
@@ -254,7 +962,7 @@
           <a:p>
             <a:fld id="{87382854-844E-43E2-9B4F-1BD7657CF4C3}" type="datetimeFigureOut">
               <a:rPr lang="en-US" smtClean="0"/>
-              <a:t>5/5/2023</a:t>
+              <a:t>5/6/2023</a:t>
             </a:fld>
             <a:endParaRPr lang="en-US"/>
           </a:p>
@@ -452,7 +1160,7 @@
           <a:p>
             <a:fld id="{87382854-844E-43E2-9B4F-1BD7657CF4C3}" type="datetimeFigureOut">
               <a:rPr lang="en-US" smtClean="0"/>
-              <a:t>5/5/2023</a:t>
+              <a:t>5/6/2023</a:t>
             </a:fld>
             <a:endParaRPr lang="en-US"/>
           </a:p>
@@ -660,7 +1368,7 @@
           <a:p>
             <a:fld id="{87382854-844E-43E2-9B4F-1BD7657CF4C3}" type="datetimeFigureOut">
               <a:rPr lang="en-US" smtClean="0"/>
-              <a:t>5/5/2023</a:t>
+              <a:t>5/6/2023</a:t>
             </a:fld>
             <a:endParaRPr lang="en-US"/>
           </a:p>
@@ -858,7 +1566,7 @@
           <a:p>
             <a:fld id="{87382854-844E-43E2-9B4F-1BD7657CF4C3}" type="datetimeFigureOut">
               <a:rPr lang="en-US" smtClean="0"/>
-              <a:t>5/5/2023</a:t>
+              <a:t>5/6/2023</a:t>
             </a:fld>
             <a:endParaRPr lang="en-US"/>
           </a:p>
@@ -1133,7 +1841,7 @@
           <a:p>
             <a:fld id="{87382854-844E-43E2-9B4F-1BD7657CF4C3}" type="datetimeFigureOut">
               <a:rPr lang="en-US" smtClean="0"/>
-              <a:t>5/5/2023</a:t>
+              <a:t>5/6/2023</a:t>
             </a:fld>
             <a:endParaRPr lang="en-US"/>
           </a:p>
@@ -1398,7 +2106,7 @@
           <a:p>
             <a:fld id="{87382854-844E-43E2-9B4F-1BD7657CF4C3}" type="datetimeFigureOut">
               <a:rPr lang="en-US" smtClean="0"/>
-              <a:t>5/5/2023</a:t>
+              <a:t>5/6/2023</a:t>
             </a:fld>
             <a:endParaRPr lang="en-US"/>
           </a:p>
@@ -1810,7 +2518,7 @@
           <a:p>
             <a:fld id="{87382854-844E-43E2-9B4F-1BD7657CF4C3}" type="datetimeFigureOut">
               <a:rPr lang="en-US" smtClean="0"/>
-              <a:t>5/5/2023</a:t>
+              <a:t>5/6/2023</a:t>
             </a:fld>
             <a:endParaRPr lang="en-US"/>
           </a:p>
@@ -1951,7 +2659,7 @@
           <a:p>
             <a:fld id="{87382854-844E-43E2-9B4F-1BD7657CF4C3}" type="datetimeFigureOut">
               <a:rPr lang="en-US" smtClean="0"/>
-              <a:t>5/5/2023</a:t>
+              <a:t>5/6/2023</a:t>
             </a:fld>
             <a:endParaRPr lang="en-US"/>
           </a:p>
@@ -2064,7 +2772,7 @@
           <a:p>
             <a:fld id="{87382854-844E-43E2-9B4F-1BD7657CF4C3}" type="datetimeFigureOut">
               <a:rPr lang="en-US" smtClean="0"/>
-              <a:t>5/5/2023</a:t>
+              <a:t>5/6/2023</a:t>
             </a:fld>
             <a:endParaRPr lang="en-US"/>
           </a:p>
@@ -2375,7 +3083,7 @@
           <a:p>
             <a:fld id="{87382854-844E-43E2-9B4F-1BD7657CF4C3}" type="datetimeFigureOut">
               <a:rPr lang="en-US" smtClean="0"/>
-              <a:t>5/5/2023</a:t>
+              <a:t>5/6/2023</a:t>
             </a:fld>
             <a:endParaRPr lang="en-US"/>
           </a:p>
@@ -2663,7 +3371,7 @@
           <a:p>
             <a:fld id="{87382854-844E-43E2-9B4F-1BD7657CF4C3}" type="datetimeFigureOut">
               <a:rPr lang="en-US" smtClean="0"/>
-              <a:t>5/5/2023</a:t>
+              <a:t>5/6/2023</a:t>
             </a:fld>
             <a:endParaRPr lang="en-US"/>
           </a:p>
@@ -2904,7 +3612,7 @@
           <a:p>
             <a:fld id="{87382854-844E-43E2-9B4F-1BD7657CF4C3}" type="datetimeFigureOut">
               <a:rPr lang="en-US" smtClean="0"/>
-              <a:t>5/5/2023</a:t>
+              <a:t>5/6/2023</a:t>
             </a:fld>
             <a:endParaRPr lang="en-US"/>
           </a:p>
@@ -3323,27 +4031,902 @@
       </p:grpSpPr>
       <p:cxnSp>
         <p:nvCxnSpPr>
-          <p:cNvPr id="148" name="Straight Arrow Connector 147">
-            <a:extLst>
-              <a:ext uri="{FF2B5EF4-FFF2-40B4-BE49-F238E27FC236}">
-                <a16:creationId xmlns:a16="http://schemas.microsoft.com/office/drawing/2014/main" id="{797CE5DD-45E4-7FD5-B51A-25A9F35CDFB5}"/>
+          <p:cNvPr id="62" name="Straight Arrow Connector 61">
+            <a:extLst>
+              <a:ext uri="{FF2B5EF4-FFF2-40B4-BE49-F238E27FC236}">
+                <a16:creationId xmlns:a16="http://schemas.microsoft.com/office/drawing/2014/main" id="{C8FE9F54-0D44-22E3-1600-7AB8B9FFB2B6}"/>
               </a:ext>
             </a:extLst>
           </p:cNvPr>
           <p:cNvCxnSpPr>
             <a:cxnSpLocks/>
+            <a:stCxn id="8" idx="1"/>
+            <a:endCxn id="23" idx="3"/>
           </p:cNvCxnSpPr>
           <p:nvPr/>
         </p:nvCxnSpPr>
         <p:spPr>
           <a:xfrm flipH="1">
-            <a:off x="5392518" y="736693"/>
-            <a:ext cx="2835815" cy="2406888"/>
+            <a:off x="4791990" y="851066"/>
+            <a:ext cx="3290779" cy="473723"/>
           </a:xfrm>
           <a:prstGeom prst="straightConnector1">
             <a:avLst/>
           </a:prstGeom>
-          <a:ln w="8890">
+          <a:ln w="38100">
+            <a:solidFill>
+              <a:schemeClr val="accent6"/>
+            </a:solidFill>
+            <a:tailEnd type="triangle"/>
+          </a:ln>
+        </p:spPr>
+        <p:style>
+          <a:lnRef idx="1">
+            <a:schemeClr val="accent1"/>
+          </a:lnRef>
+          <a:fillRef idx="0">
+            <a:schemeClr val="accent1"/>
+          </a:fillRef>
+          <a:effectRef idx="0">
+            <a:schemeClr val="accent1"/>
+          </a:effectRef>
+          <a:fontRef idx="minor">
+            <a:schemeClr val="tx1"/>
+          </a:fontRef>
+        </p:style>
+      </p:cxnSp>
+      <p:cxnSp>
+        <p:nvCxnSpPr>
+          <p:cNvPr id="138" name="Straight Arrow Connector 137">
+            <a:extLst>
+              <a:ext uri="{FF2B5EF4-FFF2-40B4-BE49-F238E27FC236}">
+                <a16:creationId xmlns:a16="http://schemas.microsoft.com/office/drawing/2014/main" id="{D0DFEE5B-7A32-5E01-E53B-90D2BCD1734C}"/>
+              </a:ext>
+            </a:extLst>
+          </p:cNvPr>
+          <p:cNvCxnSpPr>
+            <a:cxnSpLocks/>
+            <a:stCxn id="14" idx="1"/>
+            <a:endCxn id="50" idx="3"/>
+          </p:cNvCxnSpPr>
+          <p:nvPr/>
+        </p:nvCxnSpPr>
+        <p:spPr>
+          <a:xfrm flipH="1" flipV="1">
+            <a:off x="4989735" y="5493902"/>
+            <a:ext cx="3085377" cy="455684"/>
+          </a:xfrm>
+          <a:prstGeom prst="straightConnector1">
+            <a:avLst/>
+          </a:prstGeom>
+          <a:ln w="38100">
+            <a:solidFill>
+              <a:schemeClr val="tx1"/>
+            </a:solidFill>
+            <a:tailEnd type="triangle"/>
+          </a:ln>
+        </p:spPr>
+        <p:style>
+          <a:lnRef idx="1">
+            <a:schemeClr val="accent1"/>
+          </a:lnRef>
+          <a:fillRef idx="0">
+            <a:schemeClr val="accent1"/>
+          </a:fillRef>
+          <a:effectRef idx="0">
+            <a:schemeClr val="accent1"/>
+          </a:effectRef>
+          <a:fontRef idx="minor">
+            <a:schemeClr val="tx1"/>
+          </a:fontRef>
+        </p:style>
+      </p:cxnSp>
+      <p:cxnSp>
+        <p:nvCxnSpPr>
+          <p:cNvPr id="134" name="Straight Arrow Connector 133">
+            <a:extLst>
+              <a:ext uri="{FF2B5EF4-FFF2-40B4-BE49-F238E27FC236}">
+                <a16:creationId xmlns:a16="http://schemas.microsoft.com/office/drawing/2014/main" id="{4999A388-2A62-CCD5-ADD6-6A33D0384293}"/>
+              </a:ext>
+            </a:extLst>
+          </p:cNvPr>
+          <p:cNvCxnSpPr>
+            <a:cxnSpLocks/>
+            <a:endCxn id="44" idx="3"/>
+          </p:cNvCxnSpPr>
+          <p:nvPr/>
+        </p:nvCxnSpPr>
+        <p:spPr>
+          <a:xfrm flipH="1" flipV="1">
+            <a:off x="4782510" y="3346397"/>
+            <a:ext cx="3499058" cy="2824003"/>
+          </a:xfrm>
+          <a:prstGeom prst="straightConnector1">
+            <a:avLst/>
+          </a:prstGeom>
+          <a:ln w="38100">
+            <a:solidFill>
+              <a:schemeClr val="tx1"/>
+            </a:solidFill>
+            <a:tailEnd type="triangle"/>
+          </a:ln>
+        </p:spPr>
+        <p:style>
+          <a:lnRef idx="1">
+            <a:schemeClr val="accent1"/>
+          </a:lnRef>
+          <a:fillRef idx="0">
+            <a:schemeClr val="accent1"/>
+          </a:fillRef>
+          <a:effectRef idx="0">
+            <a:schemeClr val="accent1"/>
+          </a:effectRef>
+          <a:fontRef idx="minor">
+            <a:schemeClr val="tx1"/>
+          </a:fontRef>
+        </p:style>
+      </p:cxnSp>
+      <p:cxnSp>
+        <p:nvCxnSpPr>
+          <p:cNvPr id="131" name="Straight Arrow Connector 130">
+            <a:extLst>
+              <a:ext uri="{FF2B5EF4-FFF2-40B4-BE49-F238E27FC236}">
+                <a16:creationId xmlns:a16="http://schemas.microsoft.com/office/drawing/2014/main" id="{F7EB5C53-9820-F37A-D410-E65BC128A2F4}"/>
+              </a:ext>
+            </a:extLst>
+          </p:cNvPr>
+          <p:cNvCxnSpPr>
+            <a:cxnSpLocks/>
+            <a:stCxn id="14" idx="1"/>
+            <a:endCxn id="47" idx="3"/>
+          </p:cNvCxnSpPr>
+          <p:nvPr/>
+        </p:nvCxnSpPr>
+        <p:spPr>
+          <a:xfrm flipH="1" flipV="1">
+            <a:off x="5018420" y="4417411"/>
+            <a:ext cx="3056692" cy="1532175"/>
+          </a:xfrm>
+          <a:prstGeom prst="straightConnector1">
+            <a:avLst/>
+          </a:prstGeom>
+          <a:ln w="38100">
+            <a:solidFill>
+              <a:schemeClr val="tx1"/>
+            </a:solidFill>
+            <a:tailEnd type="triangle"/>
+          </a:ln>
+        </p:spPr>
+        <p:style>
+          <a:lnRef idx="1">
+            <a:schemeClr val="accent1"/>
+          </a:lnRef>
+          <a:fillRef idx="0">
+            <a:schemeClr val="accent1"/>
+          </a:fillRef>
+          <a:effectRef idx="0">
+            <a:schemeClr val="accent1"/>
+          </a:effectRef>
+          <a:fontRef idx="minor">
+            <a:schemeClr val="tx1"/>
+          </a:fontRef>
+        </p:style>
+      </p:cxnSp>
+      <p:cxnSp>
+        <p:nvCxnSpPr>
+          <p:cNvPr id="127" name="Straight Arrow Connector 126">
+            <a:extLst>
+              <a:ext uri="{FF2B5EF4-FFF2-40B4-BE49-F238E27FC236}">
+                <a16:creationId xmlns:a16="http://schemas.microsoft.com/office/drawing/2014/main" id="{915BF2C8-4A8C-FB2A-DB68-205FA98D8477}"/>
+              </a:ext>
+            </a:extLst>
+          </p:cNvPr>
+          <p:cNvCxnSpPr>
+            <a:cxnSpLocks/>
+            <a:stCxn id="14" idx="1"/>
+            <a:endCxn id="23" idx="3"/>
+          </p:cNvCxnSpPr>
+          <p:nvPr/>
+        </p:nvCxnSpPr>
+        <p:spPr>
+          <a:xfrm flipH="1" flipV="1">
+            <a:off x="4791990" y="1324789"/>
+            <a:ext cx="3283122" cy="4624797"/>
+          </a:xfrm>
+          <a:prstGeom prst="straightConnector1">
+            <a:avLst/>
+          </a:prstGeom>
+          <a:ln w="38100">
+            <a:solidFill>
+              <a:schemeClr val="tx1"/>
+            </a:solidFill>
+            <a:tailEnd type="triangle"/>
+          </a:ln>
+        </p:spPr>
+        <p:style>
+          <a:lnRef idx="1">
+            <a:schemeClr val="accent1"/>
+          </a:lnRef>
+          <a:fillRef idx="0">
+            <a:schemeClr val="accent1"/>
+          </a:fillRef>
+          <a:effectRef idx="0">
+            <a:schemeClr val="accent1"/>
+          </a:effectRef>
+          <a:fontRef idx="minor">
+            <a:schemeClr val="tx1"/>
+          </a:fontRef>
+        </p:style>
+      </p:cxnSp>
+      <p:cxnSp>
+        <p:nvCxnSpPr>
+          <p:cNvPr id="124" name="Straight Arrow Connector 123">
+            <a:extLst>
+              <a:ext uri="{FF2B5EF4-FFF2-40B4-BE49-F238E27FC236}">
+                <a16:creationId xmlns:a16="http://schemas.microsoft.com/office/drawing/2014/main" id="{22FF30A7-7D92-4858-C8B8-F4112B03DF1E}"/>
+              </a:ext>
+            </a:extLst>
+          </p:cNvPr>
+          <p:cNvCxnSpPr>
+            <a:cxnSpLocks/>
+            <a:stCxn id="14" idx="1"/>
+            <a:endCxn id="41" idx="3"/>
+          </p:cNvCxnSpPr>
+          <p:nvPr/>
+        </p:nvCxnSpPr>
+        <p:spPr>
+          <a:xfrm flipH="1" flipV="1">
+            <a:off x="4766735" y="2272262"/>
+            <a:ext cx="3308377" cy="3677324"/>
+          </a:xfrm>
+          <a:prstGeom prst="straightConnector1">
+            <a:avLst/>
+          </a:prstGeom>
+          <a:ln w="38100">
+            <a:solidFill>
+              <a:schemeClr val="tx1"/>
+            </a:solidFill>
+            <a:tailEnd type="triangle"/>
+          </a:ln>
+        </p:spPr>
+        <p:style>
+          <a:lnRef idx="1">
+            <a:schemeClr val="accent1"/>
+          </a:lnRef>
+          <a:fillRef idx="0">
+            <a:schemeClr val="accent1"/>
+          </a:fillRef>
+          <a:effectRef idx="0">
+            <a:schemeClr val="accent1"/>
+          </a:effectRef>
+          <a:fontRef idx="minor">
+            <a:schemeClr val="tx1"/>
+          </a:fontRef>
+        </p:style>
+      </p:cxnSp>
+      <p:cxnSp>
+        <p:nvCxnSpPr>
+          <p:cNvPr id="114" name="Straight Arrow Connector 113">
+            <a:extLst>
+              <a:ext uri="{FF2B5EF4-FFF2-40B4-BE49-F238E27FC236}">
+                <a16:creationId xmlns:a16="http://schemas.microsoft.com/office/drawing/2014/main" id="{4331AAF8-4CF7-DCBF-69B5-2398647384D6}"/>
+              </a:ext>
+            </a:extLst>
+          </p:cNvPr>
+          <p:cNvCxnSpPr>
+            <a:cxnSpLocks/>
+            <a:stCxn id="6" idx="1"/>
+            <a:endCxn id="47" idx="3"/>
+          </p:cNvCxnSpPr>
+          <p:nvPr/>
+        </p:nvCxnSpPr>
+        <p:spPr>
+          <a:xfrm flipH="1">
+            <a:off x="5018420" y="4337037"/>
+            <a:ext cx="3064349" cy="80374"/>
+          </a:xfrm>
+          <a:prstGeom prst="straightConnector1">
+            <a:avLst/>
+          </a:prstGeom>
+          <a:ln w="38100">
+            <a:solidFill>
+              <a:schemeClr val="accent6"/>
+            </a:solidFill>
+            <a:tailEnd type="triangle"/>
+          </a:ln>
+        </p:spPr>
+        <p:style>
+          <a:lnRef idx="1">
+            <a:schemeClr val="accent1"/>
+          </a:lnRef>
+          <a:fillRef idx="0">
+            <a:schemeClr val="accent1"/>
+          </a:fillRef>
+          <a:effectRef idx="0">
+            <a:schemeClr val="accent1"/>
+          </a:effectRef>
+          <a:fontRef idx="minor">
+            <a:schemeClr val="tx1"/>
+          </a:fontRef>
+        </p:style>
+      </p:cxnSp>
+      <p:cxnSp>
+        <p:nvCxnSpPr>
+          <p:cNvPr id="111" name="Straight Arrow Connector 110">
+            <a:extLst>
+              <a:ext uri="{FF2B5EF4-FFF2-40B4-BE49-F238E27FC236}">
+                <a16:creationId xmlns:a16="http://schemas.microsoft.com/office/drawing/2014/main" id="{878B0D33-4CFA-2B5D-1F77-BE43C750A28B}"/>
+              </a:ext>
+            </a:extLst>
+          </p:cNvPr>
+          <p:cNvCxnSpPr>
+            <a:cxnSpLocks/>
+            <a:stCxn id="6" idx="1"/>
+            <a:endCxn id="44" idx="3"/>
+          </p:cNvCxnSpPr>
+          <p:nvPr/>
+        </p:nvCxnSpPr>
+        <p:spPr>
+          <a:xfrm flipH="1" flipV="1">
+            <a:off x="4782510" y="3346397"/>
+            <a:ext cx="3300259" cy="990640"/>
+          </a:xfrm>
+          <a:prstGeom prst="straightConnector1">
+            <a:avLst/>
+          </a:prstGeom>
+          <a:ln w="38100">
+            <a:solidFill>
+              <a:schemeClr val="accent6"/>
+            </a:solidFill>
+            <a:tailEnd type="triangle"/>
+          </a:ln>
+        </p:spPr>
+        <p:style>
+          <a:lnRef idx="1">
+            <a:schemeClr val="accent1"/>
+          </a:lnRef>
+          <a:fillRef idx="0">
+            <a:schemeClr val="accent1"/>
+          </a:fillRef>
+          <a:effectRef idx="0">
+            <a:schemeClr val="accent1"/>
+          </a:effectRef>
+          <a:fontRef idx="minor">
+            <a:schemeClr val="tx1"/>
+          </a:fontRef>
+        </p:style>
+      </p:cxnSp>
+      <p:cxnSp>
+        <p:nvCxnSpPr>
+          <p:cNvPr id="104" name="Straight Arrow Connector 103">
+            <a:extLst>
+              <a:ext uri="{FF2B5EF4-FFF2-40B4-BE49-F238E27FC236}">
+                <a16:creationId xmlns:a16="http://schemas.microsoft.com/office/drawing/2014/main" id="{A4D3C0FF-FC51-542A-DAD1-20857D8AEF38}"/>
+              </a:ext>
+            </a:extLst>
+          </p:cNvPr>
+          <p:cNvCxnSpPr>
+            <a:cxnSpLocks/>
+            <a:stCxn id="10" idx="1"/>
+            <a:endCxn id="53" idx="3"/>
+          </p:cNvCxnSpPr>
+          <p:nvPr/>
+        </p:nvCxnSpPr>
+        <p:spPr>
+          <a:xfrm flipH="1">
+            <a:off x="4782509" y="2583974"/>
+            <a:ext cx="3307541" cy="3986419"/>
+          </a:xfrm>
+          <a:prstGeom prst="straightConnector1">
+            <a:avLst/>
+          </a:prstGeom>
+          <a:ln w="38100">
+            <a:solidFill>
+              <a:schemeClr val="tx1"/>
+            </a:solidFill>
+            <a:tailEnd type="triangle"/>
+          </a:ln>
+        </p:spPr>
+        <p:style>
+          <a:lnRef idx="1">
+            <a:schemeClr val="accent1"/>
+          </a:lnRef>
+          <a:fillRef idx="0">
+            <a:schemeClr val="accent1"/>
+          </a:fillRef>
+          <a:effectRef idx="0">
+            <a:schemeClr val="accent1"/>
+          </a:effectRef>
+          <a:fontRef idx="minor">
+            <a:schemeClr val="tx1"/>
+          </a:fontRef>
+        </p:style>
+      </p:cxnSp>
+      <p:cxnSp>
+        <p:nvCxnSpPr>
+          <p:cNvPr id="101" name="Straight Arrow Connector 100">
+            <a:extLst>
+              <a:ext uri="{FF2B5EF4-FFF2-40B4-BE49-F238E27FC236}">
+                <a16:creationId xmlns:a16="http://schemas.microsoft.com/office/drawing/2014/main" id="{9B72A330-1C25-E1EC-C729-CABC8475793D}"/>
+              </a:ext>
+            </a:extLst>
+          </p:cNvPr>
+          <p:cNvCxnSpPr>
+            <a:cxnSpLocks/>
+            <a:stCxn id="10" idx="1"/>
+            <a:endCxn id="19" idx="3"/>
+          </p:cNvCxnSpPr>
+          <p:nvPr/>
+        </p:nvCxnSpPr>
+        <p:spPr>
+          <a:xfrm flipH="1" flipV="1">
+            <a:off x="7460455" y="580276"/>
+            <a:ext cx="629595" cy="2003698"/>
+          </a:xfrm>
+          <a:prstGeom prst="straightConnector1">
+            <a:avLst/>
+          </a:prstGeom>
+          <a:ln w="38100">
+            <a:solidFill>
+              <a:schemeClr val="accent6"/>
+            </a:solidFill>
+            <a:tailEnd type="triangle"/>
+          </a:ln>
+        </p:spPr>
+        <p:style>
+          <a:lnRef idx="1">
+            <a:schemeClr val="accent1"/>
+          </a:lnRef>
+          <a:fillRef idx="0">
+            <a:schemeClr val="accent1"/>
+          </a:fillRef>
+          <a:effectRef idx="0">
+            <a:schemeClr val="accent1"/>
+          </a:effectRef>
+          <a:fontRef idx="minor">
+            <a:schemeClr val="tx1"/>
+          </a:fontRef>
+        </p:style>
+      </p:cxnSp>
+      <p:cxnSp>
+        <p:nvCxnSpPr>
+          <p:cNvPr id="97" name="Straight Arrow Connector 96">
+            <a:extLst>
+              <a:ext uri="{FF2B5EF4-FFF2-40B4-BE49-F238E27FC236}">
+                <a16:creationId xmlns:a16="http://schemas.microsoft.com/office/drawing/2014/main" id="{38711E2F-ED93-96B2-5E91-480E9E9F2CB4}"/>
+              </a:ext>
+            </a:extLst>
+          </p:cNvPr>
+          <p:cNvCxnSpPr>
+            <a:cxnSpLocks/>
+            <a:stCxn id="10" idx="1"/>
+            <a:endCxn id="23" idx="3"/>
+          </p:cNvCxnSpPr>
+          <p:nvPr/>
+        </p:nvCxnSpPr>
+        <p:spPr>
+          <a:xfrm flipH="1" flipV="1">
+            <a:off x="4791990" y="1324789"/>
+            <a:ext cx="3298060" cy="1259185"/>
+          </a:xfrm>
+          <a:prstGeom prst="straightConnector1">
+            <a:avLst/>
+          </a:prstGeom>
+          <a:ln w="38100">
+            <a:solidFill>
+              <a:schemeClr val="accent6"/>
+            </a:solidFill>
+            <a:tailEnd type="triangle"/>
+          </a:ln>
+        </p:spPr>
+        <p:style>
+          <a:lnRef idx="1">
+            <a:schemeClr val="accent1"/>
+          </a:lnRef>
+          <a:fillRef idx="0">
+            <a:schemeClr val="accent1"/>
+          </a:fillRef>
+          <a:effectRef idx="0">
+            <a:schemeClr val="accent1"/>
+          </a:effectRef>
+          <a:fontRef idx="minor">
+            <a:schemeClr val="tx1"/>
+          </a:fontRef>
+        </p:style>
+      </p:cxnSp>
+      <p:cxnSp>
+        <p:nvCxnSpPr>
+          <p:cNvPr id="93" name="Straight Arrow Connector 92">
+            <a:extLst>
+              <a:ext uri="{FF2B5EF4-FFF2-40B4-BE49-F238E27FC236}">
+                <a16:creationId xmlns:a16="http://schemas.microsoft.com/office/drawing/2014/main" id="{899A8D06-247B-6A69-C6BF-3C6D96EA8716}"/>
+              </a:ext>
+            </a:extLst>
+          </p:cNvPr>
+          <p:cNvCxnSpPr>
+            <a:cxnSpLocks/>
+            <a:stCxn id="10" idx="1"/>
+            <a:endCxn id="41" idx="3"/>
+          </p:cNvCxnSpPr>
+          <p:nvPr/>
+        </p:nvCxnSpPr>
+        <p:spPr>
+          <a:xfrm flipH="1" flipV="1">
+            <a:off x="4766735" y="2272262"/>
+            <a:ext cx="3323315" cy="311712"/>
+          </a:xfrm>
+          <a:prstGeom prst="straightConnector1">
+            <a:avLst/>
+          </a:prstGeom>
+          <a:ln w="38100">
+            <a:solidFill>
+              <a:schemeClr val="accent6"/>
+            </a:solidFill>
+            <a:tailEnd type="triangle"/>
+          </a:ln>
+        </p:spPr>
+        <p:style>
+          <a:lnRef idx="1">
+            <a:schemeClr val="accent1"/>
+          </a:lnRef>
+          <a:fillRef idx="0">
+            <a:schemeClr val="accent1"/>
+          </a:fillRef>
+          <a:effectRef idx="0">
+            <a:schemeClr val="accent1"/>
+          </a:effectRef>
+          <a:fontRef idx="minor">
+            <a:schemeClr val="tx1"/>
+          </a:fontRef>
+        </p:style>
+      </p:cxnSp>
+      <p:cxnSp>
+        <p:nvCxnSpPr>
+          <p:cNvPr id="87" name="Straight Arrow Connector 86">
+            <a:extLst>
+              <a:ext uri="{FF2B5EF4-FFF2-40B4-BE49-F238E27FC236}">
+                <a16:creationId xmlns:a16="http://schemas.microsoft.com/office/drawing/2014/main" id="{CA1F838F-B3B5-C11D-51A0-CCD2F44990C0}"/>
+              </a:ext>
+            </a:extLst>
+          </p:cNvPr>
+          <p:cNvCxnSpPr>
+            <a:cxnSpLocks/>
+            <a:stCxn id="8" idx="1"/>
+            <a:endCxn id="53" idx="3"/>
+          </p:cNvCxnSpPr>
+          <p:nvPr/>
+        </p:nvCxnSpPr>
+        <p:spPr>
+          <a:xfrm flipH="1">
+            <a:off x="4782509" y="851066"/>
+            <a:ext cx="3300260" cy="5719327"/>
+          </a:xfrm>
+          <a:prstGeom prst="straightConnector1">
+            <a:avLst/>
+          </a:prstGeom>
+          <a:ln w="38100">
+            <a:solidFill>
+              <a:schemeClr val="tx1"/>
+            </a:solidFill>
+            <a:tailEnd type="triangle"/>
+          </a:ln>
+        </p:spPr>
+        <p:style>
+          <a:lnRef idx="1">
+            <a:schemeClr val="accent1"/>
+          </a:lnRef>
+          <a:fillRef idx="0">
+            <a:schemeClr val="accent1"/>
+          </a:fillRef>
+          <a:effectRef idx="0">
+            <a:schemeClr val="accent1"/>
+          </a:effectRef>
+          <a:fontRef idx="minor">
+            <a:schemeClr val="tx1"/>
+          </a:fontRef>
+        </p:style>
+      </p:cxnSp>
+      <p:cxnSp>
+        <p:nvCxnSpPr>
+          <p:cNvPr id="82" name="Straight Arrow Connector 81">
+            <a:extLst>
+              <a:ext uri="{FF2B5EF4-FFF2-40B4-BE49-F238E27FC236}">
+                <a16:creationId xmlns:a16="http://schemas.microsoft.com/office/drawing/2014/main" id="{2DD6F82A-FFC7-E193-B908-B03D12E8F7DD}"/>
+              </a:ext>
+            </a:extLst>
+          </p:cNvPr>
+          <p:cNvCxnSpPr>
+            <a:cxnSpLocks/>
+            <a:stCxn id="19" idx="2"/>
+            <a:endCxn id="41" idx="3"/>
+          </p:cNvCxnSpPr>
+          <p:nvPr/>
+        </p:nvCxnSpPr>
+        <p:spPr>
+          <a:xfrm flipH="1">
+            <a:off x="4766735" y="841886"/>
+            <a:ext cx="1783859" cy="1430376"/>
+          </a:xfrm>
+          <a:prstGeom prst="straightConnector1">
+            <a:avLst/>
+          </a:prstGeom>
+          <a:ln w="38100">
+            <a:solidFill>
+              <a:schemeClr val="accent6"/>
+            </a:solidFill>
+            <a:tailEnd type="triangle"/>
+          </a:ln>
+        </p:spPr>
+        <p:style>
+          <a:lnRef idx="1">
+            <a:schemeClr val="accent1"/>
+          </a:lnRef>
+          <a:fillRef idx="0">
+            <a:schemeClr val="accent1"/>
+          </a:fillRef>
+          <a:effectRef idx="0">
+            <a:schemeClr val="accent1"/>
+          </a:effectRef>
+          <a:fontRef idx="minor">
+            <a:schemeClr val="tx1"/>
+          </a:fontRef>
+        </p:style>
+      </p:cxnSp>
+      <p:cxnSp>
+        <p:nvCxnSpPr>
+          <p:cNvPr id="76" name="Straight Arrow Connector 75">
+            <a:extLst>
+              <a:ext uri="{FF2B5EF4-FFF2-40B4-BE49-F238E27FC236}">
+                <a16:creationId xmlns:a16="http://schemas.microsoft.com/office/drawing/2014/main" id="{7567D114-91E2-D08E-8F63-FE9B18A19ABC}"/>
+              </a:ext>
+            </a:extLst>
+          </p:cNvPr>
+          <p:cNvCxnSpPr>
+            <a:cxnSpLocks/>
+            <a:stCxn id="8" idx="1"/>
+            <a:endCxn id="44" idx="3"/>
+          </p:cNvCxnSpPr>
+          <p:nvPr/>
+        </p:nvCxnSpPr>
+        <p:spPr>
+          <a:xfrm flipH="1">
+            <a:off x="4782510" y="851066"/>
+            <a:ext cx="3300259" cy="2495331"/>
+          </a:xfrm>
+          <a:prstGeom prst="straightConnector1">
+            <a:avLst/>
+          </a:prstGeom>
+          <a:ln w="38100">
+            <a:solidFill>
+              <a:schemeClr val="accent6"/>
+            </a:solidFill>
+            <a:tailEnd type="triangle"/>
+          </a:ln>
+        </p:spPr>
+        <p:style>
+          <a:lnRef idx="1">
+            <a:schemeClr val="accent1"/>
+          </a:lnRef>
+          <a:fillRef idx="0">
+            <a:schemeClr val="accent1"/>
+          </a:fillRef>
+          <a:effectRef idx="0">
+            <a:schemeClr val="accent1"/>
+          </a:effectRef>
+          <a:fontRef idx="minor">
+            <a:schemeClr val="tx1"/>
+          </a:fontRef>
+        </p:style>
+      </p:cxnSp>
+      <p:cxnSp>
+        <p:nvCxnSpPr>
+          <p:cNvPr id="74" name="Straight Arrow Connector 73">
+            <a:extLst>
+              <a:ext uri="{FF2B5EF4-FFF2-40B4-BE49-F238E27FC236}">
+                <a16:creationId xmlns:a16="http://schemas.microsoft.com/office/drawing/2014/main" id="{3E53A455-A136-A860-61C5-AEB176FC9C09}"/>
+              </a:ext>
+            </a:extLst>
+          </p:cNvPr>
+          <p:cNvCxnSpPr>
+            <a:cxnSpLocks/>
+            <a:stCxn id="8" idx="1"/>
+            <a:endCxn id="41" idx="3"/>
+          </p:cNvCxnSpPr>
+          <p:nvPr/>
+        </p:nvCxnSpPr>
+        <p:spPr>
+          <a:xfrm flipH="1">
+            <a:off x="4766735" y="851066"/>
+            <a:ext cx="3316034" cy="1421196"/>
+          </a:xfrm>
+          <a:prstGeom prst="straightConnector1">
+            <a:avLst/>
+          </a:prstGeom>
+          <a:ln w="38100">
+            <a:solidFill>
+              <a:schemeClr val="accent6"/>
+            </a:solidFill>
+            <a:tailEnd type="triangle"/>
+          </a:ln>
+        </p:spPr>
+        <p:style>
+          <a:lnRef idx="1">
+            <a:schemeClr val="accent1"/>
+          </a:lnRef>
+          <a:fillRef idx="0">
+            <a:schemeClr val="accent1"/>
+          </a:fillRef>
+          <a:effectRef idx="0">
+            <a:schemeClr val="accent1"/>
+          </a:effectRef>
+          <a:fontRef idx="minor">
+            <a:schemeClr val="tx1"/>
+          </a:fontRef>
+        </p:style>
+      </p:cxnSp>
+      <p:cxnSp>
+        <p:nvCxnSpPr>
+          <p:cNvPr id="70" name="Straight Arrow Connector 69">
+            <a:extLst>
+              <a:ext uri="{FF2B5EF4-FFF2-40B4-BE49-F238E27FC236}">
+                <a16:creationId xmlns:a16="http://schemas.microsoft.com/office/drawing/2014/main" id="{F10EE848-F848-10F6-BE2D-7C74671A8981}"/>
+              </a:ext>
+            </a:extLst>
+          </p:cNvPr>
+          <p:cNvCxnSpPr>
+            <a:cxnSpLocks/>
+            <a:stCxn id="19" idx="2"/>
+            <a:endCxn id="23" idx="3"/>
+          </p:cNvCxnSpPr>
+          <p:nvPr/>
+        </p:nvCxnSpPr>
+        <p:spPr>
+          <a:xfrm flipH="1">
+            <a:off x="4791990" y="841886"/>
+            <a:ext cx="1758604" cy="482903"/>
+          </a:xfrm>
+          <a:prstGeom prst="straightConnector1">
+            <a:avLst/>
+          </a:prstGeom>
+          <a:ln w="38100">
+            <a:solidFill>
+              <a:schemeClr val="accent6"/>
+            </a:solidFill>
+            <a:tailEnd type="triangle"/>
+          </a:ln>
+        </p:spPr>
+        <p:style>
+          <a:lnRef idx="1">
+            <a:schemeClr val="accent1"/>
+          </a:lnRef>
+          <a:fillRef idx="0">
+            <a:schemeClr val="accent1"/>
+          </a:fillRef>
+          <a:effectRef idx="0">
+            <a:schemeClr val="accent1"/>
+          </a:effectRef>
+          <a:fontRef idx="minor">
+            <a:schemeClr val="tx1"/>
+          </a:fontRef>
+        </p:style>
+      </p:cxnSp>
+      <p:cxnSp>
+        <p:nvCxnSpPr>
+          <p:cNvPr id="169" name="Straight Arrow Connector 168">
+            <a:extLst>
+              <a:ext uri="{FF2B5EF4-FFF2-40B4-BE49-F238E27FC236}">
+                <a16:creationId xmlns:a16="http://schemas.microsoft.com/office/drawing/2014/main" id="{B2C04295-D614-E2E2-B306-D92456663339}"/>
+              </a:ext>
+            </a:extLst>
+          </p:cNvPr>
+          <p:cNvCxnSpPr>
+            <a:cxnSpLocks/>
+            <a:stCxn id="14" idx="1"/>
+            <a:endCxn id="53" idx="3"/>
+          </p:cNvCxnSpPr>
+          <p:nvPr/>
+        </p:nvCxnSpPr>
+        <p:spPr>
+          <a:xfrm flipH="1">
+            <a:off x="4782509" y="5949586"/>
+            <a:ext cx="3292603" cy="620807"/>
+          </a:xfrm>
+          <a:prstGeom prst="straightConnector1">
+            <a:avLst/>
+          </a:prstGeom>
+          <a:ln w="38100">
+            <a:solidFill>
+              <a:schemeClr val="accent6"/>
+            </a:solidFill>
+            <a:tailEnd type="triangle"/>
+          </a:ln>
+        </p:spPr>
+        <p:style>
+          <a:lnRef idx="1">
+            <a:schemeClr val="accent1"/>
+          </a:lnRef>
+          <a:fillRef idx="0">
+            <a:schemeClr val="accent1"/>
+          </a:fillRef>
+          <a:effectRef idx="0">
+            <a:schemeClr val="accent1"/>
+          </a:effectRef>
+          <a:fontRef idx="minor">
+            <a:schemeClr val="tx1"/>
+          </a:fontRef>
+        </p:style>
+      </p:cxnSp>
+      <p:cxnSp>
+        <p:nvCxnSpPr>
+          <p:cNvPr id="78" name="Straight Arrow Connector 77">
+            <a:extLst>
+              <a:ext uri="{FF2B5EF4-FFF2-40B4-BE49-F238E27FC236}">
+                <a16:creationId xmlns:a16="http://schemas.microsoft.com/office/drawing/2014/main" id="{155057BC-EAC4-E303-C490-D3532CF8D8F9}"/>
+              </a:ext>
+            </a:extLst>
+          </p:cNvPr>
+          <p:cNvCxnSpPr>
+            <a:cxnSpLocks/>
+            <a:stCxn id="6" idx="1"/>
+            <a:endCxn id="41" idx="3"/>
+          </p:cNvCxnSpPr>
+          <p:nvPr/>
+        </p:nvCxnSpPr>
+        <p:spPr>
+          <a:xfrm flipH="1" flipV="1">
+            <a:off x="4766735" y="2272262"/>
+            <a:ext cx="3316034" cy="2064775"/>
+          </a:xfrm>
+          <a:prstGeom prst="straightConnector1">
+            <a:avLst/>
+          </a:prstGeom>
+          <a:ln w="38100">
+            <a:solidFill>
+              <a:schemeClr val="accent6"/>
+            </a:solidFill>
+            <a:tailEnd type="triangle"/>
+          </a:ln>
+        </p:spPr>
+        <p:style>
+          <a:lnRef idx="1">
+            <a:schemeClr val="accent1"/>
+          </a:lnRef>
+          <a:fillRef idx="0">
+            <a:schemeClr val="accent1"/>
+          </a:fillRef>
+          <a:effectRef idx="0">
+            <a:schemeClr val="accent1"/>
+          </a:effectRef>
+          <a:fontRef idx="minor">
+            <a:schemeClr val="tx1"/>
+          </a:fontRef>
+        </p:style>
+      </p:cxnSp>
+      <p:cxnSp>
+        <p:nvCxnSpPr>
+          <p:cNvPr id="148" name="Straight Arrow Connector 147">
+            <a:extLst>
+              <a:ext uri="{FF2B5EF4-FFF2-40B4-BE49-F238E27FC236}">
+                <a16:creationId xmlns:a16="http://schemas.microsoft.com/office/drawing/2014/main" id="{797CE5DD-45E4-7FD5-B51A-25A9F35CDFB5}"/>
+              </a:ext>
+            </a:extLst>
+          </p:cNvPr>
+          <p:cNvCxnSpPr>
+            <a:cxnSpLocks/>
+            <a:stCxn id="8" idx="1"/>
+            <a:endCxn id="19" idx="3"/>
+          </p:cNvCxnSpPr>
+          <p:nvPr/>
+        </p:nvCxnSpPr>
+        <p:spPr>
+          <a:xfrm flipH="1" flipV="1">
+            <a:off x="7460455" y="580276"/>
+            <a:ext cx="622314" cy="270790"/>
+          </a:xfrm>
+          <a:prstGeom prst="straightConnector1">
+            <a:avLst/>
+          </a:prstGeom>
+          <a:ln w="38100">
             <a:solidFill>
               <a:schemeClr val="accent6"/>
             </a:solidFill>
@@ -3376,20 +4959,22 @@
           </p:cNvPr>
           <p:cNvCxnSpPr>
             <a:cxnSpLocks/>
+            <a:stCxn id="10" idx="1"/>
+            <a:endCxn id="44" idx="3"/>
           </p:cNvCxnSpPr>
           <p:nvPr/>
         </p:nvCxnSpPr>
         <p:spPr>
           <a:xfrm flipH="1">
-            <a:off x="4060771" y="2514485"/>
-            <a:ext cx="4767300" cy="291753"/>
+            <a:off x="4782510" y="2583974"/>
+            <a:ext cx="3307540" cy="762423"/>
           </a:xfrm>
           <a:prstGeom prst="straightConnector1">
             <a:avLst/>
           </a:prstGeom>
-          <a:ln w="4953">
+          <a:ln w="38100">
             <a:solidFill>
-              <a:schemeClr val="tx1"/>
+              <a:schemeClr val="accent6"/>
             </a:solidFill>
             <a:tailEnd type="triangle"/>
           </a:ln>
@@ -3420,20 +5005,22 @@
           </p:cNvPr>
           <p:cNvCxnSpPr>
             <a:cxnSpLocks/>
+            <a:stCxn id="10" idx="1"/>
+            <a:endCxn id="50" idx="3"/>
           </p:cNvCxnSpPr>
           <p:nvPr/>
         </p:nvCxnSpPr>
         <p:spPr>
           <a:xfrm flipH="1">
-            <a:off x="4209327" y="3335246"/>
-            <a:ext cx="3978227" cy="972687"/>
+            <a:off x="4989735" y="2583974"/>
+            <a:ext cx="3100315" cy="2909928"/>
           </a:xfrm>
           <a:prstGeom prst="straightConnector1">
             <a:avLst/>
           </a:prstGeom>
-          <a:ln w="1397">
+          <a:ln w="38100">
             <a:solidFill>
-              <a:schemeClr val="tx1"/>
+              <a:schemeClr val="accent6"/>
             </a:solidFill>
             <a:tailEnd type="triangle"/>
           </a:ln>
@@ -3464,18 +5051,20 @@
           </p:cNvPr>
           <p:cNvCxnSpPr>
             <a:cxnSpLocks/>
+            <a:stCxn id="6" idx="1"/>
+            <a:endCxn id="23" idx="3"/>
           </p:cNvCxnSpPr>
           <p:nvPr/>
         </p:nvCxnSpPr>
         <p:spPr>
           <a:xfrm flipH="1" flipV="1">
-            <a:off x="4047841" y="2629065"/>
-            <a:ext cx="4049166" cy="1047900"/>
+            <a:off x="4791990" y="1324789"/>
+            <a:ext cx="3290779" cy="3012248"/>
           </a:xfrm>
           <a:prstGeom prst="straightConnector1">
             <a:avLst/>
           </a:prstGeom>
-          <a:ln w="14351">
+          <a:ln w="38100">
             <a:solidFill>
               <a:schemeClr val="accent6"/>
             </a:solidFill>
@@ -3508,66 +5097,24 @@
           </p:cNvPr>
           <p:cNvCxnSpPr>
             <a:cxnSpLocks/>
+            <a:stCxn id="10" idx="1"/>
+            <a:endCxn id="47" idx="3"/>
           </p:cNvCxnSpPr>
           <p:nvPr/>
         </p:nvCxnSpPr>
         <p:spPr>
           <a:xfrm flipH="1">
-            <a:off x="5840606" y="2839160"/>
-            <a:ext cx="2403649" cy="367811"/>
+            <a:off x="5018420" y="2583974"/>
+            <a:ext cx="3071630" cy="1833437"/>
           </a:xfrm>
           <a:prstGeom prst="straightConnector1">
             <a:avLst/>
           </a:prstGeom>
-          <a:ln w="4953">
+          <a:ln w="38100">
             <a:solidFill>
               <a:schemeClr val="accent6"/>
             </a:solidFill>
-            <a:prstDash val="dash"/>
-            <a:tailEnd type="triangle"/>
-          </a:ln>
-        </p:spPr>
-        <p:style>
-          <a:lnRef idx="1">
-            <a:schemeClr val="accent1"/>
-          </a:lnRef>
-          <a:fillRef idx="0">
-            <a:schemeClr val="accent1"/>
-          </a:fillRef>
-          <a:effectRef idx="0">
-            <a:schemeClr val="accent1"/>
-          </a:effectRef>
-          <a:fontRef idx="minor">
-            <a:schemeClr val="tx1"/>
-          </a:fontRef>
-        </p:style>
-      </p:cxnSp>
-      <p:cxnSp>
-        <p:nvCxnSpPr>
-          <p:cNvPr id="95" name="Straight Arrow Connector 94">
-            <a:extLst>
-              <a:ext uri="{FF2B5EF4-FFF2-40B4-BE49-F238E27FC236}">
-                <a16:creationId xmlns:a16="http://schemas.microsoft.com/office/drawing/2014/main" id="{FD51B2C7-FBA2-D5D6-D5FF-4B4B9D76EF78}"/>
-              </a:ext>
-            </a:extLst>
-          </p:cNvPr>
-          <p:cNvCxnSpPr>
-            <a:cxnSpLocks/>
-          </p:cNvCxnSpPr>
-          <p:nvPr/>
-        </p:nvCxnSpPr>
-        <p:spPr>
-          <a:xfrm>
-            <a:off x="4060771" y="1005153"/>
-            <a:ext cx="574162" cy="340738"/>
-          </a:xfrm>
-          <a:prstGeom prst="straightConnector1">
-            <a:avLst/>
-          </a:prstGeom>
-          <a:ln w="33782">
-            <a:solidFill>
-              <a:schemeClr val="accent6"/>
-            </a:solidFill>
+            <a:prstDash val="solid"/>
             <a:tailEnd type="triangle"/>
           </a:ln>
         </p:spPr>
@@ -3597,19 +5144,20 @@
           </p:cNvPr>
           <p:cNvCxnSpPr>
             <a:cxnSpLocks/>
-            <a:endCxn id="19" idx="2"/>
+            <a:stCxn id="14" idx="1"/>
+            <a:endCxn id="19" idx="3"/>
           </p:cNvCxnSpPr>
           <p:nvPr/>
         </p:nvCxnSpPr>
         <p:spPr>
           <a:xfrm flipH="1" flipV="1">
-            <a:off x="6560130" y="1277290"/>
-            <a:ext cx="1613186" cy="4868369"/>
+            <a:off x="7460455" y="580276"/>
+            <a:ext cx="614657" cy="5369310"/>
           </a:xfrm>
           <a:prstGeom prst="straightConnector1">
             <a:avLst/>
           </a:prstGeom>
-          <a:ln w="72390">
+          <a:ln w="38100">
             <a:solidFill>
               <a:schemeClr val="tx1"/>
             </a:solidFill>
@@ -3642,66 +5190,23 @@
           </p:cNvPr>
           <p:cNvCxnSpPr>
             <a:cxnSpLocks/>
+            <a:stCxn id="6" idx="1"/>
+            <a:endCxn id="19" idx="3"/>
           </p:cNvCxnSpPr>
           <p:nvPr/>
         </p:nvCxnSpPr>
         <p:spPr>
           <a:xfrm flipH="1" flipV="1">
-            <a:off x="7001523" y="1248271"/>
-            <a:ext cx="1272252" cy="3181778"/>
+            <a:off x="7460455" y="580276"/>
+            <a:ext cx="622314" cy="3756761"/>
           </a:xfrm>
           <a:prstGeom prst="straightConnector1">
             <a:avLst/>
           </a:prstGeom>
-          <a:ln w="73660">
+          <a:ln w="38100">
             <a:solidFill>
               <a:schemeClr val="accent6"/>
             </a:solidFill>
-            <a:tailEnd type="triangle"/>
-          </a:ln>
-        </p:spPr>
-        <p:style>
-          <a:lnRef idx="1">
-            <a:schemeClr val="accent1"/>
-          </a:lnRef>
-          <a:fillRef idx="0">
-            <a:schemeClr val="accent1"/>
-          </a:fillRef>
-          <a:effectRef idx="0">
-            <a:schemeClr val="accent1"/>
-          </a:effectRef>
-          <a:fontRef idx="minor">
-            <a:schemeClr val="tx1"/>
-          </a:fontRef>
-        </p:style>
-      </p:cxnSp>
-      <p:cxnSp>
-        <p:nvCxnSpPr>
-          <p:cNvPr id="56" name="Straight Arrow Connector 55">
-            <a:extLst>
-              <a:ext uri="{FF2B5EF4-FFF2-40B4-BE49-F238E27FC236}">
-                <a16:creationId xmlns:a16="http://schemas.microsoft.com/office/drawing/2014/main" id="{35CD70BE-316A-A9B3-65FA-41FB0904E079}"/>
-              </a:ext>
-            </a:extLst>
-          </p:cNvPr>
-          <p:cNvCxnSpPr>
-            <a:cxnSpLocks/>
-          </p:cNvCxnSpPr>
-          <p:nvPr/>
-        </p:nvCxnSpPr>
-        <p:spPr>
-          <a:xfrm flipH="1" flipV="1">
-            <a:off x="7286705" y="1073359"/>
-            <a:ext cx="886611" cy="881397"/>
-          </a:xfrm>
-          <a:prstGeom prst="straightConnector1">
-            <a:avLst/>
-          </a:prstGeom>
-          <a:ln w="53340">
-            <a:solidFill>
-              <a:schemeClr val="accent6"/>
-            </a:solidFill>
-            <a:prstDash val="sysDot"/>
             <a:tailEnd type="triangle"/>
           </a:ln>
         </p:spPr>
@@ -3735,7 +5240,7 @@
           <p:nvPr/>
         </p:nvPicPr>
         <p:blipFill rotWithShape="1">
-          <a:blip r:embed="rId2">
+          <a:blip r:embed="rId3">
             <a:extLst>
               <a:ext uri="{28A0092B-C50C-407E-A947-70E740481C1C}">
                 <a14:useLocalDpi xmlns:a14="http://schemas.microsoft.com/office/drawing/2010/main" val="0"/>
@@ -3770,7 +5275,7 @@
           <p:nvPr/>
         </p:nvPicPr>
         <p:blipFill rotWithShape="1">
-          <a:blip r:embed="rId3">
+          <a:blip r:embed="rId4">
             <a:extLst>
               <a:ext uri="{28A0092B-C50C-407E-A947-70E740481C1C}">
                 <a14:useLocalDpi xmlns:a14="http://schemas.microsoft.com/office/drawing/2010/main" val="0"/>
@@ -3805,7 +5310,7 @@
           <p:nvPr/>
         </p:nvPicPr>
         <p:blipFill rotWithShape="1">
-          <a:blip r:embed="rId4">
+          <a:blip r:embed="rId5">
             <a:extLst>
               <a:ext uri="{28A0092B-C50C-407E-A947-70E740481C1C}">
                 <a14:useLocalDpi xmlns:a14="http://schemas.microsoft.com/office/drawing/2010/main" val="0"/>
@@ -3860,7 +5365,7 @@
             <p:nvPr/>
           </p:nvPicPr>
           <p:blipFill rotWithShape="1">
-            <a:blip r:embed="rId5">
+            <a:blip r:embed="rId6">
               <a:extLst>
                 <a:ext uri="{28A0092B-C50C-407E-A947-70E740481C1C}">
                   <a14:useLocalDpi xmlns:a14="http://schemas.microsoft.com/office/drawing/2010/main" val="0"/>
@@ -3991,6 +5496,3866 @@
         </p:nvSpPr>
         <p:spPr>
           <a:xfrm>
+            <a:off x="5640732" y="318666"/>
+            <a:ext cx="1819723" cy="523220"/>
+          </a:xfrm>
+          <a:prstGeom prst="rect">
+            <a:avLst/>
+          </a:prstGeom>
+          <a:noFill/>
+        </p:spPr>
+        <p:txBody>
+          <a:bodyPr wrap="square" rtlCol="0">
+            <a:spAutoFit/>
+          </a:bodyPr>
+          <a:lstStyle/>
+          <a:p>
+            <a:pPr algn="ctr"/>
+            <a:r>
+              <a:rPr lang="en-US" sz="2800" dirty="0">
+                <a:solidFill>
+                  <a:schemeClr val="accent2">
+                    <a:lumMod val="50000"/>
+                  </a:schemeClr>
+                </a:solidFill>
+              </a:rPr>
+              <a:t>Soil C &amp; N</a:t>
+            </a:r>
+          </a:p>
+        </p:txBody>
+      </p:sp>
+      <p:grpSp>
+        <p:nvGrpSpPr>
+          <p:cNvPr id="154" name="Group 153">
+            <a:extLst>
+              <a:ext uri="{FF2B5EF4-FFF2-40B4-BE49-F238E27FC236}">
+                <a16:creationId xmlns:a16="http://schemas.microsoft.com/office/drawing/2014/main" id="{806DCD1F-C976-8E8F-7A0A-2DF4FA05BAF9}"/>
+              </a:ext>
+            </a:extLst>
+          </p:cNvPr>
+          <p:cNvGrpSpPr/>
+          <p:nvPr/>
+        </p:nvGrpSpPr>
+        <p:grpSpPr>
+          <a:xfrm>
+            <a:off x="3457226" y="1063179"/>
+            <a:ext cx="1561194" cy="5768824"/>
+            <a:chOff x="327230" y="766124"/>
+            <a:chExt cx="1561194" cy="5768824"/>
+          </a:xfrm>
+        </p:grpSpPr>
+        <p:sp>
+          <p:nvSpPr>
+            <p:cNvPr id="23" name="TextBox 22">
+              <a:extLst>
+                <a:ext uri="{FF2B5EF4-FFF2-40B4-BE49-F238E27FC236}">
+                  <a16:creationId xmlns:a16="http://schemas.microsoft.com/office/drawing/2014/main" id="{DE3F3F00-E47F-D582-4D90-D3A5CBC01CD8}"/>
+                </a:ext>
+              </a:extLst>
+            </p:cNvPr>
+            <p:cNvSpPr txBox="1"/>
+            <p:nvPr/>
+          </p:nvSpPr>
+          <p:spPr>
+            <a:xfrm>
+              <a:off x="352485" y="766124"/>
+              <a:ext cx="1309509" cy="523220"/>
+            </a:xfrm>
+            <a:prstGeom prst="rect">
+              <a:avLst/>
+            </a:prstGeom>
+            <a:noFill/>
+            <a:ln>
+              <a:noFill/>
+            </a:ln>
+          </p:spPr>
+          <p:txBody>
+            <a:bodyPr wrap="square" rtlCol="0">
+              <a:spAutoFit/>
+            </a:bodyPr>
+            <a:lstStyle/>
+            <a:p>
+              <a:pPr algn="ctr"/>
+              <a:r>
+                <a:rPr lang="en-US" sz="2800" dirty="0">
+                  <a:solidFill>
+                    <a:srgbClr val="0070C0"/>
+                  </a:solidFill>
+                </a:rPr>
+                <a:t>Grass N</a:t>
+              </a:r>
+            </a:p>
+          </p:txBody>
+        </p:sp>
+        <p:sp>
+          <p:nvSpPr>
+            <p:cNvPr id="41" name="TextBox 40">
+              <a:extLst>
+                <a:ext uri="{FF2B5EF4-FFF2-40B4-BE49-F238E27FC236}">
+                  <a16:creationId xmlns:a16="http://schemas.microsoft.com/office/drawing/2014/main" id="{9091ED43-0856-E035-EFAD-B711B60F084B}"/>
+                </a:ext>
+              </a:extLst>
+            </p:cNvPr>
+            <p:cNvSpPr txBox="1"/>
+            <p:nvPr/>
+          </p:nvSpPr>
+          <p:spPr>
+            <a:xfrm>
+              <a:off x="327230" y="1713597"/>
+              <a:ext cx="1309509" cy="523220"/>
+            </a:xfrm>
+            <a:prstGeom prst="rect">
+              <a:avLst/>
+            </a:prstGeom>
+            <a:noFill/>
+            <a:ln>
+              <a:noFill/>
+            </a:ln>
+          </p:spPr>
+          <p:txBody>
+            <a:bodyPr wrap="square" rtlCol="0">
+              <a:spAutoFit/>
+            </a:bodyPr>
+            <a:lstStyle/>
+            <a:p>
+              <a:pPr algn="ctr"/>
+              <a:r>
+                <a:rPr lang="en-US" sz="2800" dirty="0">
+                  <a:solidFill>
+                    <a:srgbClr val="FF6699"/>
+                  </a:solidFill>
+                </a:rPr>
+                <a:t>Grass P</a:t>
+              </a:r>
+            </a:p>
+          </p:txBody>
+        </p:sp>
+        <p:sp>
+          <p:nvSpPr>
+            <p:cNvPr id="44" name="TextBox 43">
+              <a:extLst>
+                <a:ext uri="{FF2B5EF4-FFF2-40B4-BE49-F238E27FC236}">
+                  <a16:creationId xmlns:a16="http://schemas.microsoft.com/office/drawing/2014/main" id="{53D5AA9B-6F4D-5461-3D34-E3A10458FFA0}"/>
+                </a:ext>
+              </a:extLst>
+            </p:cNvPr>
+            <p:cNvSpPr txBox="1"/>
+            <p:nvPr/>
+          </p:nvSpPr>
+          <p:spPr>
+            <a:xfrm>
+              <a:off x="343005" y="2787732"/>
+              <a:ext cx="1309509" cy="523220"/>
+            </a:xfrm>
+            <a:prstGeom prst="rect">
+              <a:avLst/>
+            </a:prstGeom>
+            <a:noFill/>
+            <a:ln>
+              <a:noFill/>
+            </a:ln>
+          </p:spPr>
+          <p:txBody>
+            <a:bodyPr wrap="square" rtlCol="0">
+              <a:spAutoFit/>
+            </a:bodyPr>
+            <a:lstStyle/>
+            <a:p>
+              <a:pPr algn="ctr"/>
+              <a:r>
+                <a:rPr lang="en-US" sz="2800" dirty="0">
+                  <a:solidFill>
+                    <a:srgbClr val="7030A0"/>
+                  </a:solidFill>
+                </a:rPr>
+                <a:t>Grass K</a:t>
+              </a:r>
+            </a:p>
+          </p:txBody>
+        </p:sp>
+        <p:sp>
+          <p:nvSpPr>
+            <p:cNvPr id="47" name="TextBox 46">
+              <a:extLst>
+                <a:ext uri="{FF2B5EF4-FFF2-40B4-BE49-F238E27FC236}">
+                  <a16:creationId xmlns:a16="http://schemas.microsoft.com/office/drawing/2014/main" id="{BCEE1BD3-A18E-948D-832A-D70313928071}"/>
+                </a:ext>
+              </a:extLst>
+            </p:cNvPr>
+            <p:cNvSpPr txBox="1"/>
+            <p:nvPr/>
+          </p:nvSpPr>
+          <p:spPr>
+            <a:xfrm>
+              <a:off x="333863" y="3858746"/>
+              <a:ext cx="1554561" cy="523220"/>
+            </a:xfrm>
+            <a:prstGeom prst="rect">
+              <a:avLst/>
+            </a:prstGeom>
+            <a:noFill/>
+            <a:ln>
+              <a:noFill/>
+            </a:ln>
+          </p:spPr>
+          <p:txBody>
+            <a:bodyPr wrap="square" rtlCol="0">
+              <a:spAutoFit/>
+            </a:bodyPr>
+            <a:lstStyle/>
+            <a:p>
+              <a:pPr algn="ctr"/>
+              <a:r>
+                <a:rPr lang="en-US" sz="2800" dirty="0">
+                  <a:solidFill>
+                    <a:schemeClr val="accent1">
+                      <a:lumMod val="50000"/>
+                    </a:schemeClr>
+                  </a:solidFill>
+                </a:rPr>
+                <a:t>Grass Mg</a:t>
+              </a:r>
+            </a:p>
+          </p:txBody>
+        </p:sp>
+        <p:sp>
+          <p:nvSpPr>
+            <p:cNvPr id="50" name="TextBox 49">
+              <a:extLst>
+                <a:ext uri="{FF2B5EF4-FFF2-40B4-BE49-F238E27FC236}">
+                  <a16:creationId xmlns:a16="http://schemas.microsoft.com/office/drawing/2014/main" id="{3E5C1068-0A17-041B-B2C9-ED12A1F80192}"/>
+                </a:ext>
+              </a:extLst>
+            </p:cNvPr>
+            <p:cNvSpPr txBox="1"/>
+            <p:nvPr/>
+          </p:nvSpPr>
+          <p:spPr>
+            <a:xfrm>
+              <a:off x="332105" y="4935237"/>
+              <a:ext cx="1527634" cy="523220"/>
+            </a:xfrm>
+            <a:prstGeom prst="rect">
+              <a:avLst/>
+            </a:prstGeom>
+            <a:noFill/>
+            <a:ln>
+              <a:noFill/>
+            </a:ln>
+          </p:spPr>
+          <p:txBody>
+            <a:bodyPr wrap="square" rtlCol="0">
+              <a:spAutoFit/>
+            </a:bodyPr>
+            <a:lstStyle/>
+            <a:p>
+              <a:pPr algn="ctr"/>
+              <a:r>
+                <a:rPr lang="en-US" sz="2800" dirty="0">
+                  <a:solidFill>
+                    <a:schemeClr val="accent4">
+                      <a:lumMod val="75000"/>
+                    </a:schemeClr>
+                  </a:solidFill>
+                </a:rPr>
+                <a:t>Grass Na</a:t>
+              </a:r>
+            </a:p>
+          </p:txBody>
+        </p:sp>
+        <p:sp>
+          <p:nvSpPr>
+            <p:cNvPr id="53" name="TextBox 52">
+              <a:extLst>
+                <a:ext uri="{FF2B5EF4-FFF2-40B4-BE49-F238E27FC236}">
+                  <a16:creationId xmlns:a16="http://schemas.microsoft.com/office/drawing/2014/main" id="{AB6712FD-FA96-D0C3-FCF6-65BFE7AAA274}"/>
+                </a:ext>
+              </a:extLst>
+            </p:cNvPr>
+            <p:cNvSpPr txBox="1"/>
+            <p:nvPr/>
+          </p:nvSpPr>
+          <p:spPr>
+            <a:xfrm>
+              <a:off x="343004" y="6011728"/>
+              <a:ext cx="1309509" cy="523220"/>
+            </a:xfrm>
+            <a:prstGeom prst="rect">
+              <a:avLst/>
+            </a:prstGeom>
+            <a:noFill/>
+            <a:ln>
+              <a:noFill/>
+            </a:ln>
+          </p:spPr>
+          <p:txBody>
+            <a:bodyPr wrap="square" rtlCol="0">
+              <a:spAutoFit/>
+            </a:bodyPr>
+            <a:lstStyle/>
+            <a:p>
+              <a:pPr algn="ctr"/>
+              <a:r>
+                <a:rPr lang="en-US" sz="2800" dirty="0">
+                  <a:solidFill>
+                    <a:schemeClr val="accent2"/>
+                  </a:solidFill>
+                </a:rPr>
+                <a:t>Grass Si</a:t>
+              </a:r>
+            </a:p>
+          </p:txBody>
+        </p:sp>
+      </p:grpSp>
+      <p:sp>
+        <p:nvSpPr>
+          <p:cNvPr id="77" name="TextBox 76">
+            <a:extLst>
+              <a:ext uri="{FF2B5EF4-FFF2-40B4-BE49-F238E27FC236}">
+                <a16:creationId xmlns:a16="http://schemas.microsoft.com/office/drawing/2014/main" id="{13310815-F72B-2A2F-A24C-EE6174335328}"/>
+              </a:ext>
+            </a:extLst>
+          </p:cNvPr>
+          <p:cNvSpPr txBox="1"/>
+          <p:nvPr/>
+        </p:nvSpPr>
+        <p:spPr>
+          <a:xfrm>
+            <a:off x="2149031" y="335390"/>
+            <a:ext cx="1333450" cy="523220"/>
+          </a:xfrm>
+          <a:prstGeom prst="rect">
+            <a:avLst/>
+          </a:prstGeom>
+          <a:noFill/>
+        </p:spPr>
+        <p:txBody>
+          <a:bodyPr wrap="square" rtlCol="0">
+            <a:spAutoFit/>
+          </a:bodyPr>
+          <a:lstStyle/>
+          <a:p>
+            <a:r>
+              <a:rPr lang="en-US" sz="2800" dirty="0"/>
+              <a:t>Month</a:t>
+            </a:r>
+          </a:p>
+        </p:txBody>
+      </p:sp>
+      <p:cxnSp>
+        <p:nvCxnSpPr>
+          <p:cNvPr id="81" name="Straight Arrow Connector 80">
+            <a:extLst>
+              <a:ext uri="{FF2B5EF4-FFF2-40B4-BE49-F238E27FC236}">
+                <a16:creationId xmlns:a16="http://schemas.microsoft.com/office/drawing/2014/main" id="{E762E987-6607-963D-B052-D45BC78BC9CF}"/>
+              </a:ext>
+            </a:extLst>
+          </p:cNvPr>
+          <p:cNvCxnSpPr>
+            <a:cxnSpLocks/>
+            <a:stCxn id="19" idx="2"/>
+            <a:endCxn id="47" idx="3"/>
+          </p:cNvCxnSpPr>
+          <p:nvPr/>
+        </p:nvCxnSpPr>
+        <p:spPr>
+          <a:xfrm flipH="1">
+            <a:off x="5018420" y="841886"/>
+            <a:ext cx="1532174" cy="3575525"/>
+          </a:xfrm>
+          <a:prstGeom prst="straightConnector1">
+            <a:avLst/>
+          </a:prstGeom>
+          <a:ln w="38100">
+            <a:solidFill>
+              <a:schemeClr val="accent6"/>
+            </a:solidFill>
+            <a:tailEnd type="triangle"/>
+          </a:ln>
+        </p:spPr>
+        <p:style>
+          <a:lnRef idx="1">
+            <a:schemeClr val="accent1"/>
+          </a:lnRef>
+          <a:fillRef idx="0">
+            <a:schemeClr val="accent1"/>
+          </a:fillRef>
+          <a:effectRef idx="0">
+            <a:schemeClr val="accent1"/>
+          </a:effectRef>
+          <a:fontRef idx="minor">
+            <a:schemeClr val="tx1"/>
+          </a:fontRef>
+        </p:style>
+      </p:cxnSp>
+      <p:cxnSp>
+        <p:nvCxnSpPr>
+          <p:cNvPr id="152" name="Straight Arrow Connector 151">
+            <a:extLst>
+              <a:ext uri="{FF2B5EF4-FFF2-40B4-BE49-F238E27FC236}">
+                <a16:creationId xmlns:a16="http://schemas.microsoft.com/office/drawing/2014/main" id="{00175861-C7E2-58B8-7E38-F25D89D818FE}"/>
+              </a:ext>
+            </a:extLst>
+          </p:cNvPr>
+          <p:cNvCxnSpPr>
+            <a:cxnSpLocks/>
+            <a:stCxn id="77" idx="2"/>
+            <a:endCxn id="23" idx="1"/>
+          </p:cNvCxnSpPr>
+          <p:nvPr/>
+        </p:nvCxnSpPr>
+        <p:spPr>
+          <a:xfrm>
+            <a:off x="2815756" y="858610"/>
+            <a:ext cx="666725" cy="466179"/>
+          </a:xfrm>
+          <a:prstGeom prst="straightConnector1">
+            <a:avLst/>
+          </a:prstGeom>
+          <a:ln w="38100">
+            <a:solidFill>
+              <a:schemeClr val="tx1"/>
+            </a:solidFill>
+            <a:tailEnd type="triangle"/>
+          </a:ln>
+        </p:spPr>
+        <p:style>
+          <a:lnRef idx="1">
+            <a:schemeClr val="accent1"/>
+          </a:lnRef>
+          <a:fillRef idx="0">
+            <a:schemeClr val="accent1"/>
+          </a:fillRef>
+          <a:effectRef idx="0">
+            <a:schemeClr val="accent1"/>
+          </a:effectRef>
+          <a:fontRef idx="minor">
+            <a:schemeClr val="tx1"/>
+          </a:fontRef>
+        </p:style>
+      </p:cxnSp>
+      <p:cxnSp>
+        <p:nvCxnSpPr>
+          <p:cNvPr id="173" name="Straight Arrow Connector 172">
+            <a:extLst>
+              <a:ext uri="{FF2B5EF4-FFF2-40B4-BE49-F238E27FC236}">
+                <a16:creationId xmlns:a16="http://schemas.microsoft.com/office/drawing/2014/main" id="{5F0F6374-0DE5-E142-7B68-73416581B430}"/>
+              </a:ext>
+            </a:extLst>
+          </p:cNvPr>
+          <p:cNvCxnSpPr>
+            <a:cxnSpLocks/>
+            <a:stCxn id="77" idx="2"/>
+            <a:endCxn id="53" idx="1"/>
+          </p:cNvCxnSpPr>
+          <p:nvPr/>
+        </p:nvCxnSpPr>
+        <p:spPr>
+          <a:xfrm>
+            <a:off x="2815756" y="858610"/>
+            <a:ext cx="657244" cy="5711783"/>
+          </a:xfrm>
+          <a:prstGeom prst="straightConnector1">
+            <a:avLst/>
+          </a:prstGeom>
+          <a:ln w="38100">
+            <a:solidFill>
+              <a:schemeClr val="accent6"/>
+            </a:solidFill>
+            <a:tailEnd type="triangle"/>
+          </a:ln>
+        </p:spPr>
+        <p:style>
+          <a:lnRef idx="1">
+            <a:schemeClr val="accent1"/>
+          </a:lnRef>
+          <a:fillRef idx="0">
+            <a:schemeClr val="accent1"/>
+          </a:fillRef>
+          <a:effectRef idx="0">
+            <a:schemeClr val="accent1"/>
+          </a:effectRef>
+          <a:fontRef idx="minor">
+            <a:schemeClr val="tx1"/>
+          </a:fontRef>
+        </p:style>
+      </p:cxnSp>
+      <p:cxnSp>
+        <p:nvCxnSpPr>
+          <p:cNvPr id="40" name="Straight Arrow Connector 39">
+            <a:extLst>
+              <a:ext uri="{FF2B5EF4-FFF2-40B4-BE49-F238E27FC236}">
+                <a16:creationId xmlns:a16="http://schemas.microsoft.com/office/drawing/2014/main" id="{9CC73C0A-881E-4A0D-9E6F-75F1140F87C4}"/>
+              </a:ext>
+            </a:extLst>
+          </p:cNvPr>
+          <p:cNvCxnSpPr>
+            <a:cxnSpLocks/>
+            <a:stCxn id="77" idx="2"/>
+            <a:endCxn id="47" idx="1"/>
+          </p:cNvCxnSpPr>
+          <p:nvPr/>
+        </p:nvCxnSpPr>
+        <p:spPr>
+          <a:xfrm>
+            <a:off x="2815756" y="858610"/>
+            <a:ext cx="648103" cy="3558801"/>
+          </a:xfrm>
+          <a:prstGeom prst="straightConnector1">
+            <a:avLst/>
+          </a:prstGeom>
+          <a:ln w="38100">
+            <a:solidFill>
+              <a:schemeClr val="tx1"/>
+            </a:solidFill>
+            <a:tailEnd type="triangle"/>
+          </a:ln>
+        </p:spPr>
+        <p:style>
+          <a:lnRef idx="1">
+            <a:schemeClr val="accent1"/>
+          </a:lnRef>
+          <a:fillRef idx="0">
+            <a:schemeClr val="accent1"/>
+          </a:fillRef>
+          <a:effectRef idx="0">
+            <a:schemeClr val="accent1"/>
+          </a:effectRef>
+          <a:fontRef idx="minor">
+            <a:schemeClr val="tx1"/>
+          </a:fontRef>
+        </p:style>
+      </p:cxnSp>
+      <p:cxnSp>
+        <p:nvCxnSpPr>
+          <p:cNvPr id="49" name="Straight Arrow Connector 48">
+            <a:extLst>
+              <a:ext uri="{FF2B5EF4-FFF2-40B4-BE49-F238E27FC236}">
+                <a16:creationId xmlns:a16="http://schemas.microsoft.com/office/drawing/2014/main" id="{20D14BB1-46E0-4227-F641-69E9B3F70A69}"/>
+              </a:ext>
+            </a:extLst>
+          </p:cNvPr>
+          <p:cNvCxnSpPr>
+            <a:cxnSpLocks/>
+            <a:stCxn id="19" idx="2"/>
+            <a:endCxn id="53" idx="3"/>
+          </p:cNvCxnSpPr>
+          <p:nvPr/>
+        </p:nvCxnSpPr>
+        <p:spPr>
+          <a:xfrm flipH="1">
+            <a:off x="4782509" y="841886"/>
+            <a:ext cx="1768085" cy="5728507"/>
+          </a:xfrm>
+          <a:prstGeom prst="straightConnector1">
+            <a:avLst/>
+          </a:prstGeom>
+          <a:ln w="38100">
+            <a:solidFill>
+              <a:schemeClr val="accent6"/>
+            </a:solidFill>
+            <a:tailEnd type="triangle"/>
+          </a:ln>
+        </p:spPr>
+        <p:style>
+          <a:lnRef idx="1">
+            <a:schemeClr val="accent1"/>
+          </a:lnRef>
+          <a:fillRef idx="0">
+            <a:schemeClr val="accent1"/>
+          </a:fillRef>
+          <a:effectRef idx="0">
+            <a:schemeClr val="accent1"/>
+          </a:effectRef>
+          <a:fontRef idx="minor">
+            <a:schemeClr val="tx1"/>
+          </a:fontRef>
+        </p:style>
+      </p:cxnSp>
+      <p:cxnSp>
+        <p:nvCxnSpPr>
+          <p:cNvPr id="54" name="Straight Arrow Connector 53">
+            <a:extLst>
+              <a:ext uri="{FF2B5EF4-FFF2-40B4-BE49-F238E27FC236}">
+                <a16:creationId xmlns:a16="http://schemas.microsoft.com/office/drawing/2014/main" id="{A6A8645C-76CB-604F-D5B0-A280B01323DA}"/>
+              </a:ext>
+            </a:extLst>
+          </p:cNvPr>
+          <p:cNvCxnSpPr>
+            <a:cxnSpLocks/>
+            <a:stCxn id="19" idx="2"/>
+            <a:endCxn id="44" idx="3"/>
+          </p:cNvCxnSpPr>
+          <p:nvPr/>
+        </p:nvCxnSpPr>
+        <p:spPr>
+          <a:xfrm flipH="1">
+            <a:off x="4782510" y="841886"/>
+            <a:ext cx="1768084" cy="2504511"/>
+          </a:xfrm>
+          <a:prstGeom prst="straightConnector1">
+            <a:avLst/>
+          </a:prstGeom>
+          <a:ln w="38100">
+            <a:solidFill>
+              <a:schemeClr val="accent6"/>
+            </a:solidFill>
+            <a:tailEnd type="triangle"/>
+          </a:ln>
+        </p:spPr>
+        <p:style>
+          <a:lnRef idx="1">
+            <a:schemeClr val="accent1"/>
+          </a:lnRef>
+          <a:fillRef idx="0">
+            <a:schemeClr val="accent1"/>
+          </a:fillRef>
+          <a:effectRef idx="0">
+            <a:schemeClr val="accent1"/>
+          </a:effectRef>
+          <a:fontRef idx="minor">
+            <a:schemeClr val="tx1"/>
+          </a:fontRef>
+        </p:style>
+      </p:cxnSp>
+      <p:cxnSp>
+        <p:nvCxnSpPr>
+          <p:cNvPr id="59" name="Straight Arrow Connector 58">
+            <a:extLst>
+              <a:ext uri="{FF2B5EF4-FFF2-40B4-BE49-F238E27FC236}">
+                <a16:creationId xmlns:a16="http://schemas.microsoft.com/office/drawing/2014/main" id="{365BCAF6-DC00-4F29-CC20-DC4751C1B6A1}"/>
+              </a:ext>
+            </a:extLst>
+          </p:cNvPr>
+          <p:cNvCxnSpPr>
+            <a:cxnSpLocks/>
+            <a:stCxn id="19" idx="2"/>
+            <a:endCxn id="50" idx="3"/>
+          </p:cNvCxnSpPr>
+          <p:nvPr/>
+        </p:nvCxnSpPr>
+        <p:spPr>
+          <a:xfrm flipH="1">
+            <a:off x="4989735" y="841886"/>
+            <a:ext cx="1560859" cy="4652016"/>
+          </a:xfrm>
+          <a:prstGeom prst="straightConnector1">
+            <a:avLst/>
+          </a:prstGeom>
+          <a:ln w="38100">
+            <a:solidFill>
+              <a:schemeClr val="tx1"/>
+            </a:solidFill>
+            <a:tailEnd type="triangle"/>
+          </a:ln>
+        </p:spPr>
+        <p:style>
+          <a:lnRef idx="1">
+            <a:schemeClr val="accent1"/>
+          </a:lnRef>
+          <a:fillRef idx="0">
+            <a:schemeClr val="accent1"/>
+          </a:fillRef>
+          <a:effectRef idx="0">
+            <a:schemeClr val="accent1"/>
+          </a:effectRef>
+          <a:fontRef idx="minor">
+            <a:schemeClr val="tx1"/>
+          </a:fontRef>
+        </p:style>
+      </p:cxnSp>
+      <p:cxnSp>
+        <p:nvCxnSpPr>
+          <p:cNvPr id="158" name="Straight Arrow Connector 157">
+            <a:extLst>
+              <a:ext uri="{FF2B5EF4-FFF2-40B4-BE49-F238E27FC236}">
+                <a16:creationId xmlns:a16="http://schemas.microsoft.com/office/drawing/2014/main" id="{758F42E0-1588-7342-D522-381746545A4E}"/>
+              </a:ext>
+            </a:extLst>
+          </p:cNvPr>
+          <p:cNvCxnSpPr>
+            <a:cxnSpLocks/>
+            <a:stCxn id="77" idx="2"/>
+            <a:endCxn id="41" idx="1"/>
+          </p:cNvCxnSpPr>
+          <p:nvPr/>
+        </p:nvCxnSpPr>
+        <p:spPr>
+          <a:xfrm>
+            <a:off x="2815756" y="858610"/>
+            <a:ext cx="641470" cy="1413652"/>
+          </a:xfrm>
+          <a:prstGeom prst="straightConnector1">
+            <a:avLst/>
+          </a:prstGeom>
+          <a:ln w="38100">
+            <a:solidFill>
+              <a:schemeClr val="tx1"/>
+            </a:solidFill>
+            <a:tailEnd type="triangle"/>
+          </a:ln>
+        </p:spPr>
+        <p:style>
+          <a:lnRef idx="1">
+            <a:schemeClr val="accent1"/>
+          </a:lnRef>
+          <a:fillRef idx="0">
+            <a:schemeClr val="accent1"/>
+          </a:fillRef>
+          <a:effectRef idx="0">
+            <a:schemeClr val="accent1"/>
+          </a:effectRef>
+          <a:fontRef idx="minor">
+            <a:schemeClr val="tx1"/>
+          </a:fontRef>
+        </p:style>
+      </p:cxnSp>
+      <p:cxnSp>
+        <p:nvCxnSpPr>
+          <p:cNvPr id="162" name="Straight Arrow Connector 161">
+            <a:extLst>
+              <a:ext uri="{FF2B5EF4-FFF2-40B4-BE49-F238E27FC236}">
+                <a16:creationId xmlns:a16="http://schemas.microsoft.com/office/drawing/2014/main" id="{6CEF33E3-9D41-5B4B-CEF2-3DC8648509D2}"/>
+              </a:ext>
+            </a:extLst>
+          </p:cNvPr>
+          <p:cNvCxnSpPr>
+            <a:cxnSpLocks/>
+            <a:stCxn id="77" idx="2"/>
+            <a:endCxn id="44" idx="1"/>
+          </p:cNvCxnSpPr>
+          <p:nvPr/>
+        </p:nvCxnSpPr>
+        <p:spPr>
+          <a:xfrm>
+            <a:off x="2815756" y="858610"/>
+            <a:ext cx="657245" cy="2487787"/>
+          </a:xfrm>
+          <a:prstGeom prst="straightConnector1">
+            <a:avLst/>
+          </a:prstGeom>
+          <a:ln w="38100">
+            <a:solidFill>
+              <a:schemeClr val="tx1"/>
+            </a:solidFill>
+            <a:tailEnd type="triangle"/>
+          </a:ln>
+        </p:spPr>
+        <p:style>
+          <a:lnRef idx="1">
+            <a:schemeClr val="accent1"/>
+          </a:lnRef>
+          <a:fillRef idx="0">
+            <a:schemeClr val="accent1"/>
+          </a:fillRef>
+          <a:effectRef idx="0">
+            <a:schemeClr val="accent1"/>
+          </a:effectRef>
+          <a:fontRef idx="minor">
+            <a:schemeClr val="tx1"/>
+          </a:fontRef>
+        </p:style>
+      </p:cxnSp>
+      <p:cxnSp>
+        <p:nvCxnSpPr>
+          <p:cNvPr id="170" name="Straight Arrow Connector 169">
+            <a:extLst>
+              <a:ext uri="{FF2B5EF4-FFF2-40B4-BE49-F238E27FC236}">
+                <a16:creationId xmlns:a16="http://schemas.microsoft.com/office/drawing/2014/main" id="{C1E73A19-25F0-1F8D-5E34-CE2CE508AA71}"/>
+              </a:ext>
+            </a:extLst>
+          </p:cNvPr>
+          <p:cNvCxnSpPr>
+            <a:cxnSpLocks/>
+            <a:stCxn id="77" idx="2"/>
+            <a:endCxn id="50" idx="1"/>
+          </p:cNvCxnSpPr>
+          <p:nvPr/>
+        </p:nvCxnSpPr>
+        <p:spPr>
+          <a:xfrm>
+            <a:off x="2815756" y="858610"/>
+            <a:ext cx="646345" cy="4635292"/>
+          </a:xfrm>
+          <a:prstGeom prst="straightConnector1">
+            <a:avLst/>
+          </a:prstGeom>
+          <a:ln w="38100">
+            <a:solidFill>
+              <a:schemeClr val="tx1"/>
+            </a:solidFill>
+            <a:tailEnd type="triangle"/>
+          </a:ln>
+        </p:spPr>
+        <p:style>
+          <a:lnRef idx="1">
+            <a:schemeClr val="accent1"/>
+          </a:lnRef>
+          <a:fillRef idx="0">
+            <a:schemeClr val="accent1"/>
+          </a:fillRef>
+          <a:effectRef idx="0">
+            <a:schemeClr val="accent1"/>
+          </a:effectRef>
+          <a:fontRef idx="minor">
+            <a:schemeClr val="tx1"/>
+          </a:fontRef>
+        </p:style>
+      </p:cxnSp>
+      <p:cxnSp>
+        <p:nvCxnSpPr>
+          <p:cNvPr id="205" name="Straight Arrow Connector 204">
+            <a:extLst>
+              <a:ext uri="{FF2B5EF4-FFF2-40B4-BE49-F238E27FC236}">
+                <a16:creationId xmlns:a16="http://schemas.microsoft.com/office/drawing/2014/main" id="{3C5444A4-470B-693C-34F6-F758999CC235}"/>
+              </a:ext>
+            </a:extLst>
+          </p:cNvPr>
+          <p:cNvCxnSpPr>
+            <a:cxnSpLocks/>
+            <a:stCxn id="8" idx="1"/>
+            <a:endCxn id="50" idx="3"/>
+          </p:cNvCxnSpPr>
+          <p:nvPr/>
+        </p:nvCxnSpPr>
+        <p:spPr>
+          <a:xfrm flipH="1">
+            <a:off x="4989735" y="851066"/>
+            <a:ext cx="3093034" cy="4642836"/>
+          </a:xfrm>
+          <a:prstGeom prst="straightConnector1">
+            <a:avLst/>
+          </a:prstGeom>
+          <a:ln w="38100">
+            <a:solidFill>
+              <a:schemeClr val="accent6"/>
+            </a:solidFill>
+            <a:tailEnd type="triangle"/>
+          </a:ln>
+        </p:spPr>
+        <p:style>
+          <a:lnRef idx="1">
+            <a:schemeClr val="accent1"/>
+          </a:lnRef>
+          <a:fillRef idx="0">
+            <a:schemeClr val="accent1"/>
+          </a:fillRef>
+          <a:effectRef idx="0">
+            <a:schemeClr val="accent1"/>
+          </a:effectRef>
+          <a:fontRef idx="minor">
+            <a:schemeClr val="tx1"/>
+          </a:fontRef>
+        </p:style>
+      </p:cxnSp>
+      <p:cxnSp>
+        <p:nvCxnSpPr>
+          <p:cNvPr id="237" name="Straight Arrow Connector 236">
+            <a:extLst>
+              <a:ext uri="{FF2B5EF4-FFF2-40B4-BE49-F238E27FC236}">
+                <a16:creationId xmlns:a16="http://schemas.microsoft.com/office/drawing/2014/main" id="{0DB4F17E-181D-116A-A958-D8566612CEEE}"/>
+              </a:ext>
+            </a:extLst>
+          </p:cNvPr>
+          <p:cNvCxnSpPr>
+            <a:cxnSpLocks/>
+            <a:stCxn id="6" idx="1"/>
+            <a:endCxn id="50" idx="3"/>
+          </p:cNvCxnSpPr>
+          <p:nvPr/>
+        </p:nvCxnSpPr>
+        <p:spPr>
+          <a:xfrm flipH="1">
+            <a:off x="4989735" y="4337037"/>
+            <a:ext cx="3093034" cy="1156865"/>
+          </a:xfrm>
+          <a:prstGeom prst="straightConnector1">
+            <a:avLst/>
+          </a:prstGeom>
+          <a:ln w="38100">
+            <a:solidFill>
+              <a:schemeClr val="accent6"/>
+            </a:solidFill>
+            <a:tailEnd type="triangle"/>
+          </a:ln>
+        </p:spPr>
+        <p:style>
+          <a:lnRef idx="1">
+            <a:schemeClr val="accent1"/>
+          </a:lnRef>
+          <a:fillRef idx="0">
+            <a:schemeClr val="accent1"/>
+          </a:fillRef>
+          <a:effectRef idx="0">
+            <a:schemeClr val="accent1"/>
+          </a:effectRef>
+          <a:fontRef idx="minor">
+            <a:schemeClr val="tx1"/>
+          </a:fontRef>
+        </p:style>
+      </p:cxnSp>
+      <p:cxnSp>
+        <p:nvCxnSpPr>
+          <p:cNvPr id="258" name="Straight Arrow Connector 257">
+            <a:extLst>
+              <a:ext uri="{FF2B5EF4-FFF2-40B4-BE49-F238E27FC236}">
+                <a16:creationId xmlns:a16="http://schemas.microsoft.com/office/drawing/2014/main" id="{32FBCF2E-4495-362B-9B63-3F987883CD9A}"/>
+              </a:ext>
+            </a:extLst>
+          </p:cNvPr>
+          <p:cNvCxnSpPr>
+            <a:cxnSpLocks/>
+            <a:stCxn id="6" idx="1"/>
+            <a:endCxn id="53" idx="3"/>
+          </p:cNvCxnSpPr>
+          <p:nvPr/>
+        </p:nvCxnSpPr>
+        <p:spPr>
+          <a:xfrm flipH="1">
+            <a:off x="4782509" y="4337037"/>
+            <a:ext cx="3300260" cy="2233356"/>
+          </a:xfrm>
+          <a:prstGeom prst="straightConnector1">
+            <a:avLst/>
+          </a:prstGeom>
+          <a:ln w="38100">
+            <a:solidFill>
+              <a:schemeClr val="tx1"/>
+            </a:solidFill>
+            <a:tailEnd type="triangle"/>
+          </a:ln>
+        </p:spPr>
+        <p:style>
+          <a:lnRef idx="1">
+            <a:schemeClr val="accent1"/>
+          </a:lnRef>
+          <a:fillRef idx="0">
+            <a:schemeClr val="accent1"/>
+          </a:fillRef>
+          <a:effectRef idx="0">
+            <a:schemeClr val="accent1"/>
+          </a:effectRef>
+          <a:fontRef idx="minor">
+            <a:schemeClr val="tx1"/>
+          </a:fontRef>
+        </p:style>
+      </p:cxnSp>
+    </p:spTree>
+    <p:extLst>
+      <p:ext uri="{BB962C8B-B14F-4D97-AF65-F5344CB8AC3E}">
+        <p14:creationId xmlns:p14="http://schemas.microsoft.com/office/powerpoint/2010/main" val="3155042952"/>
+      </p:ext>
+    </p:extLst>
+  </p:cSld>
+  <p:clrMapOvr>
+    <a:masterClrMapping/>
+  </p:clrMapOvr>
+</p:sld>
+</file>
+
+<file path=ppt/slides/slide2.xml><?xml version="1.0" encoding="utf-8"?>
+<p:sld xmlns:a="http://schemas.openxmlformats.org/drawingml/2006/main" xmlns:r="http://schemas.openxmlformats.org/officeDocument/2006/relationships" xmlns:p="http://schemas.openxmlformats.org/presentationml/2006/main">
+  <p:cSld>
+    <p:spTree>
+      <p:nvGrpSpPr>
+        <p:cNvPr id="1" name=""/>
+        <p:cNvGrpSpPr/>
+        <p:nvPr/>
+      </p:nvGrpSpPr>
+      <p:grpSpPr>
+        <a:xfrm>
+          <a:off x="0" y="0"/>
+          <a:ext cx="0" cy="0"/>
+          <a:chOff x="0" y="0"/>
+          <a:chExt cx="0" cy="0"/>
+        </a:xfrm>
+      </p:grpSpPr>
+      <p:cxnSp>
+        <p:nvCxnSpPr>
+          <p:cNvPr id="62" name="Straight Arrow Connector 61">
+            <a:extLst>
+              <a:ext uri="{FF2B5EF4-FFF2-40B4-BE49-F238E27FC236}">
+                <a16:creationId xmlns:a16="http://schemas.microsoft.com/office/drawing/2014/main" id="{C8FE9F54-0D44-22E3-1600-7AB8B9FFB2B6}"/>
+              </a:ext>
+            </a:extLst>
+          </p:cNvPr>
+          <p:cNvCxnSpPr>
+            <a:cxnSpLocks/>
+            <a:stCxn id="8" idx="1"/>
+            <a:endCxn id="23" idx="3"/>
+          </p:cNvCxnSpPr>
+          <p:nvPr/>
+        </p:nvCxnSpPr>
+        <p:spPr>
+          <a:xfrm flipH="1">
+            <a:off x="4791990" y="851066"/>
+            <a:ext cx="3290779" cy="473723"/>
+          </a:xfrm>
+          <a:prstGeom prst="straightConnector1">
+            <a:avLst/>
+          </a:prstGeom>
+          <a:ln w="38100">
+            <a:solidFill>
+              <a:schemeClr val="tx1"/>
+            </a:solidFill>
+            <a:tailEnd type="triangle"/>
+          </a:ln>
+        </p:spPr>
+        <p:style>
+          <a:lnRef idx="1">
+            <a:schemeClr val="accent1"/>
+          </a:lnRef>
+          <a:fillRef idx="0">
+            <a:schemeClr val="accent1"/>
+          </a:fillRef>
+          <a:effectRef idx="0">
+            <a:schemeClr val="accent1"/>
+          </a:effectRef>
+          <a:fontRef idx="minor">
+            <a:schemeClr val="tx1"/>
+          </a:fontRef>
+        </p:style>
+      </p:cxnSp>
+      <p:cxnSp>
+        <p:nvCxnSpPr>
+          <p:cNvPr id="138" name="Straight Arrow Connector 137">
+            <a:extLst>
+              <a:ext uri="{FF2B5EF4-FFF2-40B4-BE49-F238E27FC236}">
+                <a16:creationId xmlns:a16="http://schemas.microsoft.com/office/drawing/2014/main" id="{D0DFEE5B-7A32-5E01-E53B-90D2BCD1734C}"/>
+              </a:ext>
+            </a:extLst>
+          </p:cNvPr>
+          <p:cNvCxnSpPr>
+            <a:cxnSpLocks/>
+            <a:stCxn id="14" idx="1"/>
+            <a:endCxn id="50" idx="3"/>
+          </p:cNvCxnSpPr>
+          <p:nvPr/>
+        </p:nvCxnSpPr>
+        <p:spPr>
+          <a:xfrm flipH="1" flipV="1">
+            <a:off x="4989735" y="5493902"/>
+            <a:ext cx="3085377" cy="455684"/>
+          </a:xfrm>
+          <a:prstGeom prst="straightConnector1">
+            <a:avLst/>
+          </a:prstGeom>
+          <a:ln w="38100">
+            <a:solidFill>
+              <a:schemeClr val="accent6"/>
+            </a:solidFill>
+            <a:tailEnd type="triangle"/>
+          </a:ln>
+        </p:spPr>
+        <p:style>
+          <a:lnRef idx="1">
+            <a:schemeClr val="accent1"/>
+          </a:lnRef>
+          <a:fillRef idx="0">
+            <a:schemeClr val="accent1"/>
+          </a:fillRef>
+          <a:effectRef idx="0">
+            <a:schemeClr val="accent1"/>
+          </a:effectRef>
+          <a:fontRef idx="minor">
+            <a:schemeClr val="tx1"/>
+          </a:fontRef>
+        </p:style>
+      </p:cxnSp>
+      <p:cxnSp>
+        <p:nvCxnSpPr>
+          <p:cNvPr id="134" name="Straight Arrow Connector 133">
+            <a:extLst>
+              <a:ext uri="{FF2B5EF4-FFF2-40B4-BE49-F238E27FC236}">
+                <a16:creationId xmlns:a16="http://schemas.microsoft.com/office/drawing/2014/main" id="{4999A388-2A62-CCD5-ADD6-6A33D0384293}"/>
+              </a:ext>
+            </a:extLst>
+          </p:cNvPr>
+          <p:cNvCxnSpPr>
+            <a:cxnSpLocks/>
+            <a:endCxn id="44" idx="3"/>
+          </p:cNvCxnSpPr>
+          <p:nvPr/>
+        </p:nvCxnSpPr>
+        <p:spPr>
+          <a:xfrm flipH="1" flipV="1">
+            <a:off x="4782510" y="3346397"/>
+            <a:ext cx="3499058" cy="2824003"/>
+          </a:xfrm>
+          <a:prstGeom prst="straightConnector1">
+            <a:avLst/>
+          </a:prstGeom>
+          <a:ln w="38100">
+            <a:solidFill>
+              <a:schemeClr val="accent6"/>
+            </a:solidFill>
+            <a:tailEnd type="triangle"/>
+          </a:ln>
+        </p:spPr>
+        <p:style>
+          <a:lnRef idx="1">
+            <a:schemeClr val="accent1"/>
+          </a:lnRef>
+          <a:fillRef idx="0">
+            <a:schemeClr val="accent1"/>
+          </a:fillRef>
+          <a:effectRef idx="0">
+            <a:schemeClr val="accent1"/>
+          </a:effectRef>
+          <a:fontRef idx="minor">
+            <a:schemeClr val="tx1"/>
+          </a:fontRef>
+        </p:style>
+      </p:cxnSp>
+      <p:cxnSp>
+        <p:nvCxnSpPr>
+          <p:cNvPr id="131" name="Straight Arrow Connector 130">
+            <a:extLst>
+              <a:ext uri="{FF2B5EF4-FFF2-40B4-BE49-F238E27FC236}">
+                <a16:creationId xmlns:a16="http://schemas.microsoft.com/office/drawing/2014/main" id="{F7EB5C53-9820-F37A-D410-E65BC128A2F4}"/>
+              </a:ext>
+            </a:extLst>
+          </p:cNvPr>
+          <p:cNvCxnSpPr>
+            <a:cxnSpLocks/>
+            <a:stCxn id="14" idx="1"/>
+            <a:endCxn id="47" idx="3"/>
+          </p:cNvCxnSpPr>
+          <p:nvPr/>
+        </p:nvCxnSpPr>
+        <p:spPr>
+          <a:xfrm flipH="1" flipV="1">
+            <a:off x="5018420" y="4417411"/>
+            <a:ext cx="3056692" cy="1532175"/>
+          </a:xfrm>
+          <a:prstGeom prst="straightConnector1">
+            <a:avLst/>
+          </a:prstGeom>
+          <a:ln w="38100">
+            <a:solidFill>
+              <a:schemeClr val="accent6"/>
+            </a:solidFill>
+            <a:tailEnd type="triangle"/>
+          </a:ln>
+        </p:spPr>
+        <p:style>
+          <a:lnRef idx="1">
+            <a:schemeClr val="accent1"/>
+          </a:lnRef>
+          <a:fillRef idx="0">
+            <a:schemeClr val="accent1"/>
+          </a:fillRef>
+          <a:effectRef idx="0">
+            <a:schemeClr val="accent1"/>
+          </a:effectRef>
+          <a:fontRef idx="minor">
+            <a:schemeClr val="tx1"/>
+          </a:fontRef>
+        </p:style>
+      </p:cxnSp>
+      <p:cxnSp>
+        <p:nvCxnSpPr>
+          <p:cNvPr id="127" name="Straight Arrow Connector 126">
+            <a:extLst>
+              <a:ext uri="{FF2B5EF4-FFF2-40B4-BE49-F238E27FC236}">
+                <a16:creationId xmlns:a16="http://schemas.microsoft.com/office/drawing/2014/main" id="{915BF2C8-4A8C-FB2A-DB68-205FA98D8477}"/>
+              </a:ext>
+            </a:extLst>
+          </p:cNvPr>
+          <p:cNvCxnSpPr>
+            <a:cxnSpLocks/>
+            <a:stCxn id="14" idx="1"/>
+            <a:endCxn id="23" idx="3"/>
+          </p:cNvCxnSpPr>
+          <p:nvPr/>
+        </p:nvCxnSpPr>
+        <p:spPr>
+          <a:xfrm flipH="1" flipV="1">
+            <a:off x="4791990" y="1324789"/>
+            <a:ext cx="3283122" cy="4624797"/>
+          </a:xfrm>
+          <a:prstGeom prst="straightConnector1">
+            <a:avLst/>
+          </a:prstGeom>
+          <a:ln w="38100">
+            <a:solidFill>
+              <a:schemeClr val="accent6"/>
+            </a:solidFill>
+            <a:tailEnd type="triangle"/>
+          </a:ln>
+        </p:spPr>
+        <p:style>
+          <a:lnRef idx="1">
+            <a:schemeClr val="accent1"/>
+          </a:lnRef>
+          <a:fillRef idx="0">
+            <a:schemeClr val="accent1"/>
+          </a:fillRef>
+          <a:effectRef idx="0">
+            <a:schemeClr val="accent1"/>
+          </a:effectRef>
+          <a:fontRef idx="minor">
+            <a:schemeClr val="tx1"/>
+          </a:fontRef>
+        </p:style>
+      </p:cxnSp>
+      <p:cxnSp>
+        <p:nvCxnSpPr>
+          <p:cNvPr id="124" name="Straight Arrow Connector 123">
+            <a:extLst>
+              <a:ext uri="{FF2B5EF4-FFF2-40B4-BE49-F238E27FC236}">
+                <a16:creationId xmlns:a16="http://schemas.microsoft.com/office/drawing/2014/main" id="{22FF30A7-7D92-4858-C8B8-F4112B03DF1E}"/>
+              </a:ext>
+            </a:extLst>
+          </p:cNvPr>
+          <p:cNvCxnSpPr>
+            <a:cxnSpLocks/>
+            <a:stCxn id="14" idx="1"/>
+            <a:endCxn id="41" idx="3"/>
+          </p:cNvCxnSpPr>
+          <p:nvPr/>
+        </p:nvCxnSpPr>
+        <p:spPr>
+          <a:xfrm flipH="1" flipV="1">
+            <a:off x="4766735" y="2272262"/>
+            <a:ext cx="3308377" cy="3677324"/>
+          </a:xfrm>
+          <a:prstGeom prst="straightConnector1">
+            <a:avLst/>
+          </a:prstGeom>
+          <a:ln w="38100">
+            <a:solidFill>
+              <a:schemeClr val="accent6"/>
+            </a:solidFill>
+            <a:tailEnd type="triangle"/>
+          </a:ln>
+        </p:spPr>
+        <p:style>
+          <a:lnRef idx="1">
+            <a:schemeClr val="accent1"/>
+          </a:lnRef>
+          <a:fillRef idx="0">
+            <a:schemeClr val="accent1"/>
+          </a:fillRef>
+          <a:effectRef idx="0">
+            <a:schemeClr val="accent1"/>
+          </a:effectRef>
+          <a:fontRef idx="minor">
+            <a:schemeClr val="tx1"/>
+          </a:fontRef>
+        </p:style>
+      </p:cxnSp>
+      <p:cxnSp>
+        <p:nvCxnSpPr>
+          <p:cNvPr id="114" name="Straight Arrow Connector 113">
+            <a:extLst>
+              <a:ext uri="{FF2B5EF4-FFF2-40B4-BE49-F238E27FC236}">
+                <a16:creationId xmlns:a16="http://schemas.microsoft.com/office/drawing/2014/main" id="{4331AAF8-4CF7-DCBF-69B5-2398647384D6}"/>
+              </a:ext>
+            </a:extLst>
+          </p:cNvPr>
+          <p:cNvCxnSpPr>
+            <a:cxnSpLocks/>
+            <a:stCxn id="6" idx="1"/>
+            <a:endCxn id="47" idx="3"/>
+          </p:cNvCxnSpPr>
+          <p:nvPr/>
+        </p:nvCxnSpPr>
+        <p:spPr>
+          <a:xfrm flipH="1">
+            <a:off x="5018420" y="4337037"/>
+            <a:ext cx="3064349" cy="80374"/>
+          </a:xfrm>
+          <a:prstGeom prst="straightConnector1">
+            <a:avLst/>
+          </a:prstGeom>
+          <a:ln w="38100">
+            <a:solidFill>
+              <a:schemeClr val="tx1"/>
+            </a:solidFill>
+            <a:tailEnd type="triangle"/>
+          </a:ln>
+        </p:spPr>
+        <p:style>
+          <a:lnRef idx="1">
+            <a:schemeClr val="accent1"/>
+          </a:lnRef>
+          <a:fillRef idx="0">
+            <a:schemeClr val="accent1"/>
+          </a:fillRef>
+          <a:effectRef idx="0">
+            <a:schemeClr val="accent1"/>
+          </a:effectRef>
+          <a:fontRef idx="minor">
+            <a:schemeClr val="tx1"/>
+          </a:fontRef>
+        </p:style>
+      </p:cxnSp>
+      <p:cxnSp>
+        <p:nvCxnSpPr>
+          <p:cNvPr id="111" name="Straight Arrow Connector 110">
+            <a:extLst>
+              <a:ext uri="{FF2B5EF4-FFF2-40B4-BE49-F238E27FC236}">
+                <a16:creationId xmlns:a16="http://schemas.microsoft.com/office/drawing/2014/main" id="{878B0D33-4CFA-2B5D-1F77-BE43C750A28B}"/>
+              </a:ext>
+            </a:extLst>
+          </p:cNvPr>
+          <p:cNvCxnSpPr>
+            <a:cxnSpLocks/>
+            <a:stCxn id="6" idx="1"/>
+            <a:endCxn id="44" idx="3"/>
+          </p:cNvCxnSpPr>
+          <p:nvPr/>
+        </p:nvCxnSpPr>
+        <p:spPr>
+          <a:xfrm flipH="1" flipV="1">
+            <a:off x="4782510" y="3346397"/>
+            <a:ext cx="3300259" cy="990640"/>
+          </a:xfrm>
+          <a:prstGeom prst="straightConnector1">
+            <a:avLst/>
+          </a:prstGeom>
+          <a:ln w="38100">
+            <a:solidFill>
+              <a:schemeClr val="tx1"/>
+            </a:solidFill>
+            <a:tailEnd type="triangle"/>
+          </a:ln>
+        </p:spPr>
+        <p:style>
+          <a:lnRef idx="1">
+            <a:schemeClr val="accent1"/>
+          </a:lnRef>
+          <a:fillRef idx="0">
+            <a:schemeClr val="accent1"/>
+          </a:fillRef>
+          <a:effectRef idx="0">
+            <a:schemeClr val="accent1"/>
+          </a:effectRef>
+          <a:fontRef idx="minor">
+            <a:schemeClr val="tx1"/>
+          </a:fontRef>
+        </p:style>
+      </p:cxnSp>
+      <p:cxnSp>
+        <p:nvCxnSpPr>
+          <p:cNvPr id="101" name="Straight Arrow Connector 100">
+            <a:extLst>
+              <a:ext uri="{FF2B5EF4-FFF2-40B4-BE49-F238E27FC236}">
+                <a16:creationId xmlns:a16="http://schemas.microsoft.com/office/drawing/2014/main" id="{9B72A330-1C25-E1EC-C729-CABC8475793D}"/>
+              </a:ext>
+            </a:extLst>
+          </p:cNvPr>
+          <p:cNvCxnSpPr>
+            <a:cxnSpLocks/>
+            <a:stCxn id="10" idx="1"/>
+            <a:endCxn id="19" idx="3"/>
+          </p:cNvCxnSpPr>
+          <p:nvPr/>
+        </p:nvCxnSpPr>
+        <p:spPr>
+          <a:xfrm flipH="1" flipV="1">
+            <a:off x="7460455" y="580276"/>
+            <a:ext cx="629595" cy="2003698"/>
+          </a:xfrm>
+          <a:prstGeom prst="straightConnector1">
+            <a:avLst/>
+          </a:prstGeom>
+          <a:ln w="38100">
+            <a:solidFill>
+              <a:schemeClr val="accent6"/>
+            </a:solidFill>
+            <a:tailEnd type="triangle"/>
+          </a:ln>
+        </p:spPr>
+        <p:style>
+          <a:lnRef idx="1">
+            <a:schemeClr val="accent1"/>
+          </a:lnRef>
+          <a:fillRef idx="0">
+            <a:schemeClr val="accent1"/>
+          </a:fillRef>
+          <a:effectRef idx="0">
+            <a:schemeClr val="accent1"/>
+          </a:effectRef>
+          <a:fontRef idx="minor">
+            <a:schemeClr val="tx1"/>
+          </a:fontRef>
+        </p:style>
+      </p:cxnSp>
+      <p:cxnSp>
+        <p:nvCxnSpPr>
+          <p:cNvPr id="97" name="Straight Arrow Connector 96">
+            <a:extLst>
+              <a:ext uri="{FF2B5EF4-FFF2-40B4-BE49-F238E27FC236}">
+                <a16:creationId xmlns:a16="http://schemas.microsoft.com/office/drawing/2014/main" id="{38711E2F-ED93-96B2-5E91-480E9E9F2CB4}"/>
+              </a:ext>
+            </a:extLst>
+          </p:cNvPr>
+          <p:cNvCxnSpPr>
+            <a:cxnSpLocks/>
+            <a:stCxn id="10" idx="1"/>
+            <a:endCxn id="23" idx="3"/>
+          </p:cNvCxnSpPr>
+          <p:nvPr/>
+        </p:nvCxnSpPr>
+        <p:spPr>
+          <a:xfrm flipH="1" flipV="1">
+            <a:off x="4791990" y="1324789"/>
+            <a:ext cx="3298060" cy="1259185"/>
+          </a:xfrm>
+          <a:prstGeom prst="straightConnector1">
+            <a:avLst/>
+          </a:prstGeom>
+          <a:ln w="38100">
+            <a:solidFill>
+              <a:schemeClr val="accent6"/>
+            </a:solidFill>
+            <a:prstDash val="dash"/>
+            <a:tailEnd type="triangle"/>
+          </a:ln>
+        </p:spPr>
+        <p:style>
+          <a:lnRef idx="1">
+            <a:schemeClr val="accent1"/>
+          </a:lnRef>
+          <a:fillRef idx="0">
+            <a:schemeClr val="accent1"/>
+          </a:fillRef>
+          <a:effectRef idx="0">
+            <a:schemeClr val="accent1"/>
+          </a:effectRef>
+          <a:fontRef idx="minor">
+            <a:schemeClr val="tx1"/>
+          </a:fontRef>
+        </p:style>
+      </p:cxnSp>
+      <p:cxnSp>
+        <p:nvCxnSpPr>
+          <p:cNvPr id="93" name="Straight Arrow Connector 92">
+            <a:extLst>
+              <a:ext uri="{FF2B5EF4-FFF2-40B4-BE49-F238E27FC236}">
+                <a16:creationId xmlns:a16="http://schemas.microsoft.com/office/drawing/2014/main" id="{899A8D06-247B-6A69-C6BF-3C6D96EA8716}"/>
+              </a:ext>
+            </a:extLst>
+          </p:cNvPr>
+          <p:cNvCxnSpPr>
+            <a:cxnSpLocks/>
+            <a:stCxn id="10" idx="1"/>
+            <a:endCxn id="41" idx="3"/>
+          </p:cNvCxnSpPr>
+          <p:nvPr/>
+        </p:nvCxnSpPr>
+        <p:spPr>
+          <a:xfrm flipH="1" flipV="1">
+            <a:off x="4766735" y="2272262"/>
+            <a:ext cx="3323315" cy="311712"/>
+          </a:xfrm>
+          <a:prstGeom prst="straightConnector1">
+            <a:avLst/>
+          </a:prstGeom>
+          <a:ln w="38100">
+            <a:solidFill>
+              <a:schemeClr val="accent6"/>
+            </a:solidFill>
+            <a:prstDash val="dash"/>
+            <a:tailEnd type="triangle"/>
+          </a:ln>
+        </p:spPr>
+        <p:style>
+          <a:lnRef idx="1">
+            <a:schemeClr val="accent1"/>
+          </a:lnRef>
+          <a:fillRef idx="0">
+            <a:schemeClr val="accent1"/>
+          </a:fillRef>
+          <a:effectRef idx="0">
+            <a:schemeClr val="accent1"/>
+          </a:effectRef>
+          <a:fontRef idx="minor">
+            <a:schemeClr val="tx1"/>
+          </a:fontRef>
+        </p:style>
+      </p:cxnSp>
+      <p:cxnSp>
+        <p:nvCxnSpPr>
+          <p:cNvPr id="82" name="Straight Arrow Connector 81">
+            <a:extLst>
+              <a:ext uri="{FF2B5EF4-FFF2-40B4-BE49-F238E27FC236}">
+                <a16:creationId xmlns:a16="http://schemas.microsoft.com/office/drawing/2014/main" id="{2DD6F82A-FFC7-E193-B908-B03D12E8F7DD}"/>
+              </a:ext>
+            </a:extLst>
+          </p:cNvPr>
+          <p:cNvCxnSpPr>
+            <a:cxnSpLocks/>
+            <a:stCxn id="19" idx="2"/>
+            <a:endCxn id="41" idx="3"/>
+          </p:cNvCxnSpPr>
+          <p:nvPr/>
+        </p:nvCxnSpPr>
+        <p:spPr>
+          <a:xfrm flipH="1">
+            <a:off x="4766735" y="841886"/>
+            <a:ext cx="1783859" cy="1430376"/>
+          </a:xfrm>
+          <a:prstGeom prst="straightConnector1">
+            <a:avLst/>
+          </a:prstGeom>
+          <a:ln w="38100">
+            <a:solidFill>
+              <a:schemeClr val="accent6"/>
+            </a:solidFill>
+            <a:tailEnd type="triangle"/>
+          </a:ln>
+        </p:spPr>
+        <p:style>
+          <a:lnRef idx="1">
+            <a:schemeClr val="accent1"/>
+          </a:lnRef>
+          <a:fillRef idx="0">
+            <a:schemeClr val="accent1"/>
+          </a:fillRef>
+          <a:effectRef idx="0">
+            <a:schemeClr val="accent1"/>
+          </a:effectRef>
+          <a:fontRef idx="minor">
+            <a:schemeClr val="tx1"/>
+          </a:fontRef>
+        </p:style>
+      </p:cxnSp>
+      <p:cxnSp>
+        <p:nvCxnSpPr>
+          <p:cNvPr id="76" name="Straight Arrow Connector 75">
+            <a:extLst>
+              <a:ext uri="{FF2B5EF4-FFF2-40B4-BE49-F238E27FC236}">
+                <a16:creationId xmlns:a16="http://schemas.microsoft.com/office/drawing/2014/main" id="{7567D114-91E2-D08E-8F63-FE9B18A19ABC}"/>
+              </a:ext>
+            </a:extLst>
+          </p:cNvPr>
+          <p:cNvCxnSpPr>
+            <a:cxnSpLocks/>
+            <a:stCxn id="8" idx="1"/>
+            <a:endCxn id="44" idx="3"/>
+          </p:cNvCxnSpPr>
+          <p:nvPr/>
+        </p:nvCxnSpPr>
+        <p:spPr>
+          <a:xfrm flipH="1">
+            <a:off x="4782510" y="851066"/>
+            <a:ext cx="3300259" cy="2495331"/>
+          </a:xfrm>
+          <a:prstGeom prst="straightConnector1">
+            <a:avLst/>
+          </a:prstGeom>
+          <a:ln w="38100">
+            <a:solidFill>
+              <a:schemeClr val="tx1"/>
+            </a:solidFill>
+            <a:tailEnd type="triangle"/>
+          </a:ln>
+        </p:spPr>
+        <p:style>
+          <a:lnRef idx="1">
+            <a:schemeClr val="accent1"/>
+          </a:lnRef>
+          <a:fillRef idx="0">
+            <a:schemeClr val="accent1"/>
+          </a:fillRef>
+          <a:effectRef idx="0">
+            <a:schemeClr val="accent1"/>
+          </a:effectRef>
+          <a:fontRef idx="minor">
+            <a:schemeClr val="tx1"/>
+          </a:fontRef>
+        </p:style>
+      </p:cxnSp>
+      <p:cxnSp>
+        <p:nvCxnSpPr>
+          <p:cNvPr id="74" name="Straight Arrow Connector 73">
+            <a:extLst>
+              <a:ext uri="{FF2B5EF4-FFF2-40B4-BE49-F238E27FC236}">
+                <a16:creationId xmlns:a16="http://schemas.microsoft.com/office/drawing/2014/main" id="{3E53A455-A136-A860-61C5-AEB176FC9C09}"/>
+              </a:ext>
+            </a:extLst>
+          </p:cNvPr>
+          <p:cNvCxnSpPr>
+            <a:cxnSpLocks/>
+            <a:stCxn id="8" idx="1"/>
+            <a:endCxn id="41" idx="3"/>
+          </p:cNvCxnSpPr>
+          <p:nvPr/>
+        </p:nvCxnSpPr>
+        <p:spPr>
+          <a:xfrm flipH="1">
+            <a:off x="4766735" y="851066"/>
+            <a:ext cx="3316034" cy="1421196"/>
+          </a:xfrm>
+          <a:prstGeom prst="straightConnector1">
+            <a:avLst/>
+          </a:prstGeom>
+          <a:ln w="38100">
+            <a:solidFill>
+              <a:schemeClr val="tx1"/>
+            </a:solidFill>
+            <a:tailEnd type="triangle"/>
+          </a:ln>
+        </p:spPr>
+        <p:style>
+          <a:lnRef idx="1">
+            <a:schemeClr val="accent1"/>
+          </a:lnRef>
+          <a:fillRef idx="0">
+            <a:schemeClr val="accent1"/>
+          </a:fillRef>
+          <a:effectRef idx="0">
+            <a:schemeClr val="accent1"/>
+          </a:effectRef>
+          <a:fontRef idx="minor">
+            <a:schemeClr val="tx1"/>
+          </a:fontRef>
+        </p:style>
+      </p:cxnSp>
+      <p:cxnSp>
+        <p:nvCxnSpPr>
+          <p:cNvPr id="70" name="Straight Arrow Connector 69">
+            <a:extLst>
+              <a:ext uri="{FF2B5EF4-FFF2-40B4-BE49-F238E27FC236}">
+                <a16:creationId xmlns:a16="http://schemas.microsoft.com/office/drawing/2014/main" id="{F10EE848-F848-10F6-BE2D-7C74671A8981}"/>
+              </a:ext>
+            </a:extLst>
+          </p:cNvPr>
+          <p:cNvCxnSpPr>
+            <a:cxnSpLocks/>
+            <a:stCxn id="19" idx="2"/>
+            <a:endCxn id="23" idx="3"/>
+          </p:cNvCxnSpPr>
+          <p:nvPr/>
+        </p:nvCxnSpPr>
+        <p:spPr>
+          <a:xfrm flipH="1">
+            <a:off x="4791990" y="841886"/>
+            <a:ext cx="1758604" cy="482903"/>
+          </a:xfrm>
+          <a:prstGeom prst="straightConnector1">
+            <a:avLst/>
+          </a:prstGeom>
+          <a:ln w="38100">
+            <a:solidFill>
+              <a:schemeClr val="accent6"/>
+            </a:solidFill>
+            <a:tailEnd type="triangle"/>
+          </a:ln>
+        </p:spPr>
+        <p:style>
+          <a:lnRef idx="1">
+            <a:schemeClr val="accent1"/>
+          </a:lnRef>
+          <a:fillRef idx="0">
+            <a:schemeClr val="accent1"/>
+          </a:fillRef>
+          <a:effectRef idx="0">
+            <a:schemeClr val="accent1"/>
+          </a:effectRef>
+          <a:fontRef idx="minor">
+            <a:schemeClr val="tx1"/>
+          </a:fontRef>
+        </p:style>
+      </p:cxnSp>
+      <p:cxnSp>
+        <p:nvCxnSpPr>
+          <p:cNvPr id="78" name="Straight Arrow Connector 77">
+            <a:extLst>
+              <a:ext uri="{FF2B5EF4-FFF2-40B4-BE49-F238E27FC236}">
+                <a16:creationId xmlns:a16="http://schemas.microsoft.com/office/drawing/2014/main" id="{155057BC-EAC4-E303-C490-D3532CF8D8F9}"/>
+              </a:ext>
+            </a:extLst>
+          </p:cNvPr>
+          <p:cNvCxnSpPr>
+            <a:cxnSpLocks/>
+            <a:stCxn id="6" idx="1"/>
+            <a:endCxn id="41" idx="3"/>
+          </p:cNvCxnSpPr>
+          <p:nvPr/>
+        </p:nvCxnSpPr>
+        <p:spPr>
+          <a:xfrm flipH="1" flipV="1">
+            <a:off x="4766735" y="2272262"/>
+            <a:ext cx="3316034" cy="2064775"/>
+          </a:xfrm>
+          <a:prstGeom prst="straightConnector1">
+            <a:avLst/>
+          </a:prstGeom>
+          <a:ln w="38100">
+            <a:solidFill>
+              <a:schemeClr val="tx1"/>
+            </a:solidFill>
+            <a:tailEnd type="triangle"/>
+          </a:ln>
+        </p:spPr>
+        <p:style>
+          <a:lnRef idx="1">
+            <a:schemeClr val="accent1"/>
+          </a:lnRef>
+          <a:fillRef idx="0">
+            <a:schemeClr val="accent1"/>
+          </a:fillRef>
+          <a:effectRef idx="0">
+            <a:schemeClr val="accent1"/>
+          </a:effectRef>
+          <a:fontRef idx="minor">
+            <a:schemeClr val="tx1"/>
+          </a:fontRef>
+        </p:style>
+      </p:cxnSp>
+      <p:cxnSp>
+        <p:nvCxnSpPr>
+          <p:cNvPr id="148" name="Straight Arrow Connector 147">
+            <a:extLst>
+              <a:ext uri="{FF2B5EF4-FFF2-40B4-BE49-F238E27FC236}">
+                <a16:creationId xmlns:a16="http://schemas.microsoft.com/office/drawing/2014/main" id="{797CE5DD-45E4-7FD5-B51A-25A9F35CDFB5}"/>
+              </a:ext>
+            </a:extLst>
+          </p:cNvPr>
+          <p:cNvCxnSpPr>
+            <a:cxnSpLocks/>
+            <a:stCxn id="8" idx="1"/>
+            <a:endCxn id="19" idx="3"/>
+          </p:cNvCxnSpPr>
+          <p:nvPr/>
+        </p:nvCxnSpPr>
+        <p:spPr>
+          <a:xfrm flipH="1" flipV="1">
+            <a:off x="7460455" y="580276"/>
+            <a:ext cx="622314" cy="270790"/>
+          </a:xfrm>
+          <a:prstGeom prst="straightConnector1">
+            <a:avLst/>
+          </a:prstGeom>
+          <a:ln w="38100">
+            <a:solidFill>
+              <a:schemeClr val="accent6"/>
+            </a:solidFill>
+            <a:tailEnd type="triangle"/>
+          </a:ln>
+        </p:spPr>
+        <p:style>
+          <a:lnRef idx="1">
+            <a:schemeClr val="accent1"/>
+          </a:lnRef>
+          <a:fillRef idx="0">
+            <a:schemeClr val="accent1"/>
+          </a:fillRef>
+          <a:effectRef idx="0">
+            <a:schemeClr val="accent1"/>
+          </a:effectRef>
+          <a:fontRef idx="minor">
+            <a:schemeClr val="tx1"/>
+          </a:fontRef>
+        </p:style>
+      </p:cxnSp>
+      <p:cxnSp>
+        <p:nvCxnSpPr>
+          <p:cNvPr id="136" name="Straight Arrow Connector 135">
+            <a:extLst>
+              <a:ext uri="{FF2B5EF4-FFF2-40B4-BE49-F238E27FC236}">
+                <a16:creationId xmlns:a16="http://schemas.microsoft.com/office/drawing/2014/main" id="{9F0A82C8-4204-1AB5-D085-F3850518F7DA}"/>
+              </a:ext>
+            </a:extLst>
+          </p:cNvPr>
+          <p:cNvCxnSpPr>
+            <a:cxnSpLocks/>
+            <a:stCxn id="10" idx="1"/>
+            <a:endCxn id="44" idx="3"/>
+          </p:cNvCxnSpPr>
+          <p:nvPr/>
+        </p:nvCxnSpPr>
+        <p:spPr>
+          <a:xfrm flipH="1">
+            <a:off x="4782510" y="2583974"/>
+            <a:ext cx="3307540" cy="762423"/>
+          </a:xfrm>
+          <a:prstGeom prst="straightConnector1">
+            <a:avLst/>
+          </a:prstGeom>
+          <a:ln w="38100">
+            <a:solidFill>
+              <a:schemeClr val="accent6"/>
+            </a:solidFill>
+            <a:prstDash val="dash"/>
+            <a:tailEnd type="triangle"/>
+          </a:ln>
+        </p:spPr>
+        <p:style>
+          <a:lnRef idx="1">
+            <a:schemeClr val="accent1"/>
+          </a:lnRef>
+          <a:fillRef idx="0">
+            <a:schemeClr val="accent1"/>
+          </a:fillRef>
+          <a:effectRef idx="0">
+            <a:schemeClr val="accent1"/>
+          </a:effectRef>
+          <a:fontRef idx="minor">
+            <a:schemeClr val="tx1"/>
+          </a:fontRef>
+        </p:style>
+      </p:cxnSp>
+      <p:cxnSp>
+        <p:nvCxnSpPr>
+          <p:cNvPr id="160" name="Straight Arrow Connector 159">
+            <a:extLst>
+              <a:ext uri="{FF2B5EF4-FFF2-40B4-BE49-F238E27FC236}">
+                <a16:creationId xmlns:a16="http://schemas.microsoft.com/office/drawing/2014/main" id="{69E1C4D5-97D2-9EE4-A386-2A34BA77B25A}"/>
+              </a:ext>
+            </a:extLst>
+          </p:cNvPr>
+          <p:cNvCxnSpPr>
+            <a:cxnSpLocks/>
+            <a:stCxn id="10" idx="1"/>
+            <a:endCxn id="50" idx="3"/>
+          </p:cNvCxnSpPr>
+          <p:nvPr/>
+        </p:nvCxnSpPr>
+        <p:spPr>
+          <a:xfrm flipH="1">
+            <a:off x="4989735" y="2583974"/>
+            <a:ext cx="3100315" cy="2909928"/>
+          </a:xfrm>
+          <a:prstGeom prst="straightConnector1">
+            <a:avLst/>
+          </a:prstGeom>
+          <a:ln w="38100">
+            <a:solidFill>
+              <a:schemeClr val="accent6"/>
+            </a:solidFill>
+            <a:prstDash val="dash"/>
+            <a:tailEnd type="triangle"/>
+          </a:ln>
+        </p:spPr>
+        <p:style>
+          <a:lnRef idx="1">
+            <a:schemeClr val="accent1"/>
+          </a:lnRef>
+          <a:fillRef idx="0">
+            <a:schemeClr val="accent1"/>
+          </a:fillRef>
+          <a:effectRef idx="0">
+            <a:schemeClr val="accent1"/>
+          </a:effectRef>
+          <a:fontRef idx="minor">
+            <a:schemeClr val="tx1"/>
+          </a:fontRef>
+        </p:style>
+      </p:cxnSp>
+      <p:cxnSp>
+        <p:nvCxnSpPr>
+          <p:cNvPr id="139" name="Straight Arrow Connector 138">
+            <a:extLst>
+              <a:ext uri="{FF2B5EF4-FFF2-40B4-BE49-F238E27FC236}">
+                <a16:creationId xmlns:a16="http://schemas.microsoft.com/office/drawing/2014/main" id="{DCDD23ED-2ED6-768A-45C6-D2C6BA0F8010}"/>
+              </a:ext>
+            </a:extLst>
+          </p:cNvPr>
+          <p:cNvCxnSpPr>
+            <a:cxnSpLocks/>
+            <a:stCxn id="6" idx="1"/>
+            <a:endCxn id="23" idx="3"/>
+          </p:cNvCxnSpPr>
+          <p:nvPr/>
+        </p:nvCxnSpPr>
+        <p:spPr>
+          <a:xfrm flipH="1" flipV="1">
+            <a:off x="4791990" y="1324789"/>
+            <a:ext cx="3290779" cy="3012248"/>
+          </a:xfrm>
+          <a:prstGeom prst="straightConnector1">
+            <a:avLst/>
+          </a:prstGeom>
+          <a:ln w="38100">
+            <a:solidFill>
+              <a:schemeClr val="tx1"/>
+            </a:solidFill>
+            <a:tailEnd type="triangle"/>
+          </a:ln>
+        </p:spPr>
+        <p:style>
+          <a:lnRef idx="1">
+            <a:schemeClr val="accent1"/>
+          </a:lnRef>
+          <a:fillRef idx="0">
+            <a:schemeClr val="accent1"/>
+          </a:fillRef>
+          <a:effectRef idx="0">
+            <a:schemeClr val="accent1"/>
+          </a:effectRef>
+          <a:fontRef idx="minor">
+            <a:schemeClr val="tx1"/>
+          </a:fontRef>
+        </p:style>
+      </p:cxnSp>
+      <p:cxnSp>
+        <p:nvCxnSpPr>
+          <p:cNvPr id="145" name="Straight Arrow Connector 144">
+            <a:extLst>
+              <a:ext uri="{FF2B5EF4-FFF2-40B4-BE49-F238E27FC236}">
+                <a16:creationId xmlns:a16="http://schemas.microsoft.com/office/drawing/2014/main" id="{8C68305C-A6C8-ED73-1590-1B8A7B78ECE5}"/>
+              </a:ext>
+            </a:extLst>
+          </p:cNvPr>
+          <p:cNvCxnSpPr>
+            <a:cxnSpLocks/>
+            <a:stCxn id="10" idx="1"/>
+            <a:endCxn id="47" idx="3"/>
+          </p:cNvCxnSpPr>
+          <p:nvPr/>
+        </p:nvCxnSpPr>
+        <p:spPr>
+          <a:xfrm flipH="1">
+            <a:off x="5018420" y="2583974"/>
+            <a:ext cx="3071630" cy="1833437"/>
+          </a:xfrm>
+          <a:prstGeom prst="straightConnector1">
+            <a:avLst/>
+          </a:prstGeom>
+          <a:ln w="38100">
+            <a:solidFill>
+              <a:schemeClr val="accent6"/>
+            </a:solidFill>
+            <a:prstDash val="dash"/>
+            <a:tailEnd type="triangle"/>
+          </a:ln>
+        </p:spPr>
+        <p:style>
+          <a:lnRef idx="1">
+            <a:schemeClr val="accent1"/>
+          </a:lnRef>
+          <a:fillRef idx="0">
+            <a:schemeClr val="accent1"/>
+          </a:fillRef>
+          <a:effectRef idx="0">
+            <a:schemeClr val="accent1"/>
+          </a:effectRef>
+          <a:fontRef idx="minor">
+            <a:schemeClr val="tx1"/>
+          </a:fontRef>
+        </p:style>
+      </p:cxnSp>
+      <p:cxnSp>
+        <p:nvCxnSpPr>
+          <p:cNvPr id="65" name="Straight Arrow Connector 64">
+            <a:extLst>
+              <a:ext uri="{FF2B5EF4-FFF2-40B4-BE49-F238E27FC236}">
+                <a16:creationId xmlns:a16="http://schemas.microsoft.com/office/drawing/2014/main" id="{12D98813-0E5D-9AEC-F23C-8610A3B73D92}"/>
+              </a:ext>
+            </a:extLst>
+          </p:cNvPr>
+          <p:cNvCxnSpPr>
+            <a:cxnSpLocks/>
+            <a:stCxn id="14" idx="1"/>
+            <a:endCxn id="19" idx="3"/>
+          </p:cNvCxnSpPr>
+          <p:nvPr/>
+        </p:nvCxnSpPr>
+        <p:spPr>
+          <a:xfrm flipH="1" flipV="1">
+            <a:off x="7460455" y="580276"/>
+            <a:ext cx="614657" cy="5369310"/>
+          </a:xfrm>
+          <a:prstGeom prst="straightConnector1">
+            <a:avLst/>
+          </a:prstGeom>
+          <a:ln w="38100">
+            <a:solidFill>
+              <a:schemeClr val="tx1"/>
+            </a:solidFill>
+            <a:tailEnd type="triangle"/>
+          </a:ln>
+        </p:spPr>
+        <p:style>
+          <a:lnRef idx="1">
+            <a:schemeClr val="accent1"/>
+          </a:lnRef>
+          <a:fillRef idx="0">
+            <a:schemeClr val="accent1"/>
+          </a:fillRef>
+          <a:effectRef idx="0">
+            <a:schemeClr val="accent1"/>
+          </a:effectRef>
+          <a:fontRef idx="minor">
+            <a:schemeClr val="tx1"/>
+          </a:fontRef>
+        </p:style>
+      </p:cxnSp>
+      <p:cxnSp>
+        <p:nvCxnSpPr>
+          <p:cNvPr id="57" name="Straight Arrow Connector 56">
+            <a:extLst>
+              <a:ext uri="{FF2B5EF4-FFF2-40B4-BE49-F238E27FC236}">
+                <a16:creationId xmlns:a16="http://schemas.microsoft.com/office/drawing/2014/main" id="{4E2A04AA-4CE0-46DC-B8DF-BF99F9C0851A}"/>
+              </a:ext>
+            </a:extLst>
+          </p:cNvPr>
+          <p:cNvCxnSpPr>
+            <a:cxnSpLocks/>
+            <a:stCxn id="6" idx="1"/>
+            <a:endCxn id="19" idx="3"/>
+          </p:cNvCxnSpPr>
+          <p:nvPr/>
+        </p:nvCxnSpPr>
+        <p:spPr>
+          <a:xfrm flipH="1" flipV="1">
+            <a:off x="7460455" y="580276"/>
+            <a:ext cx="622314" cy="3756761"/>
+          </a:xfrm>
+          <a:prstGeom prst="straightConnector1">
+            <a:avLst/>
+          </a:prstGeom>
+          <a:ln w="38100">
+            <a:solidFill>
+              <a:schemeClr val="accent6"/>
+            </a:solidFill>
+            <a:tailEnd type="triangle"/>
+          </a:ln>
+        </p:spPr>
+        <p:style>
+          <a:lnRef idx="1">
+            <a:schemeClr val="accent1"/>
+          </a:lnRef>
+          <a:fillRef idx="0">
+            <a:schemeClr val="accent1"/>
+          </a:fillRef>
+          <a:effectRef idx="0">
+            <a:schemeClr val="accent1"/>
+          </a:effectRef>
+          <a:fontRef idx="minor">
+            <a:schemeClr val="tx1"/>
+          </a:fontRef>
+        </p:style>
+      </p:cxnSp>
+      <p:pic>
+        <p:nvPicPr>
+          <p:cNvPr id="6" name="Picture 5">
+            <a:extLst>
+              <a:ext uri="{FF2B5EF4-FFF2-40B4-BE49-F238E27FC236}">
+                <a16:creationId xmlns:a16="http://schemas.microsoft.com/office/drawing/2014/main" id="{1C56AB06-0FE9-6A75-78B5-5125473E5C80}"/>
+              </a:ext>
+            </a:extLst>
+          </p:cNvPr>
+          <p:cNvPicPr>
+            <a:picLocks noChangeAspect="1"/>
+          </p:cNvPicPr>
+          <p:nvPr/>
+        </p:nvPicPr>
+        <p:blipFill rotWithShape="1">
+          <a:blip r:embed="rId3">
+            <a:extLst>
+              <a:ext uri="{28A0092B-C50C-407E-A947-70E740481C1C}">
+                <a14:useLocalDpi xmlns:a14="http://schemas.microsoft.com/office/drawing/2010/main" val="0"/>
+              </a:ext>
+            </a:extLst>
+          </a:blip>
+          <a:srcRect l="15650" t="22456" r="16076" b="27134"/>
+          <a:stretch/>
+        </p:blipFill>
+        <p:spPr>
+          <a:xfrm>
+            <a:off x="8082769" y="3592729"/>
+            <a:ext cx="1661310" cy="1488616"/>
+          </a:xfrm>
+          <a:prstGeom prst="rect">
+            <a:avLst/>
+          </a:prstGeom>
+        </p:spPr>
+      </p:pic>
+      <p:pic>
+        <p:nvPicPr>
+          <p:cNvPr id="8" name="Picture 7">
+            <a:extLst>
+              <a:ext uri="{FF2B5EF4-FFF2-40B4-BE49-F238E27FC236}">
+                <a16:creationId xmlns:a16="http://schemas.microsoft.com/office/drawing/2014/main" id="{59444F28-A1FA-708D-3DD0-91E40C0788A4}"/>
+              </a:ext>
+            </a:extLst>
+          </p:cNvPr>
+          <p:cNvPicPr>
+            <a:picLocks noChangeAspect="1"/>
+          </p:cNvPicPr>
+          <p:nvPr/>
+        </p:nvPicPr>
+        <p:blipFill rotWithShape="1">
+          <a:blip r:embed="rId4">
+            <a:extLst>
+              <a:ext uri="{28A0092B-C50C-407E-A947-70E740481C1C}">
+                <a14:useLocalDpi xmlns:a14="http://schemas.microsoft.com/office/drawing/2010/main" val="0"/>
+              </a:ext>
+            </a:extLst>
+          </a:blip>
+          <a:srcRect l="22719" t="43158" r="53158" b="27485"/>
+          <a:stretch/>
+        </p:blipFill>
+        <p:spPr>
+          <a:xfrm>
+            <a:off x="8082769" y="106119"/>
+            <a:ext cx="1632351" cy="1489893"/>
+          </a:xfrm>
+          <a:prstGeom prst="rect">
+            <a:avLst/>
+          </a:prstGeom>
+        </p:spPr>
+      </p:pic>
+      <p:pic>
+        <p:nvPicPr>
+          <p:cNvPr id="10" name="Picture 9">
+            <a:extLst>
+              <a:ext uri="{FF2B5EF4-FFF2-40B4-BE49-F238E27FC236}">
+                <a16:creationId xmlns:a16="http://schemas.microsoft.com/office/drawing/2014/main" id="{2736802B-F260-B466-04CB-05DF23ADE29A}"/>
+              </a:ext>
+            </a:extLst>
+          </p:cNvPr>
+          <p:cNvPicPr>
+            <a:picLocks noChangeAspect="1"/>
+          </p:cNvPicPr>
+          <p:nvPr/>
+        </p:nvPicPr>
+        <p:blipFill rotWithShape="1">
+          <a:blip r:embed="rId5">
+            <a:extLst>
+              <a:ext uri="{28A0092B-C50C-407E-A947-70E740481C1C}">
+                <a14:useLocalDpi xmlns:a14="http://schemas.microsoft.com/office/drawing/2010/main" val="0"/>
+              </a:ext>
+            </a:extLst>
+          </a:blip>
+          <a:srcRect t="5380" b="3626"/>
+          <a:stretch/>
+        </p:blipFill>
+        <p:spPr>
+          <a:xfrm>
+            <a:off x="8090050" y="1648076"/>
+            <a:ext cx="1625070" cy="1871796"/>
+          </a:xfrm>
+          <a:prstGeom prst="rect">
+            <a:avLst/>
+          </a:prstGeom>
+        </p:spPr>
+      </p:pic>
+      <p:grpSp>
+        <p:nvGrpSpPr>
+          <p:cNvPr id="18" name="Group 17">
+            <a:extLst>
+              <a:ext uri="{FF2B5EF4-FFF2-40B4-BE49-F238E27FC236}">
+                <a16:creationId xmlns:a16="http://schemas.microsoft.com/office/drawing/2014/main" id="{B373A205-0A57-E55D-8630-1FF4BAB6D8CB}"/>
+              </a:ext>
+            </a:extLst>
+          </p:cNvPr>
+          <p:cNvGrpSpPr/>
+          <p:nvPr/>
+        </p:nvGrpSpPr>
+        <p:grpSpPr>
+          <a:xfrm>
+            <a:off x="8075112" y="5154202"/>
+            <a:ext cx="1713201" cy="1590767"/>
+            <a:chOff x="4126992" y="3096768"/>
+            <a:chExt cx="2444496" cy="2164080"/>
+          </a:xfrm>
+        </p:grpSpPr>
+        <p:pic>
+          <p:nvPicPr>
+            <p:cNvPr id="14" name="Content Placeholder 5">
+              <a:extLst>
+                <a:ext uri="{FF2B5EF4-FFF2-40B4-BE49-F238E27FC236}">
+                  <a16:creationId xmlns:a16="http://schemas.microsoft.com/office/drawing/2014/main" id="{34A971F1-480A-0833-8D2E-BB5A0148EB92}"/>
+                </a:ext>
+              </a:extLst>
+            </p:cNvPr>
+            <p:cNvPicPr>
+              <a:picLocks noChangeAspect="1"/>
+            </p:cNvPicPr>
+            <p:nvPr/>
+          </p:nvPicPr>
+          <p:blipFill rotWithShape="1">
+            <a:blip r:embed="rId6">
+              <a:extLst>
+                <a:ext uri="{28A0092B-C50C-407E-A947-70E740481C1C}">
+                  <a14:useLocalDpi xmlns:a14="http://schemas.microsoft.com/office/drawing/2010/main" val="0"/>
+                </a:ext>
+              </a:extLst>
+            </a:blip>
+            <a:srcRect l="31086" t="16843" r="15530" b="20377"/>
+            <a:stretch/>
+          </p:blipFill>
+          <p:spPr>
+            <a:xfrm>
+              <a:off x="4126992" y="3096768"/>
+              <a:ext cx="2444496" cy="2164080"/>
+            </a:xfrm>
+            <a:prstGeom prst="rect">
+              <a:avLst/>
+            </a:prstGeom>
+          </p:spPr>
+        </p:pic>
+        <p:sp>
+          <p:nvSpPr>
+            <p:cNvPr id="15" name="Oval 14">
+              <a:extLst>
+                <a:ext uri="{FF2B5EF4-FFF2-40B4-BE49-F238E27FC236}">
+                  <a16:creationId xmlns:a16="http://schemas.microsoft.com/office/drawing/2014/main" id="{3A406421-46F2-21AC-AEDF-1E5D0B0FE6FF}"/>
+                </a:ext>
+              </a:extLst>
+            </p:cNvPr>
+            <p:cNvSpPr/>
+            <p:nvPr/>
+          </p:nvSpPr>
+          <p:spPr>
+            <a:xfrm>
+              <a:off x="4410456" y="3233928"/>
+              <a:ext cx="1877568" cy="1889760"/>
+            </a:xfrm>
+            <a:prstGeom prst="ellipse">
+              <a:avLst/>
+            </a:prstGeom>
+            <a:noFill/>
+            <a:ln w="76200">
+              <a:solidFill>
+                <a:schemeClr val="tx1"/>
+              </a:solidFill>
+            </a:ln>
+          </p:spPr>
+          <p:style>
+            <a:lnRef idx="2">
+              <a:schemeClr val="accent1">
+                <a:shade val="50000"/>
+              </a:schemeClr>
+            </a:lnRef>
+            <a:fillRef idx="1">
+              <a:schemeClr val="accent1"/>
+            </a:fillRef>
+            <a:effectRef idx="0">
+              <a:schemeClr val="accent1"/>
+            </a:effectRef>
+            <a:fontRef idx="minor">
+              <a:schemeClr val="lt1"/>
+            </a:fontRef>
+          </p:style>
+          <p:txBody>
+            <a:bodyPr rtlCol="0" anchor="ctr"/>
+            <a:lstStyle/>
+            <a:p>
+              <a:pPr algn="ctr"/>
+              <a:endParaRPr lang="en-US"/>
+            </a:p>
+          </p:txBody>
+        </p:sp>
+        <p:cxnSp>
+          <p:nvCxnSpPr>
+            <p:cNvPr id="17" name="Straight Connector 16">
+              <a:extLst>
+                <a:ext uri="{FF2B5EF4-FFF2-40B4-BE49-F238E27FC236}">
+                  <a16:creationId xmlns:a16="http://schemas.microsoft.com/office/drawing/2014/main" id="{AEAD83D0-4099-3790-E6BA-275955205711}"/>
+                </a:ext>
+              </a:extLst>
+            </p:cNvPr>
+            <p:cNvCxnSpPr>
+              <a:stCxn id="15" idx="7"/>
+              <a:endCxn id="15" idx="3"/>
+            </p:cNvCxnSpPr>
+            <p:nvPr/>
+          </p:nvCxnSpPr>
+          <p:spPr>
+            <a:xfrm flipH="1">
+              <a:off x="4685419" y="3510677"/>
+              <a:ext cx="1327642" cy="1336262"/>
+            </a:xfrm>
+            <a:prstGeom prst="line">
+              <a:avLst/>
+            </a:prstGeom>
+            <a:ln w="76200">
+              <a:solidFill>
+                <a:schemeClr val="tx1"/>
+              </a:solidFill>
+            </a:ln>
+          </p:spPr>
+          <p:style>
+            <a:lnRef idx="1">
+              <a:schemeClr val="accent1"/>
+            </a:lnRef>
+            <a:fillRef idx="0">
+              <a:schemeClr val="accent1"/>
+            </a:fillRef>
+            <a:effectRef idx="0">
+              <a:schemeClr val="accent1"/>
+            </a:effectRef>
+            <a:fontRef idx="minor">
+              <a:schemeClr val="tx1"/>
+            </a:fontRef>
+          </p:style>
+        </p:cxnSp>
+      </p:grpSp>
+      <p:sp>
+        <p:nvSpPr>
+          <p:cNvPr id="19" name="TextBox 18">
+            <a:extLst>
+              <a:ext uri="{FF2B5EF4-FFF2-40B4-BE49-F238E27FC236}">
+                <a16:creationId xmlns:a16="http://schemas.microsoft.com/office/drawing/2014/main" id="{014C6164-C7F1-050A-21A2-EC72E4DF3CFD}"/>
+              </a:ext>
+            </a:extLst>
+          </p:cNvPr>
+          <p:cNvSpPr txBox="1"/>
+          <p:nvPr/>
+        </p:nvSpPr>
+        <p:spPr>
+          <a:xfrm>
+            <a:off x="5640732" y="318666"/>
+            <a:ext cx="1819723" cy="523220"/>
+          </a:xfrm>
+          <a:prstGeom prst="rect">
+            <a:avLst/>
+          </a:prstGeom>
+          <a:noFill/>
+        </p:spPr>
+        <p:txBody>
+          <a:bodyPr wrap="square" rtlCol="0">
+            <a:spAutoFit/>
+          </a:bodyPr>
+          <a:lstStyle/>
+          <a:p>
+            <a:pPr algn="ctr"/>
+            <a:r>
+              <a:rPr lang="en-US" sz="2800" dirty="0">
+                <a:solidFill>
+                  <a:schemeClr val="accent2">
+                    <a:lumMod val="50000"/>
+                  </a:schemeClr>
+                </a:solidFill>
+              </a:rPr>
+              <a:t>Soil C &amp; N</a:t>
+            </a:r>
+          </a:p>
+        </p:txBody>
+      </p:sp>
+      <p:grpSp>
+        <p:nvGrpSpPr>
+          <p:cNvPr id="154" name="Group 153">
+            <a:extLst>
+              <a:ext uri="{FF2B5EF4-FFF2-40B4-BE49-F238E27FC236}">
+                <a16:creationId xmlns:a16="http://schemas.microsoft.com/office/drawing/2014/main" id="{806DCD1F-C976-8E8F-7A0A-2DF4FA05BAF9}"/>
+              </a:ext>
+            </a:extLst>
+          </p:cNvPr>
+          <p:cNvGrpSpPr/>
+          <p:nvPr/>
+        </p:nvGrpSpPr>
+        <p:grpSpPr>
+          <a:xfrm>
+            <a:off x="3457226" y="1063179"/>
+            <a:ext cx="1561194" cy="4692333"/>
+            <a:chOff x="327230" y="766124"/>
+            <a:chExt cx="1561194" cy="4692333"/>
+          </a:xfrm>
+        </p:grpSpPr>
+        <p:sp>
+          <p:nvSpPr>
+            <p:cNvPr id="23" name="TextBox 22">
+              <a:extLst>
+                <a:ext uri="{FF2B5EF4-FFF2-40B4-BE49-F238E27FC236}">
+                  <a16:creationId xmlns:a16="http://schemas.microsoft.com/office/drawing/2014/main" id="{DE3F3F00-E47F-D582-4D90-D3A5CBC01CD8}"/>
+                </a:ext>
+              </a:extLst>
+            </p:cNvPr>
+            <p:cNvSpPr txBox="1"/>
+            <p:nvPr/>
+          </p:nvSpPr>
+          <p:spPr>
+            <a:xfrm>
+              <a:off x="352485" y="766124"/>
+              <a:ext cx="1309509" cy="523220"/>
+            </a:xfrm>
+            <a:prstGeom prst="rect">
+              <a:avLst/>
+            </a:prstGeom>
+            <a:noFill/>
+            <a:ln>
+              <a:noFill/>
+            </a:ln>
+          </p:spPr>
+          <p:txBody>
+            <a:bodyPr wrap="square" rtlCol="0">
+              <a:spAutoFit/>
+            </a:bodyPr>
+            <a:lstStyle/>
+            <a:p>
+              <a:pPr algn="ctr"/>
+              <a:r>
+                <a:rPr lang="en-US" sz="2800" dirty="0">
+                  <a:solidFill>
+                    <a:srgbClr val="0070C0"/>
+                  </a:solidFill>
+                </a:rPr>
+                <a:t>Forb N</a:t>
+              </a:r>
+            </a:p>
+          </p:txBody>
+        </p:sp>
+        <p:sp>
+          <p:nvSpPr>
+            <p:cNvPr id="41" name="TextBox 40">
+              <a:extLst>
+                <a:ext uri="{FF2B5EF4-FFF2-40B4-BE49-F238E27FC236}">
+                  <a16:creationId xmlns:a16="http://schemas.microsoft.com/office/drawing/2014/main" id="{9091ED43-0856-E035-EFAD-B711B60F084B}"/>
+                </a:ext>
+              </a:extLst>
+            </p:cNvPr>
+            <p:cNvSpPr txBox="1"/>
+            <p:nvPr/>
+          </p:nvSpPr>
+          <p:spPr>
+            <a:xfrm>
+              <a:off x="327230" y="1713597"/>
+              <a:ext cx="1309509" cy="523220"/>
+            </a:xfrm>
+            <a:prstGeom prst="rect">
+              <a:avLst/>
+            </a:prstGeom>
+            <a:noFill/>
+            <a:ln>
+              <a:noFill/>
+            </a:ln>
+          </p:spPr>
+          <p:txBody>
+            <a:bodyPr wrap="square" rtlCol="0">
+              <a:spAutoFit/>
+            </a:bodyPr>
+            <a:lstStyle/>
+            <a:p>
+              <a:pPr algn="ctr"/>
+              <a:r>
+                <a:rPr lang="en-US" sz="2800" dirty="0">
+                  <a:solidFill>
+                    <a:srgbClr val="FF6699"/>
+                  </a:solidFill>
+                </a:rPr>
+                <a:t>Forb P</a:t>
+              </a:r>
+            </a:p>
+          </p:txBody>
+        </p:sp>
+        <p:sp>
+          <p:nvSpPr>
+            <p:cNvPr id="44" name="TextBox 43">
+              <a:extLst>
+                <a:ext uri="{FF2B5EF4-FFF2-40B4-BE49-F238E27FC236}">
+                  <a16:creationId xmlns:a16="http://schemas.microsoft.com/office/drawing/2014/main" id="{53D5AA9B-6F4D-5461-3D34-E3A10458FFA0}"/>
+                </a:ext>
+              </a:extLst>
+            </p:cNvPr>
+            <p:cNvSpPr txBox="1"/>
+            <p:nvPr/>
+          </p:nvSpPr>
+          <p:spPr>
+            <a:xfrm>
+              <a:off x="343005" y="2787732"/>
+              <a:ext cx="1309509" cy="523220"/>
+            </a:xfrm>
+            <a:prstGeom prst="rect">
+              <a:avLst/>
+            </a:prstGeom>
+            <a:noFill/>
+            <a:ln>
+              <a:noFill/>
+            </a:ln>
+          </p:spPr>
+          <p:txBody>
+            <a:bodyPr wrap="square" rtlCol="0">
+              <a:spAutoFit/>
+            </a:bodyPr>
+            <a:lstStyle/>
+            <a:p>
+              <a:pPr algn="ctr"/>
+              <a:r>
+                <a:rPr lang="en-US" sz="2800" dirty="0">
+                  <a:solidFill>
+                    <a:srgbClr val="7030A0"/>
+                  </a:solidFill>
+                </a:rPr>
+                <a:t>Forb K</a:t>
+              </a:r>
+            </a:p>
+          </p:txBody>
+        </p:sp>
+        <p:sp>
+          <p:nvSpPr>
+            <p:cNvPr id="47" name="TextBox 46">
+              <a:extLst>
+                <a:ext uri="{FF2B5EF4-FFF2-40B4-BE49-F238E27FC236}">
+                  <a16:creationId xmlns:a16="http://schemas.microsoft.com/office/drawing/2014/main" id="{BCEE1BD3-A18E-948D-832A-D70313928071}"/>
+                </a:ext>
+              </a:extLst>
+            </p:cNvPr>
+            <p:cNvSpPr txBox="1"/>
+            <p:nvPr/>
+          </p:nvSpPr>
+          <p:spPr>
+            <a:xfrm>
+              <a:off x="333863" y="3858746"/>
+              <a:ext cx="1554561" cy="523220"/>
+            </a:xfrm>
+            <a:prstGeom prst="rect">
+              <a:avLst/>
+            </a:prstGeom>
+            <a:noFill/>
+            <a:ln>
+              <a:noFill/>
+            </a:ln>
+          </p:spPr>
+          <p:txBody>
+            <a:bodyPr wrap="square" rtlCol="0">
+              <a:spAutoFit/>
+            </a:bodyPr>
+            <a:lstStyle/>
+            <a:p>
+              <a:pPr algn="ctr"/>
+              <a:r>
+                <a:rPr lang="en-US" sz="2800" dirty="0">
+                  <a:solidFill>
+                    <a:schemeClr val="accent1">
+                      <a:lumMod val="50000"/>
+                    </a:schemeClr>
+                  </a:solidFill>
+                </a:rPr>
+                <a:t>Forb Mg</a:t>
+              </a:r>
+            </a:p>
+          </p:txBody>
+        </p:sp>
+        <p:sp>
+          <p:nvSpPr>
+            <p:cNvPr id="50" name="TextBox 49">
+              <a:extLst>
+                <a:ext uri="{FF2B5EF4-FFF2-40B4-BE49-F238E27FC236}">
+                  <a16:creationId xmlns:a16="http://schemas.microsoft.com/office/drawing/2014/main" id="{3E5C1068-0A17-041B-B2C9-ED12A1F80192}"/>
+                </a:ext>
+              </a:extLst>
+            </p:cNvPr>
+            <p:cNvSpPr txBox="1"/>
+            <p:nvPr/>
+          </p:nvSpPr>
+          <p:spPr>
+            <a:xfrm>
+              <a:off x="332105" y="4935237"/>
+              <a:ext cx="1527634" cy="523220"/>
+            </a:xfrm>
+            <a:prstGeom prst="rect">
+              <a:avLst/>
+            </a:prstGeom>
+            <a:noFill/>
+            <a:ln>
+              <a:noFill/>
+            </a:ln>
+          </p:spPr>
+          <p:txBody>
+            <a:bodyPr wrap="square" rtlCol="0">
+              <a:spAutoFit/>
+            </a:bodyPr>
+            <a:lstStyle/>
+            <a:p>
+              <a:pPr algn="ctr"/>
+              <a:r>
+                <a:rPr lang="en-US" sz="2800" dirty="0">
+                  <a:solidFill>
+                    <a:schemeClr val="accent4">
+                      <a:lumMod val="75000"/>
+                    </a:schemeClr>
+                  </a:solidFill>
+                </a:rPr>
+                <a:t>Forb Na</a:t>
+              </a:r>
+            </a:p>
+          </p:txBody>
+        </p:sp>
+      </p:grpSp>
+      <p:sp>
+        <p:nvSpPr>
+          <p:cNvPr id="77" name="TextBox 76">
+            <a:extLst>
+              <a:ext uri="{FF2B5EF4-FFF2-40B4-BE49-F238E27FC236}">
+                <a16:creationId xmlns:a16="http://schemas.microsoft.com/office/drawing/2014/main" id="{13310815-F72B-2A2F-A24C-EE6174335328}"/>
+              </a:ext>
+            </a:extLst>
+          </p:cNvPr>
+          <p:cNvSpPr txBox="1"/>
+          <p:nvPr/>
+        </p:nvSpPr>
+        <p:spPr>
+          <a:xfrm>
+            <a:off x="2149031" y="335390"/>
+            <a:ext cx="1333450" cy="523220"/>
+          </a:xfrm>
+          <a:prstGeom prst="rect">
+            <a:avLst/>
+          </a:prstGeom>
+          <a:noFill/>
+        </p:spPr>
+        <p:txBody>
+          <a:bodyPr wrap="square" rtlCol="0">
+            <a:spAutoFit/>
+          </a:bodyPr>
+          <a:lstStyle/>
+          <a:p>
+            <a:r>
+              <a:rPr lang="en-US" sz="2800" dirty="0"/>
+              <a:t>Month</a:t>
+            </a:r>
+          </a:p>
+        </p:txBody>
+      </p:sp>
+      <p:cxnSp>
+        <p:nvCxnSpPr>
+          <p:cNvPr id="81" name="Straight Arrow Connector 80">
+            <a:extLst>
+              <a:ext uri="{FF2B5EF4-FFF2-40B4-BE49-F238E27FC236}">
+                <a16:creationId xmlns:a16="http://schemas.microsoft.com/office/drawing/2014/main" id="{E762E987-6607-963D-B052-D45BC78BC9CF}"/>
+              </a:ext>
+            </a:extLst>
+          </p:cNvPr>
+          <p:cNvCxnSpPr>
+            <a:cxnSpLocks/>
+            <a:stCxn id="19" idx="2"/>
+            <a:endCxn id="47" idx="3"/>
+          </p:cNvCxnSpPr>
+          <p:nvPr/>
+        </p:nvCxnSpPr>
+        <p:spPr>
+          <a:xfrm flipH="1">
+            <a:off x="5018420" y="841886"/>
+            <a:ext cx="1532174" cy="3575525"/>
+          </a:xfrm>
+          <a:prstGeom prst="straightConnector1">
+            <a:avLst/>
+          </a:prstGeom>
+          <a:ln w="38100">
+            <a:solidFill>
+              <a:schemeClr val="accent6"/>
+            </a:solidFill>
+            <a:tailEnd type="triangle"/>
+          </a:ln>
+        </p:spPr>
+        <p:style>
+          <a:lnRef idx="1">
+            <a:schemeClr val="accent1"/>
+          </a:lnRef>
+          <a:fillRef idx="0">
+            <a:schemeClr val="accent1"/>
+          </a:fillRef>
+          <a:effectRef idx="0">
+            <a:schemeClr val="accent1"/>
+          </a:effectRef>
+          <a:fontRef idx="minor">
+            <a:schemeClr val="tx1"/>
+          </a:fontRef>
+        </p:style>
+      </p:cxnSp>
+      <p:cxnSp>
+        <p:nvCxnSpPr>
+          <p:cNvPr id="152" name="Straight Arrow Connector 151">
+            <a:extLst>
+              <a:ext uri="{FF2B5EF4-FFF2-40B4-BE49-F238E27FC236}">
+                <a16:creationId xmlns:a16="http://schemas.microsoft.com/office/drawing/2014/main" id="{00175861-C7E2-58B8-7E38-F25D89D818FE}"/>
+              </a:ext>
+            </a:extLst>
+          </p:cNvPr>
+          <p:cNvCxnSpPr>
+            <a:cxnSpLocks/>
+            <a:stCxn id="77" idx="2"/>
+            <a:endCxn id="23" idx="1"/>
+          </p:cNvCxnSpPr>
+          <p:nvPr/>
+        </p:nvCxnSpPr>
+        <p:spPr>
+          <a:xfrm>
+            <a:off x="2815756" y="858610"/>
+            <a:ext cx="666725" cy="466179"/>
+          </a:xfrm>
+          <a:prstGeom prst="straightConnector1">
+            <a:avLst/>
+          </a:prstGeom>
+          <a:ln w="38100">
+            <a:solidFill>
+              <a:schemeClr val="tx1"/>
+            </a:solidFill>
+            <a:tailEnd type="triangle"/>
+          </a:ln>
+        </p:spPr>
+        <p:style>
+          <a:lnRef idx="1">
+            <a:schemeClr val="accent1"/>
+          </a:lnRef>
+          <a:fillRef idx="0">
+            <a:schemeClr val="accent1"/>
+          </a:fillRef>
+          <a:effectRef idx="0">
+            <a:schemeClr val="accent1"/>
+          </a:effectRef>
+          <a:fontRef idx="minor">
+            <a:schemeClr val="tx1"/>
+          </a:fontRef>
+        </p:style>
+      </p:cxnSp>
+      <p:cxnSp>
+        <p:nvCxnSpPr>
+          <p:cNvPr id="40" name="Straight Arrow Connector 39">
+            <a:extLst>
+              <a:ext uri="{FF2B5EF4-FFF2-40B4-BE49-F238E27FC236}">
+                <a16:creationId xmlns:a16="http://schemas.microsoft.com/office/drawing/2014/main" id="{9CC73C0A-881E-4A0D-9E6F-75F1140F87C4}"/>
+              </a:ext>
+            </a:extLst>
+          </p:cNvPr>
+          <p:cNvCxnSpPr>
+            <a:cxnSpLocks/>
+            <a:stCxn id="77" idx="2"/>
+            <a:endCxn id="47" idx="1"/>
+          </p:cNvCxnSpPr>
+          <p:nvPr/>
+        </p:nvCxnSpPr>
+        <p:spPr>
+          <a:xfrm>
+            <a:off x="2815756" y="858610"/>
+            <a:ext cx="648103" cy="3558801"/>
+          </a:xfrm>
+          <a:prstGeom prst="straightConnector1">
+            <a:avLst/>
+          </a:prstGeom>
+          <a:ln w="38100">
+            <a:solidFill>
+              <a:schemeClr val="tx1"/>
+            </a:solidFill>
+            <a:tailEnd type="triangle"/>
+          </a:ln>
+        </p:spPr>
+        <p:style>
+          <a:lnRef idx="1">
+            <a:schemeClr val="accent1"/>
+          </a:lnRef>
+          <a:fillRef idx="0">
+            <a:schemeClr val="accent1"/>
+          </a:fillRef>
+          <a:effectRef idx="0">
+            <a:schemeClr val="accent1"/>
+          </a:effectRef>
+          <a:fontRef idx="minor">
+            <a:schemeClr val="tx1"/>
+          </a:fontRef>
+        </p:style>
+      </p:cxnSp>
+      <p:cxnSp>
+        <p:nvCxnSpPr>
+          <p:cNvPr id="54" name="Straight Arrow Connector 53">
+            <a:extLst>
+              <a:ext uri="{FF2B5EF4-FFF2-40B4-BE49-F238E27FC236}">
+                <a16:creationId xmlns:a16="http://schemas.microsoft.com/office/drawing/2014/main" id="{A6A8645C-76CB-604F-D5B0-A280B01323DA}"/>
+              </a:ext>
+            </a:extLst>
+          </p:cNvPr>
+          <p:cNvCxnSpPr>
+            <a:cxnSpLocks/>
+            <a:stCxn id="19" idx="2"/>
+            <a:endCxn id="44" idx="3"/>
+          </p:cNvCxnSpPr>
+          <p:nvPr/>
+        </p:nvCxnSpPr>
+        <p:spPr>
+          <a:xfrm flipH="1">
+            <a:off x="4782510" y="841886"/>
+            <a:ext cx="1768084" cy="2504511"/>
+          </a:xfrm>
+          <a:prstGeom prst="straightConnector1">
+            <a:avLst/>
+          </a:prstGeom>
+          <a:ln w="38100">
+            <a:solidFill>
+              <a:schemeClr val="accent6"/>
+            </a:solidFill>
+            <a:tailEnd type="triangle"/>
+          </a:ln>
+        </p:spPr>
+        <p:style>
+          <a:lnRef idx="1">
+            <a:schemeClr val="accent1"/>
+          </a:lnRef>
+          <a:fillRef idx="0">
+            <a:schemeClr val="accent1"/>
+          </a:fillRef>
+          <a:effectRef idx="0">
+            <a:schemeClr val="accent1"/>
+          </a:effectRef>
+          <a:fontRef idx="minor">
+            <a:schemeClr val="tx1"/>
+          </a:fontRef>
+        </p:style>
+      </p:cxnSp>
+      <p:cxnSp>
+        <p:nvCxnSpPr>
+          <p:cNvPr id="59" name="Straight Arrow Connector 58">
+            <a:extLst>
+              <a:ext uri="{FF2B5EF4-FFF2-40B4-BE49-F238E27FC236}">
+                <a16:creationId xmlns:a16="http://schemas.microsoft.com/office/drawing/2014/main" id="{365BCAF6-DC00-4F29-CC20-DC4751C1B6A1}"/>
+              </a:ext>
+            </a:extLst>
+          </p:cNvPr>
+          <p:cNvCxnSpPr>
+            <a:cxnSpLocks/>
+            <a:stCxn id="19" idx="2"/>
+            <a:endCxn id="50" idx="3"/>
+          </p:cNvCxnSpPr>
+          <p:nvPr/>
+        </p:nvCxnSpPr>
+        <p:spPr>
+          <a:xfrm flipH="1">
+            <a:off x="4989735" y="841886"/>
+            <a:ext cx="1560859" cy="4652016"/>
+          </a:xfrm>
+          <a:prstGeom prst="straightConnector1">
+            <a:avLst/>
+          </a:prstGeom>
+          <a:ln w="38100">
+            <a:solidFill>
+              <a:schemeClr val="tx1"/>
+            </a:solidFill>
+            <a:tailEnd type="triangle"/>
+          </a:ln>
+        </p:spPr>
+        <p:style>
+          <a:lnRef idx="1">
+            <a:schemeClr val="accent1"/>
+          </a:lnRef>
+          <a:fillRef idx="0">
+            <a:schemeClr val="accent1"/>
+          </a:fillRef>
+          <a:effectRef idx="0">
+            <a:schemeClr val="accent1"/>
+          </a:effectRef>
+          <a:fontRef idx="minor">
+            <a:schemeClr val="tx1"/>
+          </a:fontRef>
+        </p:style>
+      </p:cxnSp>
+      <p:cxnSp>
+        <p:nvCxnSpPr>
+          <p:cNvPr id="158" name="Straight Arrow Connector 157">
+            <a:extLst>
+              <a:ext uri="{FF2B5EF4-FFF2-40B4-BE49-F238E27FC236}">
+                <a16:creationId xmlns:a16="http://schemas.microsoft.com/office/drawing/2014/main" id="{758F42E0-1588-7342-D522-381746545A4E}"/>
+              </a:ext>
+            </a:extLst>
+          </p:cNvPr>
+          <p:cNvCxnSpPr>
+            <a:cxnSpLocks/>
+            <a:stCxn id="77" idx="2"/>
+            <a:endCxn id="41" idx="1"/>
+          </p:cNvCxnSpPr>
+          <p:nvPr/>
+        </p:nvCxnSpPr>
+        <p:spPr>
+          <a:xfrm>
+            <a:off x="2815756" y="858610"/>
+            <a:ext cx="641470" cy="1413652"/>
+          </a:xfrm>
+          <a:prstGeom prst="straightConnector1">
+            <a:avLst/>
+          </a:prstGeom>
+          <a:ln w="38100">
+            <a:solidFill>
+              <a:schemeClr val="tx1"/>
+            </a:solidFill>
+            <a:tailEnd type="triangle"/>
+          </a:ln>
+        </p:spPr>
+        <p:style>
+          <a:lnRef idx="1">
+            <a:schemeClr val="accent1"/>
+          </a:lnRef>
+          <a:fillRef idx="0">
+            <a:schemeClr val="accent1"/>
+          </a:fillRef>
+          <a:effectRef idx="0">
+            <a:schemeClr val="accent1"/>
+          </a:effectRef>
+          <a:fontRef idx="minor">
+            <a:schemeClr val="tx1"/>
+          </a:fontRef>
+        </p:style>
+      </p:cxnSp>
+      <p:cxnSp>
+        <p:nvCxnSpPr>
+          <p:cNvPr id="162" name="Straight Arrow Connector 161">
+            <a:extLst>
+              <a:ext uri="{FF2B5EF4-FFF2-40B4-BE49-F238E27FC236}">
+                <a16:creationId xmlns:a16="http://schemas.microsoft.com/office/drawing/2014/main" id="{6CEF33E3-9D41-5B4B-CEF2-3DC8648509D2}"/>
+              </a:ext>
+            </a:extLst>
+          </p:cNvPr>
+          <p:cNvCxnSpPr>
+            <a:cxnSpLocks/>
+            <a:stCxn id="77" idx="2"/>
+            <a:endCxn id="44" idx="1"/>
+          </p:cNvCxnSpPr>
+          <p:nvPr/>
+        </p:nvCxnSpPr>
+        <p:spPr>
+          <a:xfrm>
+            <a:off x="2815756" y="858610"/>
+            <a:ext cx="657245" cy="2487787"/>
+          </a:xfrm>
+          <a:prstGeom prst="straightConnector1">
+            <a:avLst/>
+          </a:prstGeom>
+          <a:ln w="38100">
+            <a:solidFill>
+              <a:schemeClr val="tx1"/>
+            </a:solidFill>
+            <a:tailEnd type="triangle"/>
+          </a:ln>
+        </p:spPr>
+        <p:style>
+          <a:lnRef idx="1">
+            <a:schemeClr val="accent1"/>
+          </a:lnRef>
+          <a:fillRef idx="0">
+            <a:schemeClr val="accent1"/>
+          </a:fillRef>
+          <a:effectRef idx="0">
+            <a:schemeClr val="accent1"/>
+          </a:effectRef>
+          <a:fontRef idx="minor">
+            <a:schemeClr val="tx1"/>
+          </a:fontRef>
+        </p:style>
+      </p:cxnSp>
+      <p:cxnSp>
+        <p:nvCxnSpPr>
+          <p:cNvPr id="170" name="Straight Arrow Connector 169">
+            <a:extLst>
+              <a:ext uri="{FF2B5EF4-FFF2-40B4-BE49-F238E27FC236}">
+                <a16:creationId xmlns:a16="http://schemas.microsoft.com/office/drawing/2014/main" id="{C1E73A19-25F0-1F8D-5E34-CE2CE508AA71}"/>
+              </a:ext>
+            </a:extLst>
+          </p:cNvPr>
+          <p:cNvCxnSpPr>
+            <a:cxnSpLocks/>
+            <a:stCxn id="77" idx="2"/>
+            <a:endCxn id="50" idx="1"/>
+          </p:cNvCxnSpPr>
+          <p:nvPr/>
+        </p:nvCxnSpPr>
+        <p:spPr>
+          <a:xfrm>
+            <a:off x="2815756" y="858610"/>
+            <a:ext cx="646345" cy="4635292"/>
+          </a:xfrm>
+          <a:prstGeom prst="straightConnector1">
+            <a:avLst/>
+          </a:prstGeom>
+          <a:ln w="38100">
+            <a:solidFill>
+              <a:schemeClr val="tx1"/>
+            </a:solidFill>
+            <a:tailEnd type="triangle"/>
+          </a:ln>
+        </p:spPr>
+        <p:style>
+          <a:lnRef idx="1">
+            <a:schemeClr val="accent1"/>
+          </a:lnRef>
+          <a:fillRef idx="0">
+            <a:schemeClr val="accent1"/>
+          </a:fillRef>
+          <a:effectRef idx="0">
+            <a:schemeClr val="accent1"/>
+          </a:effectRef>
+          <a:fontRef idx="minor">
+            <a:schemeClr val="tx1"/>
+          </a:fontRef>
+        </p:style>
+      </p:cxnSp>
+      <p:cxnSp>
+        <p:nvCxnSpPr>
+          <p:cNvPr id="205" name="Straight Arrow Connector 204">
+            <a:extLst>
+              <a:ext uri="{FF2B5EF4-FFF2-40B4-BE49-F238E27FC236}">
+                <a16:creationId xmlns:a16="http://schemas.microsoft.com/office/drawing/2014/main" id="{3C5444A4-470B-693C-34F6-F758999CC235}"/>
+              </a:ext>
+            </a:extLst>
+          </p:cNvPr>
+          <p:cNvCxnSpPr>
+            <a:cxnSpLocks/>
+            <a:stCxn id="8" idx="1"/>
+            <a:endCxn id="50" idx="3"/>
+          </p:cNvCxnSpPr>
+          <p:nvPr/>
+        </p:nvCxnSpPr>
+        <p:spPr>
+          <a:xfrm flipH="1">
+            <a:off x="4989735" y="851066"/>
+            <a:ext cx="3093034" cy="4642836"/>
+          </a:xfrm>
+          <a:prstGeom prst="straightConnector1">
+            <a:avLst/>
+          </a:prstGeom>
+          <a:ln w="38100">
+            <a:solidFill>
+              <a:schemeClr val="tx1"/>
+            </a:solidFill>
+            <a:tailEnd type="triangle"/>
+          </a:ln>
+        </p:spPr>
+        <p:style>
+          <a:lnRef idx="1">
+            <a:schemeClr val="accent1"/>
+          </a:lnRef>
+          <a:fillRef idx="0">
+            <a:schemeClr val="accent1"/>
+          </a:fillRef>
+          <a:effectRef idx="0">
+            <a:schemeClr val="accent1"/>
+          </a:effectRef>
+          <a:fontRef idx="minor">
+            <a:schemeClr val="tx1"/>
+          </a:fontRef>
+        </p:style>
+      </p:cxnSp>
+      <p:cxnSp>
+        <p:nvCxnSpPr>
+          <p:cNvPr id="237" name="Straight Arrow Connector 236">
+            <a:extLst>
+              <a:ext uri="{FF2B5EF4-FFF2-40B4-BE49-F238E27FC236}">
+                <a16:creationId xmlns:a16="http://schemas.microsoft.com/office/drawing/2014/main" id="{0DB4F17E-181D-116A-A958-D8566612CEEE}"/>
+              </a:ext>
+            </a:extLst>
+          </p:cNvPr>
+          <p:cNvCxnSpPr>
+            <a:cxnSpLocks/>
+            <a:stCxn id="6" idx="1"/>
+            <a:endCxn id="50" idx="3"/>
+          </p:cNvCxnSpPr>
+          <p:nvPr/>
+        </p:nvCxnSpPr>
+        <p:spPr>
+          <a:xfrm flipH="1">
+            <a:off x="4989735" y="4337037"/>
+            <a:ext cx="3093034" cy="1156865"/>
+          </a:xfrm>
+          <a:prstGeom prst="straightConnector1">
+            <a:avLst/>
+          </a:prstGeom>
+          <a:ln w="38100">
+            <a:solidFill>
+              <a:schemeClr val="tx1"/>
+            </a:solidFill>
+            <a:tailEnd type="triangle"/>
+          </a:ln>
+        </p:spPr>
+        <p:style>
+          <a:lnRef idx="1">
+            <a:schemeClr val="accent1"/>
+          </a:lnRef>
+          <a:fillRef idx="0">
+            <a:schemeClr val="accent1"/>
+          </a:fillRef>
+          <a:effectRef idx="0">
+            <a:schemeClr val="accent1"/>
+          </a:effectRef>
+          <a:fontRef idx="minor">
+            <a:schemeClr val="tx1"/>
+          </a:fontRef>
+        </p:style>
+      </p:cxnSp>
+    </p:spTree>
+    <p:extLst>
+      <p:ext uri="{BB962C8B-B14F-4D97-AF65-F5344CB8AC3E}">
+        <p14:creationId xmlns:p14="http://schemas.microsoft.com/office/powerpoint/2010/main" val="695998808"/>
+      </p:ext>
+    </p:extLst>
+  </p:cSld>
+  <p:clrMapOvr>
+    <a:masterClrMapping/>
+  </p:clrMapOvr>
+</p:sld>
+</file>
+
+<file path=ppt/slides/slide3.xml><?xml version="1.0" encoding="utf-8"?>
+<p:sld xmlns:a="http://schemas.openxmlformats.org/drawingml/2006/main" xmlns:r="http://schemas.openxmlformats.org/officeDocument/2006/relationships" xmlns:p="http://schemas.openxmlformats.org/presentationml/2006/main">
+  <p:cSld>
+    <p:spTree>
+      <p:nvGrpSpPr>
+        <p:cNvPr id="1" name=""/>
+        <p:cNvGrpSpPr/>
+        <p:nvPr/>
+      </p:nvGrpSpPr>
+      <p:grpSpPr>
+        <a:xfrm>
+          <a:off x="0" y="0"/>
+          <a:ext cx="0" cy="0"/>
+          <a:chOff x="0" y="0"/>
+          <a:chExt cx="0" cy="0"/>
+        </a:xfrm>
+      </p:grpSpPr>
+      <p:cxnSp>
+        <p:nvCxnSpPr>
+          <p:cNvPr id="169" name="Straight Arrow Connector 168">
+            <a:extLst>
+              <a:ext uri="{FF2B5EF4-FFF2-40B4-BE49-F238E27FC236}">
+                <a16:creationId xmlns:a16="http://schemas.microsoft.com/office/drawing/2014/main" id="{B2C04295-D614-E2E2-B306-D92456663339}"/>
+              </a:ext>
+            </a:extLst>
+          </p:cNvPr>
+          <p:cNvCxnSpPr>
+            <a:cxnSpLocks/>
+            <a:endCxn id="53" idx="3"/>
+          </p:cNvCxnSpPr>
+          <p:nvPr/>
+        </p:nvCxnSpPr>
+        <p:spPr>
+          <a:xfrm flipH="1" flipV="1">
+            <a:off x="5854834" y="5928666"/>
+            <a:ext cx="2412983" cy="208722"/>
+          </a:xfrm>
+          <a:prstGeom prst="straightConnector1">
+            <a:avLst/>
+          </a:prstGeom>
+          <a:ln w="95504">
+            <a:solidFill>
+              <a:schemeClr val="tx1"/>
+            </a:solidFill>
+            <a:tailEnd type="triangle"/>
+          </a:ln>
+        </p:spPr>
+        <p:style>
+          <a:lnRef idx="1">
+            <a:schemeClr val="accent1"/>
+          </a:lnRef>
+          <a:fillRef idx="0">
+            <a:schemeClr val="accent1"/>
+          </a:fillRef>
+          <a:effectRef idx="0">
+            <a:schemeClr val="accent1"/>
+          </a:effectRef>
+          <a:fontRef idx="minor">
+            <a:schemeClr val="tx1"/>
+          </a:fontRef>
+        </p:style>
+      </p:cxnSp>
+      <p:cxnSp>
+        <p:nvCxnSpPr>
+          <p:cNvPr id="78" name="Straight Arrow Connector 77">
+            <a:extLst>
+              <a:ext uri="{FF2B5EF4-FFF2-40B4-BE49-F238E27FC236}">
+                <a16:creationId xmlns:a16="http://schemas.microsoft.com/office/drawing/2014/main" id="{155057BC-EAC4-E303-C490-D3532CF8D8F9}"/>
+              </a:ext>
+            </a:extLst>
+          </p:cNvPr>
+          <p:cNvCxnSpPr>
+            <a:cxnSpLocks/>
+          </p:cNvCxnSpPr>
+          <p:nvPr/>
+        </p:nvCxnSpPr>
+        <p:spPr>
+          <a:xfrm flipH="1" flipV="1">
+            <a:off x="5708649" y="1894279"/>
+            <a:ext cx="2464667" cy="2710682"/>
+          </a:xfrm>
+          <a:prstGeom prst="straightConnector1">
+            <a:avLst/>
+          </a:prstGeom>
+          <a:ln w="10668">
+            <a:solidFill>
+              <a:schemeClr val="tx1"/>
+            </a:solidFill>
+            <a:tailEnd type="triangle"/>
+          </a:ln>
+        </p:spPr>
+        <p:style>
+          <a:lnRef idx="1">
+            <a:schemeClr val="accent1"/>
+          </a:lnRef>
+          <a:fillRef idx="0">
+            <a:schemeClr val="accent1"/>
+          </a:fillRef>
+          <a:effectRef idx="0">
+            <a:schemeClr val="accent1"/>
+          </a:effectRef>
+          <a:fontRef idx="minor">
+            <a:schemeClr val="tx1"/>
+          </a:fontRef>
+        </p:style>
+      </p:cxnSp>
+      <p:cxnSp>
+        <p:nvCxnSpPr>
+          <p:cNvPr id="148" name="Straight Arrow Connector 147">
+            <a:extLst>
+              <a:ext uri="{FF2B5EF4-FFF2-40B4-BE49-F238E27FC236}">
+                <a16:creationId xmlns:a16="http://schemas.microsoft.com/office/drawing/2014/main" id="{797CE5DD-45E4-7FD5-B51A-25A9F35CDFB5}"/>
+              </a:ext>
+            </a:extLst>
+          </p:cNvPr>
+          <p:cNvCxnSpPr>
+            <a:cxnSpLocks/>
+          </p:cNvCxnSpPr>
+          <p:nvPr/>
+        </p:nvCxnSpPr>
+        <p:spPr>
+          <a:xfrm flipH="1">
+            <a:off x="5392518" y="736693"/>
+            <a:ext cx="2835815" cy="2406888"/>
+          </a:xfrm>
+          <a:prstGeom prst="straightConnector1">
+            <a:avLst/>
+          </a:prstGeom>
+          <a:ln w="8890">
+            <a:solidFill>
+              <a:schemeClr val="accent6"/>
+            </a:solidFill>
+            <a:tailEnd type="triangle"/>
+          </a:ln>
+        </p:spPr>
+        <p:style>
+          <a:lnRef idx="1">
+            <a:schemeClr val="accent1"/>
+          </a:lnRef>
+          <a:fillRef idx="0">
+            <a:schemeClr val="accent1"/>
+          </a:fillRef>
+          <a:effectRef idx="0">
+            <a:schemeClr val="accent1"/>
+          </a:effectRef>
+          <a:fontRef idx="minor">
+            <a:schemeClr val="tx1"/>
+          </a:fontRef>
+        </p:style>
+      </p:cxnSp>
+      <p:cxnSp>
+        <p:nvCxnSpPr>
+          <p:cNvPr id="136" name="Straight Arrow Connector 135">
+            <a:extLst>
+              <a:ext uri="{FF2B5EF4-FFF2-40B4-BE49-F238E27FC236}">
+                <a16:creationId xmlns:a16="http://schemas.microsoft.com/office/drawing/2014/main" id="{9F0A82C8-4204-1AB5-D085-F3850518F7DA}"/>
+              </a:ext>
+            </a:extLst>
+          </p:cNvPr>
+          <p:cNvCxnSpPr>
+            <a:cxnSpLocks/>
+          </p:cNvCxnSpPr>
+          <p:nvPr/>
+        </p:nvCxnSpPr>
+        <p:spPr>
+          <a:xfrm flipH="1">
+            <a:off x="4060771" y="2398696"/>
+            <a:ext cx="4461857" cy="406535"/>
+          </a:xfrm>
+          <a:prstGeom prst="straightConnector1">
+            <a:avLst/>
+          </a:prstGeom>
+          <a:ln w="4953">
+            <a:solidFill>
+              <a:schemeClr val="tx1"/>
+            </a:solidFill>
+            <a:tailEnd type="triangle"/>
+          </a:ln>
+        </p:spPr>
+        <p:style>
+          <a:lnRef idx="1">
+            <a:schemeClr val="accent1"/>
+          </a:lnRef>
+          <a:fillRef idx="0">
+            <a:schemeClr val="accent1"/>
+          </a:fillRef>
+          <a:effectRef idx="0">
+            <a:schemeClr val="accent1"/>
+          </a:effectRef>
+          <a:fontRef idx="minor">
+            <a:schemeClr val="tx1"/>
+          </a:fontRef>
+        </p:style>
+      </p:cxnSp>
+      <p:cxnSp>
+        <p:nvCxnSpPr>
+          <p:cNvPr id="160" name="Straight Arrow Connector 159">
+            <a:extLst>
+              <a:ext uri="{FF2B5EF4-FFF2-40B4-BE49-F238E27FC236}">
+                <a16:creationId xmlns:a16="http://schemas.microsoft.com/office/drawing/2014/main" id="{69E1C4D5-97D2-9EE4-A386-2A34BA77B25A}"/>
+              </a:ext>
+            </a:extLst>
+          </p:cNvPr>
+          <p:cNvCxnSpPr>
+            <a:cxnSpLocks/>
+            <a:endCxn id="50" idx="3"/>
+          </p:cNvCxnSpPr>
+          <p:nvPr/>
+        </p:nvCxnSpPr>
+        <p:spPr>
+          <a:xfrm flipH="1">
+            <a:off x="4818242" y="2941813"/>
+            <a:ext cx="3410091" cy="1564429"/>
+          </a:xfrm>
+          <a:prstGeom prst="straightConnector1">
+            <a:avLst/>
+          </a:prstGeom>
+          <a:ln w="1397">
+            <a:solidFill>
+              <a:schemeClr val="tx1"/>
+            </a:solidFill>
+            <a:tailEnd type="triangle"/>
+          </a:ln>
+        </p:spPr>
+        <p:style>
+          <a:lnRef idx="1">
+            <a:schemeClr val="accent1"/>
+          </a:lnRef>
+          <a:fillRef idx="0">
+            <a:schemeClr val="accent1"/>
+          </a:fillRef>
+          <a:effectRef idx="0">
+            <a:schemeClr val="accent1"/>
+          </a:effectRef>
+          <a:fontRef idx="minor">
+            <a:schemeClr val="tx1"/>
+          </a:fontRef>
+        </p:style>
+      </p:cxnSp>
+      <p:cxnSp>
+        <p:nvCxnSpPr>
+          <p:cNvPr id="139" name="Straight Arrow Connector 138">
+            <a:extLst>
+              <a:ext uri="{FF2B5EF4-FFF2-40B4-BE49-F238E27FC236}">
+                <a16:creationId xmlns:a16="http://schemas.microsoft.com/office/drawing/2014/main" id="{DCDD23ED-2ED6-768A-45C6-D2C6BA0F8010}"/>
+              </a:ext>
+            </a:extLst>
+          </p:cNvPr>
+          <p:cNvCxnSpPr>
+            <a:cxnSpLocks/>
+          </p:cNvCxnSpPr>
+          <p:nvPr/>
+        </p:nvCxnSpPr>
+        <p:spPr>
+          <a:xfrm flipH="1" flipV="1">
+            <a:off x="4047841" y="2629065"/>
+            <a:ext cx="4141875" cy="1179229"/>
+          </a:xfrm>
+          <a:prstGeom prst="straightConnector1">
+            <a:avLst/>
+          </a:prstGeom>
+          <a:ln w="14351">
+            <a:solidFill>
+              <a:schemeClr val="accent6"/>
+            </a:solidFill>
+            <a:tailEnd type="triangle"/>
+          </a:ln>
+        </p:spPr>
+        <p:style>
+          <a:lnRef idx="1">
+            <a:schemeClr val="accent1"/>
+          </a:lnRef>
+          <a:fillRef idx="0">
+            <a:schemeClr val="accent1"/>
+          </a:fillRef>
+          <a:effectRef idx="0">
+            <a:schemeClr val="accent1"/>
+          </a:effectRef>
+          <a:fontRef idx="minor">
+            <a:schemeClr val="tx1"/>
+          </a:fontRef>
+        </p:style>
+      </p:cxnSp>
+      <p:cxnSp>
+        <p:nvCxnSpPr>
+          <p:cNvPr id="145" name="Straight Arrow Connector 144">
+            <a:extLst>
+              <a:ext uri="{FF2B5EF4-FFF2-40B4-BE49-F238E27FC236}">
+                <a16:creationId xmlns:a16="http://schemas.microsoft.com/office/drawing/2014/main" id="{8C68305C-A6C8-ED73-1590-1B8A7B78ECE5}"/>
+              </a:ext>
+            </a:extLst>
+          </p:cNvPr>
+          <p:cNvCxnSpPr>
+            <a:cxnSpLocks/>
+          </p:cNvCxnSpPr>
+          <p:nvPr/>
+        </p:nvCxnSpPr>
+        <p:spPr>
+          <a:xfrm flipH="1">
+            <a:off x="5840606" y="2704544"/>
+            <a:ext cx="2431934" cy="502427"/>
+          </a:xfrm>
+          <a:prstGeom prst="straightConnector1">
+            <a:avLst/>
+          </a:prstGeom>
+          <a:ln w="4953">
+            <a:solidFill>
+              <a:schemeClr val="accent6"/>
+            </a:solidFill>
+            <a:prstDash val="dash"/>
+            <a:tailEnd type="triangle"/>
+          </a:ln>
+        </p:spPr>
+        <p:style>
+          <a:lnRef idx="1">
+            <a:schemeClr val="accent1"/>
+          </a:lnRef>
+          <a:fillRef idx="0">
+            <a:schemeClr val="accent1"/>
+          </a:fillRef>
+          <a:effectRef idx="0">
+            <a:schemeClr val="accent1"/>
+          </a:effectRef>
+          <a:fontRef idx="minor">
+            <a:schemeClr val="tx1"/>
+          </a:fontRef>
+        </p:style>
+      </p:cxnSp>
+      <p:cxnSp>
+        <p:nvCxnSpPr>
+          <p:cNvPr id="95" name="Straight Arrow Connector 94">
+            <a:extLst>
+              <a:ext uri="{FF2B5EF4-FFF2-40B4-BE49-F238E27FC236}">
+                <a16:creationId xmlns:a16="http://schemas.microsoft.com/office/drawing/2014/main" id="{FD51B2C7-FBA2-D5D6-D5FF-4B4B9D76EF78}"/>
+              </a:ext>
+            </a:extLst>
+          </p:cNvPr>
+          <p:cNvCxnSpPr>
+            <a:cxnSpLocks/>
+          </p:cNvCxnSpPr>
+          <p:nvPr/>
+        </p:nvCxnSpPr>
+        <p:spPr>
+          <a:xfrm>
+            <a:off x="4060771" y="1005153"/>
+            <a:ext cx="574162" cy="340738"/>
+          </a:xfrm>
+          <a:prstGeom prst="straightConnector1">
+            <a:avLst/>
+          </a:prstGeom>
+          <a:ln w="33782">
+            <a:solidFill>
+              <a:schemeClr val="accent6"/>
+            </a:solidFill>
+            <a:tailEnd type="triangle"/>
+          </a:ln>
+        </p:spPr>
+        <p:style>
+          <a:lnRef idx="1">
+            <a:schemeClr val="accent1"/>
+          </a:lnRef>
+          <a:fillRef idx="0">
+            <a:schemeClr val="accent1"/>
+          </a:fillRef>
+          <a:effectRef idx="0">
+            <a:schemeClr val="accent1"/>
+          </a:effectRef>
+          <a:fontRef idx="minor">
+            <a:schemeClr val="tx1"/>
+          </a:fontRef>
+        </p:style>
+      </p:cxnSp>
+      <p:cxnSp>
+        <p:nvCxnSpPr>
+          <p:cNvPr id="65" name="Straight Arrow Connector 64">
+            <a:extLst>
+              <a:ext uri="{FF2B5EF4-FFF2-40B4-BE49-F238E27FC236}">
+                <a16:creationId xmlns:a16="http://schemas.microsoft.com/office/drawing/2014/main" id="{12D98813-0E5D-9AEC-F23C-8610A3B73D92}"/>
+              </a:ext>
+            </a:extLst>
+          </p:cNvPr>
+          <p:cNvCxnSpPr>
+            <a:cxnSpLocks/>
+            <a:endCxn id="19" idx="2"/>
+          </p:cNvCxnSpPr>
+          <p:nvPr/>
+        </p:nvCxnSpPr>
+        <p:spPr>
+          <a:xfrm flipH="1" flipV="1">
+            <a:off x="6560130" y="1277290"/>
+            <a:ext cx="1670365" cy="4844017"/>
+          </a:xfrm>
+          <a:prstGeom prst="straightConnector1">
+            <a:avLst/>
+          </a:prstGeom>
+          <a:ln w="72390">
+            <a:solidFill>
+              <a:schemeClr val="tx1"/>
+            </a:solidFill>
+            <a:tailEnd type="triangle"/>
+          </a:ln>
+        </p:spPr>
+        <p:style>
+          <a:lnRef idx="1">
+            <a:schemeClr val="accent1"/>
+          </a:lnRef>
+          <a:fillRef idx="0">
+            <a:schemeClr val="accent1"/>
+          </a:fillRef>
+          <a:effectRef idx="0">
+            <a:schemeClr val="accent1"/>
+          </a:effectRef>
+          <a:fontRef idx="minor">
+            <a:schemeClr val="tx1"/>
+          </a:fontRef>
+        </p:style>
+      </p:cxnSp>
+      <p:cxnSp>
+        <p:nvCxnSpPr>
+          <p:cNvPr id="57" name="Straight Arrow Connector 56">
+            <a:extLst>
+              <a:ext uri="{FF2B5EF4-FFF2-40B4-BE49-F238E27FC236}">
+                <a16:creationId xmlns:a16="http://schemas.microsoft.com/office/drawing/2014/main" id="{4E2A04AA-4CE0-46DC-B8DF-BF99F9C0851A}"/>
+              </a:ext>
+            </a:extLst>
+          </p:cNvPr>
+          <p:cNvCxnSpPr>
+            <a:cxnSpLocks/>
+          </p:cNvCxnSpPr>
+          <p:nvPr/>
+        </p:nvCxnSpPr>
+        <p:spPr>
+          <a:xfrm flipH="1" flipV="1">
+            <a:off x="7001523" y="1248271"/>
+            <a:ext cx="1201432" cy="3289089"/>
+          </a:xfrm>
+          <a:prstGeom prst="straightConnector1">
+            <a:avLst/>
+          </a:prstGeom>
+          <a:ln w="73660">
+            <a:solidFill>
+              <a:schemeClr val="accent6"/>
+            </a:solidFill>
+            <a:tailEnd type="triangle"/>
+          </a:ln>
+        </p:spPr>
+        <p:style>
+          <a:lnRef idx="1">
+            <a:schemeClr val="accent1"/>
+          </a:lnRef>
+          <a:fillRef idx="0">
+            <a:schemeClr val="accent1"/>
+          </a:fillRef>
+          <a:effectRef idx="0">
+            <a:schemeClr val="accent1"/>
+          </a:effectRef>
+          <a:fontRef idx="minor">
+            <a:schemeClr val="tx1"/>
+          </a:fontRef>
+        </p:style>
+      </p:cxnSp>
+      <p:cxnSp>
+        <p:nvCxnSpPr>
+          <p:cNvPr id="56" name="Straight Arrow Connector 55">
+            <a:extLst>
+              <a:ext uri="{FF2B5EF4-FFF2-40B4-BE49-F238E27FC236}">
+                <a16:creationId xmlns:a16="http://schemas.microsoft.com/office/drawing/2014/main" id="{35CD70BE-316A-A9B3-65FA-41FB0904E079}"/>
+              </a:ext>
+            </a:extLst>
+          </p:cNvPr>
+          <p:cNvCxnSpPr>
+            <a:cxnSpLocks/>
+          </p:cNvCxnSpPr>
+          <p:nvPr/>
+        </p:nvCxnSpPr>
+        <p:spPr>
+          <a:xfrm flipH="1" flipV="1">
+            <a:off x="7286705" y="1073359"/>
+            <a:ext cx="985835" cy="1245427"/>
+          </a:xfrm>
+          <a:prstGeom prst="straightConnector1">
+            <a:avLst/>
+          </a:prstGeom>
+          <a:ln w="53340">
+            <a:solidFill>
+              <a:schemeClr val="accent6"/>
+            </a:solidFill>
+            <a:prstDash val="sysDot"/>
+            <a:tailEnd type="triangle"/>
+          </a:ln>
+        </p:spPr>
+        <p:style>
+          <a:lnRef idx="1">
+            <a:schemeClr val="accent1"/>
+          </a:lnRef>
+          <a:fillRef idx="0">
+            <a:schemeClr val="accent1"/>
+          </a:fillRef>
+          <a:effectRef idx="0">
+            <a:schemeClr val="accent1"/>
+          </a:effectRef>
+          <a:fontRef idx="minor">
+            <a:schemeClr val="tx1"/>
+          </a:fontRef>
+        </p:style>
+      </p:cxnSp>
+      <p:pic>
+        <p:nvPicPr>
+          <p:cNvPr id="6" name="Picture 5">
+            <a:extLst>
+              <a:ext uri="{FF2B5EF4-FFF2-40B4-BE49-F238E27FC236}">
+                <a16:creationId xmlns:a16="http://schemas.microsoft.com/office/drawing/2014/main" id="{1C56AB06-0FE9-6A75-78B5-5125473E5C80}"/>
+              </a:ext>
+            </a:extLst>
+          </p:cNvPr>
+          <p:cNvPicPr>
+            <a:picLocks noChangeAspect="1"/>
+          </p:cNvPicPr>
+          <p:nvPr/>
+        </p:nvPicPr>
+        <p:blipFill rotWithShape="1">
+          <a:blip r:embed="rId3">
+            <a:extLst>
+              <a:ext uri="{28A0092B-C50C-407E-A947-70E740481C1C}">
+                <a14:useLocalDpi xmlns:a14="http://schemas.microsoft.com/office/drawing/2010/main" val="0"/>
+              </a:ext>
+            </a:extLst>
+          </a:blip>
+          <a:srcRect l="15650" t="22456" r="16076" b="27134"/>
+          <a:stretch/>
+        </p:blipFill>
+        <p:spPr>
+          <a:xfrm>
+            <a:off x="8082769" y="3592729"/>
+            <a:ext cx="1661310" cy="1488616"/>
+          </a:xfrm>
+          <a:prstGeom prst="rect">
+            <a:avLst/>
+          </a:prstGeom>
+        </p:spPr>
+      </p:pic>
+      <p:pic>
+        <p:nvPicPr>
+          <p:cNvPr id="8" name="Picture 7">
+            <a:extLst>
+              <a:ext uri="{FF2B5EF4-FFF2-40B4-BE49-F238E27FC236}">
+                <a16:creationId xmlns:a16="http://schemas.microsoft.com/office/drawing/2014/main" id="{59444F28-A1FA-708D-3DD0-91E40C0788A4}"/>
+              </a:ext>
+            </a:extLst>
+          </p:cNvPr>
+          <p:cNvPicPr>
+            <a:picLocks noChangeAspect="1"/>
+          </p:cNvPicPr>
+          <p:nvPr/>
+        </p:nvPicPr>
+        <p:blipFill rotWithShape="1">
+          <a:blip r:embed="rId4">
+            <a:extLst>
+              <a:ext uri="{28A0092B-C50C-407E-A947-70E740481C1C}">
+                <a14:useLocalDpi xmlns:a14="http://schemas.microsoft.com/office/drawing/2010/main" val="0"/>
+              </a:ext>
+            </a:extLst>
+          </a:blip>
+          <a:srcRect l="22719" t="43158" r="53158" b="27485"/>
+          <a:stretch/>
+        </p:blipFill>
+        <p:spPr>
+          <a:xfrm>
+            <a:off x="8082769" y="106119"/>
+            <a:ext cx="1632351" cy="1489893"/>
+          </a:xfrm>
+          <a:prstGeom prst="rect">
+            <a:avLst/>
+          </a:prstGeom>
+        </p:spPr>
+      </p:pic>
+      <p:pic>
+        <p:nvPicPr>
+          <p:cNvPr id="10" name="Picture 9">
+            <a:extLst>
+              <a:ext uri="{FF2B5EF4-FFF2-40B4-BE49-F238E27FC236}">
+                <a16:creationId xmlns:a16="http://schemas.microsoft.com/office/drawing/2014/main" id="{2736802B-F260-B466-04CB-05DF23ADE29A}"/>
+              </a:ext>
+            </a:extLst>
+          </p:cNvPr>
+          <p:cNvPicPr>
+            <a:picLocks noChangeAspect="1"/>
+          </p:cNvPicPr>
+          <p:nvPr/>
+        </p:nvPicPr>
+        <p:blipFill rotWithShape="1">
+          <a:blip r:embed="rId5">
+            <a:extLst>
+              <a:ext uri="{28A0092B-C50C-407E-A947-70E740481C1C}">
+                <a14:useLocalDpi xmlns:a14="http://schemas.microsoft.com/office/drawing/2010/main" val="0"/>
+              </a:ext>
+            </a:extLst>
+          </a:blip>
+          <a:srcRect t="5380" b="3626"/>
+          <a:stretch/>
+        </p:blipFill>
+        <p:spPr>
+          <a:xfrm>
+            <a:off x="8090050" y="1648076"/>
+            <a:ext cx="1625070" cy="1871796"/>
+          </a:xfrm>
+          <a:prstGeom prst="rect">
+            <a:avLst/>
+          </a:prstGeom>
+        </p:spPr>
+      </p:pic>
+      <p:grpSp>
+        <p:nvGrpSpPr>
+          <p:cNvPr id="18" name="Group 17">
+            <a:extLst>
+              <a:ext uri="{FF2B5EF4-FFF2-40B4-BE49-F238E27FC236}">
+                <a16:creationId xmlns:a16="http://schemas.microsoft.com/office/drawing/2014/main" id="{B373A205-0A57-E55D-8630-1FF4BAB6D8CB}"/>
+              </a:ext>
+            </a:extLst>
+          </p:cNvPr>
+          <p:cNvGrpSpPr/>
+          <p:nvPr/>
+        </p:nvGrpSpPr>
+        <p:grpSpPr>
+          <a:xfrm>
+            <a:off x="8075112" y="5154202"/>
+            <a:ext cx="1713201" cy="1590767"/>
+            <a:chOff x="4126992" y="3096768"/>
+            <a:chExt cx="2444496" cy="2164080"/>
+          </a:xfrm>
+        </p:grpSpPr>
+        <p:pic>
+          <p:nvPicPr>
+            <p:cNvPr id="14" name="Content Placeholder 5">
+              <a:extLst>
+                <a:ext uri="{FF2B5EF4-FFF2-40B4-BE49-F238E27FC236}">
+                  <a16:creationId xmlns:a16="http://schemas.microsoft.com/office/drawing/2014/main" id="{34A971F1-480A-0833-8D2E-BB5A0148EB92}"/>
+                </a:ext>
+              </a:extLst>
+            </p:cNvPr>
+            <p:cNvPicPr>
+              <a:picLocks noChangeAspect="1"/>
+            </p:cNvPicPr>
+            <p:nvPr/>
+          </p:nvPicPr>
+          <p:blipFill rotWithShape="1">
+            <a:blip r:embed="rId6">
+              <a:extLst>
+                <a:ext uri="{28A0092B-C50C-407E-A947-70E740481C1C}">
+                  <a14:useLocalDpi xmlns:a14="http://schemas.microsoft.com/office/drawing/2010/main" val="0"/>
+                </a:ext>
+              </a:extLst>
+            </a:blip>
+            <a:srcRect l="31086" t="16843" r="15530" b="20377"/>
+            <a:stretch/>
+          </p:blipFill>
+          <p:spPr>
+            <a:xfrm>
+              <a:off x="4126992" y="3096768"/>
+              <a:ext cx="2444496" cy="2164080"/>
+            </a:xfrm>
+            <a:prstGeom prst="rect">
+              <a:avLst/>
+            </a:prstGeom>
+          </p:spPr>
+        </p:pic>
+        <p:sp>
+          <p:nvSpPr>
+            <p:cNvPr id="15" name="Oval 14">
+              <a:extLst>
+                <a:ext uri="{FF2B5EF4-FFF2-40B4-BE49-F238E27FC236}">
+                  <a16:creationId xmlns:a16="http://schemas.microsoft.com/office/drawing/2014/main" id="{3A406421-46F2-21AC-AEDF-1E5D0B0FE6FF}"/>
+                </a:ext>
+              </a:extLst>
+            </p:cNvPr>
+            <p:cNvSpPr/>
+            <p:nvPr/>
+          </p:nvSpPr>
+          <p:spPr>
+            <a:xfrm>
+              <a:off x="4410456" y="3233928"/>
+              <a:ext cx="1877568" cy="1889760"/>
+            </a:xfrm>
+            <a:prstGeom prst="ellipse">
+              <a:avLst/>
+            </a:prstGeom>
+            <a:noFill/>
+            <a:ln w="76200">
+              <a:solidFill>
+                <a:schemeClr val="tx1"/>
+              </a:solidFill>
+            </a:ln>
+          </p:spPr>
+          <p:style>
+            <a:lnRef idx="2">
+              <a:schemeClr val="accent1">
+                <a:shade val="50000"/>
+              </a:schemeClr>
+            </a:lnRef>
+            <a:fillRef idx="1">
+              <a:schemeClr val="accent1"/>
+            </a:fillRef>
+            <a:effectRef idx="0">
+              <a:schemeClr val="accent1"/>
+            </a:effectRef>
+            <a:fontRef idx="minor">
+              <a:schemeClr val="lt1"/>
+            </a:fontRef>
+          </p:style>
+          <p:txBody>
+            <a:bodyPr rtlCol="0" anchor="ctr"/>
+            <a:lstStyle/>
+            <a:p>
+              <a:pPr algn="ctr"/>
+              <a:endParaRPr lang="en-US"/>
+            </a:p>
+          </p:txBody>
+        </p:sp>
+        <p:cxnSp>
+          <p:nvCxnSpPr>
+            <p:cNvPr id="17" name="Straight Connector 16">
+              <a:extLst>
+                <a:ext uri="{FF2B5EF4-FFF2-40B4-BE49-F238E27FC236}">
+                  <a16:creationId xmlns:a16="http://schemas.microsoft.com/office/drawing/2014/main" id="{AEAD83D0-4099-3790-E6BA-275955205711}"/>
+                </a:ext>
+              </a:extLst>
+            </p:cNvPr>
+            <p:cNvCxnSpPr>
+              <a:stCxn id="15" idx="7"/>
+              <a:endCxn id="15" idx="3"/>
+            </p:cNvCxnSpPr>
+            <p:nvPr/>
+          </p:nvCxnSpPr>
+          <p:spPr>
+            <a:xfrm flipH="1">
+              <a:off x="4685419" y="3510677"/>
+              <a:ext cx="1327642" cy="1336262"/>
+            </a:xfrm>
+            <a:prstGeom prst="line">
+              <a:avLst/>
+            </a:prstGeom>
+            <a:ln w="76200">
+              <a:solidFill>
+                <a:schemeClr val="tx1"/>
+              </a:solidFill>
+            </a:ln>
+          </p:spPr>
+          <p:style>
+            <a:lnRef idx="1">
+              <a:schemeClr val="accent1"/>
+            </a:lnRef>
+            <a:fillRef idx="0">
+              <a:schemeClr val="accent1"/>
+            </a:fillRef>
+            <a:effectRef idx="0">
+              <a:schemeClr val="accent1"/>
+            </a:effectRef>
+            <a:fontRef idx="minor">
+              <a:schemeClr val="tx1"/>
+            </a:fontRef>
+          </p:style>
+        </p:cxnSp>
+      </p:grpSp>
+      <p:sp>
+        <p:nvSpPr>
+          <p:cNvPr id="19" name="TextBox 18">
+            <a:extLst>
+              <a:ext uri="{FF2B5EF4-FFF2-40B4-BE49-F238E27FC236}">
+                <a16:creationId xmlns:a16="http://schemas.microsoft.com/office/drawing/2014/main" id="{014C6164-C7F1-050A-21A2-EC72E4DF3CFD}"/>
+              </a:ext>
+            </a:extLst>
+          </p:cNvPr>
+          <p:cNvSpPr txBox="1"/>
+          <p:nvPr/>
+        </p:nvSpPr>
+        <p:spPr>
+          <a:xfrm>
             <a:off x="5650268" y="446293"/>
             <a:ext cx="1819723" cy="830997"/>
           </a:xfrm>
@@ -4078,7 +9443,7 @@
         </p:nvSpPr>
         <p:spPr>
           <a:xfrm>
-            <a:off x="2885580" y="376771"/>
+            <a:off x="2801611" y="436626"/>
             <a:ext cx="1309509" cy="830997"/>
           </a:xfrm>
           <a:prstGeom prst="rect">
@@ -4350,7 +9715,7 @@
                   </a:schemeClr>
                 </a:solidFill>
               </a:rPr>
-              <a:t>Plant Mg</a:t>
+              <a:t>Grass Mg</a:t>
             </a:r>
           </a:p>
           <a:p>
@@ -4414,8 +9779,8 @@
         </p:nvSpPr>
         <p:spPr>
           <a:xfrm>
-            <a:off x="2896406" y="3854564"/>
-            <a:ext cx="1420604" cy="830997"/>
+            <a:off x="3228178" y="4090743"/>
+            <a:ext cx="1590064" cy="830997"/>
           </a:xfrm>
           <a:prstGeom prst="rect">
             <a:avLst/>
@@ -4440,7 +9805,7 @@
                   </a:schemeClr>
                 </a:solidFill>
               </a:rPr>
-              <a:t>Plant Na</a:t>
+              <a:t>Grass Na</a:t>
             </a:r>
           </a:p>
           <a:p>
@@ -4504,7 +9869,7 @@
         </p:nvSpPr>
         <p:spPr>
           <a:xfrm>
-            <a:off x="4514386" y="5139049"/>
+            <a:off x="4545325" y="5513167"/>
             <a:ext cx="1309509" cy="830997"/>
           </a:xfrm>
           <a:prstGeom prst="rect">
@@ -4528,7 +9893,7 @@
                   <a:schemeClr val="accent2"/>
                 </a:solidFill>
               </a:rPr>
-              <a:t>Plant Si</a:t>
+              <a:t>Grass Si</a:t>
             </a:r>
           </a:p>
           <a:p>
@@ -4586,7 +9951,7 @@
         </p:nvSpPr>
         <p:spPr>
           <a:xfrm>
-            <a:off x="6560130" y="4633980"/>
+            <a:off x="1433468" y="3617217"/>
             <a:ext cx="1333450" cy="523220"/>
           </a:xfrm>
           <a:prstGeom prst="rect">
@@ -4607,50 +9972,6 @@
           </a:p>
         </p:txBody>
       </p:sp>
-      <p:cxnSp>
-        <p:nvCxnSpPr>
-          <p:cNvPr id="78" name="Straight Arrow Connector 77">
-            <a:extLst>
-              <a:ext uri="{FF2B5EF4-FFF2-40B4-BE49-F238E27FC236}">
-                <a16:creationId xmlns:a16="http://schemas.microsoft.com/office/drawing/2014/main" id="{155057BC-EAC4-E303-C490-D3532CF8D8F9}"/>
-              </a:ext>
-            </a:extLst>
-          </p:cNvPr>
-          <p:cNvCxnSpPr>
-            <a:cxnSpLocks/>
-          </p:cNvCxnSpPr>
-          <p:nvPr/>
-        </p:nvCxnSpPr>
-        <p:spPr>
-          <a:xfrm flipH="1" flipV="1">
-            <a:off x="5708649" y="1894279"/>
-            <a:ext cx="2491835" cy="2424381"/>
-          </a:xfrm>
-          <a:prstGeom prst="straightConnector1">
-            <a:avLst/>
-          </a:prstGeom>
-          <a:ln w="10668">
-            <a:solidFill>
-              <a:schemeClr val="tx1"/>
-            </a:solidFill>
-            <a:tailEnd type="triangle"/>
-          </a:ln>
-        </p:spPr>
-        <p:style>
-          <a:lnRef idx="1">
-            <a:schemeClr val="accent1"/>
-          </a:lnRef>
-          <a:fillRef idx="0">
-            <a:schemeClr val="accent1"/>
-          </a:fillRef>
-          <a:effectRef idx="0">
-            <a:schemeClr val="accent1"/>
-          </a:effectRef>
-          <a:fontRef idx="minor">
-            <a:schemeClr val="tx1"/>
-          </a:fontRef>
-        </p:style>
-      </p:cxnSp>
       <p:cxnSp>
         <p:nvCxnSpPr>
           <p:cNvPr id="81" name="Straight Arrow Connector 80">
@@ -4712,7 +10033,7 @@
         </p:nvCxnSpPr>
         <p:spPr>
           <a:xfrm flipH="1" flipV="1">
-            <a:off x="3540335" y="1207768"/>
+            <a:off x="3456366" y="1267623"/>
             <a:ext cx="4624241" cy="3420484"/>
           </a:xfrm>
           <a:prstGeom prst="straightConnector1">
@@ -4742,25 +10063,292 @@
       </p:cxnSp>
       <p:cxnSp>
         <p:nvCxnSpPr>
-          <p:cNvPr id="129" name="Connector: Curved 128">
-            <a:extLst>
-              <a:ext uri="{FF2B5EF4-FFF2-40B4-BE49-F238E27FC236}">
-                <a16:creationId xmlns:a16="http://schemas.microsoft.com/office/drawing/2014/main" id="{63563B43-0B72-1ED1-A75F-11ADF559367B}"/>
+          <p:cNvPr id="142" name="Straight Arrow Connector 141">
+            <a:extLst>
+              <a:ext uri="{FF2B5EF4-FFF2-40B4-BE49-F238E27FC236}">
+                <a16:creationId xmlns:a16="http://schemas.microsoft.com/office/drawing/2014/main" id="{D69192D0-B192-4DC7-7226-099F603F82C3}"/>
               </a:ext>
             </a:extLst>
           </p:cNvPr>
           <p:cNvCxnSpPr>
             <a:cxnSpLocks/>
-            <a:endCxn id="23" idx="3"/>
           </p:cNvCxnSpPr>
           <p:nvPr/>
         </p:nvCxnSpPr>
         <p:spPr>
-          <a:xfrm rot="16200000" flipV="1">
-            <a:off x="3801224" y="1186135"/>
-            <a:ext cx="3950408" cy="3162678"/>
-          </a:xfrm>
-          <a:prstGeom prst="curvedConnector2">
+          <a:xfrm flipH="1">
+            <a:off x="4023210" y="1954756"/>
+            <a:ext cx="590803" cy="559729"/>
+          </a:xfrm>
+          <a:prstGeom prst="straightConnector1">
+            <a:avLst/>
+          </a:prstGeom>
+          <a:ln w="116840">
+            <a:solidFill>
+              <a:schemeClr val="accent6"/>
+            </a:solidFill>
+            <a:tailEnd type="triangle"/>
+          </a:ln>
+        </p:spPr>
+        <p:style>
+          <a:lnRef idx="1">
+            <a:schemeClr val="accent1"/>
+          </a:lnRef>
+          <a:fillRef idx="0">
+            <a:schemeClr val="accent1"/>
+          </a:fillRef>
+          <a:effectRef idx="0">
+            <a:schemeClr val="accent1"/>
+          </a:effectRef>
+          <a:fontRef idx="minor">
+            <a:schemeClr val="tx1"/>
+          </a:fontRef>
+        </p:style>
+      </p:cxnSp>
+      <p:cxnSp>
+        <p:nvCxnSpPr>
+          <p:cNvPr id="152" name="Straight Arrow Connector 151">
+            <a:extLst>
+              <a:ext uri="{FF2B5EF4-FFF2-40B4-BE49-F238E27FC236}">
+                <a16:creationId xmlns:a16="http://schemas.microsoft.com/office/drawing/2014/main" id="{00175861-C7E2-58B8-7E38-F25D89D818FE}"/>
+              </a:ext>
+            </a:extLst>
+          </p:cNvPr>
+          <p:cNvCxnSpPr>
+            <a:cxnSpLocks/>
+            <a:endCxn id="47" idx="1"/>
+          </p:cNvCxnSpPr>
+          <p:nvPr/>
+        </p:nvCxnSpPr>
+        <p:spPr>
+          <a:xfrm flipV="1">
+            <a:off x="2583760" y="3487592"/>
+            <a:ext cx="1790741" cy="291328"/>
+          </a:xfrm>
+          <a:prstGeom prst="straightConnector1">
+            <a:avLst/>
+          </a:prstGeom>
+          <a:ln w="7874">
+            <a:solidFill>
+              <a:schemeClr val="accent6"/>
+            </a:solidFill>
+            <a:tailEnd type="triangle"/>
+          </a:ln>
+        </p:spPr>
+        <p:style>
+          <a:lnRef idx="1">
+            <a:schemeClr val="accent1"/>
+          </a:lnRef>
+          <a:fillRef idx="0">
+            <a:schemeClr val="accent1"/>
+          </a:fillRef>
+          <a:effectRef idx="0">
+            <a:schemeClr val="accent1"/>
+          </a:effectRef>
+          <a:fontRef idx="minor">
+            <a:schemeClr val="tx1"/>
+          </a:fontRef>
+        </p:style>
+      </p:cxnSp>
+      <p:cxnSp>
+        <p:nvCxnSpPr>
+          <p:cNvPr id="157" name="Straight Arrow Connector 156">
+            <a:extLst>
+              <a:ext uri="{FF2B5EF4-FFF2-40B4-BE49-F238E27FC236}">
+                <a16:creationId xmlns:a16="http://schemas.microsoft.com/office/drawing/2014/main" id="{EEC18938-7472-4131-A335-518E42DB5175}"/>
+              </a:ext>
+            </a:extLst>
+          </p:cNvPr>
+          <p:cNvCxnSpPr>
+            <a:cxnSpLocks/>
+          </p:cNvCxnSpPr>
+          <p:nvPr/>
+        </p:nvCxnSpPr>
+        <p:spPr>
+          <a:xfrm>
+            <a:off x="3855908" y="1239880"/>
+            <a:ext cx="964241" cy="1962805"/>
+          </a:xfrm>
+          <a:prstGeom prst="straightConnector1">
+            <a:avLst/>
+          </a:prstGeom>
+          <a:ln w="16891">
+            <a:solidFill>
+              <a:schemeClr val="accent6"/>
+            </a:solidFill>
+            <a:tailEnd type="triangle"/>
+          </a:ln>
+        </p:spPr>
+        <p:style>
+          <a:lnRef idx="1">
+            <a:schemeClr val="accent1"/>
+          </a:lnRef>
+          <a:fillRef idx="0">
+            <a:schemeClr val="accent1"/>
+          </a:fillRef>
+          <a:effectRef idx="0">
+            <a:schemeClr val="accent1"/>
+          </a:effectRef>
+          <a:fontRef idx="minor">
+            <a:schemeClr val="tx1"/>
+          </a:fontRef>
+        </p:style>
+      </p:cxnSp>
+      <p:cxnSp>
+        <p:nvCxnSpPr>
+          <p:cNvPr id="163" name="Straight Arrow Connector 162">
+            <a:extLst>
+              <a:ext uri="{FF2B5EF4-FFF2-40B4-BE49-F238E27FC236}">
+                <a16:creationId xmlns:a16="http://schemas.microsoft.com/office/drawing/2014/main" id="{FDB6F60A-AB76-B0F1-88C8-AC9F6A785544}"/>
+              </a:ext>
+            </a:extLst>
+          </p:cNvPr>
+          <p:cNvCxnSpPr>
+            <a:cxnSpLocks/>
+          </p:cNvCxnSpPr>
+          <p:nvPr/>
+        </p:nvCxnSpPr>
+        <p:spPr>
+          <a:xfrm flipH="1">
+            <a:off x="4426013" y="3751855"/>
+            <a:ext cx="183696" cy="338888"/>
+          </a:xfrm>
+          <a:prstGeom prst="straightConnector1">
+            <a:avLst/>
+          </a:prstGeom>
+          <a:ln w="13716">
+            <a:solidFill>
+              <a:schemeClr val="accent6"/>
+            </a:solidFill>
+            <a:tailEnd type="triangle"/>
+          </a:ln>
+        </p:spPr>
+        <p:style>
+          <a:lnRef idx="1">
+            <a:schemeClr val="accent1"/>
+          </a:lnRef>
+          <a:fillRef idx="0">
+            <a:schemeClr val="accent1"/>
+          </a:fillRef>
+          <a:effectRef idx="0">
+            <a:schemeClr val="accent1"/>
+          </a:effectRef>
+          <a:fontRef idx="minor">
+            <a:schemeClr val="tx1"/>
+          </a:fontRef>
+        </p:style>
+      </p:cxnSp>
+      <p:cxnSp>
+        <p:nvCxnSpPr>
+          <p:cNvPr id="166" name="Straight Arrow Connector 165">
+            <a:extLst>
+              <a:ext uri="{FF2B5EF4-FFF2-40B4-BE49-F238E27FC236}">
+                <a16:creationId xmlns:a16="http://schemas.microsoft.com/office/drawing/2014/main" id="{93A35AA6-C8F5-8E51-A2B1-066E083A828B}"/>
+              </a:ext>
+            </a:extLst>
+          </p:cNvPr>
+          <p:cNvCxnSpPr>
+            <a:cxnSpLocks/>
+          </p:cNvCxnSpPr>
+          <p:nvPr/>
+        </p:nvCxnSpPr>
+        <p:spPr>
+          <a:xfrm>
+            <a:off x="5392518" y="3903090"/>
+            <a:ext cx="0" cy="1669729"/>
+          </a:xfrm>
+          <a:prstGeom prst="straightConnector1">
+            <a:avLst/>
+          </a:prstGeom>
+          <a:ln w="153035">
+            <a:solidFill>
+              <a:schemeClr val="tx1"/>
+            </a:solidFill>
+            <a:tailEnd type="triangle"/>
+          </a:ln>
+        </p:spPr>
+        <p:style>
+          <a:lnRef idx="1">
+            <a:schemeClr val="accent1"/>
+          </a:lnRef>
+          <a:fillRef idx="0">
+            <a:schemeClr val="accent1"/>
+          </a:fillRef>
+          <a:effectRef idx="0">
+            <a:schemeClr val="accent1"/>
+          </a:effectRef>
+          <a:fontRef idx="minor">
+            <a:schemeClr val="tx1"/>
+          </a:fontRef>
+        </p:style>
+      </p:cxnSp>
+      <p:cxnSp>
+        <p:nvCxnSpPr>
+          <p:cNvPr id="173" name="Straight Arrow Connector 172">
+            <a:extLst>
+              <a:ext uri="{FF2B5EF4-FFF2-40B4-BE49-F238E27FC236}">
+                <a16:creationId xmlns:a16="http://schemas.microsoft.com/office/drawing/2014/main" id="{5F0F6374-0DE5-E142-7B68-73416581B430}"/>
+              </a:ext>
+            </a:extLst>
+          </p:cNvPr>
+          <p:cNvCxnSpPr>
+            <a:cxnSpLocks/>
+            <a:stCxn id="77" idx="2"/>
+            <a:endCxn id="53" idx="1"/>
+          </p:cNvCxnSpPr>
+          <p:nvPr/>
+        </p:nvCxnSpPr>
+        <p:spPr>
+          <a:xfrm>
+            <a:off x="2100193" y="4140437"/>
+            <a:ext cx="2445132" cy="1788229"/>
+          </a:xfrm>
+          <a:prstGeom prst="straightConnector1">
+            <a:avLst/>
+          </a:prstGeom>
+          <a:ln w="48641">
+            <a:solidFill>
+              <a:schemeClr val="accent6"/>
+            </a:solidFill>
+            <a:tailEnd type="triangle"/>
+          </a:ln>
+        </p:spPr>
+        <p:style>
+          <a:lnRef idx="1">
+            <a:schemeClr val="accent1"/>
+          </a:lnRef>
+          <a:fillRef idx="0">
+            <a:schemeClr val="accent1"/>
+          </a:fillRef>
+          <a:effectRef idx="0">
+            <a:schemeClr val="accent1"/>
+          </a:effectRef>
+          <a:fontRef idx="minor">
+            <a:schemeClr val="tx1"/>
+          </a:fontRef>
+        </p:style>
+      </p:cxnSp>
+      <p:cxnSp>
+        <p:nvCxnSpPr>
+          <p:cNvPr id="7" name="Straight Arrow Connector 6">
+            <a:extLst>
+              <a:ext uri="{FF2B5EF4-FFF2-40B4-BE49-F238E27FC236}">
+                <a16:creationId xmlns:a16="http://schemas.microsoft.com/office/drawing/2014/main" id="{FFDCF08F-922E-B125-A8AF-E5B5A2B26F0F}"/>
+              </a:ext>
+            </a:extLst>
+          </p:cNvPr>
+          <p:cNvCxnSpPr>
+            <a:cxnSpLocks/>
+            <a:stCxn id="77" idx="0"/>
+          </p:cNvCxnSpPr>
+          <p:nvPr/>
+        </p:nvCxnSpPr>
+        <p:spPr>
+          <a:xfrm flipV="1">
+            <a:off x="2100193" y="1239880"/>
+            <a:ext cx="967359" cy="2377337"/>
+          </a:xfrm>
+          <a:prstGeom prst="straightConnector1">
             <a:avLst/>
           </a:prstGeom>
           <a:ln w="31623">
@@ -4785,12 +10373,42 @@
           </a:fontRef>
         </p:style>
       </p:cxnSp>
+    </p:spTree>
+    <p:extLst>
+      <p:ext uri="{BB962C8B-B14F-4D97-AF65-F5344CB8AC3E}">
+        <p14:creationId xmlns:p14="http://schemas.microsoft.com/office/powerpoint/2010/main" val="3843028413"/>
+      </p:ext>
+    </p:extLst>
+  </p:cSld>
+  <p:clrMapOvr>
+    <a:masterClrMapping/>
+  </p:clrMapOvr>
+</p:sld>
+</file>
+
+<file path=ppt/slides/slide4.xml><?xml version="1.0" encoding="utf-8"?>
+<p:sld xmlns:a="http://schemas.openxmlformats.org/drawingml/2006/main" xmlns:r="http://schemas.openxmlformats.org/officeDocument/2006/relationships" xmlns:p="http://schemas.openxmlformats.org/presentationml/2006/main">
+  <p:cSld>
+    <p:spTree>
+      <p:nvGrpSpPr>
+        <p:cNvPr id="1" name=""/>
+        <p:cNvGrpSpPr/>
+        <p:nvPr/>
+      </p:nvGrpSpPr>
+      <p:grpSpPr>
+        <a:xfrm>
+          <a:off x="0" y="0"/>
+          <a:ext cx="0" cy="0"/>
+          <a:chOff x="0" y="0"/>
+          <a:chExt cx="0" cy="0"/>
+        </a:xfrm>
+      </p:grpSpPr>
       <p:cxnSp>
         <p:nvCxnSpPr>
-          <p:cNvPr id="142" name="Straight Arrow Connector 141">
-            <a:extLst>
-              <a:ext uri="{FF2B5EF4-FFF2-40B4-BE49-F238E27FC236}">
-                <a16:creationId xmlns:a16="http://schemas.microsoft.com/office/drawing/2014/main" id="{D69192D0-B192-4DC7-7226-099F603F82C3}"/>
+          <p:cNvPr id="75" name="Straight Arrow Connector 74">
+            <a:extLst>
+              <a:ext uri="{FF2B5EF4-FFF2-40B4-BE49-F238E27FC236}">
+                <a16:creationId xmlns:a16="http://schemas.microsoft.com/office/drawing/2014/main" id="{B68A2F88-A190-8BAB-5370-FB2A353D0127}"/>
               </a:ext>
             </a:extLst>
           </p:cNvPr>
@@ -4800,14 +10418,14 @@
           <p:nvPr/>
         </p:nvCxnSpPr>
         <p:spPr>
-          <a:xfrm flipH="1">
-            <a:off x="4023210" y="1954756"/>
-            <a:ext cx="590803" cy="559729"/>
+          <a:xfrm flipH="1" flipV="1">
+            <a:off x="4264007" y="6014944"/>
+            <a:ext cx="4066442" cy="742793"/>
           </a:xfrm>
           <a:prstGeom prst="straightConnector1">
             <a:avLst/>
           </a:prstGeom>
-          <a:ln w="116840">
+          <a:ln w="6985">
             <a:solidFill>
               <a:schemeClr val="accent6"/>
             </a:solidFill>
@@ -4831,27 +10449,28 @@
       </p:cxnSp>
       <p:cxnSp>
         <p:nvCxnSpPr>
-          <p:cNvPr id="152" name="Straight Arrow Connector 151">
-            <a:extLst>
-              <a:ext uri="{FF2B5EF4-FFF2-40B4-BE49-F238E27FC236}">
-                <a16:creationId xmlns:a16="http://schemas.microsoft.com/office/drawing/2014/main" id="{00175861-C7E2-58B8-7E38-F25D89D818FE}"/>
+          <p:cNvPr id="37" name="Straight Arrow Connector 36">
+            <a:extLst>
+              <a:ext uri="{FF2B5EF4-FFF2-40B4-BE49-F238E27FC236}">
+                <a16:creationId xmlns:a16="http://schemas.microsoft.com/office/drawing/2014/main" id="{DCFC64FB-BD38-12AB-C041-6BCA72EDCAC4}"/>
               </a:ext>
             </a:extLst>
           </p:cNvPr>
           <p:cNvCxnSpPr>
             <a:cxnSpLocks/>
+            <a:endCxn id="41" idx="2"/>
           </p:cNvCxnSpPr>
           <p:nvPr/>
         </p:nvCxnSpPr>
         <p:spPr>
           <a:xfrm flipH="1" flipV="1">
-            <a:off x="5705118" y="3634097"/>
-            <a:ext cx="943468" cy="1051464"/>
+            <a:off x="5743833" y="2403663"/>
+            <a:ext cx="2551153" cy="3912158"/>
           </a:xfrm>
           <a:prstGeom prst="straightConnector1">
             <a:avLst/>
           </a:prstGeom>
-          <a:ln w="7874">
+          <a:ln w="3810">
             <a:solidFill>
               <a:schemeClr val="accent6"/>
             </a:solidFill>
@@ -4875,27 +10494,28 @@
       </p:cxnSp>
       <p:cxnSp>
         <p:nvCxnSpPr>
-          <p:cNvPr id="157" name="Straight Arrow Connector 156">
-            <a:extLst>
-              <a:ext uri="{FF2B5EF4-FFF2-40B4-BE49-F238E27FC236}">
-                <a16:creationId xmlns:a16="http://schemas.microsoft.com/office/drawing/2014/main" id="{EEC18938-7472-4131-A335-518E42DB5175}"/>
+          <p:cNvPr id="33" name="Straight Arrow Connector 32">
+            <a:extLst>
+              <a:ext uri="{FF2B5EF4-FFF2-40B4-BE49-F238E27FC236}">
+                <a16:creationId xmlns:a16="http://schemas.microsoft.com/office/drawing/2014/main" id="{A21FBEC6-DA46-1716-DF81-F67E855AB849}"/>
               </a:ext>
             </a:extLst>
           </p:cNvPr>
           <p:cNvCxnSpPr>
             <a:cxnSpLocks/>
+            <a:endCxn id="23" idx="2"/>
           </p:cNvCxnSpPr>
           <p:nvPr/>
         </p:nvCxnSpPr>
         <p:spPr>
-          <a:xfrm>
-            <a:off x="3855908" y="1239880"/>
-            <a:ext cx="964241" cy="1962805"/>
+          <a:xfrm flipH="1" flipV="1">
+            <a:off x="3456366" y="1267623"/>
+            <a:ext cx="4716950" cy="4978859"/>
           </a:xfrm>
           <a:prstGeom prst="straightConnector1">
             <a:avLst/>
           </a:prstGeom>
-          <a:ln w="16891">
+          <a:ln w="50800">
             <a:solidFill>
               <a:schemeClr val="accent6"/>
             </a:solidFill>
@@ -4919,10 +10539,10 @@
       </p:cxnSp>
       <p:cxnSp>
         <p:nvCxnSpPr>
-          <p:cNvPr id="163" name="Straight Arrow Connector 162">
-            <a:extLst>
-              <a:ext uri="{FF2B5EF4-FFF2-40B4-BE49-F238E27FC236}">
-                <a16:creationId xmlns:a16="http://schemas.microsoft.com/office/drawing/2014/main" id="{FDB6F60A-AB76-B0F1-88C8-AC9F6A785544}"/>
+          <p:cNvPr id="2" name="Straight Arrow Connector 1">
+            <a:extLst>
+              <a:ext uri="{FF2B5EF4-FFF2-40B4-BE49-F238E27FC236}">
+                <a16:creationId xmlns:a16="http://schemas.microsoft.com/office/drawing/2014/main" id="{8A3CF5EE-9368-7A61-2690-03BD39BC0A67}"/>
               </a:ext>
             </a:extLst>
           </p:cNvPr>
@@ -4933,13 +10553,147 @@
         </p:nvCxnSpPr>
         <p:spPr>
           <a:xfrm flipH="1">
-            <a:off x="3714929" y="3521768"/>
-            <a:ext cx="848904" cy="431396"/>
+            <a:off x="4109232" y="260064"/>
+            <a:ext cx="4093723" cy="318880"/>
           </a:xfrm>
           <a:prstGeom prst="straightConnector1">
             <a:avLst/>
           </a:prstGeom>
-          <a:ln w="13716">
+          <a:ln w="35814">
+            <a:solidFill>
+              <a:schemeClr val="tx1"/>
+            </a:solidFill>
+            <a:tailEnd type="triangle"/>
+          </a:ln>
+        </p:spPr>
+        <p:style>
+          <a:lnRef idx="1">
+            <a:schemeClr val="accent1"/>
+          </a:lnRef>
+          <a:fillRef idx="0">
+            <a:schemeClr val="accent1"/>
+          </a:fillRef>
+          <a:effectRef idx="0">
+            <a:schemeClr val="accent1"/>
+          </a:effectRef>
+          <a:fontRef idx="minor">
+            <a:schemeClr val="tx1"/>
+          </a:fontRef>
+        </p:style>
+      </p:cxnSp>
+      <p:cxnSp>
+        <p:nvCxnSpPr>
+          <p:cNvPr id="139" name="Straight Arrow Connector 138">
+            <a:extLst>
+              <a:ext uri="{FF2B5EF4-FFF2-40B4-BE49-F238E27FC236}">
+                <a16:creationId xmlns:a16="http://schemas.microsoft.com/office/drawing/2014/main" id="{DCDD23ED-2ED6-768A-45C6-D2C6BA0F8010}"/>
+              </a:ext>
+            </a:extLst>
+          </p:cNvPr>
+          <p:cNvCxnSpPr>
+            <a:cxnSpLocks/>
+          </p:cNvCxnSpPr>
+          <p:nvPr/>
+        </p:nvCxnSpPr>
+        <p:spPr>
+          <a:xfrm flipH="1" flipV="1">
+            <a:off x="3777242" y="1267623"/>
+            <a:ext cx="4517744" cy="3558255"/>
+          </a:xfrm>
+          <a:prstGeom prst="straightConnector1">
+            <a:avLst/>
+          </a:prstGeom>
+          <a:ln w="35179">
+            <a:solidFill>
+              <a:schemeClr val="tx1"/>
+            </a:solidFill>
+            <a:prstDash val="dash"/>
+            <a:tailEnd type="triangle"/>
+          </a:ln>
+        </p:spPr>
+        <p:style>
+          <a:lnRef idx="1">
+            <a:schemeClr val="accent1"/>
+          </a:lnRef>
+          <a:fillRef idx="0">
+            <a:schemeClr val="accent1"/>
+          </a:fillRef>
+          <a:effectRef idx="0">
+            <a:schemeClr val="accent1"/>
+          </a:effectRef>
+          <a:fontRef idx="minor">
+            <a:schemeClr val="tx1"/>
+          </a:fontRef>
+        </p:style>
+      </p:cxnSp>
+      <p:cxnSp>
+        <p:nvCxnSpPr>
+          <p:cNvPr id="65" name="Straight Arrow Connector 64">
+            <a:extLst>
+              <a:ext uri="{FF2B5EF4-FFF2-40B4-BE49-F238E27FC236}">
+                <a16:creationId xmlns:a16="http://schemas.microsoft.com/office/drawing/2014/main" id="{12D98813-0E5D-9AEC-F23C-8610A3B73D92}"/>
+              </a:ext>
+            </a:extLst>
+          </p:cNvPr>
+          <p:cNvCxnSpPr>
+            <a:cxnSpLocks/>
+            <a:endCxn id="19" idx="2"/>
+          </p:cNvCxnSpPr>
+          <p:nvPr/>
+        </p:nvCxnSpPr>
+        <p:spPr>
+          <a:xfrm flipH="1" flipV="1">
+            <a:off x="6560130" y="1277290"/>
+            <a:ext cx="1621614" cy="4623032"/>
+          </a:xfrm>
+          <a:prstGeom prst="straightConnector1">
+            <a:avLst/>
+          </a:prstGeom>
+          <a:ln w="72390">
+            <a:solidFill>
+              <a:schemeClr val="tx1"/>
+            </a:solidFill>
+            <a:tailEnd type="triangle"/>
+          </a:ln>
+        </p:spPr>
+        <p:style>
+          <a:lnRef idx="1">
+            <a:schemeClr val="accent1"/>
+          </a:lnRef>
+          <a:fillRef idx="0">
+            <a:schemeClr val="accent1"/>
+          </a:fillRef>
+          <a:effectRef idx="0">
+            <a:schemeClr val="accent1"/>
+          </a:effectRef>
+          <a:fontRef idx="minor">
+            <a:schemeClr val="tx1"/>
+          </a:fontRef>
+        </p:style>
+      </p:cxnSp>
+      <p:cxnSp>
+        <p:nvCxnSpPr>
+          <p:cNvPr id="57" name="Straight Arrow Connector 56">
+            <a:extLst>
+              <a:ext uri="{FF2B5EF4-FFF2-40B4-BE49-F238E27FC236}">
+                <a16:creationId xmlns:a16="http://schemas.microsoft.com/office/drawing/2014/main" id="{4E2A04AA-4CE0-46DC-B8DF-BF99F9C0851A}"/>
+              </a:ext>
+            </a:extLst>
+          </p:cNvPr>
+          <p:cNvCxnSpPr>
+            <a:cxnSpLocks/>
+          </p:cNvCxnSpPr>
+          <p:nvPr/>
+        </p:nvCxnSpPr>
+        <p:spPr>
+          <a:xfrm flipH="1" flipV="1">
+            <a:off x="7001523" y="1248271"/>
+            <a:ext cx="1201432" cy="3289089"/>
+          </a:xfrm>
+          <a:prstGeom prst="straightConnector1">
+            <a:avLst/>
+          </a:prstGeom>
+          <a:ln w="73660">
             <a:solidFill>
               <a:schemeClr val="accent6"/>
             </a:solidFill>
@@ -4963,10 +10717,10 @@
       </p:cxnSp>
       <p:cxnSp>
         <p:nvCxnSpPr>
-          <p:cNvPr id="166" name="Straight Arrow Connector 165">
-            <a:extLst>
-              <a:ext uri="{FF2B5EF4-FFF2-40B4-BE49-F238E27FC236}">
-                <a16:creationId xmlns:a16="http://schemas.microsoft.com/office/drawing/2014/main" id="{93A35AA6-C8F5-8E51-A2B1-066E083A828B}"/>
+          <p:cNvPr id="56" name="Straight Arrow Connector 55">
+            <a:extLst>
+              <a:ext uri="{FF2B5EF4-FFF2-40B4-BE49-F238E27FC236}">
+                <a16:creationId xmlns:a16="http://schemas.microsoft.com/office/drawing/2014/main" id="{35CD70BE-316A-A9B3-65FA-41FB0904E079}"/>
               </a:ext>
             </a:extLst>
           </p:cNvPr>
@@ -4976,14 +10730,910 @@
           <p:nvPr/>
         </p:nvCxnSpPr>
         <p:spPr>
+          <a:xfrm flipH="1" flipV="1">
+            <a:off x="7286705" y="1073359"/>
+            <a:ext cx="985835" cy="1245427"/>
+          </a:xfrm>
+          <a:prstGeom prst="straightConnector1">
+            <a:avLst/>
+          </a:prstGeom>
+          <a:ln w="53340">
+            <a:solidFill>
+              <a:schemeClr val="accent6"/>
+            </a:solidFill>
+            <a:prstDash val="sysDot"/>
+            <a:tailEnd type="triangle"/>
+          </a:ln>
+        </p:spPr>
+        <p:style>
+          <a:lnRef idx="1">
+            <a:schemeClr val="accent1"/>
+          </a:lnRef>
+          <a:fillRef idx="0">
+            <a:schemeClr val="accent1"/>
+          </a:fillRef>
+          <a:effectRef idx="0">
+            <a:schemeClr val="accent1"/>
+          </a:effectRef>
+          <a:fontRef idx="minor">
+            <a:schemeClr val="tx1"/>
+          </a:fontRef>
+        </p:style>
+      </p:cxnSp>
+      <p:pic>
+        <p:nvPicPr>
+          <p:cNvPr id="6" name="Picture 5">
+            <a:extLst>
+              <a:ext uri="{FF2B5EF4-FFF2-40B4-BE49-F238E27FC236}">
+                <a16:creationId xmlns:a16="http://schemas.microsoft.com/office/drawing/2014/main" id="{1C56AB06-0FE9-6A75-78B5-5125473E5C80}"/>
+              </a:ext>
+            </a:extLst>
+          </p:cNvPr>
+          <p:cNvPicPr>
+            <a:picLocks noChangeAspect="1"/>
+          </p:cNvPicPr>
+          <p:nvPr/>
+        </p:nvPicPr>
+        <p:blipFill rotWithShape="1">
+          <a:blip r:embed="rId3">
+            <a:extLst>
+              <a:ext uri="{28A0092B-C50C-407E-A947-70E740481C1C}">
+                <a14:useLocalDpi xmlns:a14="http://schemas.microsoft.com/office/drawing/2010/main" val="0"/>
+              </a:ext>
+            </a:extLst>
+          </a:blip>
+          <a:srcRect l="15650" t="22456" r="16076" b="27134"/>
+          <a:stretch/>
+        </p:blipFill>
+        <p:spPr>
           <a:xfrm>
-            <a:off x="5169140" y="3896770"/>
-            <a:ext cx="0" cy="1281180"/>
+            <a:off x="8082769" y="3592729"/>
+            <a:ext cx="1661310" cy="1488616"/>
+          </a:xfrm>
+          <a:prstGeom prst="rect">
+            <a:avLst/>
+          </a:prstGeom>
+        </p:spPr>
+      </p:pic>
+      <p:pic>
+        <p:nvPicPr>
+          <p:cNvPr id="8" name="Picture 7">
+            <a:extLst>
+              <a:ext uri="{FF2B5EF4-FFF2-40B4-BE49-F238E27FC236}">
+                <a16:creationId xmlns:a16="http://schemas.microsoft.com/office/drawing/2014/main" id="{59444F28-A1FA-708D-3DD0-91E40C0788A4}"/>
+              </a:ext>
+            </a:extLst>
+          </p:cNvPr>
+          <p:cNvPicPr>
+            <a:picLocks noChangeAspect="1"/>
+          </p:cNvPicPr>
+          <p:nvPr/>
+        </p:nvPicPr>
+        <p:blipFill rotWithShape="1">
+          <a:blip r:embed="rId4">
+            <a:extLst>
+              <a:ext uri="{28A0092B-C50C-407E-A947-70E740481C1C}">
+                <a14:useLocalDpi xmlns:a14="http://schemas.microsoft.com/office/drawing/2010/main" val="0"/>
+              </a:ext>
+            </a:extLst>
+          </a:blip>
+          <a:srcRect l="22719" t="43158" r="53158" b="27485"/>
+          <a:stretch/>
+        </p:blipFill>
+        <p:spPr>
+          <a:xfrm>
+            <a:off x="8082769" y="106119"/>
+            <a:ext cx="1632351" cy="1489893"/>
+          </a:xfrm>
+          <a:prstGeom prst="rect">
+            <a:avLst/>
+          </a:prstGeom>
+        </p:spPr>
+      </p:pic>
+      <p:pic>
+        <p:nvPicPr>
+          <p:cNvPr id="10" name="Picture 9">
+            <a:extLst>
+              <a:ext uri="{FF2B5EF4-FFF2-40B4-BE49-F238E27FC236}">
+                <a16:creationId xmlns:a16="http://schemas.microsoft.com/office/drawing/2014/main" id="{2736802B-F260-B466-04CB-05DF23ADE29A}"/>
+              </a:ext>
+            </a:extLst>
+          </p:cNvPr>
+          <p:cNvPicPr>
+            <a:picLocks noChangeAspect="1"/>
+          </p:cNvPicPr>
+          <p:nvPr/>
+        </p:nvPicPr>
+        <p:blipFill rotWithShape="1">
+          <a:blip r:embed="rId5">
+            <a:extLst>
+              <a:ext uri="{28A0092B-C50C-407E-A947-70E740481C1C}">
+                <a14:useLocalDpi xmlns:a14="http://schemas.microsoft.com/office/drawing/2010/main" val="0"/>
+              </a:ext>
+            </a:extLst>
+          </a:blip>
+          <a:srcRect t="5380" b="3626"/>
+          <a:stretch/>
+        </p:blipFill>
+        <p:spPr>
+          <a:xfrm>
+            <a:off x="8090050" y="1648076"/>
+            <a:ext cx="1625070" cy="1871796"/>
+          </a:xfrm>
+          <a:prstGeom prst="rect">
+            <a:avLst/>
+          </a:prstGeom>
+        </p:spPr>
+      </p:pic>
+      <p:grpSp>
+        <p:nvGrpSpPr>
+          <p:cNvPr id="18" name="Group 17">
+            <a:extLst>
+              <a:ext uri="{FF2B5EF4-FFF2-40B4-BE49-F238E27FC236}">
+                <a16:creationId xmlns:a16="http://schemas.microsoft.com/office/drawing/2014/main" id="{B373A205-0A57-E55D-8630-1FF4BAB6D8CB}"/>
+              </a:ext>
+            </a:extLst>
+          </p:cNvPr>
+          <p:cNvGrpSpPr/>
+          <p:nvPr/>
+        </p:nvGrpSpPr>
+        <p:grpSpPr>
+          <a:xfrm>
+            <a:off x="8075112" y="5154202"/>
+            <a:ext cx="1713201" cy="1590767"/>
+            <a:chOff x="4126992" y="3096768"/>
+            <a:chExt cx="2444496" cy="2164080"/>
+          </a:xfrm>
+        </p:grpSpPr>
+        <p:pic>
+          <p:nvPicPr>
+            <p:cNvPr id="14" name="Content Placeholder 5">
+              <a:extLst>
+                <a:ext uri="{FF2B5EF4-FFF2-40B4-BE49-F238E27FC236}">
+                  <a16:creationId xmlns:a16="http://schemas.microsoft.com/office/drawing/2014/main" id="{34A971F1-480A-0833-8D2E-BB5A0148EB92}"/>
+                </a:ext>
+              </a:extLst>
+            </p:cNvPr>
+            <p:cNvPicPr>
+              <a:picLocks noChangeAspect="1"/>
+            </p:cNvPicPr>
+            <p:nvPr/>
+          </p:nvPicPr>
+          <p:blipFill rotWithShape="1">
+            <a:blip r:embed="rId6">
+              <a:extLst>
+                <a:ext uri="{28A0092B-C50C-407E-A947-70E740481C1C}">
+                  <a14:useLocalDpi xmlns:a14="http://schemas.microsoft.com/office/drawing/2010/main" val="0"/>
+                </a:ext>
+              </a:extLst>
+            </a:blip>
+            <a:srcRect l="31086" t="16843" r="15530" b="20377"/>
+            <a:stretch/>
+          </p:blipFill>
+          <p:spPr>
+            <a:xfrm>
+              <a:off x="4126992" y="3096768"/>
+              <a:ext cx="2444496" cy="2164080"/>
+            </a:xfrm>
+            <a:prstGeom prst="rect">
+              <a:avLst/>
+            </a:prstGeom>
+          </p:spPr>
+        </p:pic>
+        <p:sp>
+          <p:nvSpPr>
+            <p:cNvPr id="15" name="Oval 14">
+              <a:extLst>
+                <a:ext uri="{FF2B5EF4-FFF2-40B4-BE49-F238E27FC236}">
+                  <a16:creationId xmlns:a16="http://schemas.microsoft.com/office/drawing/2014/main" id="{3A406421-46F2-21AC-AEDF-1E5D0B0FE6FF}"/>
+                </a:ext>
+              </a:extLst>
+            </p:cNvPr>
+            <p:cNvSpPr/>
+            <p:nvPr/>
+          </p:nvSpPr>
+          <p:spPr>
+            <a:xfrm>
+              <a:off x="4410456" y="3233928"/>
+              <a:ext cx="1877568" cy="1889760"/>
+            </a:xfrm>
+            <a:prstGeom prst="ellipse">
+              <a:avLst/>
+            </a:prstGeom>
+            <a:noFill/>
+            <a:ln w="76200">
+              <a:solidFill>
+                <a:schemeClr val="tx1"/>
+              </a:solidFill>
+            </a:ln>
+          </p:spPr>
+          <p:style>
+            <a:lnRef idx="2">
+              <a:schemeClr val="accent1">
+                <a:shade val="50000"/>
+              </a:schemeClr>
+            </a:lnRef>
+            <a:fillRef idx="1">
+              <a:schemeClr val="accent1"/>
+            </a:fillRef>
+            <a:effectRef idx="0">
+              <a:schemeClr val="accent1"/>
+            </a:effectRef>
+            <a:fontRef idx="minor">
+              <a:schemeClr val="lt1"/>
+            </a:fontRef>
+          </p:style>
+          <p:txBody>
+            <a:bodyPr rtlCol="0" anchor="ctr"/>
+            <a:lstStyle/>
+            <a:p>
+              <a:pPr algn="ctr"/>
+              <a:endParaRPr lang="en-US"/>
+            </a:p>
+          </p:txBody>
+        </p:sp>
+        <p:cxnSp>
+          <p:nvCxnSpPr>
+            <p:cNvPr id="17" name="Straight Connector 16">
+              <a:extLst>
+                <a:ext uri="{FF2B5EF4-FFF2-40B4-BE49-F238E27FC236}">
+                  <a16:creationId xmlns:a16="http://schemas.microsoft.com/office/drawing/2014/main" id="{AEAD83D0-4099-3790-E6BA-275955205711}"/>
+                </a:ext>
+              </a:extLst>
+            </p:cNvPr>
+            <p:cNvCxnSpPr>
+              <a:stCxn id="15" idx="7"/>
+              <a:endCxn id="15" idx="3"/>
+            </p:cNvCxnSpPr>
+            <p:nvPr/>
+          </p:nvCxnSpPr>
+          <p:spPr>
+            <a:xfrm flipH="1">
+              <a:off x="4685419" y="3510677"/>
+              <a:ext cx="1327642" cy="1336262"/>
+            </a:xfrm>
+            <a:prstGeom prst="line">
+              <a:avLst/>
+            </a:prstGeom>
+            <a:ln w="76200">
+              <a:solidFill>
+                <a:schemeClr val="tx1"/>
+              </a:solidFill>
+            </a:ln>
+          </p:spPr>
+          <p:style>
+            <a:lnRef idx="1">
+              <a:schemeClr val="accent1"/>
+            </a:lnRef>
+            <a:fillRef idx="0">
+              <a:schemeClr val="accent1"/>
+            </a:fillRef>
+            <a:effectRef idx="0">
+              <a:schemeClr val="accent1"/>
+            </a:effectRef>
+            <a:fontRef idx="minor">
+              <a:schemeClr val="tx1"/>
+            </a:fontRef>
+          </p:style>
+        </p:cxnSp>
+      </p:grpSp>
+      <p:sp>
+        <p:nvSpPr>
+          <p:cNvPr id="19" name="TextBox 18">
+            <a:extLst>
+              <a:ext uri="{FF2B5EF4-FFF2-40B4-BE49-F238E27FC236}">
+                <a16:creationId xmlns:a16="http://schemas.microsoft.com/office/drawing/2014/main" id="{014C6164-C7F1-050A-21A2-EC72E4DF3CFD}"/>
+              </a:ext>
+            </a:extLst>
+          </p:cNvPr>
+          <p:cNvSpPr txBox="1"/>
+          <p:nvPr/>
+        </p:nvSpPr>
+        <p:spPr>
+          <a:xfrm>
+            <a:off x="5650268" y="446293"/>
+            <a:ext cx="1819723" cy="830997"/>
+          </a:xfrm>
+          <a:prstGeom prst="rect">
+            <a:avLst/>
+          </a:prstGeom>
+          <a:noFill/>
+        </p:spPr>
+        <p:txBody>
+          <a:bodyPr wrap="square" rtlCol="0">
+            <a:spAutoFit/>
+          </a:bodyPr>
+          <a:lstStyle/>
+          <a:p>
+            <a:pPr algn="ctr"/>
+            <a:r>
+              <a:rPr lang="en-US" sz="2800" dirty="0">
+                <a:solidFill>
+                  <a:schemeClr val="accent2">
+                    <a:lumMod val="50000"/>
+                  </a:schemeClr>
+                </a:solidFill>
+              </a:rPr>
+              <a:t>Soil C &amp; N</a:t>
+            </a:r>
+          </a:p>
+          <a:p>
+            <a:pPr algn="ctr"/>
+            <a:r>
+              <a:rPr lang="en-US" sz="2000" kern="100" dirty="0">
+                <a:solidFill>
+                  <a:schemeClr val="accent2">
+                    <a:lumMod val="50000"/>
+                  </a:schemeClr>
+                </a:solidFill>
+                <a:effectLst/>
+                <a:latin typeface="Calibri" panose="020F0502020204030204" pitchFamily="34" charset="0"/>
+                <a:ea typeface="Calibri" panose="020F0502020204030204" pitchFamily="34" charset="0"/>
+                <a:cs typeface="Times New Roman" panose="02020603050405020304" pitchFamily="18" charset="0"/>
+              </a:rPr>
+              <a:t>R</a:t>
+            </a:r>
+            <a:r>
+              <a:rPr lang="en-US" sz="2000" kern="100" baseline="30000" dirty="0">
+                <a:solidFill>
+                  <a:schemeClr val="accent2">
+                    <a:lumMod val="50000"/>
+                  </a:schemeClr>
+                </a:solidFill>
+                <a:effectLst/>
+                <a:latin typeface="Calibri" panose="020F0502020204030204" pitchFamily="34" charset="0"/>
+                <a:ea typeface="Calibri" panose="020F0502020204030204" pitchFamily="34" charset="0"/>
+                <a:cs typeface="Times New Roman" panose="02020603050405020304" pitchFamily="18" charset="0"/>
+              </a:rPr>
+              <a:t>2</a:t>
+            </a:r>
+            <a:r>
+              <a:rPr lang="en-US" sz="2000" kern="100" dirty="0">
+                <a:solidFill>
+                  <a:schemeClr val="accent2">
+                    <a:lumMod val="50000"/>
+                  </a:schemeClr>
+                </a:solidFill>
+                <a:effectLst/>
+                <a:latin typeface="Calibri" panose="020F0502020204030204" pitchFamily="34" charset="0"/>
+                <a:ea typeface="Calibri" panose="020F0502020204030204" pitchFamily="34" charset="0"/>
+                <a:cs typeface="Times New Roman" panose="02020603050405020304" pitchFamily="18" charset="0"/>
+              </a:rPr>
+              <a:t> = 0.27</a:t>
+            </a:r>
+          </a:p>
+        </p:txBody>
+      </p:sp>
+      <p:sp>
+        <p:nvSpPr>
+          <p:cNvPr id="23" name="TextBox 22">
+            <a:extLst>
+              <a:ext uri="{FF2B5EF4-FFF2-40B4-BE49-F238E27FC236}">
+                <a16:creationId xmlns:a16="http://schemas.microsoft.com/office/drawing/2014/main" id="{DE3F3F00-E47F-D582-4D90-D3A5CBC01CD8}"/>
+              </a:ext>
+            </a:extLst>
+          </p:cNvPr>
+          <p:cNvSpPr txBox="1"/>
+          <p:nvPr/>
+        </p:nvSpPr>
+        <p:spPr>
+          <a:xfrm>
+            <a:off x="2801611" y="436626"/>
+            <a:ext cx="1309509" cy="830997"/>
+          </a:xfrm>
+          <a:prstGeom prst="rect">
+            <a:avLst/>
+          </a:prstGeom>
+          <a:noFill/>
+          <a:ln>
+            <a:noFill/>
+          </a:ln>
+        </p:spPr>
+        <p:txBody>
+          <a:bodyPr wrap="square" rtlCol="0">
+            <a:spAutoFit/>
+          </a:bodyPr>
+          <a:lstStyle/>
+          <a:p>
+            <a:pPr algn="ctr"/>
+            <a:r>
+              <a:rPr lang="en-US" sz="2800" dirty="0">
+                <a:solidFill>
+                  <a:srgbClr val="0070C0"/>
+                </a:solidFill>
+              </a:rPr>
+              <a:t>Forb N</a:t>
+            </a:r>
+          </a:p>
+          <a:p>
+            <a:pPr algn="ctr"/>
+            <a:r>
+              <a:rPr lang="en-US" sz="2000" kern="100" dirty="0">
+                <a:solidFill>
+                  <a:srgbClr val="0070C0"/>
+                </a:solidFill>
+                <a:effectLst/>
+                <a:latin typeface="Calibri" panose="020F0502020204030204" pitchFamily="34" charset="0"/>
+                <a:ea typeface="Calibri" panose="020F0502020204030204" pitchFamily="34" charset="0"/>
+                <a:cs typeface="Times New Roman" panose="02020603050405020304" pitchFamily="18" charset="0"/>
+              </a:rPr>
+              <a:t>R</a:t>
+            </a:r>
+            <a:r>
+              <a:rPr lang="en-US" sz="2000" kern="100" baseline="30000" dirty="0">
+                <a:solidFill>
+                  <a:srgbClr val="0070C0"/>
+                </a:solidFill>
+                <a:effectLst/>
+                <a:latin typeface="Calibri" panose="020F0502020204030204" pitchFamily="34" charset="0"/>
+                <a:ea typeface="Calibri" panose="020F0502020204030204" pitchFamily="34" charset="0"/>
+                <a:cs typeface="Times New Roman" panose="02020603050405020304" pitchFamily="18" charset="0"/>
+              </a:rPr>
+              <a:t>2</a:t>
+            </a:r>
+            <a:r>
+              <a:rPr lang="en-US" sz="2000" kern="100" dirty="0">
+                <a:solidFill>
+                  <a:srgbClr val="0070C0"/>
+                </a:solidFill>
+                <a:effectLst/>
+                <a:latin typeface="Calibri" panose="020F0502020204030204" pitchFamily="34" charset="0"/>
+                <a:ea typeface="Calibri" panose="020F0502020204030204" pitchFamily="34" charset="0"/>
+                <a:cs typeface="Times New Roman" panose="02020603050405020304" pitchFamily="18" charset="0"/>
+              </a:rPr>
+              <a:t> = 0.54</a:t>
+            </a:r>
+          </a:p>
+        </p:txBody>
+      </p:sp>
+      <p:sp>
+        <p:nvSpPr>
+          <p:cNvPr id="41" name="TextBox 40">
+            <a:extLst>
+              <a:ext uri="{FF2B5EF4-FFF2-40B4-BE49-F238E27FC236}">
+                <a16:creationId xmlns:a16="http://schemas.microsoft.com/office/drawing/2014/main" id="{9091ED43-0856-E035-EFAD-B711B60F084B}"/>
+              </a:ext>
+            </a:extLst>
+          </p:cNvPr>
+          <p:cNvSpPr txBox="1"/>
+          <p:nvPr/>
+        </p:nvSpPr>
+        <p:spPr>
+          <a:xfrm>
+            <a:off x="5089078" y="1572666"/>
+            <a:ext cx="1309509" cy="830997"/>
+          </a:xfrm>
+          <a:prstGeom prst="rect">
+            <a:avLst/>
+          </a:prstGeom>
+          <a:noFill/>
+          <a:ln>
+            <a:noFill/>
+          </a:ln>
+        </p:spPr>
+        <p:txBody>
+          <a:bodyPr wrap="square" rtlCol="0">
+            <a:spAutoFit/>
+          </a:bodyPr>
+          <a:lstStyle/>
+          <a:p>
+            <a:pPr algn="ctr"/>
+            <a:r>
+              <a:rPr lang="en-US" sz="2800" dirty="0">
+                <a:solidFill>
+                  <a:srgbClr val="FF6699"/>
+                </a:solidFill>
+              </a:rPr>
+              <a:t>Forb P</a:t>
+            </a:r>
+          </a:p>
+          <a:p>
+            <a:pPr algn="ctr"/>
+            <a:r>
+              <a:rPr lang="en-US" sz="2000" kern="100" dirty="0">
+                <a:solidFill>
+                  <a:srgbClr val="FF6699"/>
+                </a:solidFill>
+                <a:effectLst/>
+                <a:latin typeface="Calibri" panose="020F0502020204030204" pitchFamily="34" charset="0"/>
+                <a:ea typeface="Calibri" panose="020F0502020204030204" pitchFamily="34" charset="0"/>
+                <a:cs typeface="Times New Roman" panose="02020603050405020304" pitchFamily="18" charset="0"/>
+              </a:rPr>
+              <a:t>R</a:t>
+            </a:r>
+            <a:r>
+              <a:rPr lang="en-US" sz="2000" kern="100" baseline="30000" dirty="0">
+                <a:solidFill>
+                  <a:srgbClr val="FF6699"/>
+                </a:solidFill>
+                <a:effectLst/>
+                <a:latin typeface="Calibri" panose="020F0502020204030204" pitchFamily="34" charset="0"/>
+                <a:ea typeface="Calibri" panose="020F0502020204030204" pitchFamily="34" charset="0"/>
+                <a:cs typeface="Times New Roman" panose="02020603050405020304" pitchFamily="18" charset="0"/>
+              </a:rPr>
+              <a:t>2</a:t>
+            </a:r>
+            <a:r>
+              <a:rPr lang="en-US" sz="2000" kern="100" dirty="0">
+                <a:solidFill>
+                  <a:srgbClr val="FF6699"/>
+                </a:solidFill>
+                <a:effectLst/>
+                <a:latin typeface="Calibri" panose="020F0502020204030204" pitchFamily="34" charset="0"/>
+                <a:ea typeface="Calibri" panose="020F0502020204030204" pitchFamily="34" charset="0"/>
+                <a:cs typeface="Times New Roman" panose="02020603050405020304" pitchFamily="18" charset="0"/>
+              </a:rPr>
+              <a:t> = 0.47</a:t>
+            </a:r>
+          </a:p>
+        </p:txBody>
+      </p:sp>
+      <p:sp>
+        <p:nvSpPr>
+          <p:cNvPr id="44" name="TextBox 43">
+            <a:extLst>
+              <a:ext uri="{FF2B5EF4-FFF2-40B4-BE49-F238E27FC236}">
+                <a16:creationId xmlns:a16="http://schemas.microsoft.com/office/drawing/2014/main" id="{53D5AA9B-6F4D-5461-3D34-E3A10458FFA0}"/>
+              </a:ext>
+            </a:extLst>
+          </p:cNvPr>
+          <p:cNvSpPr txBox="1"/>
+          <p:nvPr/>
+        </p:nvSpPr>
+        <p:spPr>
+          <a:xfrm>
+            <a:off x="2801610" y="3067511"/>
+            <a:ext cx="1309509" cy="830997"/>
+          </a:xfrm>
+          <a:prstGeom prst="rect">
+            <a:avLst/>
+          </a:prstGeom>
+          <a:noFill/>
+          <a:ln>
+            <a:noFill/>
+          </a:ln>
+        </p:spPr>
+        <p:txBody>
+          <a:bodyPr wrap="square" rtlCol="0">
+            <a:spAutoFit/>
+          </a:bodyPr>
+          <a:lstStyle/>
+          <a:p>
+            <a:pPr algn="ctr"/>
+            <a:r>
+              <a:rPr lang="en-US" sz="2800" dirty="0">
+                <a:solidFill>
+                  <a:srgbClr val="7030A0"/>
+                </a:solidFill>
+              </a:rPr>
+              <a:t>Forb K</a:t>
+            </a:r>
+          </a:p>
+          <a:p>
+            <a:pPr algn="ctr"/>
+            <a:r>
+              <a:rPr lang="en-US" sz="2000" kern="100" dirty="0">
+                <a:solidFill>
+                  <a:srgbClr val="7030A0"/>
+                </a:solidFill>
+                <a:effectLst/>
+                <a:latin typeface="Calibri" panose="020F0502020204030204" pitchFamily="34" charset="0"/>
+                <a:ea typeface="Calibri" panose="020F0502020204030204" pitchFamily="34" charset="0"/>
+                <a:cs typeface="Times New Roman" panose="02020603050405020304" pitchFamily="18" charset="0"/>
+              </a:rPr>
+              <a:t>R</a:t>
+            </a:r>
+            <a:r>
+              <a:rPr lang="en-US" sz="2000" kern="100" baseline="30000" dirty="0">
+                <a:solidFill>
+                  <a:srgbClr val="7030A0"/>
+                </a:solidFill>
+                <a:effectLst/>
+                <a:latin typeface="Calibri" panose="020F0502020204030204" pitchFamily="34" charset="0"/>
+                <a:ea typeface="Calibri" panose="020F0502020204030204" pitchFamily="34" charset="0"/>
+                <a:cs typeface="Times New Roman" panose="02020603050405020304" pitchFamily="18" charset="0"/>
+              </a:rPr>
+              <a:t>2</a:t>
+            </a:r>
+            <a:r>
+              <a:rPr lang="en-US" sz="2000" kern="100" dirty="0">
+                <a:solidFill>
+                  <a:srgbClr val="7030A0"/>
+                </a:solidFill>
+                <a:effectLst/>
+                <a:latin typeface="Calibri" panose="020F0502020204030204" pitchFamily="34" charset="0"/>
+                <a:ea typeface="Calibri" panose="020F0502020204030204" pitchFamily="34" charset="0"/>
+                <a:cs typeface="Times New Roman" panose="02020603050405020304" pitchFamily="18" charset="0"/>
+              </a:rPr>
+              <a:t> = 0.72</a:t>
+            </a:r>
+          </a:p>
+        </p:txBody>
+      </p:sp>
+      <p:sp>
+        <p:nvSpPr>
+          <p:cNvPr id="47" name="TextBox 46">
+            <a:extLst>
+              <a:ext uri="{FF2B5EF4-FFF2-40B4-BE49-F238E27FC236}">
+                <a16:creationId xmlns:a16="http://schemas.microsoft.com/office/drawing/2014/main" id="{BCEE1BD3-A18E-948D-832A-D70313928071}"/>
+              </a:ext>
+            </a:extLst>
+          </p:cNvPr>
+          <p:cNvSpPr txBox="1"/>
+          <p:nvPr/>
+        </p:nvSpPr>
+        <p:spPr>
+          <a:xfrm>
+            <a:off x="4381330" y="4438999"/>
+            <a:ext cx="1554561" cy="830997"/>
+          </a:xfrm>
+          <a:prstGeom prst="rect">
+            <a:avLst/>
+          </a:prstGeom>
+          <a:noFill/>
+          <a:ln>
+            <a:noFill/>
+          </a:ln>
+        </p:spPr>
+        <p:txBody>
+          <a:bodyPr wrap="square" rtlCol="0">
+            <a:spAutoFit/>
+          </a:bodyPr>
+          <a:lstStyle/>
+          <a:p>
+            <a:pPr algn="ctr"/>
+            <a:r>
+              <a:rPr lang="en-US" sz="2800" dirty="0">
+                <a:solidFill>
+                  <a:schemeClr val="accent1">
+                    <a:lumMod val="50000"/>
+                  </a:schemeClr>
+                </a:solidFill>
+              </a:rPr>
+              <a:t>Forb Mg</a:t>
+            </a:r>
+          </a:p>
+          <a:p>
+            <a:pPr algn="ctr"/>
+            <a:r>
+              <a:rPr lang="en-US" sz="2000" kern="100" dirty="0">
+                <a:solidFill>
+                  <a:schemeClr val="accent1">
+                    <a:lumMod val="50000"/>
+                  </a:schemeClr>
+                </a:solidFill>
+                <a:effectLst/>
+                <a:latin typeface="Calibri" panose="020F0502020204030204" pitchFamily="34" charset="0"/>
+                <a:ea typeface="Calibri" panose="020F0502020204030204" pitchFamily="34" charset="0"/>
+                <a:cs typeface="Times New Roman" panose="02020603050405020304" pitchFamily="18" charset="0"/>
+              </a:rPr>
+              <a:t>R</a:t>
+            </a:r>
+            <a:r>
+              <a:rPr lang="en-US" sz="2000" kern="100" baseline="30000" dirty="0">
+                <a:solidFill>
+                  <a:schemeClr val="accent1">
+                    <a:lumMod val="50000"/>
+                  </a:schemeClr>
+                </a:solidFill>
+                <a:effectLst/>
+                <a:latin typeface="Calibri" panose="020F0502020204030204" pitchFamily="34" charset="0"/>
+                <a:ea typeface="Calibri" panose="020F0502020204030204" pitchFamily="34" charset="0"/>
+                <a:cs typeface="Times New Roman" panose="02020603050405020304" pitchFamily="18" charset="0"/>
+              </a:rPr>
+              <a:t>2</a:t>
+            </a:r>
+            <a:r>
+              <a:rPr lang="en-US" sz="2000" kern="100" dirty="0">
+                <a:solidFill>
+                  <a:schemeClr val="accent1">
+                    <a:lumMod val="50000"/>
+                  </a:schemeClr>
+                </a:solidFill>
+                <a:effectLst/>
+                <a:latin typeface="Calibri" panose="020F0502020204030204" pitchFamily="34" charset="0"/>
+                <a:ea typeface="Calibri" panose="020F0502020204030204" pitchFamily="34" charset="0"/>
+                <a:cs typeface="Times New Roman" panose="02020603050405020304" pitchFamily="18" charset="0"/>
+              </a:rPr>
+              <a:t> = 0.51</a:t>
+            </a:r>
+          </a:p>
+        </p:txBody>
+      </p:sp>
+      <p:sp>
+        <p:nvSpPr>
+          <p:cNvPr id="50" name="TextBox 49">
+            <a:extLst>
+              <a:ext uri="{FF2B5EF4-FFF2-40B4-BE49-F238E27FC236}">
+                <a16:creationId xmlns:a16="http://schemas.microsoft.com/office/drawing/2014/main" id="{3E5C1068-0A17-041B-B2C9-ED12A1F80192}"/>
+              </a:ext>
+            </a:extLst>
+          </p:cNvPr>
+          <p:cNvSpPr txBox="1"/>
+          <p:nvPr/>
+        </p:nvSpPr>
+        <p:spPr>
+          <a:xfrm>
+            <a:off x="2801611" y="5689625"/>
+            <a:ext cx="1590064" cy="830997"/>
+          </a:xfrm>
+          <a:prstGeom prst="rect">
+            <a:avLst/>
+          </a:prstGeom>
+          <a:noFill/>
+          <a:ln>
+            <a:noFill/>
+          </a:ln>
+        </p:spPr>
+        <p:txBody>
+          <a:bodyPr wrap="square" rtlCol="0">
+            <a:spAutoFit/>
+          </a:bodyPr>
+          <a:lstStyle/>
+          <a:p>
+            <a:pPr algn="ctr"/>
+            <a:r>
+              <a:rPr lang="en-US" sz="2800" dirty="0">
+                <a:solidFill>
+                  <a:schemeClr val="accent4">
+                    <a:lumMod val="75000"/>
+                  </a:schemeClr>
+                </a:solidFill>
+              </a:rPr>
+              <a:t>Forb Na</a:t>
+            </a:r>
+          </a:p>
+          <a:p>
+            <a:pPr algn="ctr"/>
+            <a:r>
+              <a:rPr lang="en-US" sz="2000" kern="100" dirty="0">
+                <a:solidFill>
+                  <a:schemeClr val="accent4">
+                    <a:lumMod val="75000"/>
+                  </a:schemeClr>
+                </a:solidFill>
+                <a:effectLst/>
+                <a:latin typeface="Calibri" panose="020F0502020204030204" pitchFamily="34" charset="0"/>
+                <a:ea typeface="Calibri" panose="020F0502020204030204" pitchFamily="34" charset="0"/>
+                <a:cs typeface="Times New Roman" panose="02020603050405020304" pitchFamily="18" charset="0"/>
+              </a:rPr>
+              <a:t>R</a:t>
+            </a:r>
+            <a:r>
+              <a:rPr lang="en-US" sz="2000" kern="100" baseline="30000" dirty="0">
+                <a:solidFill>
+                  <a:schemeClr val="accent4">
+                    <a:lumMod val="75000"/>
+                  </a:schemeClr>
+                </a:solidFill>
+                <a:effectLst/>
+                <a:latin typeface="Calibri" panose="020F0502020204030204" pitchFamily="34" charset="0"/>
+                <a:ea typeface="Calibri" panose="020F0502020204030204" pitchFamily="34" charset="0"/>
+                <a:cs typeface="Times New Roman" panose="02020603050405020304" pitchFamily="18" charset="0"/>
+              </a:rPr>
+              <a:t>2</a:t>
+            </a:r>
+            <a:r>
+              <a:rPr lang="en-US" sz="2000" kern="100" dirty="0">
+                <a:solidFill>
+                  <a:schemeClr val="accent4">
+                    <a:lumMod val="75000"/>
+                  </a:schemeClr>
+                </a:solidFill>
+                <a:effectLst/>
+                <a:latin typeface="Calibri" panose="020F0502020204030204" pitchFamily="34" charset="0"/>
+                <a:ea typeface="Calibri" panose="020F0502020204030204" pitchFamily="34" charset="0"/>
+                <a:cs typeface="Times New Roman" panose="02020603050405020304" pitchFamily="18" charset="0"/>
+              </a:rPr>
+              <a:t> = 0.41</a:t>
+            </a:r>
+          </a:p>
+        </p:txBody>
+      </p:sp>
+      <p:sp>
+        <p:nvSpPr>
+          <p:cNvPr id="77" name="TextBox 76">
+            <a:extLst>
+              <a:ext uri="{FF2B5EF4-FFF2-40B4-BE49-F238E27FC236}">
+                <a16:creationId xmlns:a16="http://schemas.microsoft.com/office/drawing/2014/main" id="{13310815-F72B-2A2F-A24C-EE6174335328}"/>
+              </a:ext>
+            </a:extLst>
+          </p:cNvPr>
+          <p:cNvSpPr txBox="1"/>
+          <p:nvPr/>
+        </p:nvSpPr>
+        <p:spPr>
+          <a:xfrm>
+            <a:off x="1417926" y="3069509"/>
+            <a:ext cx="1333450" cy="523220"/>
+          </a:xfrm>
+          <a:prstGeom prst="rect">
+            <a:avLst/>
+          </a:prstGeom>
+          <a:noFill/>
+        </p:spPr>
+        <p:txBody>
+          <a:bodyPr wrap="square" rtlCol="0">
+            <a:spAutoFit/>
+          </a:bodyPr>
+          <a:lstStyle/>
+          <a:p>
+            <a:r>
+              <a:rPr lang="en-US" sz="2800" dirty="0"/>
+              <a:t>Month</a:t>
+            </a:r>
+          </a:p>
+        </p:txBody>
+      </p:sp>
+      <p:cxnSp>
+        <p:nvCxnSpPr>
+          <p:cNvPr id="81" name="Straight Arrow Connector 80">
+            <a:extLst>
+              <a:ext uri="{FF2B5EF4-FFF2-40B4-BE49-F238E27FC236}">
+                <a16:creationId xmlns:a16="http://schemas.microsoft.com/office/drawing/2014/main" id="{E762E987-6607-963D-B052-D45BC78BC9CF}"/>
+              </a:ext>
+            </a:extLst>
+          </p:cNvPr>
+          <p:cNvCxnSpPr>
+            <a:cxnSpLocks/>
+            <a:stCxn id="19" idx="1"/>
+          </p:cNvCxnSpPr>
+          <p:nvPr/>
+        </p:nvCxnSpPr>
+        <p:spPr>
+          <a:xfrm flipH="1" flipV="1">
+            <a:off x="4109232" y="851065"/>
+            <a:ext cx="1541036" cy="10727"/>
           </a:xfrm>
           <a:prstGeom prst="straightConnector1">
             <a:avLst/>
           </a:prstGeom>
-          <a:ln w="153035">
+          <a:ln w="28702">
+            <a:solidFill>
+              <a:schemeClr val="accent6"/>
+            </a:solidFill>
+            <a:tailEnd type="triangle"/>
+          </a:ln>
+        </p:spPr>
+        <p:style>
+          <a:lnRef idx="1">
+            <a:schemeClr val="accent1"/>
+          </a:lnRef>
+          <a:fillRef idx="0">
+            <a:schemeClr val="accent1"/>
+          </a:fillRef>
+          <a:effectRef idx="0">
+            <a:schemeClr val="accent1"/>
+          </a:effectRef>
+          <a:fontRef idx="minor">
+            <a:schemeClr val="tx1"/>
+          </a:fontRef>
+        </p:style>
+      </p:cxnSp>
+      <p:cxnSp>
+        <p:nvCxnSpPr>
+          <p:cNvPr id="21" name="Straight Arrow Connector 20">
+            <a:extLst>
+              <a:ext uri="{FF2B5EF4-FFF2-40B4-BE49-F238E27FC236}">
+                <a16:creationId xmlns:a16="http://schemas.microsoft.com/office/drawing/2014/main" id="{C14CEE45-1DCE-A278-69D6-4E9039A49057}"/>
+              </a:ext>
+            </a:extLst>
+          </p:cNvPr>
+          <p:cNvCxnSpPr>
+            <a:cxnSpLocks/>
+            <a:stCxn id="77" idx="0"/>
+          </p:cNvCxnSpPr>
+          <p:nvPr/>
+        </p:nvCxnSpPr>
+        <p:spPr>
+          <a:xfrm flipV="1">
+            <a:off x="2084651" y="1277290"/>
+            <a:ext cx="896527" cy="1792219"/>
+          </a:xfrm>
+          <a:prstGeom prst="straightConnector1">
+            <a:avLst/>
+          </a:prstGeom>
+          <a:ln w="45720">
             <a:solidFill>
               <a:schemeClr val="tx1"/>
             </a:solidFill>
@@ -5007,30 +11657,29 @@
       </p:cxnSp>
       <p:cxnSp>
         <p:nvCxnSpPr>
-          <p:cNvPr id="169" name="Straight Arrow Connector 168">
-            <a:extLst>
-              <a:ext uri="{FF2B5EF4-FFF2-40B4-BE49-F238E27FC236}">
-                <a16:creationId xmlns:a16="http://schemas.microsoft.com/office/drawing/2014/main" id="{B2C04295-D614-E2E2-B306-D92456663339}"/>
+          <p:cNvPr id="39" name="Straight Arrow Connector 38">
+            <a:extLst>
+              <a:ext uri="{FF2B5EF4-FFF2-40B4-BE49-F238E27FC236}">
+                <a16:creationId xmlns:a16="http://schemas.microsoft.com/office/drawing/2014/main" id="{6EFF8085-4877-07E7-3F7A-3D0CAD700C29}"/>
               </a:ext>
             </a:extLst>
           </p:cNvPr>
           <p:cNvCxnSpPr>
             <a:cxnSpLocks/>
-            <a:endCxn id="53" idx="3"/>
           </p:cNvCxnSpPr>
           <p:nvPr/>
         </p:nvCxnSpPr>
         <p:spPr>
-          <a:xfrm flipH="1" flipV="1">
-            <a:off x="5823895" y="5554548"/>
-            <a:ext cx="2251217" cy="549827"/>
+          <a:xfrm>
+            <a:off x="4003859" y="1176466"/>
+            <a:ext cx="1150302" cy="519606"/>
           </a:xfrm>
           <a:prstGeom prst="straightConnector1">
             <a:avLst/>
           </a:prstGeom>
-          <a:ln w="95504">
+          <a:ln w="12700">
             <a:solidFill>
-              <a:schemeClr val="tx1"/>
+              <a:schemeClr val="accent6"/>
             </a:solidFill>
             <a:tailEnd type="triangle"/>
           </a:ln>
@@ -5052,28 +11701,204 @@
       </p:cxnSp>
       <p:cxnSp>
         <p:nvCxnSpPr>
-          <p:cNvPr id="173" name="Straight Arrow Connector 172">
-            <a:extLst>
-              <a:ext uri="{FF2B5EF4-FFF2-40B4-BE49-F238E27FC236}">
-                <a16:creationId xmlns:a16="http://schemas.microsoft.com/office/drawing/2014/main" id="{5F0F6374-0DE5-E142-7B68-73416581B430}"/>
+          <p:cNvPr id="43" name="Straight Arrow Connector 42">
+            <a:extLst>
+              <a:ext uri="{FF2B5EF4-FFF2-40B4-BE49-F238E27FC236}">
+                <a16:creationId xmlns:a16="http://schemas.microsoft.com/office/drawing/2014/main" id="{ED60C5D1-8300-6E74-F980-08F6B37C78EA}"/>
               </a:ext>
             </a:extLst>
           </p:cNvPr>
           <p:cNvCxnSpPr>
             <a:cxnSpLocks/>
-            <a:stCxn id="77" idx="1"/>
           </p:cNvCxnSpPr>
           <p:nvPr/>
         </p:nvCxnSpPr>
         <p:spPr>
+          <a:xfrm>
+            <a:off x="3247524" y="1267623"/>
+            <a:ext cx="13293" cy="1658722"/>
+          </a:xfrm>
+          <a:prstGeom prst="straightConnector1">
+            <a:avLst/>
+          </a:prstGeom>
+          <a:ln w="9906">
+            <a:solidFill>
+              <a:schemeClr val="accent6"/>
+            </a:solidFill>
+            <a:tailEnd type="triangle"/>
+          </a:ln>
+        </p:spPr>
+        <p:style>
+          <a:lnRef idx="1">
+            <a:schemeClr val="accent1"/>
+          </a:lnRef>
+          <a:fillRef idx="0">
+            <a:schemeClr val="accent1"/>
+          </a:fillRef>
+          <a:effectRef idx="0">
+            <a:schemeClr val="accent1"/>
+          </a:effectRef>
+          <a:fontRef idx="minor">
+            <a:schemeClr val="tx1"/>
+          </a:fontRef>
+        </p:style>
+      </p:cxnSp>
+      <p:cxnSp>
+        <p:nvCxnSpPr>
+          <p:cNvPr id="48" name="Straight Arrow Connector 47">
+            <a:extLst>
+              <a:ext uri="{FF2B5EF4-FFF2-40B4-BE49-F238E27FC236}">
+                <a16:creationId xmlns:a16="http://schemas.microsoft.com/office/drawing/2014/main" id="{C365DBB2-2F32-DC25-D37E-EEA7DC353C35}"/>
+              </a:ext>
+            </a:extLst>
+          </p:cNvPr>
+          <p:cNvCxnSpPr>
+            <a:cxnSpLocks/>
+          </p:cNvCxnSpPr>
+          <p:nvPr/>
+        </p:nvCxnSpPr>
+        <p:spPr>
           <a:xfrm flipH="1">
-            <a:off x="5802556" y="4895590"/>
-            <a:ext cx="757574" cy="391620"/>
+            <a:off x="4019721" y="2313568"/>
+            <a:ext cx="1138889" cy="848723"/>
           </a:xfrm>
           <a:prstGeom prst="straightConnector1">
             <a:avLst/>
           </a:prstGeom>
-          <a:ln w="48641">
+          <a:ln w="115570">
+            <a:solidFill>
+              <a:schemeClr val="accent6"/>
+            </a:solidFill>
+            <a:tailEnd type="triangle"/>
+          </a:ln>
+        </p:spPr>
+        <p:style>
+          <a:lnRef idx="1">
+            <a:schemeClr val="accent1"/>
+          </a:lnRef>
+          <a:fillRef idx="0">
+            <a:schemeClr val="accent1"/>
+          </a:fillRef>
+          <a:effectRef idx="0">
+            <a:schemeClr val="accent1"/>
+          </a:effectRef>
+          <a:fontRef idx="minor">
+            <a:schemeClr val="tx1"/>
+          </a:fontRef>
+        </p:style>
+      </p:cxnSp>
+      <p:cxnSp>
+        <p:nvCxnSpPr>
+          <p:cNvPr id="52" name="Straight Arrow Connector 51">
+            <a:extLst>
+              <a:ext uri="{FF2B5EF4-FFF2-40B4-BE49-F238E27FC236}">
+                <a16:creationId xmlns:a16="http://schemas.microsoft.com/office/drawing/2014/main" id="{72693C53-A516-29B2-5E3A-C8B1BD61E4CF}"/>
+              </a:ext>
+            </a:extLst>
+          </p:cNvPr>
+          <p:cNvCxnSpPr>
+            <a:cxnSpLocks/>
+          </p:cNvCxnSpPr>
+          <p:nvPr/>
+        </p:nvCxnSpPr>
+        <p:spPr>
+          <a:xfrm>
+            <a:off x="3904131" y="3907239"/>
+            <a:ext cx="660916" cy="624226"/>
+          </a:xfrm>
+          <a:prstGeom prst="straightConnector1">
+            <a:avLst/>
+          </a:prstGeom>
+          <a:ln w="90043">
+            <a:solidFill>
+              <a:schemeClr val="accent6"/>
+            </a:solidFill>
+            <a:tailEnd type="triangle"/>
+          </a:ln>
+        </p:spPr>
+        <p:style>
+          <a:lnRef idx="1">
+            <a:schemeClr val="accent1"/>
+          </a:lnRef>
+          <a:fillRef idx="0">
+            <a:schemeClr val="accent1"/>
+          </a:fillRef>
+          <a:effectRef idx="0">
+            <a:schemeClr val="accent1"/>
+          </a:effectRef>
+          <a:fontRef idx="minor">
+            <a:schemeClr val="tx1"/>
+          </a:fontRef>
+        </p:style>
+      </p:cxnSp>
+      <p:cxnSp>
+        <p:nvCxnSpPr>
+          <p:cNvPr id="64" name="Straight Arrow Connector 63">
+            <a:extLst>
+              <a:ext uri="{FF2B5EF4-FFF2-40B4-BE49-F238E27FC236}">
+                <a16:creationId xmlns:a16="http://schemas.microsoft.com/office/drawing/2014/main" id="{3A618DB4-EF19-191C-F706-F1EBB1545DFB}"/>
+              </a:ext>
+            </a:extLst>
+          </p:cNvPr>
+          <p:cNvCxnSpPr>
+            <a:cxnSpLocks/>
+          </p:cNvCxnSpPr>
+          <p:nvPr/>
+        </p:nvCxnSpPr>
+        <p:spPr>
+          <a:xfrm flipH="1">
+            <a:off x="3211984" y="3942017"/>
+            <a:ext cx="48833" cy="1756379"/>
+          </a:xfrm>
+          <a:prstGeom prst="straightConnector1">
+            <a:avLst/>
+          </a:prstGeom>
+          <a:ln w="41275">
+            <a:solidFill>
+              <a:schemeClr val="accent6"/>
+            </a:solidFill>
+            <a:tailEnd type="triangle"/>
+          </a:ln>
+        </p:spPr>
+        <p:style>
+          <a:lnRef idx="1">
+            <a:schemeClr val="accent1"/>
+          </a:lnRef>
+          <a:fillRef idx="0">
+            <a:schemeClr val="accent1"/>
+          </a:fillRef>
+          <a:effectRef idx="0">
+            <a:schemeClr val="accent1"/>
+          </a:effectRef>
+          <a:fontRef idx="minor">
+            <a:schemeClr val="tx1"/>
+          </a:fontRef>
+        </p:style>
+      </p:cxnSp>
+      <p:cxnSp>
+        <p:nvCxnSpPr>
+          <p:cNvPr id="70" name="Straight Arrow Connector 69">
+            <a:extLst>
+              <a:ext uri="{FF2B5EF4-FFF2-40B4-BE49-F238E27FC236}">
+                <a16:creationId xmlns:a16="http://schemas.microsoft.com/office/drawing/2014/main" id="{4388BF66-E266-669F-D661-64CF8B386A03}"/>
+              </a:ext>
+            </a:extLst>
+          </p:cNvPr>
+          <p:cNvCxnSpPr>
+            <a:cxnSpLocks/>
+            <a:stCxn id="77" idx="2"/>
+          </p:cNvCxnSpPr>
+          <p:nvPr/>
+        </p:nvCxnSpPr>
+        <p:spPr>
+          <a:xfrm>
+            <a:off x="2084651" y="3592729"/>
+            <a:ext cx="923980" cy="2105667"/>
+          </a:xfrm>
+          <a:prstGeom prst="straightConnector1">
+            <a:avLst/>
+          </a:prstGeom>
+          <a:ln w="5461">
             <a:solidFill>
               <a:schemeClr val="accent6"/>
             </a:solidFill>
@@ -5098,7 +11923,7 @@
     </p:spTree>
     <p:extLst>
       <p:ext uri="{BB962C8B-B14F-4D97-AF65-F5344CB8AC3E}">
-        <p14:creationId xmlns:p14="http://schemas.microsoft.com/office/powerpoint/2010/main" val="3155042952"/>
+        <p14:creationId xmlns:p14="http://schemas.microsoft.com/office/powerpoint/2010/main" val="1947071877"/>
       </p:ext>
     </p:extLst>
   </p:cSld>
@@ -5401,4 +12226,299 @@
     </a:ext>
   </a:extLst>
 </a:theme>
+</file>
+
+<file path=ppt/theme/theme2.xml><?xml version="1.0" encoding="utf-8"?>
+<a:theme xmlns:a="http://schemas.openxmlformats.org/drawingml/2006/main" name="Office Theme">
+  <a:themeElements>
+    <a:clrScheme name="Office">
+      <a:dk1>
+        <a:sysClr val="windowText" lastClr="000000"/>
+      </a:dk1>
+      <a:lt1>
+        <a:sysClr val="window" lastClr="FFFFFF"/>
+      </a:lt1>
+      <a:dk2>
+        <a:srgbClr val="44546A"/>
+      </a:dk2>
+      <a:lt2>
+        <a:srgbClr val="E7E6E6"/>
+      </a:lt2>
+      <a:accent1>
+        <a:srgbClr val="4472C4"/>
+      </a:accent1>
+      <a:accent2>
+        <a:srgbClr val="ED7D31"/>
+      </a:accent2>
+      <a:accent3>
+        <a:srgbClr val="A5A5A5"/>
+      </a:accent3>
+      <a:accent4>
+        <a:srgbClr val="FFC000"/>
+      </a:accent4>
+      <a:accent5>
+        <a:srgbClr val="5B9BD5"/>
+      </a:accent5>
+      <a:accent6>
+        <a:srgbClr val="70AD47"/>
+      </a:accent6>
+      <a:hlink>
+        <a:srgbClr val="0563C1"/>
+      </a:hlink>
+      <a:folHlink>
+        <a:srgbClr val="954F72"/>
+      </a:folHlink>
+    </a:clrScheme>
+    <a:fontScheme name="Office">
+      <a:majorFont>
+        <a:latin typeface="Calibri Light" panose="020F0302020204030204"/>
+        <a:ea typeface=""/>
+        <a:cs typeface=""/>
+        <a:font script="Jpan" typeface="游ゴシック Light"/>
+        <a:font script="Hang" typeface="맑은 고딕"/>
+        <a:font script="Hans" typeface="等线 Light"/>
+        <a:font script="Hant" typeface="新細明體"/>
+        <a:font script="Arab" typeface="Times New Roman"/>
+        <a:font script="Hebr" typeface="Times New Roman"/>
+        <a:font script="Thai" typeface="Angsana New"/>
+        <a:font script="Ethi" typeface="Nyala"/>
+        <a:font script="Beng" typeface="Vrinda"/>
+        <a:font script="Gujr" typeface="Shruti"/>
+        <a:font script="Khmr" typeface="MoolBoran"/>
+        <a:font script="Knda" typeface="Tunga"/>
+        <a:font script="Guru" typeface="Raavi"/>
+        <a:font script="Cans" typeface="Euphemia"/>
+        <a:font script="Cher" typeface="Plantagenet Cherokee"/>
+        <a:font script="Yiii" typeface="Microsoft Yi Baiti"/>
+        <a:font script="Tibt" typeface="Microsoft Himalaya"/>
+        <a:font script="Thaa" typeface="MV Boli"/>
+        <a:font script="Deva" typeface="Mangal"/>
+        <a:font script="Telu" typeface="Gautami"/>
+        <a:font script="Taml" typeface="Latha"/>
+        <a:font script="Syrc" typeface="Estrangelo Edessa"/>
+        <a:font script="Orya" typeface="Kalinga"/>
+        <a:font script="Mlym" typeface="Kartika"/>
+        <a:font script="Laoo" typeface="DokChampa"/>
+        <a:font script="Sinh" typeface="Iskoola Pota"/>
+        <a:font script="Mong" typeface="Mongolian Baiti"/>
+        <a:font script="Viet" typeface="Times New Roman"/>
+        <a:font script="Uigh" typeface="Microsoft Uighur"/>
+        <a:font script="Geor" typeface="Sylfaen"/>
+        <a:font script="Armn" typeface="Arial"/>
+        <a:font script="Bugi" typeface="Leelawadee UI"/>
+        <a:font script="Bopo" typeface="Microsoft JhengHei"/>
+        <a:font script="Java" typeface="Javanese Text"/>
+        <a:font script="Lisu" typeface="Segoe UI"/>
+        <a:font script="Mymr" typeface="Myanmar Text"/>
+        <a:font script="Nkoo" typeface="Ebrima"/>
+        <a:font script="Olck" typeface="Nirmala UI"/>
+        <a:font script="Osma" typeface="Ebrima"/>
+        <a:font script="Phag" typeface="Phagspa"/>
+        <a:font script="Syrn" typeface="Estrangelo Edessa"/>
+        <a:font script="Syrj" typeface="Estrangelo Edessa"/>
+        <a:font script="Syre" typeface="Estrangelo Edessa"/>
+        <a:font script="Sora" typeface="Nirmala UI"/>
+        <a:font script="Tale" typeface="Microsoft Tai Le"/>
+        <a:font script="Talu" typeface="Microsoft New Tai Lue"/>
+        <a:font script="Tfng" typeface="Ebrima"/>
+      </a:majorFont>
+      <a:minorFont>
+        <a:latin typeface="Calibri" panose="020F0502020204030204"/>
+        <a:ea typeface=""/>
+        <a:cs typeface=""/>
+        <a:font script="Jpan" typeface="游ゴシック"/>
+        <a:font script="Hang" typeface="맑은 고딕"/>
+        <a:font script="Hans" typeface="等线"/>
+        <a:font script="Hant" typeface="新細明體"/>
+        <a:font script="Arab" typeface="Arial"/>
+        <a:font script="Hebr" typeface="Arial"/>
+        <a:font script="Thai" typeface="Cordia New"/>
+        <a:font script="Ethi" typeface="Nyala"/>
+        <a:font script="Beng" typeface="Vrinda"/>
+        <a:font script="Gujr" typeface="Shruti"/>
+        <a:font script="Khmr" typeface="DaunPenh"/>
+        <a:font script="Knda" typeface="Tunga"/>
+        <a:font script="Guru" typeface="Raavi"/>
+        <a:font script="Cans" typeface="Euphemia"/>
+        <a:font script="Cher" typeface="Plantagenet Cherokee"/>
+        <a:font script="Yiii" typeface="Microsoft Yi Baiti"/>
+        <a:font script="Tibt" typeface="Microsoft Himalaya"/>
+        <a:font script="Thaa" typeface="MV Boli"/>
+        <a:font script="Deva" typeface="Mangal"/>
+        <a:font script="Telu" typeface="Gautami"/>
+        <a:font script="Taml" typeface="Latha"/>
+        <a:font script="Syrc" typeface="Estrangelo Edessa"/>
+        <a:font script="Orya" typeface="Kalinga"/>
+        <a:font script="Mlym" typeface="Kartika"/>
+        <a:font script="Laoo" typeface="DokChampa"/>
+        <a:font script="Sinh" typeface="Iskoola Pota"/>
+        <a:font script="Mong" typeface="Mongolian Baiti"/>
+        <a:font script="Viet" typeface="Arial"/>
+        <a:font script="Uigh" typeface="Microsoft Uighur"/>
+        <a:font script="Geor" typeface="Sylfaen"/>
+        <a:font script="Armn" typeface="Arial"/>
+        <a:font script="Bugi" typeface="Leelawadee UI"/>
+        <a:font script="Bopo" typeface="Microsoft JhengHei"/>
+        <a:font script="Java" typeface="Javanese Text"/>
+        <a:font script="Lisu" typeface="Segoe UI"/>
+        <a:font script="Mymr" typeface="Myanmar Text"/>
+        <a:font script="Nkoo" typeface="Ebrima"/>
+        <a:font script="Olck" typeface="Nirmala UI"/>
+        <a:font script="Osma" typeface="Ebrima"/>
+        <a:font script="Phag" typeface="Phagspa"/>
+        <a:font script="Syrn" typeface="Estrangelo Edessa"/>
+        <a:font script="Syrj" typeface="Estrangelo Edessa"/>
+        <a:font script="Syre" typeface="Estrangelo Edessa"/>
+        <a:font script="Sora" typeface="Nirmala UI"/>
+        <a:font script="Tale" typeface="Microsoft Tai Le"/>
+        <a:font script="Talu" typeface="Microsoft New Tai Lue"/>
+        <a:font script="Tfng" typeface="Ebrima"/>
+      </a:minorFont>
+    </a:fontScheme>
+    <a:fmtScheme name="Office">
+      <a:fillStyleLst>
+        <a:solidFill>
+          <a:schemeClr val="phClr"/>
+        </a:solidFill>
+        <a:gradFill rotWithShape="1">
+          <a:gsLst>
+            <a:gs pos="0">
+              <a:schemeClr val="phClr">
+                <a:lumMod val="110000"/>
+                <a:satMod val="105000"/>
+                <a:tint val="67000"/>
+              </a:schemeClr>
+            </a:gs>
+            <a:gs pos="50000">
+              <a:schemeClr val="phClr">
+                <a:lumMod val="105000"/>
+                <a:satMod val="103000"/>
+                <a:tint val="73000"/>
+              </a:schemeClr>
+            </a:gs>
+            <a:gs pos="100000">
+              <a:schemeClr val="phClr">
+                <a:lumMod val="105000"/>
+                <a:satMod val="109000"/>
+                <a:tint val="81000"/>
+              </a:schemeClr>
+            </a:gs>
+          </a:gsLst>
+          <a:lin ang="5400000" scaled="0"/>
+        </a:gradFill>
+        <a:gradFill rotWithShape="1">
+          <a:gsLst>
+            <a:gs pos="0">
+              <a:schemeClr val="phClr">
+                <a:satMod val="103000"/>
+                <a:lumMod val="102000"/>
+                <a:tint val="94000"/>
+              </a:schemeClr>
+            </a:gs>
+            <a:gs pos="50000">
+              <a:schemeClr val="phClr">
+                <a:satMod val="110000"/>
+                <a:lumMod val="100000"/>
+                <a:shade val="100000"/>
+              </a:schemeClr>
+            </a:gs>
+            <a:gs pos="100000">
+              <a:schemeClr val="phClr">
+                <a:lumMod val="99000"/>
+                <a:satMod val="120000"/>
+                <a:shade val="78000"/>
+              </a:schemeClr>
+            </a:gs>
+          </a:gsLst>
+          <a:lin ang="5400000" scaled="0"/>
+        </a:gradFill>
+      </a:fillStyleLst>
+      <a:lnStyleLst>
+        <a:ln w="6350" cap="flat" cmpd="sng" algn="ctr">
+          <a:solidFill>
+            <a:schemeClr val="phClr"/>
+          </a:solidFill>
+          <a:prstDash val="solid"/>
+          <a:miter lim="800000"/>
+        </a:ln>
+        <a:ln w="12700" cap="flat" cmpd="sng" algn="ctr">
+          <a:solidFill>
+            <a:schemeClr val="phClr"/>
+          </a:solidFill>
+          <a:prstDash val="solid"/>
+          <a:miter lim="800000"/>
+        </a:ln>
+        <a:ln w="19050" cap="flat" cmpd="sng" algn="ctr">
+          <a:solidFill>
+            <a:schemeClr val="phClr"/>
+          </a:solidFill>
+          <a:prstDash val="solid"/>
+          <a:miter lim="800000"/>
+        </a:ln>
+      </a:lnStyleLst>
+      <a:effectStyleLst>
+        <a:effectStyle>
+          <a:effectLst/>
+        </a:effectStyle>
+        <a:effectStyle>
+          <a:effectLst/>
+        </a:effectStyle>
+        <a:effectStyle>
+          <a:effectLst>
+            <a:outerShdw blurRad="57150" dist="19050" dir="5400000" algn="ctr" rotWithShape="0">
+              <a:srgbClr val="000000">
+                <a:alpha val="63000"/>
+              </a:srgbClr>
+            </a:outerShdw>
+          </a:effectLst>
+        </a:effectStyle>
+      </a:effectStyleLst>
+      <a:bgFillStyleLst>
+        <a:solidFill>
+          <a:schemeClr val="phClr"/>
+        </a:solidFill>
+        <a:solidFill>
+          <a:schemeClr val="phClr">
+            <a:tint val="95000"/>
+            <a:satMod val="170000"/>
+          </a:schemeClr>
+        </a:solidFill>
+        <a:gradFill rotWithShape="1">
+          <a:gsLst>
+            <a:gs pos="0">
+              <a:schemeClr val="phClr">
+                <a:tint val="93000"/>
+                <a:satMod val="150000"/>
+                <a:shade val="98000"/>
+                <a:lumMod val="102000"/>
+              </a:schemeClr>
+            </a:gs>
+            <a:gs pos="50000">
+              <a:schemeClr val="phClr">
+                <a:tint val="98000"/>
+                <a:satMod val="130000"/>
+                <a:shade val="90000"/>
+                <a:lumMod val="103000"/>
+              </a:schemeClr>
+            </a:gs>
+            <a:gs pos="100000">
+              <a:schemeClr val="phClr">
+                <a:shade val="63000"/>
+                <a:satMod val="120000"/>
+              </a:schemeClr>
+            </a:gs>
+          </a:gsLst>
+          <a:lin ang="5400000" scaled="0"/>
+        </a:gradFill>
+      </a:bgFillStyleLst>
+    </a:fmtScheme>
+  </a:themeElements>
+  <a:objectDefaults/>
+  <a:extraClrSchemeLst/>
+  <a:extLst>
+    <a:ext uri="{05A4C25C-085E-4340-85A3-A5531E510DB2}">
+      <thm15:themeFamily xmlns:thm15="http://schemas.microsoft.com/office/thememl/2012/main" name="Office Theme" id="{62F939B6-93AF-4DB8-9C6B-D6C7DFDC589F}" vid="{4A3C46E8-61CC-4603-A589-7422A47A8E4A}"/>
+    </a:ext>
+  </a:extLst>
+</a:theme>
 </file>
--- a/plots/PSEMplots.pptx
+++ b/plots/PSEMplots.pptx
@@ -200,7 +200,7 @@
           <a:p>
             <a:fld id="{09007E6E-1341-4B25-B897-05406DF805DE}" type="datetimeFigureOut">
               <a:rPr lang="en-US" smtClean="0"/>
-              <a:t>5/6/2023</a:t>
+              <a:t>6/23/2023</a:t>
             </a:fld>
             <a:endParaRPr lang="en-US"/>
           </a:p>
@@ -962,7 +962,7 @@
           <a:p>
             <a:fld id="{87382854-844E-43E2-9B4F-1BD7657CF4C3}" type="datetimeFigureOut">
               <a:rPr lang="en-US" smtClean="0"/>
-              <a:t>5/6/2023</a:t>
+              <a:t>6/23/2023</a:t>
             </a:fld>
             <a:endParaRPr lang="en-US"/>
           </a:p>
@@ -1160,7 +1160,7 @@
           <a:p>
             <a:fld id="{87382854-844E-43E2-9B4F-1BD7657CF4C3}" type="datetimeFigureOut">
               <a:rPr lang="en-US" smtClean="0"/>
-              <a:t>5/6/2023</a:t>
+              <a:t>6/23/2023</a:t>
             </a:fld>
             <a:endParaRPr lang="en-US"/>
           </a:p>
@@ -1368,7 +1368,7 @@
           <a:p>
             <a:fld id="{87382854-844E-43E2-9B4F-1BD7657CF4C3}" type="datetimeFigureOut">
               <a:rPr lang="en-US" smtClean="0"/>
-              <a:t>5/6/2023</a:t>
+              <a:t>6/23/2023</a:t>
             </a:fld>
             <a:endParaRPr lang="en-US"/>
           </a:p>
@@ -1566,7 +1566,7 @@
           <a:p>
             <a:fld id="{87382854-844E-43E2-9B4F-1BD7657CF4C3}" type="datetimeFigureOut">
               <a:rPr lang="en-US" smtClean="0"/>
-              <a:t>5/6/2023</a:t>
+              <a:t>6/23/2023</a:t>
             </a:fld>
             <a:endParaRPr lang="en-US"/>
           </a:p>
@@ -1841,7 +1841,7 @@
           <a:p>
             <a:fld id="{87382854-844E-43E2-9B4F-1BD7657CF4C3}" type="datetimeFigureOut">
               <a:rPr lang="en-US" smtClean="0"/>
-              <a:t>5/6/2023</a:t>
+              <a:t>6/23/2023</a:t>
             </a:fld>
             <a:endParaRPr lang="en-US"/>
           </a:p>
@@ -2106,7 +2106,7 @@
           <a:p>
             <a:fld id="{87382854-844E-43E2-9B4F-1BD7657CF4C3}" type="datetimeFigureOut">
               <a:rPr lang="en-US" smtClean="0"/>
-              <a:t>5/6/2023</a:t>
+              <a:t>6/23/2023</a:t>
             </a:fld>
             <a:endParaRPr lang="en-US"/>
           </a:p>
@@ -2518,7 +2518,7 @@
           <a:p>
             <a:fld id="{87382854-844E-43E2-9B4F-1BD7657CF4C3}" type="datetimeFigureOut">
               <a:rPr lang="en-US" smtClean="0"/>
-              <a:t>5/6/2023</a:t>
+              <a:t>6/23/2023</a:t>
             </a:fld>
             <a:endParaRPr lang="en-US"/>
           </a:p>
@@ -2659,7 +2659,7 @@
           <a:p>
             <a:fld id="{87382854-844E-43E2-9B4F-1BD7657CF4C3}" type="datetimeFigureOut">
               <a:rPr lang="en-US" smtClean="0"/>
-              <a:t>5/6/2023</a:t>
+              <a:t>6/23/2023</a:t>
             </a:fld>
             <a:endParaRPr lang="en-US"/>
           </a:p>
@@ -2772,7 +2772,7 @@
           <a:p>
             <a:fld id="{87382854-844E-43E2-9B4F-1BD7657CF4C3}" type="datetimeFigureOut">
               <a:rPr lang="en-US" smtClean="0"/>
-              <a:t>5/6/2023</a:t>
+              <a:t>6/23/2023</a:t>
             </a:fld>
             <a:endParaRPr lang="en-US"/>
           </a:p>
@@ -3083,7 +3083,7 @@
           <a:p>
             <a:fld id="{87382854-844E-43E2-9B4F-1BD7657CF4C3}" type="datetimeFigureOut">
               <a:rPr lang="en-US" smtClean="0"/>
-              <a:t>5/6/2023</a:t>
+              <a:t>6/23/2023</a:t>
             </a:fld>
             <a:endParaRPr lang="en-US"/>
           </a:p>
@@ -3371,7 +3371,7 @@
           <a:p>
             <a:fld id="{87382854-844E-43E2-9B4F-1BD7657CF4C3}" type="datetimeFigureOut">
               <a:rPr lang="en-US" smtClean="0"/>
-              <a:t>5/6/2023</a:t>
+              <a:t>6/23/2023</a:t>
             </a:fld>
             <a:endParaRPr lang="en-US"/>
           </a:p>
@@ -3612,7 +3612,7 @@
           <a:p>
             <a:fld id="{87382854-844E-43E2-9B4F-1BD7657CF4C3}" type="datetimeFigureOut">
               <a:rPr lang="en-US" smtClean="0"/>
-              <a:t>5/6/2023</a:t>
+              <a:t>6/23/2023</a:t>
             </a:fld>
             <a:endParaRPr lang="en-US"/>
           </a:p>
@@ -8596,34 +8596,1880 @@
           <a:chExt cx="0" cy="0"/>
         </a:xfrm>
       </p:grpSpPr>
+      <p:grpSp>
+        <p:nvGrpSpPr>
+          <p:cNvPr id="3" name="Group 2">
+            <a:extLst>
+              <a:ext uri="{FF2B5EF4-FFF2-40B4-BE49-F238E27FC236}">
+                <a16:creationId xmlns:a16="http://schemas.microsoft.com/office/drawing/2014/main" id="{2F17C804-A3F8-E1FC-79E9-62DC0432A09D}"/>
+              </a:ext>
+            </a:extLst>
+          </p:cNvPr>
+          <p:cNvGrpSpPr/>
+          <p:nvPr/>
+        </p:nvGrpSpPr>
+        <p:grpSpPr>
+          <a:xfrm>
+            <a:off x="1182344" y="0"/>
+            <a:ext cx="8605969" cy="6858000"/>
+            <a:chOff x="1182344" y="0"/>
+            <a:chExt cx="8605969" cy="6858000"/>
+          </a:xfrm>
+        </p:grpSpPr>
+        <p:sp>
+          <p:nvSpPr>
+            <p:cNvPr id="2" name="Rectangle 1">
+              <a:extLst>
+                <a:ext uri="{FF2B5EF4-FFF2-40B4-BE49-F238E27FC236}">
+                  <a16:creationId xmlns:a16="http://schemas.microsoft.com/office/drawing/2014/main" id="{72D00094-AD45-1DEC-C6D7-201F15728A9E}"/>
+                </a:ext>
+              </a:extLst>
+            </p:cNvPr>
+            <p:cNvSpPr/>
+            <p:nvPr/>
+          </p:nvSpPr>
+          <p:spPr>
+            <a:xfrm>
+              <a:off x="1371600" y="0"/>
+              <a:ext cx="8416713" cy="6858000"/>
+            </a:xfrm>
+            <a:prstGeom prst="rect">
+              <a:avLst/>
+            </a:prstGeom>
+            <a:solidFill>
+              <a:schemeClr val="bg1"/>
+            </a:solidFill>
+            <a:ln>
+              <a:noFill/>
+            </a:ln>
+          </p:spPr>
+          <p:style>
+            <a:lnRef idx="2">
+              <a:schemeClr val="accent1">
+                <a:shade val="15000"/>
+              </a:schemeClr>
+            </a:lnRef>
+            <a:fillRef idx="1">
+              <a:schemeClr val="accent1"/>
+            </a:fillRef>
+            <a:effectRef idx="0">
+              <a:schemeClr val="accent1"/>
+            </a:effectRef>
+            <a:fontRef idx="minor">
+              <a:schemeClr val="lt1"/>
+            </a:fontRef>
+          </p:style>
+          <p:txBody>
+            <a:bodyPr rtlCol="0" anchor="ctr"/>
+            <a:lstStyle/>
+            <a:p>
+              <a:pPr algn="ctr"/>
+              <a:endParaRPr lang="en-US"/>
+            </a:p>
+          </p:txBody>
+        </p:sp>
+        <p:cxnSp>
+          <p:nvCxnSpPr>
+            <p:cNvPr id="169" name="Straight Arrow Connector 168">
+              <a:extLst>
+                <a:ext uri="{FF2B5EF4-FFF2-40B4-BE49-F238E27FC236}">
+                  <a16:creationId xmlns:a16="http://schemas.microsoft.com/office/drawing/2014/main" id="{B2C04295-D614-E2E2-B306-D92456663339}"/>
+                </a:ext>
+              </a:extLst>
+            </p:cNvPr>
+            <p:cNvCxnSpPr>
+              <a:cxnSpLocks/>
+              <a:endCxn id="53" idx="3"/>
+            </p:cNvCxnSpPr>
+            <p:nvPr/>
+          </p:nvCxnSpPr>
+          <p:spPr>
+            <a:xfrm flipH="1" flipV="1">
+              <a:off x="5854834" y="5928666"/>
+              <a:ext cx="2412983" cy="208722"/>
+            </a:xfrm>
+            <a:prstGeom prst="straightConnector1">
+              <a:avLst/>
+            </a:prstGeom>
+            <a:ln w="95504">
+              <a:solidFill>
+                <a:schemeClr val="tx1"/>
+              </a:solidFill>
+              <a:tailEnd type="triangle"/>
+            </a:ln>
+          </p:spPr>
+          <p:style>
+            <a:lnRef idx="1">
+              <a:schemeClr val="accent1"/>
+            </a:lnRef>
+            <a:fillRef idx="0">
+              <a:schemeClr val="accent1"/>
+            </a:fillRef>
+            <a:effectRef idx="0">
+              <a:schemeClr val="accent1"/>
+            </a:effectRef>
+            <a:fontRef idx="minor">
+              <a:schemeClr val="tx1"/>
+            </a:fontRef>
+          </p:style>
+        </p:cxnSp>
+        <p:cxnSp>
+          <p:nvCxnSpPr>
+            <p:cNvPr id="78" name="Straight Arrow Connector 77">
+              <a:extLst>
+                <a:ext uri="{FF2B5EF4-FFF2-40B4-BE49-F238E27FC236}">
+                  <a16:creationId xmlns:a16="http://schemas.microsoft.com/office/drawing/2014/main" id="{155057BC-EAC4-E303-C490-D3532CF8D8F9}"/>
+                </a:ext>
+              </a:extLst>
+            </p:cNvPr>
+            <p:cNvCxnSpPr>
+              <a:cxnSpLocks/>
+            </p:cNvCxnSpPr>
+            <p:nvPr/>
+          </p:nvCxnSpPr>
+          <p:spPr>
+            <a:xfrm flipH="1" flipV="1">
+              <a:off x="5708649" y="1894279"/>
+              <a:ext cx="2464667" cy="2710682"/>
+            </a:xfrm>
+            <a:prstGeom prst="straightConnector1">
+              <a:avLst/>
+            </a:prstGeom>
+            <a:ln w="10668">
+              <a:solidFill>
+                <a:schemeClr val="tx1"/>
+              </a:solidFill>
+              <a:tailEnd type="triangle"/>
+            </a:ln>
+          </p:spPr>
+          <p:style>
+            <a:lnRef idx="1">
+              <a:schemeClr val="accent1"/>
+            </a:lnRef>
+            <a:fillRef idx="0">
+              <a:schemeClr val="accent1"/>
+            </a:fillRef>
+            <a:effectRef idx="0">
+              <a:schemeClr val="accent1"/>
+            </a:effectRef>
+            <a:fontRef idx="minor">
+              <a:schemeClr val="tx1"/>
+            </a:fontRef>
+          </p:style>
+        </p:cxnSp>
+        <p:cxnSp>
+          <p:nvCxnSpPr>
+            <p:cNvPr id="148" name="Straight Arrow Connector 147">
+              <a:extLst>
+                <a:ext uri="{FF2B5EF4-FFF2-40B4-BE49-F238E27FC236}">
+                  <a16:creationId xmlns:a16="http://schemas.microsoft.com/office/drawing/2014/main" id="{797CE5DD-45E4-7FD5-B51A-25A9F35CDFB5}"/>
+                </a:ext>
+              </a:extLst>
+            </p:cNvPr>
+            <p:cNvCxnSpPr>
+              <a:cxnSpLocks/>
+            </p:cNvCxnSpPr>
+            <p:nvPr/>
+          </p:nvCxnSpPr>
+          <p:spPr>
+            <a:xfrm flipH="1">
+              <a:off x="5392518" y="736693"/>
+              <a:ext cx="2835815" cy="2406888"/>
+            </a:xfrm>
+            <a:prstGeom prst="straightConnector1">
+              <a:avLst/>
+            </a:prstGeom>
+            <a:ln w="8890">
+              <a:solidFill>
+                <a:schemeClr val="accent6"/>
+              </a:solidFill>
+              <a:tailEnd type="triangle"/>
+            </a:ln>
+          </p:spPr>
+          <p:style>
+            <a:lnRef idx="1">
+              <a:schemeClr val="accent1"/>
+            </a:lnRef>
+            <a:fillRef idx="0">
+              <a:schemeClr val="accent1"/>
+            </a:fillRef>
+            <a:effectRef idx="0">
+              <a:schemeClr val="accent1"/>
+            </a:effectRef>
+            <a:fontRef idx="minor">
+              <a:schemeClr val="tx1"/>
+            </a:fontRef>
+          </p:style>
+        </p:cxnSp>
+        <p:cxnSp>
+          <p:nvCxnSpPr>
+            <p:cNvPr id="136" name="Straight Arrow Connector 135">
+              <a:extLst>
+                <a:ext uri="{FF2B5EF4-FFF2-40B4-BE49-F238E27FC236}">
+                  <a16:creationId xmlns:a16="http://schemas.microsoft.com/office/drawing/2014/main" id="{9F0A82C8-4204-1AB5-D085-F3850518F7DA}"/>
+                </a:ext>
+              </a:extLst>
+            </p:cNvPr>
+            <p:cNvCxnSpPr>
+              <a:cxnSpLocks/>
+            </p:cNvCxnSpPr>
+            <p:nvPr/>
+          </p:nvCxnSpPr>
+          <p:spPr>
+            <a:xfrm flipH="1">
+              <a:off x="4060771" y="2398696"/>
+              <a:ext cx="4461857" cy="406535"/>
+            </a:xfrm>
+            <a:prstGeom prst="straightConnector1">
+              <a:avLst/>
+            </a:prstGeom>
+            <a:ln w="4953">
+              <a:solidFill>
+                <a:schemeClr val="tx1"/>
+              </a:solidFill>
+              <a:tailEnd type="triangle"/>
+            </a:ln>
+          </p:spPr>
+          <p:style>
+            <a:lnRef idx="1">
+              <a:schemeClr val="accent1"/>
+            </a:lnRef>
+            <a:fillRef idx="0">
+              <a:schemeClr val="accent1"/>
+            </a:fillRef>
+            <a:effectRef idx="0">
+              <a:schemeClr val="accent1"/>
+            </a:effectRef>
+            <a:fontRef idx="minor">
+              <a:schemeClr val="tx1"/>
+            </a:fontRef>
+          </p:style>
+        </p:cxnSp>
+        <p:cxnSp>
+          <p:nvCxnSpPr>
+            <p:cNvPr id="160" name="Straight Arrow Connector 159">
+              <a:extLst>
+                <a:ext uri="{FF2B5EF4-FFF2-40B4-BE49-F238E27FC236}">
+                  <a16:creationId xmlns:a16="http://schemas.microsoft.com/office/drawing/2014/main" id="{69E1C4D5-97D2-9EE4-A386-2A34BA77B25A}"/>
+                </a:ext>
+              </a:extLst>
+            </p:cNvPr>
+            <p:cNvCxnSpPr>
+              <a:cxnSpLocks/>
+              <a:endCxn id="50" idx="3"/>
+            </p:cNvCxnSpPr>
+            <p:nvPr/>
+          </p:nvCxnSpPr>
+          <p:spPr>
+            <a:xfrm flipH="1">
+              <a:off x="4818242" y="2941813"/>
+              <a:ext cx="3410091" cy="1564429"/>
+            </a:xfrm>
+            <a:prstGeom prst="straightConnector1">
+              <a:avLst/>
+            </a:prstGeom>
+            <a:ln w="1397">
+              <a:solidFill>
+                <a:schemeClr val="tx1"/>
+              </a:solidFill>
+              <a:tailEnd type="triangle"/>
+            </a:ln>
+          </p:spPr>
+          <p:style>
+            <a:lnRef idx="1">
+              <a:schemeClr val="accent1"/>
+            </a:lnRef>
+            <a:fillRef idx="0">
+              <a:schemeClr val="accent1"/>
+            </a:fillRef>
+            <a:effectRef idx="0">
+              <a:schemeClr val="accent1"/>
+            </a:effectRef>
+            <a:fontRef idx="minor">
+              <a:schemeClr val="tx1"/>
+            </a:fontRef>
+          </p:style>
+        </p:cxnSp>
+        <p:cxnSp>
+          <p:nvCxnSpPr>
+            <p:cNvPr id="139" name="Straight Arrow Connector 138">
+              <a:extLst>
+                <a:ext uri="{FF2B5EF4-FFF2-40B4-BE49-F238E27FC236}">
+                  <a16:creationId xmlns:a16="http://schemas.microsoft.com/office/drawing/2014/main" id="{DCDD23ED-2ED6-768A-45C6-D2C6BA0F8010}"/>
+                </a:ext>
+              </a:extLst>
+            </p:cNvPr>
+            <p:cNvCxnSpPr>
+              <a:cxnSpLocks/>
+            </p:cNvCxnSpPr>
+            <p:nvPr/>
+          </p:nvCxnSpPr>
+          <p:spPr>
+            <a:xfrm flipH="1" flipV="1">
+              <a:off x="4047841" y="2629065"/>
+              <a:ext cx="4141875" cy="1179229"/>
+            </a:xfrm>
+            <a:prstGeom prst="straightConnector1">
+              <a:avLst/>
+            </a:prstGeom>
+            <a:ln w="14351">
+              <a:solidFill>
+                <a:schemeClr val="accent6"/>
+              </a:solidFill>
+              <a:tailEnd type="triangle"/>
+            </a:ln>
+          </p:spPr>
+          <p:style>
+            <a:lnRef idx="1">
+              <a:schemeClr val="accent1"/>
+            </a:lnRef>
+            <a:fillRef idx="0">
+              <a:schemeClr val="accent1"/>
+            </a:fillRef>
+            <a:effectRef idx="0">
+              <a:schemeClr val="accent1"/>
+            </a:effectRef>
+            <a:fontRef idx="minor">
+              <a:schemeClr val="tx1"/>
+            </a:fontRef>
+          </p:style>
+        </p:cxnSp>
+        <p:cxnSp>
+          <p:nvCxnSpPr>
+            <p:cNvPr id="145" name="Straight Arrow Connector 144">
+              <a:extLst>
+                <a:ext uri="{FF2B5EF4-FFF2-40B4-BE49-F238E27FC236}">
+                  <a16:creationId xmlns:a16="http://schemas.microsoft.com/office/drawing/2014/main" id="{8C68305C-A6C8-ED73-1590-1B8A7B78ECE5}"/>
+                </a:ext>
+              </a:extLst>
+            </p:cNvPr>
+            <p:cNvCxnSpPr>
+              <a:cxnSpLocks/>
+            </p:cNvCxnSpPr>
+            <p:nvPr/>
+          </p:nvCxnSpPr>
+          <p:spPr>
+            <a:xfrm flipH="1">
+              <a:off x="5840606" y="2704544"/>
+              <a:ext cx="2431934" cy="502427"/>
+            </a:xfrm>
+            <a:prstGeom prst="straightConnector1">
+              <a:avLst/>
+            </a:prstGeom>
+            <a:ln w="4953">
+              <a:solidFill>
+                <a:schemeClr val="accent6"/>
+              </a:solidFill>
+              <a:prstDash val="dash"/>
+              <a:tailEnd type="triangle"/>
+            </a:ln>
+          </p:spPr>
+          <p:style>
+            <a:lnRef idx="1">
+              <a:schemeClr val="accent1"/>
+            </a:lnRef>
+            <a:fillRef idx="0">
+              <a:schemeClr val="accent1"/>
+            </a:fillRef>
+            <a:effectRef idx="0">
+              <a:schemeClr val="accent1"/>
+            </a:effectRef>
+            <a:fontRef idx="minor">
+              <a:schemeClr val="tx1"/>
+            </a:fontRef>
+          </p:style>
+        </p:cxnSp>
+        <p:cxnSp>
+          <p:nvCxnSpPr>
+            <p:cNvPr id="95" name="Straight Arrow Connector 94">
+              <a:extLst>
+                <a:ext uri="{FF2B5EF4-FFF2-40B4-BE49-F238E27FC236}">
+                  <a16:creationId xmlns:a16="http://schemas.microsoft.com/office/drawing/2014/main" id="{FD51B2C7-FBA2-D5D6-D5FF-4B4B9D76EF78}"/>
+                </a:ext>
+              </a:extLst>
+            </p:cNvPr>
+            <p:cNvCxnSpPr>
+              <a:cxnSpLocks/>
+            </p:cNvCxnSpPr>
+            <p:nvPr/>
+          </p:nvCxnSpPr>
+          <p:spPr>
+            <a:xfrm>
+              <a:off x="4060771" y="1005153"/>
+              <a:ext cx="574162" cy="340738"/>
+            </a:xfrm>
+            <a:prstGeom prst="straightConnector1">
+              <a:avLst/>
+            </a:prstGeom>
+            <a:ln w="33782">
+              <a:solidFill>
+                <a:schemeClr val="accent6"/>
+              </a:solidFill>
+              <a:tailEnd type="triangle"/>
+            </a:ln>
+          </p:spPr>
+          <p:style>
+            <a:lnRef idx="1">
+              <a:schemeClr val="accent1"/>
+            </a:lnRef>
+            <a:fillRef idx="0">
+              <a:schemeClr val="accent1"/>
+            </a:fillRef>
+            <a:effectRef idx="0">
+              <a:schemeClr val="accent1"/>
+            </a:effectRef>
+            <a:fontRef idx="minor">
+              <a:schemeClr val="tx1"/>
+            </a:fontRef>
+          </p:style>
+        </p:cxnSp>
+        <p:cxnSp>
+          <p:nvCxnSpPr>
+            <p:cNvPr id="65" name="Straight Arrow Connector 64">
+              <a:extLst>
+                <a:ext uri="{FF2B5EF4-FFF2-40B4-BE49-F238E27FC236}">
+                  <a16:creationId xmlns:a16="http://schemas.microsoft.com/office/drawing/2014/main" id="{12D98813-0E5D-9AEC-F23C-8610A3B73D92}"/>
+                </a:ext>
+              </a:extLst>
+            </p:cNvPr>
+            <p:cNvCxnSpPr>
+              <a:cxnSpLocks/>
+              <a:endCxn id="19" idx="2"/>
+            </p:cNvCxnSpPr>
+            <p:nvPr/>
+          </p:nvCxnSpPr>
+          <p:spPr>
+            <a:xfrm flipH="1" flipV="1">
+              <a:off x="6560130" y="1277290"/>
+              <a:ext cx="1670365" cy="4844017"/>
+            </a:xfrm>
+            <a:prstGeom prst="straightConnector1">
+              <a:avLst/>
+            </a:prstGeom>
+            <a:ln w="72390">
+              <a:solidFill>
+                <a:schemeClr val="tx1"/>
+              </a:solidFill>
+              <a:tailEnd type="triangle"/>
+            </a:ln>
+          </p:spPr>
+          <p:style>
+            <a:lnRef idx="1">
+              <a:schemeClr val="accent1"/>
+            </a:lnRef>
+            <a:fillRef idx="0">
+              <a:schemeClr val="accent1"/>
+            </a:fillRef>
+            <a:effectRef idx="0">
+              <a:schemeClr val="accent1"/>
+            </a:effectRef>
+            <a:fontRef idx="minor">
+              <a:schemeClr val="tx1"/>
+            </a:fontRef>
+          </p:style>
+        </p:cxnSp>
+        <p:cxnSp>
+          <p:nvCxnSpPr>
+            <p:cNvPr id="57" name="Straight Arrow Connector 56">
+              <a:extLst>
+                <a:ext uri="{FF2B5EF4-FFF2-40B4-BE49-F238E27FC236}">
+                  <a16:creationId xmlns:a16="http://schemas.microsoft.com/office/drawing/2014/main" id="{4E2A04AA-4CE0-46DC-B8DF-BF99F9C0851A}"/>
+                </a:ext>
+              </a:extLst>
+            </p:cNvPr>
+            <p:cNvCxnSpPr>
+              <a:cxnSpLocks/>
+            </p:cNvCxnSpPr>
+            <p:nvPr/>
+          </p:nvCxnSpPr>
+          <p:spPr>
+            <a:xfrm flipH="1" flipV="1">
+              <a:off x="7001523" y="1248271"/>
+              <a:ext cx="1201432" cy="3289089"/>
+            </a:xfrm>
+            <a:prstGeom prst="straightConnector1">
+              <a:avLst/>
+            </a:prstGeom>
+            <a:ln w="73660">
+              <a:solidFill>
+                <a:schemeClr val="accent6"/>
+              </a:solidFill>
+              <a:tailEnd type="triangle"/>
+            </a:ln>
+          </p:spPr>
+          <p:style>
+            <a:lnRef idx="1">
+              <a:schemeClr val="accent1"/>
+            </a:lnRef>
+            <a:fillRef idx="0">
+              <a:schemeClr val="accent1"/>
+            </a:fillRef>
+            <a:effectRef idx="0">
+              <a:schemeClr val="accent1"/>
+            </a:effectRef>
+            <a:fontRef idx="minor">
+              <a:schemeClr val="tx1"/>
+            </a:fontRef>
+          </p:style>
+        </p:cxnSp>
+        <p:cxnSp>
+          <p:nvCxnSpPr>
+            <p:cNvPr id="56" name="Straight Arrow Connector 55">
+              <a:extLst>
+                <a:ext uri="{FF2B5EF4-FFF2-40B4-BE49-F238E27FC236}">
+                  <a16:creationId xmlns:a16="http://schemas.microsoft.com/office/drawing/2014/main" id="{35CD70BE-316A-A9B3-65FA-41FB0904E079}"/>
+                </a:ext>
+              </a:extLst>
+            </p:cNvPr>
+            <p:cNvCxnSpPr>
+              <a:cxnSpLocks/>
+            </p:cNvCxnSpPr>
+            <p:nvPr/>
+          </p:nvCxnSpPr>
+          <p:spPr>
+            <a:xfrm flipH="1" flipV="1">
+              <a:off x="7286705" y="1073359"/>
+              <a:ext cx="985835" cy="1245427"/>
+            </a:xfrm>
+            <a:prstGeom prst="straightConnector1">
+              <a:avLst/>
+            </a:prstGeom>
+            <a:ln w="53340">
+              <a:solidFill>
+                <a:schemeClr val="accent6"/>
+              </a:solidFill>
+              <a:prstDash val="sysDot"/>
+              <a:tailEnd type="triangle"/>
+            </a:ln>
+          </p:spPr>
+          <p:style>
+            <a:lnRef idx="1">
+              <a:schemeClr val="accent1"/>
+            </a:lnRef>
+            <a:fillRef idx="0">
+              <a:schemeClr val="accent1"/>
+            </a:fillRef>
+            <a:effectRef idx="0">
+              <a:schemeClr val="accent1"/>
+            </a:effectRef>
+            <a:fontRef idx="minor">
+              <a:schemeClr val="tx1"/>
+            </a:fontRef>
+          </p:style>
+        </p:cxnSp>
+        <p:pic>
+          <p:nvPicPr>
+            <p:cNvPr id="6" name="Picture 5">
+              <a:extLst>
+                <a:ext uri="{FF2B5EF4-FFF2-40B4-BE49-F238E27FC236}">
+                  <a16:creationId xmlns:a16="http://schemas.microsoft.com/office/drawing/2014/main" id="{1C56AB06-0FE9-6A75-78B5-5125473E5C80}"/>
+                </a:ext>
+              </a:extLst>
+            </p:cNvPr>
+            <p:cNvPicPr>
+              <a:picLocks noChangeAspect="1"/>
+            </p:cNvPicPr>
+            <p:nvPr/>
+          </p:nvPicPr>
+          <p:blipFill rotWithShape="1">
+            <a:blip r:embed="rId3">
+              <a:extLst>
+                <a:ext uri="{28A0092B-C50C-407E-A947-70E740481C1C}">
+                  <a14:useLocalDpi xmlns:a14="http://schemas.microsoft.com/office/drawing/2010/main" val="0"/>
+                </a:ext>
+              </a:extLst>
+            </a:blip>
+            <a:srcRect l="15650" t="22456" r="16076" b="27134"/>
+            <a:stretch/>
+          </p:blipFill>
+          <p:spPr>
+            <a:xfrm>
+              <a:off x="8082769" y="3592729"/>
+              <a:ext cx="1661310" cy="1488616"/>
+            </a:xfrm>
+            <a:prstGeom prst="rect">
+              <a:avLst/>
+            </a:prstGeom>
+          </p:spPr>
+        </p:pic>
+        <p:pic>
+          <p:nvPicPr>
+            <p:cNvPr id="8" name="Picture 7">
+              <a:extLst>
+                <a:ext uri="{FF2B5EF4-FFF2-40B4-BE49-F238E27FC236}">
+                  <a16:creationId xmlns:a16="http://schemas.microsoft.com/office/drawing/2014/main" id="{59444F28-A1FA-708D-3DD0-91E40C0788A4}"/>
+                </a:ext>
+              </a:extLst>
+            </p:cNvPr>
+            <p:cNvPicPr>
+              <a:picLocks noChangeAspect="1"/>
+            </p:cNvPicPr>
+            <p:nvPr/>
+          </p:nvPicPr>
+          <p:blipFill rotWithShape="1">
+            <a:blip r:embed="rId4">
+              <a:extLst>
+                <a:ext uri="{28A0092B-C50C-407E-A947-70E740481C1C}">
+                  <a14:useLocalDpi xmlns:a14="http://schemas.microsoft.com/office/drawing/2010/main" val="0"/>
+                </a:ext>
+              </a:extLst>
+            </a:blip>
+            <a:srcRect l="22719" t="43158" r="53158" b="27485"/>
+            <a:stretch/>
+          </p:blipFill>
+          <p:spPr>
+            <a:xfrm>
+              <a:off x="8082769" y="106119"/>
+              <a:ext cx="1632351" cy="1489893"/>
+            </a:xfrm>
+            <a:prstGeom prst="rect">
+              <a:avLst/>
+            </a:prstGeom>
+          </p:spPr>
+        </p:pic>
+        <p:pic>
+          <p:nvPicPr>
+            <p:cNvPr id="10" name="Picture 9">
+              <a:extLst>
+                <a:ext uri="{FF2B5EF4-FFF2-40B4-BE49-F238E27FC236}">
+                  <a16:creationId xmlns:a16="http://schemas.microsoft.com/office/drawing/2014/main" id="{2736802B-F260-B466-04CB-05DF23ADE29A}"/>
+                </a:ext>
+              </a:extLst>
+            </p:cNvPr>
+            <p:cNvPicPr>
+              <a:picLocks noChangeAspect="1"/>
+            </p:cNvPicPr>
+            <p:nvPr/>
+          </p:nvPicPr>
+          <p:blipFill rotWithShape="1">
+            <a:blip r:embed="rId5">
+              <a:extLst>
+                <a:ext uri="{28A0092B-C50C-407E-A947-70E740481C1C}">
+                  <a14:useLocalDpi xmlns:a14="http://schemas.microsoft.com/office/drawing/2010/main" val="0"/>
+                </a:ext>
+              </a:extLst>
+            </a:blip>
+            <a:srcRect t="5380" b="3626"/>
+            <a:stretch/>
+          </p:blipFill>
+          <p:spPr>
+            <a:xfrm>
+              <a:off x="8090050" y="1648076"/>
+              <a:ext cx="1625070" cy="1871796"/>
+            </a:xfrm>
+            <a:prstGeom prst="rect">
+              <a:avLst/>
+            </a:prstGeom>
+          </p:spPr>
+        </p:pic>
+        <p:grpSp>
+          <p:nvGrpSpPr>
+            <p:cNvPr id="18" name="Group 17">
+              <a:extLst>
+                <a:ext uri="{FF2B5EF4-FFF2-40B4-BE49-F238E27FC236}">
+                  <a16:creationId xmlns:a16="http://schemas.microsoft.com/office/drawing/2014/main" id="{B373A205-0A57-E55D-8630-1FF4BAB6D8CB}"/>
+                </a:ext>
+              </a:extLst>
+            </p:cNvPr>
+            <p:cNvGrpSpPr/>
+            <p:nvPr/>
+          </p:nvGrpSpPr>
+          <p:grpSpPr>
+            <a:xfrm>
+              <a:off x="8075112" y="5154202"/>
+              <a:ext cx="1713201" cy="1590767"/>
+              <a:chOff x="4126992" y="3096768"/>
+              <a:chExt cx="2444496" cy="2164080"/>
+            </a:xfrm>
+          </p:grpSpPr>
+          <p:pic>
+            <p:nvPicPr>
+              <p:cNvPr id="14" name="Content Placeholder 5">
+                <a:extLst>
+                  <a:ext uri="{FF2B5EF4-FFF2-40B4-BE49-F238E27FC236}">
+                    <a16:creationId xmlns:a16="http://schemas.microsoft.com/office/drawing/2014/main" id="{34A971F1-480A-0833-8D2E-BB5A0148EB92}"/>
+                  </a:ext>
+                </a:extLst>
+              </p:cNvPr>
+              <p:cNvPicPr>
+                <a:picLocks noChangeAspect="1"/>
+              </p:cNvPicPr>
+              <p:nvPr/>
+            </p:nvPicPr>
+            <p:blipFill rotWithShape="1">
+              <a:blip r:embed="rId6">
+                <a:extLst>
+                  <a:ext uri="{28A0092B-C50C-407E-A947-70E740481C1C}">
+                    <a14:useLocalDpi xmlns:a14="http://schemas.microsoft.com/office/drawing/2010/main" val="0"/>
+                  </a:ext>
+                </a:extLst>
+              </a:blip>
+              <a:srcRect l="31086" t="16843" r="15530" b="20377"/>
+              <a:stretch/>
+            </p:blipFill>
+            <p:spPr>
+              <a:xfrm>
+                <a:off x="4126992" y="3096768"/>
+                <a:ext cx="2444496" cy="2164080"/>
+              </a:xfrm>
+              <a:prstGeom prst="rect">
+                <a:avLst/>
+              </a:prstGeom>
+            </p:spPr>
+          </p:pic>
+          <p:sp>
+            <p:nvSpPr>
+              <p:cNvPr id="15" name="Oval 14">
+                <a:extLst>
+                  <a:ext uri="{FF2B5EF4-FFF2-40B4-BE49-F238E27FC236}">
+                    <a16:creationId xmlns:a16="http://schemas.microsoft.com/office/drawing/2014/main" id="{3A406421-46F2-21AC-AEDF-1E5D0B0FE6FF}"/>
+                  </a:ext>
+                </a:extLst>
+              </p:cNvPr>
+              <p:cNvSpPr/>
+              <p:nvPr/>
+            </p:nvSpPr>
+            <p:spPr>
+              <a:xfrm>
+                <a:off x="4410456" y="3233928"/>
+                <a:ext cx="1877568" cy="1889760"/>
+              </a:xfrm>
+              <a:prstGeom prst="ellipse">
+                <a:avLst/>
+              </a:prstGeom>
+              <a:noFill/>
+              <a:ln w="76200">
+                <a:solidFill>
+                  <a:schemeClr val="tx1"/>
+                </a:solidFill>
+              </a:ln>
+            </p:spPr>
+            <p:style>
+              <a:lnRef idx="2">
+                <a:schemeClr val="accent1">
+                  <a:shade val="50000"/>
+                </a:schemeClr>
+              </a:lnRef>
+              <a:fillRef idx="1">
+                <a:schemeClr val="accent1"/>
+              </a:fillRef>
+              <a:effectRef idx="0">
+                <a:schemeClr val="accent1"/>
+              </a:effectRef>
+              <a:fontRef idx="minor">
+                <a:schemeClr val="lt1"/>
+              </a:fontRef>
+            </p:style>
+            <p:txBody>
+              <a:bodyPr rtlCol="0" anchor="ctr"/>
+              <a:lstStyle/>
+              <a:p>
+                <a:pPr algn="ctr"/>
+                <a:endParaRPr lang="en-US"/>
+              </a:p>
+            </p:txBody>
+          </p:sp>
+          <p:cxnSp>
+            <p:nvCxnSpPr>
+              <p:cNvPr id="17" name="Straight Connector 16">
+                <a:extLst>
+                  <a:ext uri="{FF2B5EF4-FFF2-40B4-BE49-F238E27FC236}">
+                    <a16:creationId xmlns:a16="http://schemas.microsoft.com/office/drawing/2014/main" id="{AEAD83D0-4099-3790-E6BA-275955205711}"/>
+                  </a:ext>
+                </a:extLst>
+              </p:cNvPr>
+              <p:cNvCxnSpPr>
+                <a:stCxn id="15" idx="7"/>
+                <a:endCxn id="15" idx="3"/>
+              </p:cNvCxnSpPr>
+              <p:nvPr/>
+            </p:nvCxnSpPr>
+            <p:spPr>
+              <a:xfrm flipH="1">
+                <a:off x="4685419" y="3510677"/>
+                <a:ext cx="1327642" cy="1336262"/>
+              </a:xfrm>
+              <a:prstGeom prst="line">
+                <a:avLst/>
+              </a:prstGeom>
+              <a:ln w="76200">
+                <a:solidFill>
+                  <a:schemeClr val="tx1"/>
+                </a:solidFill>
+              </a:ln>
+            </p:spPr>
+            <p:style>
+              <a:lnRef idx="1">
+                <a:schemeClr val="accent1"/>
+              </a:lnRef>
+              <a:fillRef idx="0">
+                <a:schemeClr val="accent1"/>
+              </a:fillRef>
+              <a:effectRef idx="0">
+                <a:schemeClr val="accent1"/>
+              </a:effectRef>
+              <a:fontRef idx="minor">
+                <a:schemeClr val="tx1"/>
+              </a:fontRef>
+            </p:style>
+          </p:cxnSp>
+        </p:grpSp>
+        <p:sp>
+          <p:nvSpPr>
+            <p:cNvPr id="19" name="TextBox 18">
+              <a:extLst>
+                <a:ext uri="{FF2B5EF4-FFF2-40B4-BE49-F238E27FC236}">
+                  <a16:creationId xmlns:a16="http://schemas.microsoft.com/office/drawing/2014/main" id="{014C6164-C7F1-050A-21A2-EC72E4DF3CFD}"/>
+                </a:ext>
+              </a:extLst>
+            </p:cNvPr>
+            <p:cNvSpPr txBox="1"/>
+            <p:nvPr/>
+          </p:nvSpPr>
+          <p:spPr>
+            <a:xfrm>
+              <a:off x="5650268" y="446293"/>
+              <a:ext cx="1819723" cy="830997"/>
+            </a:xfrm>
+            <a:prstGeom prst="rect">
+              <a:avLst/>
+            </a:prstGeom>
+            <a:noFill/>
+          </p:spPr>
+          <p:txBody>
+            <a:bodyPr wrap="square" rtlCol="0">
+              <a:spAutoFit/>
+            </a:bodyPr>
+            <a:lstStyle/>
+            <a:p>
+              <a:pPr algn="ctr"/>
+              <a:r>
+                <a:rPr lang="en-US" sz="2800" dirty="0">
+                  <a:solidFill>
+                    <a:schemeClr val="accent2">
+                      <a:lumMod val="50000"/>
+                    </a:schemeClr>
+                  </a:solidFill>
+                </a:rPr>
+                <a:t>Soil C &amp; N</a:t>
+              </a:r>
+            </a:p>
+            <a:p>
+              <a:pPr algn="ctr"/>
+              <a:r>
+                <a:rPr lang="en-US" sz="2000" kern="100" dirty="0">
+                  <a:solidFill>
+                    <a:schemeClr val="accent2">
+                      <a:lumMod val="50000"/>
+                    </a:schemeClr>
+                  </a:solidFill>
+                  <a:effectLst/>
+                  <a:latin typeface="Calibri" panose="020F0502020204030204" pitchFamily="34" charset="0"/>
+                  <a:ea typeface="Calibri" panose="020F0502020204030204" pitchFamily="34" charset="0"/>
+                  <a:cs typeface="Times New Roman" panose="02020603050405020304" pitchFamily="18" charset="0"/>
+                </a:rPr>
+                <a:t>R</a:t>
+              </a:r>
+              <a:r>
+                <a:rPr lang="en-US" sz="2000" kern="100" baseline="30000" dirty="0">
+                  <a:solidFill>
+                    <a:schemeClr val="accent2">
+                      <a:lumMod val="50000"/>
+                    </a:schemeClr>
+                  </a:solidFill>
+                  <a:effectLst/>
+                  <a:latin typeface="Calibri" panose="020F0502020204030204" pitchFamily="34" charset="0"/>
+                  <a:ea typeface="Calibri" panose="020F0502020204030204" pitchFamily="34" charset="0"/>
+                  <a:cs typeface="Times New Roman" panose="02020603050405020304" pitchFamily="18" charset="0"/>
+                </a:rPr>
+                <a:t>2</a:t>
+              </a:r>
+              <a:r>
+                <a:rPr lang="en-US" sz="2000" kern="100" dirty="0">
+                  <a:solidFill>
+                    <a:schemeClr val="accent2">
+                      <a:lumMod val="50000"/>
+                    </a:schemeClr>
+                  </a:solidFill>
+                  <a:effectLst/>
+                  <a:latin typeface="Calibri" panose="020F0502020204030204" pitchFamily="34" charset="0"/>
+                  <a:ea typeface="Calibri" panose="020F0502020204030204" pitchFamily="34" charset="0"/>
+                  <a:cs typeface="Times New Roman" panose="02020603050405020304" pitchFamily="18" charset="0"/>
+                </a:rPr>
+                <a:t> = 0.27</a:t>
+              </a:r>
+            </a:p>
+          </p:txBody>
+        </p:sp>
+        <p:sp>
+          <p:nvSpPr>
+            <p:cNvPr id="23" name="TextBox 22">
+              <a:extLst>
+                <a:ext uri="{FF2B5EF4-FFF2-40B4-BE49-F238E27FC236}">
+                  <a16:creationId xmlns:a16="http://schemas.microsoft.com/office/drawing/2014/main" id="{DE3F3F00-E47F-D582-4D90-D3A5CBC01CD8}"/>
+                </a:ext>
+              </a:extLst>
+            </p:cNvPr>
+            <p:cNvSpPr txBox="1"/>
+            <p:nvPr/>
+          </p:nvSpPr>
+          <p:spPr>
+            <a:xfrm>
+              <a:off x="2801611" y="436626"/>
+              <a:ext cx="1309509" cy="830997"/>
+            </a:xfrm>
+            <a:prstGeom prst="rect">
+              <a:avLst/>
+            </a:prstGeom>
+            <a:noFill/>
+            <a:ln>
+              <a:noFill/>
+            </a:ln>
+          </p:spPr>
+          <p:txBody>
+            <a:bodyPr wrap="square" rtlCol="0">
+              <a:spAutoFit/>
+            </a:bodyPr>
+            <a:lstStyle/>
+            <a:p>
+              <a:pPr algn="ctr"/>
+              <a:r>
+                <a:rPr lang="en-US" sz="2800" dirty="0">
+                  <a:solidFill>
+                    <a:srgbClr val="0070C0"/>
+                  </a:solidFill>
+                </a:rPr>
+                <a:t>Grass N</a:t>
+              </a:r>
+            </a:p>
+            <a:p>
+              <a:pPr algn="ctr"/>
+              <a:r>
+                <a:rPr lang="en-US" sz="2000" kern="100" dirty="0">
+                  <a:solidFill>
+                    <a:srgbClr val="0070C0"/>
+                  </a:solidFill>
+                  <a:effectLst/>
+                  <a:latin typeface="Calibri" panose="020F0502020204030204" pitchFamily="34" charset="0"/>
+                  <a:ea typeface="Calibri" panose="020F0502020204030204" pitchFamily="34" charset="0"/>
+                  <a:cs typeface="Times New Roman" panose="02020603050405020304" pitchFamily="18" charset="0"/>
+                </a:rPr>
+                <a:t>R</a:t>
+              </a:r>
+              <a:r>
+                <a:rPr lang="en-US" sz="2000" kern="100" baseline="30000" dirty="0">
+                  <a:solidFill>
+                    <a:srgbClr val="0070C0"/>
+                  </a:solidFill>
+                  <a:effectLst/>
+                  <a:latin typeface="Calibri" panose="020F0502020204030204" pitchFamily="34" charset="0"/>
+                  <a:ea typeface="Calibri" panose="020F0502020204030204" pitchFamily="34" charset="0"/>
+                  <a:cs typeface="Times New Roman" panose="02020603050405020304" pitchFamily="18" charset="0"/>
+                </a:rPr>
+                <a:t>2</a:t>
+              </a:r>
+              <a:r>
+                <a:rPr lang="en-US" sz="2000" kern="100" dirty="0">
+                  <a:solidFill>
+                    <a:srgbClr val="0070C0"/>
+                  </a:solidFill>
+                  <a:effectLst/>
+                  <a:latin typeface="Calibri" panose="020F0502020204030204" pitchFamily="34" charset="0"/>
+                  <a:ea typeface="Calibri" panose="020F0502020204030204" pitchFamily="34" charset="0"/>
+                  <a:cs typeface="Times New Roman" panose="02020603050405020304" pitchFamily="18" charset="0"/>
+                </a:rPr>
+                <a:t> = 0.77</a:t>
+              </a:r>
+            </a:p>
+          </p:txBody>
+        </p:sp>
+        <p:sp>
+          <p:nvSpPr>
+            <p:cNvPr id="41" name="TextBox 40">
+              <a:extLst>
+                <a:ext uri="{FF2B5EF4-FFF2-40B4-BE49-F238E27FC236}">
+                  <a16:creationId xmlns:a16="http://schemas.microsoft.com/office/drawing/2014/main" id="{9091ED43-0856-E035-EFAD-B711B60F084B}"/>
+                </a:ext>
+              </a:extLst>
+            </p:cNvPr>
+            <p:cNvSpPr txBox="1"/>
+            <p:nvPr/>
+          </p:nvSpPr>
+          <p:spPr>
+            <a:xfrm>
+              <a:off x="4493047" y="1254951"/>
+              <a:ext cx="1309509" cy="830997"/>
+            </a:xfrm>
+            <a:prstGeom prst="rect">
+              <a:avLst/>
+            </a:prstGeom>
+            <a:noFill/>
+            <a:ln>
+              <a:noFill/>
+            </a:ln>
+          </p:spPr>
+          <p:txBody>
+            <a:bodyPr wrap="square" rtlCol="0">
+              <a:spAutoFit/>
+            </a:bodyPr>
+            <a:lstStyle/>
+            <a:p>
+              <a:pPr algn="ctr"/>
+              <a:r>
+                <a:rPr lang="en-US" sz="2800" dirty="0">
+                  <a:solidFill>
+                    <a:srgbClr val="FF6699"/>
+                  </a:solidFill>
+                </a:rPr>
+                <a:t>Grass P</a:t>
+              </a:r>
+            </a:p>
+            <a:p>
+              <a:pPr algn="ctr"/>
+              <a:r>
+                <a:rPr lang="en-US" sz="2000" kern="100" dirty="0">
+                  <a:solidFill>
+                    <a:srgbClr val="FF6699"/>
+                  </a:solidFill>
+                  <a:effectLst/>
+                  <a:latin typeface="Calibri" panose="020F0502020204030204" pitchFamily="34" charset="0"/>
+                  <a:ea typeface="Calibri" panose="020F0502020204030204" pitchFamily="34" charset="0"/>
+                  <a:cs typeface="Times New Roman" panose="02020603050405020304" pitchFamily="18" charset="0"/>
+                </a:rPr>
+                <a:t>R</a:t>
+              </a:r>
+              <a:r>
+                <a:rPr lang="en-US" sz="2000" kern="100" baseline="30000" dirty="0">
+                  <a:solidFill>
+                    <a:srgbClr val="FF6699"/>
+                  </a:solidFill>
+                  <a:effectLst/>
+                  <a:latin typeface="Calibri" panose="020F0502020204030204" pitchFamily="34" charset="0"/>
+                  <a:ea typeface="Calibri" panose="020F0502020204030204" pitchFamily="34" charset="0"/>
+                  <a:cs typeface="Times New Roman" panose="02020603050405020304" pitchFamily="18" charset="0"/>
+                </a:rPr>
+                <a:t>2</a:t>
+              </a:r>
+              <a:r>
+                <a:rPr lang="en-US" sz="2000" kern="100" dirty="0">
+                  <a:solidFill>
+                    <a:srgbClr val="FF6699"/>
+                  </a:solidFill>
+                  <a:effectLst/>
+                  <a:latin typeface="Calibri" panose="020F0502020204030204" pitchFamily="34" charset="0"/>
+                  <a:ea typeface="Calibri" panose="020F0502020204030204" pitchFamily="34" charset="0"/>
+                  <a:cs typeface="Times New Roman" panose="02020603050405020304" pitchFamily="18" charset="0"/>
+                </a:rPr>
+                <a:t> = 0.63</a:t>
+              </a:r>
+            </a:p>
+          </p:txBody>
+        </p:sp>
+        <p:sp>
+          <p:nvSpPr>
+            <p:cNvPr id="44" name="TextBox 43">
+              <a:extLst>
+                <a:ext uri="{FF2B5EF4-FFF2-40B4-BE49-F238E27FC236}">
+                  <a16:creationId xmlns:a16="http://schemas.microsoft.com/office/drawing/2014/main" id="{53D5AA9B-6F4D-5461-3D34-E3A10458FFA0}"/>
+                </a:ext>
+              </a:extLst>
+            </p:cNvPr>
+            <p:cNvSpPr txBox="1"/>
+            <p:nvPr/>
+          </p:nvSpPr>
+          <p:spPr>
+            <a:xfrm>
+              <a:off x="2795033" y="2389928"/>
+              <a:ext cx="1309509" cy="830997"/>
+            </a:xfrm>
+            <a:prstGeom prst="rect">
+              <a:avLst/>
+            </a:prstGeom>
+            <a:noFill/>
+            <a:ln>
+              <a:noFill/>
+            </a:ln>
+          </p:spPr>
+          <p:txBody>
+            <a:bodyPr wrap="square" rtlCol="0">
+              <a:spAutoFit/>
+            </a:bodyPr>
+            <a:lstStyle/>
+            <a:p>
+              <a:pPr algn="ctr"/>
+              <a:r>
+                <a:rPr lang="en-US" sz="2800" dirty="0">
+                  <a:solidFill>
+                    <a:srgbClr val="7030A0"/>
+                  </a:solidFill>
+                </a:rPr>
+                <a:t>Grass K</a:t>
+              </a:r>
+            </a:p>
+            <a:p>
+              <a:pPr algn="ctr"/>
+              <a:r>
+                <a:rPr lang="en-US" sz="2000" kern="100" dirty="0">
+                  <a:solidFill>
+                    <a:srgbClr val="7030A0"/>
+                  </a:solidFill>
+                  <a:effectLst/>
+                  <a:latin typeface="Calibri" panose="020F0502020204030204" pitchFamily="34" charset="0"/>
+                  <a:ea typeface="Calibri" panose="020F0502020204030204" pitchFamily="34" charset="0"/>
+                  <a:cs typeface="Times New Roman" panose="02020603050405020304" pitchFamily="18" charset="0"/>
+                </a:rPr>
+                <a:t>R</a:t>
+              </a:r>
+              <a:r>
+                <a:rPr lang="en-US" sz="2000" kern="100" baseline="30000" dirty="0">
+                  <a:solidFill>
+                    <a:srgbClr val="7030A0"/>
+                  </a:solidFill>
+                  <a:effectLst/>
+                  <a:latin typeface="Calibri" panose="020F0502020204030204" pitchFamily="34" charset="0"/>
+                  <a:ea typeface="Calibri" panose="020F0502020204030204" pitchFamily="34" charset="0"/>
+                  <a:cs typeface="Times New Roman" panose="02020603050405020304" pitchFamily="18" charset="0"/>
+                </a:rPr>
+                <a:t>2</a:t>
+              </a:r>
+              <a:r>
+                <a:rPr lang="en-US" sz="2000" kern="100" dirty="0">
+                  <a:solidFill>
+                    <a:srgbClr val="7030A0"/>
+                  </a:solidFill>
+                  <a:effectLst/>
+                  <a:latin typeface="Calibri" panose="020F0502020204030204" pitchFamily="34" charset="0"/>
+                  <a:ea typeface="Calibri" panose="020F0502020204030204" pitchFamily="34" charset="0"/>
+                  <a:cs typeface="Times New Roman" panose="02020603050405020304" pitchFamily="18" charset="0"/>
+                </a:rPr>
+                <a:t> = 0.75</a:t>
+              </a:r>
+            </a:p>
+          </p:txBody>
+        </p:sp>
+        <p:sp>
+          <p:nvSpPr>
+            <p:cNvPr id="47" name="TextBox 46">
+              <a:extLst>
+                <a:ext uri="{FF2B5EF4-FFF2-40B4-BE49-F238E27FC236}">
+                  <a16:creationId xmlns:a16="http://schemas.microsoft.com/office/drawing/2014/main" id="{BCEE1BD3-A18E-948D-832A-D70313928071}"/>
+                </a:ext>
+              </a:extLst>
+            </p:cNvPr>
+            <p:cNvSpPr txBox="1"/>
+            <p:nvPr/>
+          </p:nvSpPr>
+          <p:spPr>
+            <a:xfrm>
+              <a:off x="4374501" y="3072093"/>
+              <a:ext cx="1554561" cy="830997"/>
+            </a:xfrm>
+            <a:prstGeom prst="rect">
+              <a:avLst/>
+            </a:prstGeom>
+            <a:noFill/>
+            <a:ln>
+              <a:noFill/>
+            </a:ln>
+          </p:spPr>
+          <p:txBody>
+            <a:bodyPr wrap="square" rtlCol="0">
+              <a:spAutoFit/>
+            </a:bodyPr>
+            <a:lstStyle/>
+            <a:p>
+              <a:pPr algn="ctr"/>
+              <a:r>
+                <a:rPr lang="en-US" sz="2800" dirty="0">
+                  <a:solidFill>
+                    <a:schemeClr val="accent1">
+                      <a:lumMod val="50000"/>
+                    </a:schemeClr>
+                  </a:solidFill>
+                </a:rPr>
+                <a:t>Grass Mg</a:t>
+              </a:r>
+            </a:p>
+            <a:p>
+              <a:pPr algn="ctr"/>
+              <a:r>
+                <a:rPr lang="en-US" sz="2000" kern="100" dirty="0">
+                  <a:solidFill>
+                    <a:schemeClr val="accent1">
+                      <a:lumMod val="50000"/>
+                    </a:schemeClr>
+                  </a:solidFill>
+                  <a:effectLst/>
+                  <a:latin typeface="Calibri" panose="020F0502020204030204" pitchFamily="34" charset="0"/>
+                  <a:ea typeface="Calibri" panose="020F0502020204030204" pitchFamily="34" charset="0"/>
+                  <a:cs typeface="Times New Roman" panose="02020603050405020304" pitchFamily="18" charset="0"/>
+                </a:rPr>
+                <a:t>R</a:t>
+              </a:r>
+              <a:r>
+                <a:rPr lang="en-US" sz="2000" kern="100" baseline="30000" dirty="0">
+                  <a:solidFill>
+                    <a:schemeClr val="accent1">
+                      <a:lumMod val="50000"/>
+                    </a:schemeClr>
+                  </a:solidFill>
+                  <a:effectLst/>
+                  <a:latin typeface="Calibri" panose="020F0502020204030204" pitchFamily="34" charset="0"/>
+                  <a:ea typeface="Calibri" panose="020F0502020204030204" pitchFamily="34" charset="0"/>
+                  <a:cs typeface="Times New Roman" panose="02020603050405020304" pitchFamily="18" charset="0"/>
+                </a:rPr>
+                <a:t>2</a:t>
+              </a:r>
+              <a:r>
+                <a:rPr lang="en-US" sz="2000" kern="100" dirty="0">
+                  <a:solidFill>
+                    <a:schemeClr val="accent1">
+                      <a:lumMod val="50000"/>
+                    </a:schemeClr>
+                  </a:solidFill>
+                  <a:effectLst/>
+                  <a:latin typeface="Calibri" panose="020F0502020204030204" pitchFamily="34" charset="0"/>
+                  <a:ea typeface="Calibri" panose="020F0502020204030204" pitchFamily="34" charset="0"/>
+                  <a:cs typeface="Times New Roman" panose="02020603050405020304" pitchFamily="18" charset="0"/>
+                </a:rPr>
+                <a:t> = 0.44</a:t>
+              </a:r>
+            </a:p>
+          </p:txBody>
+        </p:sp>
+        <p:sp>
+          <p:nvSpPr>
+            <p:cNvPr id="50" name="TextBox 49">
+              <a:extLst>
+                <a:ext uri="{FF2B5EF4-FFF2-40B4-BE49-F238E27FC236}">
+                  <a16:creationId xmlns:a16="http://schemas.microsoft.com/office/drawing/2014/main" id="{3E5C1068-0A17-041B-B2C9-ED12A1F80192}"/>
+                </a:ext>
+              </a:extLst>
+            </p:cNvPr>
+            <p:cNvSpPr txBox="1"/>
+            <p:nvPr/>
+          </p:nvSpPr>
+          <p:spPr>
+            <a:xfrm>
+              <a:off x="3228178" y="4090743"/>
+              <a:ext cx="1590064" cy="830997"/>
+            </a:xfrm>
+            <a:prstGeom prst="rect">
+              <a:avLst/>
+            </a:prstGeom>
+            <a:noFill/>
+            <a:ln>
+              <a:noFill/>
+            </a:ln>
+          </p:spPr>
+          <p:txBody>
+            <a:bodyPr wrap="square" rtlCol="0">
+              <a:spAutoFit/>
+            </a:bodyPr>
+            <a:lstStyle/>
+            <a:p>
+              <a:pPr algn="ctr"/>
+              <a:r>
+                <a:rPr lang="en-US" sz="2800" dirty="0">
+                  <a:solidFill>
+                    <a:schemeClr val="accent4">
+                      <a:lumMod val="75000"/>
+                    </a:schemeClr>
+                  </a:solidFill>
+                </a:rPr>
+                <a:t>Grass Na</a:t>
+              </a:r>
+            </a:p>
+            <a:p>
+              <a:pPr algn="ctr"/>
+              <a:r>
+                <a:rPr lang="en-US" sz="2000" kern="100" dirty="0">
+                  <a:solidFill>
+                    <a:schemeClr val="accent4">
+                      <a:lumMod val="75000"/>
+                    </a:schemeClr>
+                  </a:solidFill>
+                  <a:effectLst/>
+                  <a:latin typeface="Calibri" panose="020F0502020204030204" pitchFamily="34" charset="0"/>
+                  <a:ea typeface="Calibri" panose="020F0502020204030204" pitchFamily="34" charset="0"/>
+                  <a:cs typeface="Times New Roman" panose="02020603050405020304" pitchFamily="18" charset="0"/>
+                </a:rPr>
+                <a:t>R</a:t>
+              </a:r>
+              <a:r>
+                <a:rPr lang="en-US" sz="2000" kern="100" baseline="30000" dirty="0">
+                  <a:solidFill>
+                    <a:schemeClr val="accent4">
+                      <a:lumMod val="75000"/>
+                    </a:schemeClr>
+                  </a:solidFill>
+                  <a:effectLst/>
+                  <a:latin typeface="Calibri" panose="020F0502020204030204" pitchFamily="34" charset="0"/>
+                  <a:ea typeface="Calibri" panose="020F0502020204030204" pitchFamily="34" charset="0"/>
+                  <a:cs typeface="Times New Roman" panose="02020603050405020304" pitchFamily="18" charset="0"/>
+                </a:rPr>
+                <a:t>2</a:t>
+              </a:r>
+              <a:r>
+                <a:rPr lang="en-US" sz="2000" kern="100" dirty="0">
+                  <a:solidFill>
+                    <a:schemeClr val="accent4">
+                      <a:lumMod val="75000"/>
+                    </a:schemeClr>
+                  </a:solidFill>
+                  <a:effectLst/>
+                  <a:latin typeface="Calibri" panose="020F0502020204030204" pitchFamily="34" charset="0"/>
+                  <a:ea typeface="Calibri" panose="020F0502020204030204" pitchFamily="34" charset="0"/>
+                  <a:cs typeface="Times New Roman" panose="02020603050405020304" pitchFamily="18" charset="0"/>
+                </a:rPr>
+                <a:t> = 0.26</a:t>
+              </a:r>
+            </a:p>
+          </p:txBody>
+        </p:sp>
+        <p:sp>
+          <p:nvSpPr>
+            <p:cNvPr id="53" name="TextBox 52">
+              <a:extLst>
+                <a:ext uri="{FF2B5EF4-FFF2-40B4-BE49-F238E27FC236}">
+                  <a16:creationId xmlns:a16="http://schemas.microsoft.com/office/drawing/2014/main" id="{AB6712FD-FA96-D0C3-FCF6-65BFE7AAA274}"/>
+                </a:ext>
+              </a:extLst>
+            </p:cNvPr>
+            <p:cNvSpPr txBox="1"/>
+            <p:nvPr/>
+          </p:nvSpPr>
+          <p:spPr>
+            <a:xfrm>
+              <a:off x="4545325" y="5513167"/>
+              <a:ext cx="1309509" cy="830997"/>
+            </a:xfrm>
+            <a:prstGeom prst="rect">
+              <a:avLst/>
+            </a:prstGeom>
+            <a:noFill/>
+            <a:ln>
+              <a:noFill/>
+            </a:ln>
+          </p:spPr>
+          <p:txBody>
+            <a:bodyPr wrap="square" rtlCol="0">
+              <a:spAutoFit/>
+            </a:bodyPr>
+            <a:lstStyle/>
+            <a:p>
+              <a:pPr algn="ctr"/>
+              <a:r>
+                <a:rPr lang="en-US" sz="2800" dirty="0">
+                  <a:solidFill>
+                    <a:schemeClr val="accent2"/>
+                  </a:solidFill>
+                </a:rPr>
+                <a:t>Grass Si</a:t>
+              </a:r>
+            </a:p>
+            <a:p>
+              <a:pPr algn="ctr"/>
+              <a:r>
+                <a:rPr lang="en-US" sz="2000" kern="100" dirty="0">
+                  <a:solidFill>
+                    <a:schemeClr val="accent2"/>
+                  </a:solidFill>
+                  <a:effectLst/>
+                  <a:latin typeface="Calibri" panose="020F0502020204030204" pitchFamily="34" charset="0"/>
+                  <a:ea typeface="Calibri" panose="020F0502020204030204" pitchFamily="34" charset="0"/>
+                  <a:cs typeface="Times New Roman" panose="02020603050405020304" pitchFamily="18" charset="0"/>
+                </a:rPr>
+                <a:t>R</a:t>
+              </a:r>
+              <a:r>
+                <a:rPr lang="en-US" sz="2000" kern="100" baseline="30000" dirty="0">
+                  <a:solidFill>
+                    <a:schemeClr val="accent2"/>
+                  </a:solidFill>
+                  <a:effectLst/>
+                  <a:latin typeface="Calibri" panose="020F0502020204030204" pitchFamily="34" charset="0"/>
+                  <a:ea typeface="Calibri" panose="020F0502020204030204" pitchFamily="34" charset="0"/>
+                  <a:cs typeface="Times New Roman" panose="02020603050405020304" pitchFamily="18" charset="0"/>
+                </a:rPr>
+                <a:t>2</a:t>
+              </a:r>
+              <a:r>
+                <a:rPr lang="en-US" sz="2000" kern="100" dirty="0">
+                  <a:solidFill>
+                    <a:schemeClr val="accent2"/>
+                  </a:solidFill>
+                  <a:effectLst/>
+                  <a:latin typeface="Calibri" panose="020F0502020204030204" pitchFamily="34" charset="0"/>
+                  <a:ea typeface="Calibri" panose="020F0502020204030204" pitchFamily="34" charset="0"/>
+                  <a:cs typeface="Times New Roman" panose="02020603050405020304" pitchFamily="18" charset="0"/>
+                </a:rPr>
+                <a:t> = 0.76</a:t>
+              </a:r>
+            </a:p>
+          </p:txBody>
+        </p:sp>
+        <p:sp>
+          <p:nvSpPr>
+            <p:cNvPr id="77" name="TextBox 76">
+              <a:extLst>
+                <a:ext uri="{FF2B5EF4-FFF2-40B4-BE49-F238E27FC236}">
+                  <a16:creationId xmlns:a16="http://schemas.microsoft.com/office/drawing/2014/main" id="{13310815-F72B-2A2F-A24C-EE6174335328}"/>
+                </a:ext>
+              </a:extLst>
+            </p:cNvPr>
+            <p:cNvSpPr txBox="1"/>
+            <p:nvPr/>
+          </p:nvSpPr>
+          <p:spPr>
+            <a:xfrm>
+              <a:off x="1182344" y="2484553"/>
+              <a:ext cx="1333450" cy="523220"/>
+            </a:xfrm>
+            <a:prstGeom prst="rect">
+              <a:avLst/>
+            </a:prstGeom>
+            <a:noFill/>
+          </p:spPr>
+          <p:txBody>
+            <a:bodyPr wrap="square" rtlCol="0">
+              <a:spAutoFit/>
+            </a:bodyPr>
+            <a:lstStyle/>
+            <a:p>
+              <a:r>
+                <a:rPr lang="en-US" sz="2800" dirty="0"/>
+                <a:t>Month</a:t>
+              </a:r>
+            </a:p>
+          </p:txBody>
+        </p:sp>
+        <p:cxnSp>
+          <p:nvCxnSpPr>
+            <p:cNvPr id="81" name="Straight Arrow Connector 80">
+              <a:extLst>
+                <a:ext uri="{FF2B5EF4-FFF2-40B4-BE49-F238E27FC236}">
+                  <a16:creationId xmlns:a16="http://schemas.microsoft.com/office/drawing/2014/main" id="{E762E987-6607-963D-B052-D45BC78BC9CF}"/>
+                </a:ext>
+              </a:extLst>
+            </p:cNvPr>
+            <p:cNvCxnSpPr>
+              <a:cxnSpLocks/>
+            </p:cNvCxnSpPr>
+            <p:nvPr/>
+          </p:nvCxnSpPr>
+          <p:spPr>
+            <a:xfrm flipH="1" flipV="1">
+              <a:off x="4120625" y="671924"/>
+              <a:ext cx="1663917" cy="53761"/>
+            </a:xfrm>
+            <a:prstGeom prst="straightConnector1">
+              <a:avLst/>
+            </a:prstGeom>
+            <a:ln w="20955">
+              <a:solidFill>
+                <a:schemeClr val="accent6"/>
+              </a:solidFill>
+              <a:tailEnd type="triangle"/>
+            </a:ln>
+          </p:spPr>
+          <p:style>
+            <a:lnRef idx="1">
+              <a:schemeClr val="accent1"/>
+            </a:lnRef>
+            <a:fillRef idx="0">
+              <a:schemeClr val="accent1"/>
+            </a:fillRef>
+            <a:effectRef idx="0">
+              <a:schemeClr val="accent1"/>
+            </a:effectRef>
+            <a:fontRef idx="minor">
+              <a:schemeClr val="tx1"/>
+            </a:fontRef>
+          </p:style>
+        </p:cxnSp>
+        <p:cxnSp>
+          <p:nvCxnSpPr>
+            <p:cNvPr id="84" name="Straight Arrow Connector 83">
+              <a:extLst>
+                <a:ext uri="{FF2B5EF4-FFF2-40B4-BE49-F238E27FC236}">
+                  <a16:creationId xmlns:a16="http://schemas.microsoft.com/office/drawing/2014/main" id="{D1BDE6AD-D0DA-ABA2-4DF8-965E092A981C}"/>
+                </a:ext>
+              </a:extLst>
+            </p:cNvPr>
+            <p:cNvCxnSpPr>
+              <a:cxnSpLocks/>
+              <a:endCxn id="23" idx="2"/>
+            </p:cNvCxnSpPr>
+            <p:nvPr/>
+          </p:nvCxnSpPr>
+          <p:spPr>
+            <a:xfrm flipH="1" flipV="1">
+              <a:off x="3456366" y="1267623"/>
+              <a:ext cx="4624241" cy="3420484"/>
+            </a:xfrm>
+            <a:prstGeom prst="straightConnector1">
+              <a:avLst/>
+            </a:prstGeom>
+            <a:ln w="25273">
+              <a:solidFill>
+                <a:schemeClr val="accent6"/>
+              </a:solidFill>
+              <a:tailEnd type="triangle"/>
+            </a:ln>
+          </p:spPr>
+          <p:style>
+            <a:lnRef idx="1">
+              <a:schemeClr val="accent1"/>
+            </a:lnRef>
+            <a:fillRef idx="0">
+              <a:schemeClr val="accent1"/>
+            </a:fillRef>
+            <a:effectRef idx="0">
+              <a:schemeClr val="accent1"/>
+            </a:effectRef>
+            <a:fontRef idx="minor">
+              <a:schemeClr val="tx1"/>
+            </a:fontRef>
+          </p:style>
+        </p:cxnSp>
+        <p:cxnSp>
+          <p:nvCxnSpPr>
+            <p:cNvPr id="142" name="Straight Arrow Connector 141">
+              <a:extLst>
+                <a:ext uri="{FF2B5EF4-FFF2-40B4-BE49-F238E27FC236}">
+                  <a16:creationId xmlns:a16="http://schemas.microsoft.com/office/drawing/2014/main" id="{D69192D0-B192-4DC7-7226-099F603F82C3}"/>
+                </a:ext>
+              </a:extLst>
+            </p:cNvPr>
+            <p:cNvCxnSpPr>
+              <a:cxnSpLocks/>
+            </p:cNvCxnSpPr>
+            <p:nvPr/>
+          </p:nvCxnSpPr>
+          <p:spPr>
+            <a:xfrm flipH="1">
+              <a:off x="3955474" y="1870086"/>
+              <a:ext cx="590803" cy="559729"/>
+            </a:xfrm>
+            <a:prstGeom prst="straightConnector1">
+              <a:avLst/>
+            </a:prstGeom>
+            <a:ln w="116840">
+              <a:solidFill>
+                <a:schemeClr val="accent6"/>
+              </a:solidFill>
+              <a:tailEnd type="triangle"/>
+            </a:ln>
+          </p:spPr>
+          <p:style>
+            <a:lnRef idx="1">
+              <a:schemeClr val="accent1"/>
+            </a:lnRef>
+            <a:fillRef idx="0">
+              <a:schemeClr val="accent1"/>
+            </a:fillRef>
+            <a:effectRef idx="0">
+              <a:schemeClr val="accent1"/>
+            </a:effectRef>
+            <a:fontRef idx="minor">
+              <a:schemeClr val="tx1"/>
+            </a:fontRef>
+          </p:style>
+        </p:cxnSp>
+        <p:cxnSp>
+          <p:nvCxnSpPr>
+            <p:cNvPr id="152" name="Straight Arrow Connector 151">
+              <a:extLst>
+                <a:ext uri="{FF2B5EF4-FFF2-40B4-BE49-F238E27FC236}">
+                  <a16:creationId xmlns:a16="http://schemas.microsoft.com/office/drawing/2014/main" id="{00175861-C7E2-58B8-7E38-F25D89D818FE}"/>
+                </a:ext>
+              </a:extLst>
+            </p:cNvPr>
+            <p:cNvCxnSpPr>
+              <a:cxnSpLocks/>
+              <a:endCxn id="47" idx="1"/>
+            </p:cNvCxnSpPr>
+            <p:nvPr/>
+          </p:nvCxnSpPr>
+          <p:spPr>
+            <a:xfrm>
+              <a:off x="2140085" y="2977297"/>
+              <a:ext cx="2234416" cy="510295"/>
+            </a:xfrm>
+            <a:prstGeom prst="straightConnector1">
+              <a:avLst/>
+            </a:prstGeom>
+            <a:ln w="7874">
+              <a:solidFill>
+                <a:schemeClr val="accent6"/>
+              </a:solidFill>
+              <a:tailEnd type="triangle"/>
+            </a:ln>
+          </p:spPr>
+          <p:style>
+            <a:lnRef idx="1">
+              <a:schemeClr val="accent1"/>
+            </a:lnRef>
+            <a:fillRef idx="0">
+              <a:schemeClr val="accent1"/>
+            </a:fillRef>
+            <a:effectRef idx="0">
+              <a:schemeClr val="accent1"/>
+            </a:effectRef>
+            <a:fontRef idx="minor">
+              <a:schemeClr val="tx1"/>
+            </a:fontRef>
+          </p:style>
+        </p:cxnSp>
+        <p:cxnSp>
+          <p:nvCxnSpPr>
+            <p:cNvPr id="157" name="Straight Arrow Connector 156">
+              <a:extLst>
+                <a:ext uri="{FF2B5EF4-FFF2-40B4-BE49-F238E27FC236}">
+                  <a16:creationId xmlns:a16="http://schemas.microsoft.com/office/drawing/2014/main" id="{EEC18938-7472-4131-A335-518E42DB5175}"/>
+                </a:ext>
+              </a:extLst>
+            </p:cNvPr>
+            <p:cNvCxnSpPr>
+              <a:cxnSpLocks/>
+            </p:cNvCxnSpPr>
+            <p:nvPr/>
+          </p:nvCxnSpPr>
+          <p:spPr>
+            <a:xfrm>
+              <a:off x="3855908" y="1239880"/>
+              <a:ext cx="964241" cy="1962805"/>
+            </a:xfrm>
+            <a:prstGeom prst="straightConnector1">
+              <a:avLst/>
+            </a:prstGeom>
+            <a:ln w="16891">
+              <a:solidFill>
+                <a:schemeClr val="accent6"/>
+              </a:solidFill>
+              <a:tailEnd type="triangle"/>
+            </a:ln>
+          </p:spPr>
+          <p:style>
+            <a:lnRef idx="1">
+              <a:schemeClr val="accent1"/>
+            </a:lnRef>
+            <a:fillRef idx="0">
+              <a:schemeClr val="accent1"/>
+            </a:fillRef>
+            <a:effectRef idx="0">
+              <a:schemeClr val="accent1"/>
+            </a:effectRef>
+            <a:fontRef idx="minor">
+              <a:schemeClr val="tx1"/>
+            </a:fontRef>
+          </p:style>
+        </p:cxnSp>
+        <p:cxnSp>
+          <p:nvCxnSpPr>
+            <p:cNvPr id="163" name="Straight Arrow Connector 162">
+              <a:extLst>
+                <a:ext uri="{FF2B5EF4-FFF2-40B4-BE49-F238E27FC236}">
+                  <a16:creationId xmlns:a16="http://schemas.microsoft.com/office/drawing/2014/main" id="{FDB6F60A-AB76-B0F1-88C8-AC9F6A785544}"/>
+                </a:ext>
+              </a:extLst>
+            </p:cNvPr>
+            <p:cNvCxnSpPr>
+              <a:cxnSpLocks/>
+            </p:cNvCxnSpPr>
+            <p:nvPr/>
+          </p:nvCxnSpPr>
+          <p:spPr>
+            <a:xfrm flipH="1">
+              <a:off x="4426013" y="3751855"/>
+              <a:ext cx="183696" cy="338888"/>
+            </a:xfrm>
+            <a:prstGeom prst="straightConnector1">
+              <a:avLst/>
+            </a:prstGeom>
+            <a:ln w="13716">
+              <a:solidFill>
+                <a:schemeClr val="accent6"/>
+              </a:solidFill>
+              <a:tailEnd type="triangle"/>
+            </a:ln>
+          </p:spPr>
+          <p:style>
+            <a:lnRef idx="1">
+              <a:schemeClr val="accent1"/>
+            </a:lnRef>
+            <a:fillRef idx="0">
+              <a:schemeClr val="accent1"/>
+            </a:fillRef>
+            <a:effectRef idx="0">
+              <a:schemeClr val="accent1"/>
+            </a:effectRef>
+            <a:fontRef idx="minor">
+              <a:schemeClr val="tx1"/>
+            </a:fontRef>
+          </p:style>
+        </p:cxnSp>
+        <p:cxnSp>
+          <p:nvCxnSpPr>
+            <p:cNvPr id="166" name="Straight Arrow Connector 165">
+              <a:extLst>
+                <a:ext uri="{FF2B5EF4-FFF2-40B4-BE49-F238E27FC236}">
+                  <a16:creationId xmlns:a16="http://schemas.microsoft.com/office/drawing/2014/main" id="{93A35AA6-C8F5-8E51-A2B1-066E083A828B}"/>
+                </a:ext>
+              </a:extLst>
+            </p:cNvPr>
+            <p:cNvCxnSpPr>
+              <a:cxnSpLocks/>
+            </p:cNvCxnSpPr>
+            <p:nvPr/>
+          </p:nvCxnSpPr>
+          <p:spPr>
+            <a:xfrm>
+              <a:off x="5172381" y="3903090"/>
+              <a:ext cx="0" cy="1669729"/>
+            </a:xfrm>
+            <a:prstGeom prst="straightConnector1">
+              <a:avLst/>
+            </a:prstGeom>
+            <a:ln w="153035">
+              <a:solidFill>
+                <a:schemeClr val="tx1"/>
+              </a:solidFill>
+              <a:tailEnd type="triangle"/>
+            </a:ln>
+          </p:spPr>
+          <p:style>
+            <a:lnRef idx="1">
+              <a:schemeClr val="accent1"/>
+            </a:lnRef>
+            <a:fillRef idx="0">
+              <a:schemeClr val="accent1"/>
+            </a:fillRef>
+            <a:effectRef idx="0">
+              <a:schemeClr val="accent1"/>
+            </a:effectRef>
+            <a:fontRef idx="minor">
+              <a:schemeClr val="tx1"/>
+            </a:fontRef>
+          </p:style>
+        </p:cxnSp>
+        <p:cxnSp>
+          <p:nvCxnSpPr>
+            <p:cNvPr id="173" name="Straight Arrow Connector 172">
+              <a:extLst>
+                <a:ext uri="{FF2B5EF4-FFF2-40B4-BE49-F238E27FC236}">
+                  <a16:creationId xmlns:a16="http://schemas.microsoft.com/office/drawing/2014/main" id="{5F0F6374-0DE5-E142-7B68-73416581B430}"/>
+                </a:ext>
+              </a:extLst>
+            </p:cNvPr>
+            <p:cNvCxnSpPr>
+              <a:cxnSpLocks/>
+              <a:stCxn id="77" idx="2"/>
+              <a:endCxn id="53" idx="1"/>
+            </p:cNvCxnSpPr>
+            <p:nvPr/>
+          </p:nvCxnSpPr>
+          <p:spPr>
+            <a:xfrm>
+              <a:off x="1849069" y="3007773"/>
+              <a:ext cx="2696256" cy="2920893"/>
+            </a:xfrm>
+            <a:prstGeom prst="straightConnector1">
+              <a:avLst/>
+            </a:prstGeom>
+            <a:ln w="48641">
+              <a:solidFill>
+                <a:schemeClr val="accent6"/>
+              </a:solidFill>
+              <a:tailEnd type="triangle"/>
+            </a:ln>
+          </p:spPr>
+          <p:style>
+            <a:lnRef idx="1">
+              <a:schemeClr val="accent1"/>
+            </a:lnRef>
+            <a:fillRef idx="0">
+              <a:schemeClr val="accent1"/>
+            </a:fillRef>
+            <a:effectRef idx="0">
+              <a:schemeClr val="accent1"/>
+            </a:effectRef>
+            <a:fontRef idx="minor">
+              <a:schemeClr val="tx1"/>
+            </a:fontRef>
+          </p:style>
+        </p:cxnSp>
+        <p:cxnSp>
+          <p:nvCxnSpPr>
+            <p:cNvPr id="7" name="Straight Arrow Connector 6">
+              <a:extLst>
+                <a:ext uri="{FF2B5EF4-FFF2-40B4-BE49-F238E27FC236}">
+                  <a16:creationId xmlns:a16="http://schemas.microsoft.com/office/drawing/2014/main" id="{FFDCF08F-922E-B125-A8AF-E5B5A2B26F0F}"/>
+                </a:ext>
+              </a:extLst>
+            </p:cNvPr>
+            <p:cNvCxnSpPr>
+              <a:cxnSpLocks/>
+              <a:stCxn id="77" idx="0"/>
+            </p:cNvCxnSpPr>
+            <p:nvPr/>
+          </p:nvCxnSpPr>
+          <p:spPr>
+            <a:xfrm flipV="1">
+              <a:off x="1849069" y="1209864"/>
+              <a:ext cx="1083484" cy="1274689"/>
+            </a:xfrm>
+            <a:prstGeom prst="straightConnector1">
+              <a:avLst/>
+            </a:prstGeom>
+            <a:ln w="31623">
+              <a:solidFill>
+                <a:schemeClr val="tx1"/>
+              </a:solidFill>
+              <a:tailEnd type="triangle"/>
+            </a:ln>
+          </p:spPr>
+          <p:style>
+            <a:lnRef idx="1">
+              <a:schemeClr val="accent1"/>
+            </a:lnRef>
+            <a:fillRef idx="0">
+              <a:schemeClr val="accent1"/>
+            </a:fillRef>
+            <a:effectRef idx="0">
+              <a:schemeClr val="accent1"/>
+            </a:effectRef>
+            <a:fontRef idx="minor">
+              <a:schemeClr val="tx1"/>
+            </a:fontRef>
+          </p:style>
+        </p:cxnSp>
+      </p:grpSp>
       <p:cxnSp>
         <p:nvCxnSpPr>
-          <p:cNvPr id="169" name="Straight Arrow Connector 168">
-            <a:extLst>
-              <a:ext uri="{FF2B5EF4-FFF2-40B4-BE49-F238E27FC236}">
-                <a16:creationId xmlns:a16="http://schemas.microsoft.com/office/drawing/2014/main" id="{B2C04295-D614-E2E2-B306-D92456663339}"/>
-              </a:ext>
-            </a:extLst>
-          </p:cNvPr>
-          <p:cNvCxnSpPr>
-            <a:cxnSpLocks/>
-            <a:endCxn id="53" idx="3"/>
-          </p:cNvCxnSpPr>
+          <p:cNvPr id="5" name="Straight Connector 4">
+            <a:extLst>
+              <a:ext uri="{FF2B5EF4-FFF2-40B4-BE49-F238E27FC236}">
+                <a16:creationId xmlns:a16="http://schemas.microsoft.com/office/drawing/2014/main" id="{A5A438C4-A8CF-02B1-11E5-5BC286055465}"/>
+              </a:ext>
+            </a:extLst>
+          </p:cNvPr>
+          <p:cNvCxnSpPr/>
           <p:nvPr/>
         </p:nvCxnSpPr>
         <p:spPr>
-          <a:xfrm flipH="1" flipV="1">
-            <a:off x="5854834" y="5928666"/>
-            <a:ext cx="2412983" cy="208722"/>
-          </a:xfrm>
-          <a:prstGeom prst="straightConnector1">
+          <a:xfrm>
+            <a:off x="1515458" y="5551607"/>
+            <a:ext cx="666725" cy="0"/>
+          </a:xfrm>
+          <a:prstGeom prst="line">
             <a:avLst/>
           </a:prstGeom>
-          <a:ln w="95504">
+          <a:ln w="101600">
             <a:solidFill>
-              <a:schemeClr val="tx1"/>
+              <a:schemeClr val="accent6"/>
             </a:solidFill>
-            <a:tailEnd type="triangle"/>
           </a:ln>
         </p:spPr>
         <p:style>
@@ -8643,29 +10489,270 @@
       </p:cxnSp>
       <p:cxnSp>
         <p:nvCxnSpPr>
-          <p:cNvPr id="78" name="Straight Arrow Connector 77">
-            <a:extLst>
-              <a:ext uri="{FF2B5EF4-FFF2-40B4-BE49-F238E27FC236}">
-                <a16:creationId xmlns:a16="http://schemas.microsoft.com/office/drawing/2014/main" id="{155057BC-EAC4-E303-C490-D3532CF8D8F9}"/>
+          <p:cNvPr id="9" name="Straight Connector 8">
+            <a:extLst>
+              <a:ext uri="{FF2B5EF4-FFF2-40B4-BE49-F238E27FC236}">
+                <a16:creationId xmlns:a16="http://schemas.microsoft.com/office/drawing/2014/main" id="{149EE33B-D423-A0B1-0AD6-091B3D947334}"/>
+              </a:ext>
+            </a:extLst>
+          </p:cNvPr>
+          <p:cNvCxnSpPr/>
+          <p:nvPr/>
+        </p:nvCxnSpPr>
+        <p:spPr>
+          <a:xfrm>
+            <a:off x="1532628" y="5919953"/>
+            <a:ext cx="666725" cy="0"/>
+          </a:xfrm>
+          <a:prstGeom prst="line">
+            <a:avLst/>
+          </a:prstGeom>
+          <a:ln w="101600">
+            <a:solidFill>
+              <a:srgbClr val="002060"/>
+            </a:solidFill>
+          </a:ln>
+        </p:spPr>
+        <p:style>
+          <a:lnRef idx="1">
+            <a:schemeClr val="accent1"/>
+          </a:lnRef>
+          <a:fillRef idx="0">
+            <a:schemeClr val="accent1"/>
+          </a:fillRef>
+          <a:effectRef idx="0">
+            <a:schemeClr val="accent1"/>
+          </a:effectRef>
+          <a:fontRef idx="minor">
+            <a:schemeClr val="tx1"/>
+          </a:fontRef>
+        </p:style>
+      </p:cxnSp>
+      <p:sp>
+        <p:nvSpPr>
+          <p:cNvPr id="20" name="TextBox 19">
+            <a:extLst>
+              <a:ext uri="{FF2B5EF4-FFF2-40B4-BE49-F238E27FC236}">
+                <a16:creationId xmlns:a16="http://schemas.microsoft.com/office/drawing/2014/main" id="{4BC4EC74-1799-E834-BFE4-AA9B6BACF7BD}"/>
+              </a:ext>
+            </a:extLst>
+          </p:cNvPr>
+          <p:cNvSpPr txBox="1"/>
+          <p:nvPr/>
+        </p:nvSpPr>
+        <p:spPr>
+          <a:xfrm>
+            <a:off x="2182183" y="5640989"/>
+            <a:ext cx="1564841" cy="523220"/>
+          </a:xfrm>
+          <a:prstGeom prst="rect">
+            <a:avLst/>
+          </a:prstGeom>
+          <a:noFill/>
+        </p:spPr>
+        <p:txBody>
+          <a:bodyPr wrap="square" rtlCol="0">
+            <a:spAutoFit/>
+          </a:bodyPr>
+          <a:lstStyle/>
+          <a:p>
+            <a:r>
+              <a:rPr lang="en-US" sz="2800" dirty="0"/>
+              <a:t>Negative</a:t>
+            </a:r>
+          </a:p>
+        </p:txBody>
+      </p:sp>
+      <p:sp>
+        <p:nvSpPr>
+          <p:cNvPr id="21" name="TextBox 20">
+            <a:extLst>
+              <a:ext uri="{FF2B5EF4-FFF2-40B4-BE49-F238E27FC236}">
+                <a16:creationId xmlns:a16="http://schemas.microsoft.com/office/drawing/2014/main" id="{A6A7C64B-0C15-C458-43D8-D0B12BC2A056}"/>
+              </a:ext>
+            </a:extLst>
+          </p:cNvPr>
+          <p:cNvSpPr txBox="1"/>
+          <p:nvPr/>
+        </p:nvSpPr>
+        <p:spPr>
+          <a:xfrm>
+            <a:off x="2188141" y="5286228"/>
+            <a:ext cx="1564841" cy="523220"/>
+          </a:xfrm>
+          <a:prstGeom prst="rect">
+            <a:avLst/>
+          </a:prstGeom>
+          <a:noFill/>
+        </p:spPr>
+        <p:txBody>
+          <a:bodyPr wrap="square" rtlCol="0">
+            <a:spAutoFit/>
+          </a:bodyPr>
+          <a:lstStyle/>
+          <a:p>
+            <a:r>
+              <a:rPr lang="en-US" sz="2800" dirty="0">
+                <a:solidFill>
+                  <a:schemeClr val="accent6"/>
+                </a:solidFill>
+              </a:rPr>
+              <a:t>Positive</a:t>
+            </a:r>
+          </a:p>
+        </p:txBody>
+      </p:sp>
+      <p:sp>
+        <p:nvSpPr>
+          <p:cNvPr id="22" name="Rectangle 21">
+            <a:extLst>
+              <a:ext uri="{FF2B5EF4-FFF2-40B4-BE49-F238E27FC236}">
+                <a16:creationId xmlns:a16="http://schemas.microsoft.com/office/drawing/2014/main" id="{43816C95-3B07-425C-570A-53F56FB78BC5}"/>
+              </a:ext>
+            </a:extLst>
+          </p:cNvPr>
+          <p:cNvSpPr/>
+          <p:nvPr/>
+        </p:nvSpPr>
+        <p:spPr>
+          <a:xfrm>
+            <a:off x="1391958" y="5286228"/>
+            <a:ext cx="2198451" cy="877981"/>
+          </a:xfrm>
+          <a:prstGeom prst="rect">
+            <a:avLst/>
+          </a:prstGeom>
+          <a:noFill/>
+          <a:ln>
+            <a:solidFill>
+              <a:schemeClr val="tx1"/>
+            </a:solidFill>
+          </a:ln>
+        </p:spPr>
+        <p:style>
+          <a:lnRef idx="2">
+            <a:schemeClr val="accent1">
+              <a:shade val="15000"/>
+            </a:schemeClr>
+          </a:lnRef>
+          <a:fillRef idx="1">
+            <a:schemeClr val="accent1"/>
+          </a:fillRef>
+          <a:effectRef idx="0">
+            <a:schemeClr val="accent1"/>
+          </a:effectRef>
+          <a:fontRef idx="minor">
+            <a:schemeClr val="lt1"/>
+          </a:fontRef>
+        </p:style>
+        <p:txBody>
+          <a:bodyPr rtlCol="0" anchor="ctr"/>
+          <a:lstStyle/>
+          <a:p>
+            <a:pPr algn="ctr"/>
+            <a:endParaRPr lang="en-US"/>
+          </a:p>
+        </p:txBody>
+      </p:sp>
+      <p:sp>
+        <p:nvSpPr>
+          <p:cNvPr id="24" name="TextBox 23">
+            <a:extLst>
+              <a:ext uri="{FF2B5EF4-FFF2-40B4-BE49-F238E27FC236}">
+                <a16:creationId xmlns:a16="http://schemas.microsoft.com/office/drawing/2014/main" id="{40A799A4-CD30-5BEC-D26A-A5AF02CB2954}"/>
+              </a:ext>
+            </a:extLst>
+          </p:cNvPr>
+          <p:cNvSpPr txBox="1"/>
+          <p:nvPr/>
+        </p:nvSpPr>
+        <p:spPr>
+          <a:xfrm>
+            <a:off x="3104601" y="6350339"/>
+            <a:ext cx="4086400" cy="523220"/>
+          </a:xfrm>
+          <a:prstGeom prst="rect">
+            <a:avLst/>
+          </a:prstGeom>
+          <a:noFill/>
+        </p:spPr>
+        <p:txBody>
+          <a:bodyPr wrap="square" rtlCol="0">
+            <a:spAutoFit/>
+          </a:bodyPr>
+          <a:lstStyle/>
+          <a:p>
+            <a:r>
+              <a:rPr lang="en-US" sz="2800" dirty="0"/>
+              <a:t>Fischer’s C = 69.3, </a:t>
+            </a:r>
+            <a:r>
+              <a:rPr lang="en-US" sz="2800" i="1" dirty="0"/>
+              <a:t>P </a:t>
+            </a:r>
+            <a:r>
+              <a:rPr lang="en-US" sz="2800" dirty="0"/>
+              <a:t>= 0.57</a:t>
+            </a:r>
+          </a:p>
+        </p:txBody>
+      </p:sp>
+    </p:spTree>
+    <p:extLst>
+      <p:ext uri="{BB962C8B-B14F-4D97-AF65-F5344CB8AC3E}">
+        <p14:creationId xmlns:p14="http://schemas.microsoft.com/office/powerpoint/2010/main" val="3843028413"/>
+      </p:ext>
+    </p:extLst>
+  </p:cSld>
+  <p:clrMapOvr>
+    <a:masterClrMapping/>
+  </p:clrMapOvr>
+</p:sld>
+</file>
+
+<file path=ppt/slides/slide4.xml><?xml version="1.0" encoding="utf-8"?>
+<p:sld xmlns:a="http://schemas.openxmlformats.org/drawingml/2006/main" xmlns:r="http://schemas.openxmlformats.org/officeDocument/2006/relationships" xmlns:p="http://schemas.openxmlformats.org/presentationml/2006/main">
+  <p:cSld>
+    <p:spTree>
+      <p:nvGrpSpPr>
+        <p:cNvPr id="1" name=""/>
+        <p:cNvGrpSpPr/>
+        <p:nvPr/>
+      </p:nvGrpSpPr>
+      <p:grpSpPr>
+        <a:xfrm>
+          <a:off x="0" y="0"/>
+          <a:ext cx="0" cy="0"/>
+          <a:chOff x="0" y="0"/>
+          <a:chExt cx="0" cy="0"/>
+        </a:xfrm>
+      </p:grpSpPr>
+      <p:cxnSp>
+        <p:nvCxnSpPr>
+          <p:cNvPr id="75" name="Straight Arrow Connector 74">
+            <a:extLst>
+              <a:ext uri="{FF2B5EF4-FFF2-40B4-BE49-F238E27FC236}">
+                <a16:creationId xmlns:a16="http://schemas.microsoft.com/office/drawing/2014/main" id="{B68A2F88-A190-8BAB-5370-FB2A353D0127}"/>
               </a:ext>
             </a:extLst>
           </p:cNvPr>
           <p:cNvCxnSpPr>
             <a:cxnSpLocks/>
+            <a:endCxn id="50" idx="3"/>
           </p:cNvCxnSpPr>
           <p:nvPr/>
         </p:nvCxnSpPr>
         <p:spPr>
           <a:xfrm flipH="1" flipV="1">
-            <a:off x="5708649" y="1894279"/>
-            <a:ext cx="2464667" cy="2710682"/>
+            <a:off x="5303230" y="5299139"/>
+            <a:ext cx="3027219" cy="1458598"/>
           </a:xfrm>
           <a:prstGeom prst="straightConnector1">
             <a:avLst/>
           </a:prstGeom>
-          <a:ln w="10668">
+          <a:ln w="6985">
             <a:solidFill>
-              <a:schemeClr val="tx1"/>
+              <a:schemeClr val="accent6"/>
             </a:solidFill>
             <a:tailEnd type="triangle"/>
           </a:ln>
@@ -8687,27 +10774,28 @@
       </p:cxnSp>
       <p:cxnSp>
         <p:nvCxnSpPr>
-          <p:cNvPr id="148" name="Straight Arrow Connector 147">
-            <a:extLst>
-              <a:ext uri="{FF2B5EF4-FFF2-40B4-BE49-F238E27FC236}">
-                <a16:creationId xmlns:a16="http://schemas.microsoft.com/office/drawing/2014/main" id="{797CE5DD-45E4-7FD5-B51A-25A9F35CDFB5}"/>
+          <p:cNvPr id="37" name="Straight Arrow Connector 36">
+            <a:extLst>
+              <a:ext uri="{FF2B5EF4-FFF2-40B4-BE49-F238E27FC236}">
+                <a16:creationId xmlns:a16="http://schemas.microsoft.com/office/drawing/2014/main" id="{DCFC64FB-BD38-12AB-C041-6BCA72EDCAC4}"/>
               </a:ext>
             </a:extLst>
           </p:cNvPr>
           <p:cNvCxnSpPr>
             <a:cxnSpLocks/>
+            <a:endCxn id="41" idx="2"/>
           </p:cNvCxnSpPr>
           <p:nvPr/>
         </p:nvCxnSpPr>
         <p:spPr>
-          <a:xfrm flipH="1">
-            <a:off x="5392518" y="736693"/>
-            <a:ext cx="2835815" cy="2406888"/>
+          <a:xfrm flipH="1" flipV="1">
+            <a:off x="5743833" y="2403663"/>
+            <a:ext cx="2551153" cy="3912158"/>
           </a:xfrm>
           <a:prstGeom prst="straightConnector1">
             <a:avLst/>
           </a:prstGeom>
-          <a:ln w="8890">
+          <a:ln w="3810">
             <a:solidFill>
               <a:schemeClr val="accent6"/>
             </a:solidFill>
@@ -8731,29 +10819,30 @@
       </p:cxnSp>
       <p:cxnSp>
         <p:nvCxnSpPr>
-          <p:cNvPr id="136" name="Straight Arrow Connector 135">
-            <a:extLst>
-              <a:ext uri="{FF2B5EF4-FFF2-40B4-BE49-F238E27FC236}">
-                <a16:creationId xmlns:a16="http://schemas.microsoft.com/office/drawing/2014/main" id="{9F0A82C8-4204-1AB5-D085-F3850518F7DA}"/>
+          <p:cNvPr id="33" name="Straight Arrow Connector 32">
+            <a:extLst>
+              <a:ext uri="{FF2B5EF4-FFF2-40B4-BE49-F238E27FC236}">
+                <a16:creationId xmlns:a16="http://schemas.microsoft.com/office/drawing/2014/main" id="{A21FBEC6-DA46-1716-DF81-F67E855AB849}"/>
               </a:ext>
             </a:extLst>
           </p:cNvPr>
           <p:cNvCxnSpPr>
             <a:cxnSpLocks/>
+            <a:endCxn id="23" idx="2"/>
           </p:cNvCxnSpPr>
           <p:nvPr/>
         </p:nvCxnSpPr>
         <p:spPr>
-          <a:xfrm flipH="1">
-            <a:off x="4060771" y="2398696"/>
-            <a:ext cx="4461857" cy="406535"/>
+          <a:xfrm flipH="1" flipV="1">
+            <a:off x="3456366" y="1267623"/>
+            <a:ext cx="4716950" cy="4978859"/>
           </a:xfrm>
           <a:prstGeom prst="straightConnector1">
             <a:avLst/>
           </a:prstGeom>
-          <a:ln w="4953">
+          <a:ln w="50800">
             <a:solidFill>
-              <a:schemeClr val="tx1"/>
+              <a:schemeClr val="accent6"/>
             </a:solidFill>
             <a:tailEnd type="triangle"/>
           </a:ln>
@@ -8775,28 +10864,27 @@
       </p:cxnSp>
       <p:cxnSp>
         <p:nvCxnSpPr>
-          <p:cNvPr id="160" name="Straight Arrow Connector 159">
-            <a:extLst>
-              <a:ext uri="{FF2B5EF4-FFF2-40B4-BE49-F238E27FC236}">
-                <a16:creationId xmlns:a16="http://schemas.microsoft.com/office/drawing/2014/main" id="{69E1C4D5-97D2-9EE4-A386-2A34BA77B25A}"/>
+          <p:cNvPr id="2" name="Straight Arrow Connector 1">
+            <a:extLst>
+              <a:ext uri="{FF2B5EF4-FFF2-40B4-BE49-F238E27FC236}">
+                <a16:creationId xmlns:a16="http://schemas.microsoft.com/office/drawing/2014/main" id="{8A3CF5EE-9368-7A61-2690-03BD39BC0A67}"/>
               </a:ext>
             </a:extLst>
           </p:cNvPr>
           <p:cNvCxnSpPr>
             <a:cxnSpLocks/>
-            <a:endCxn id="50" idx="3"/>
           </p:cNvCxnSpPr>
           <p:nvPr/>
         </p:nvCxnSpPr>
         <p:spPr>
           <a:xfrm flipH="1">
-            <a:off x="4818242" y="2941813"/>
-            <a:ext cx="3410091" cy="1564429"/>
+            <a:off x="4109232" y="260064"/>
+            <a:ext cx="4093723" cy="318880"/>
           </a:xfrm>
           <a:prstGeom prst="straightConnector1">
             <a:avLst/>
           </a:prstGeom>
-          <a:ln w="1397">
+          <a:ln w="35814">
             <a:solidFill>
               <a:schemeClr val="tx1"/>
             </a:solidFill>
@@ -8834,105 +10922,17 @@
         </p:nvCxnSpPr>
         <p:spPr>
           <a:xfrm flipH="1" flipV="1">
-            <a:off x="4047841" y="2629065"/>
-            <a:ext cx="4141875" cy="1179229"/>
+            <a:off x="3777242" y="1267623"/>
+            <a:ext cx="4517744" cy="3558255"/>
           </a:xfrm>
           <a:prstGeom prst="straightConnector1">
             <a:avLst/>
           </a:prstGeom>
-          <a:ln w="14351">
+          <a:ln w="35179">
             <a:solidFill>
-              <a:schemeClr val="accent6"/>
-            </a:solidFill>
-            <a:tailEnd type="triangle"/>
-          </a:ln>
-        </p:spPr>
-        <p:style>
-          <a:lnRef idx="1">
-            <a:schemeClr val="accent1"/>
-          </a:lnRef>
-          <a:fillRef idx="0">
-            <a:schemeClr val="accent1"/>
-          </a:fillRef>
-          <a:effectRef idx="0">
-            <a:schemeClr val="accent1"/>
-          </a:effectRef>
-          <a:fontRef idx="minor">
-            <a:schemeClr val="tx1"/>
-          </a:fontRef>
-        </p:style>
-      </p:cxnSp>
-      <p:cxnSp>
-        <p:nvCxnSpPr>
-          <p:cNvPr id="145" name="Straight Arrow Connector 144">
-            <a:extLst>
-              <a:ext uri="{FF2B5EF4-FFF2-40B4-BE49-F238E27FC236}">
-                <a16:creationId xmlns:a16="http://schemas.microsoft.com/office/drawing/2014/main" id="{8C68305C-A6C8-ED73-1590-1B8A7B78ECE5}"/>
-              </a:ext>
-            </a:extLst>
-          </p:cNvPr>
-          <p:cNvCxnSpPr>
-            <a:cxnSpLocks/>
-          </p:cNvCxnSpPr>
-          <p:nvPr/>
-        </p:nvCxnSpPr>
-        <p:spPr>
-          <a:xfrm flipH="1">
-            <a:off x="5840606" y="2704544"/>
-            <a:ext cx="2431934" cy="502427"/>
-          </a:xfrm>
-          <a:prstGeom prst="straightConnector1">
-            <a:avLst/>
-          </a:prstGeom>
-          <a:ln w="4953">
-            <a:solidFill>
-              <a:schemeClr val="accent6"/>
+              <a:schemeClr val="tx1"/>
             </a:solidFill>
             <a:prstDash val="dash"/>
-            <a:tailEnd type="triangle"/>
-          </a:ln>
-        </p:spPr>
-        <p:style>
-          <a:lnRef idx="1">
-            <a:schemeClr val="accent1"/>
-          </a:lnRef>
-          <a:fillRef idx="0">
-            <a:schemeClr val="accent1"/>
-          </a:fillRef>
-          <a:effectRef idx="0">
-            <a:schemeClr val="accent1"/>
-          </a:effectRef>
-          <a:fontRef idx="minor">
-            <a:schemeClr val="tx1"/>
-          </a:fontRef>
-        </p:style>
-      </p:cxnSp>
-      <p:cxnSp>
-        <p:nvCxnSpPr>
-          <p:cNvPr id="95" name="Straight Arrow Connector 94">
-            <a:extLst>
-              <a:ext uri="{FF2B5EF4-FFF2-40B4-BE49-F238E27FC236}">
-                <a16:creationId xmlns:a16="http://schemas.microsoft.com/office/drawing/2014/main" id="{FD51B2C7-FBA2-D5D6-D5FF-4B4B9D76EF78}"/>
-              </a:ext>
-            </a:extLst>
-          </p:cNvPr>
-          <p:cNvCxnSpPr>
-            <a:cxnSpLocks/>
-          </p:cNvCxnSpPr>
-          <p:nvPr/>
-        </p:nvCxnSpPr>
-        <p:spPr>
-          <a:xfrm>
-            <a:off x="4060771" y="1005153"/>
-            <a:ext cx="574162" cy="340738"/>
-          </a:xfrm>
-          <a:prstGeom prst="straightConnector1">
-            <a:avLst/>
-          </a:prstGeom>
-          <a:ln w="33782">
-            <a:solidFill>
-              <a:schemeClr val="accent6"/>
-            </a:solidFill>
             <a:tailEnd type="triangle"/>
           </a:ln>
         </p:spPr>
@@ -8969,7 +10969,7 @@
         <p:spPr>
           <a:xfrm flipH="1" flipV="1">
             <a:off x="6560130" y="1277290"/>
-            <a:ext cx="1670365" cy="4844017"/>
+            <a:ext cx="1621614" cy="4623032"/>
           </a:xfrm>
           <a:prstGeom prst="straightConnector1">
             <a:avLst/>
@@ -9467,1681 +11467,6 @@
                   <a:srgbClr val="0070C0"/>
                 </a:solidFill>
               </a:rPr>
-              <a:t>Grass N</a:t>
-            </a:r>
-          </a:p>
-          <a:p>
-            <a:pPr algn="ctr"/>
-            <a:r>
-              <a:rPr lang="en-US" sz="2000" kern="100" dirty="0">
-                <a:solidFill>
-                  <a:srgbClr val="0070C0"/>
-                </a:solidFill>
-                <a:effectLst/>
-                <a:latin typeface="Calibri" panose="020F0502020204030204" pitchFamily="34" charset="0"/>
-                <a:ea typeface="Calibri" panose="020F0502020204030204" pitchFamily="34" charset="0"/>
-                <a:cs typeface="Times New Roman" panose="02020603050405020304" pitchFamily="18" charset="0"/>
-              </a:rPr>
-              <a:t>R</a:t>
-            </a:r>
-            <a:r>
-              <a:rPr lang="en-US" sz="2000" kern="100" baseline="30000" dirty="0">
-                <a:solidFill>
-                  <a:srgbClr val="0070C0"/>
-                </a:solidFill>
-                <a:effectLst/>
-                <a:latin typeface="Calibri" panose="020F0502020204030204" pitchFamily="34" charset="0"/>
-                <a:ea typeface="Calibri" panose="020F0502020204030204" pitchFamily="34" charset="0"/>
-                <a:cs typeface="Times New Roman" panose="02020603050405020304" pitchFamily="18" charset="0"/>
-              </a:rPr>
-              <a:t>2</a:t>
-            </a:r>
-            <a:r>
-              <a:rPr lang="en-US" sz="2000" kern="100" dirty="0">
-                <a:solidFill>
-                  <a:srgbClr val="0070C0"/>
-                </a:solidFill>
-                <a:effectLst/>
-                <a:latin typeface="Calibri" panose="020F0502020204030204" pitchFamily="34" charset="0"/>
-                <a:ea typeface="Calibri" panose="020F0502020204030204" pitchFamily="34" charset="0"/>
-                <a:cs typeface="Times New Roman" panose="02020603050405020304" pitchFamily="18" charset="0"/>
-              </a:rPr>
-              <a:t> = 0.77</a:t>
-            </a:r>
-          </a:p>
-        </p:txBody>
-      </p:sp>
-      <p:sp>
-        <p:nvSpPr>
-          <p:cNvPr id="41" name="TextBox 40">
-            <a:extLst>
-              <a:ext uri="{FF2B5EF4-FFF2-40B4-BE49-F238E27FC236}">
-                <a16:creationId xmlns:a16="http://schemas.microsoft.com/office/drawing/2014/main" id="{9091ED43-0856-E035-EFAD-B711B60F084B}"/>
-              </a:ext>
-            </a:extLst>
-          </p:cNvPr>
-          <p:cNvSpPr txBox="1"/>
-          <p:nvPr/>
-        </p:nvSpPr>
-        <p:spPr>
-          <a:xfrm>
-            <a:off x="4493047" y="1254951"/>
-            <a:ext cx="1309509" cy="830997"/>
-          </a:xfrm>
-          <a:prstGeom prst="rect">
-            <a:avLst/>
-          </a:prstGeom>
-          <a:noFill/>
-          <a:ln>
-            <a:noFill/>
-          </a:ln>
-        </p:spPr>
-        <p:txBody>
-          <a:bodyPr wrap="square" rtlCol="0">
-            <a:spAutoFit/>
-          </a:bodyPr>
-          <a:lstStyle/>
-          <a:p>
-            <a:pPr algn="ctr"/>
-            <a:r>
-              <a:rPr lang="en-US" sz="2800" dirty="0">
-                <a:solidFill>
-                  <a:srgbClr val="FF6699"/>
-                </a:solidFill>
-              </a:rPr>
-              <a:t>Grass P</a:t>
-            </a:r>
-          </a:p>
-          <a:p>
-            <a:pPr algn="ctr"/>
-            <a:r>
-              <a:rPr lang="en-US" sz="2000" kern="100" dirty="0">
-                <a:solidFill>
-                  <a:srgbClr val="FF6699"/>
-                </a:solidFill>
-                <a:effectLst/>
-                <a:latin typeface="Calibri" panose="020F0502020204030204" pitchFamily="34" charset="0"/>
-                <a:ea typeface="Calibri" panose="020F0502020204030204" pitchFamily="34" charset="0"/>
-                <a:cs typeface="Times New Roman" panose="02020603050405020304" pitchFamily="18" charset="0"/>
-              </a:rPr>
-              <a:t>R</a:t>
-            </a:r>
-            <a:r>
-              <a:rPr lang="en-US" sz="2000" kern="100" baseline="30000" dirty="0">
-                <a:solidFill>
-                  <a:srgbClr val="FF6699"/>
-                </a:solidFill>
-                <a:effectLst/>
-                <a:latin typeface="Calibri" panose="020F0502020204030204" pitchFamily="34" charset="0"/>
-                <a:ea typeface="Calibri" panose="020F0502020204030204" pitchFamily="34" charset="0"/>
-                <a:cs typeface="Times New Roman" panose="02020603050405020304" pitchFamily="18" charset="0"/>
-              </a:rPr>
-              <a:t>2</a:t>
-            </a:r>
-            <a:r>
-              <a:rPr lang="en-US" sz="2000" kern="100" dirty="0">
-                <a:solidFill>
-                  <a:srgbClr val="FF6699"/>
-                </a:solidFill>
-                <a:effectLst/>
-                <a:latin typeface="Calibri" panose="020F0502020204030204" pitchFamily="34" charset="0"/>
-                <a:ea typeface="Calibri" panose="020F0502020204030204" pitchFamily="34" charset="0"/>
-                <a:cs typeface="Times New Roman" panose="02020603050405020304" pitchFamily="18" charset="0"/>
-              </a:rPr>
-              <a:t> = 0.63</a:t>
-            </a:r>
-          </a:p>
-        </p:txBody>
-      </p:sp>
-      <p:sp>
-        <p:nvSpPr>
-          <p:cNvPr id="44" name="TextBox 43">
-            <a:extLst>
-              <a:ext uri="{FF2B5EF4-FFF2-40B4-BE49-F238E27FC236}">
-                <a16:creationId xmlns:a16="http://schemas.microsoft.com/office/drawing/2014/main" id="{53D5AA9B-6F4D-5461-3D34-E3A10458FFA0}"/>
-              </a:ext>
-            </a:extLst>
-          </p:cNvPr>
-          <p:cNvSpPr txBox="1"/>
-          <p:nvPr/>
-        </p:nvSpPr>
-        <p:spPr>
-          <a:xfrm>
-            <a:off x="2795033" y="2389928"/>
-            <a:ext cx="1309509" cy="830997"/>
-          </a:xfrm>
-          <a:prstGeom prst="rect">
-            <a:avLst/>
-          </a:prstGeom>
-          <a:noFill/>
-          <a:ln>
-            <a:noFill/>
-          </a:ln>
-        </p:spPr>
-        <p:txBody>
-          <a:bodyPr wrap="square" rtlCol="0">
-            <a:spAutoFit/>
-          </a:bodyPr>
-          <a:lstStyle/>
-          <a:p>
-            <a:pPr algn="ctr"/>
-            <a:r>
-              <a:rPr lang="en-US" sz="2800" dirty="0">
-                <a:solidFill>
-                  <a:srgbClr val="7030A0"/>
-                </a:solidFill>
-              </a:rPr>
-              <a:t>Grass K</a:t>
-            </a:r>
-          </a:p>
-          <a:p>
-            <a:pPr algn="ctr"/>
-            <a:r>
-              <a:rPr lang="en-US" sz="2000" kern="100" dirty="0">
-                <a:solidFill>
-                  <a:srgbClr val="7030A0"/>
-                </a:solidFill>
-                <a:effectLst/>
-                <a:latin typeface="Calibri" panose="020F0502020204030204" pitchFamily="34" charset="0"/>
-                <a:ea typeface="Calibri" panose="020F0502020204030204" pitchFamily="34" charset="0"/>
-                <a:cs typeface="Times New Roman" panose="02020603050405020304" pitchFamily="18" charset="0"/>
-              </a:rPr>
-              <a:t>R</a:t>
-            </a:r>
-            <a:r>
-              <a:rPr lang="en-US" sz="2000" kern="100" baseline="30000" dirty="0">
-                <a:solidFill>
-                  <a:srgbClr val="7030A0"/>
-                </a:solidFill>
-                <a:effectLst/>
-                <a:latin typeface="Calibri" panose="020F0502020204030204" pitchFamily="34" charset="0"/>
-                <a:ea typeface="Calibri" panose="020F0502020204030204" pitchFamily="34" charset="0"/>
-                <a:cs typeface="Times New Roman" panose="02020603050405020304" pitchFamily="18" charset="0"/>
-              </a:rPr>
-              <a:t>2</a:t>
-            </a:r>
-            <a:r>
-              <a:rPr lang="en-US" sz="2000" kern="100" dirty="0">
-                <a:solidFill>
-                  <a:srgbClr val="7030A0"/>
-                </a:solidFill>
-                <a:effectLst/>
-                <a:latin typeface="Calibri" panose="020F0502020204030204" pitchFamily="34" charset="0"/>
-                <a:ea typeface="Calibri" panose="020F0502020204030204" pitchFamily="34" charset="0"/>
-                <a:cs typeface="Times New Roman" panose="02020603050405020304" pitchFamily="18" charset="0"/>
-              </a:rPr>
-              <a:t> = 0.75</a:t>
-            </a:r>
-          </a:p>
-        </p:txBody>
-      </p:sp>
-      <p:sp>
-        <p:nvSpPr>
-          <p:cNvPr id="47" name="TextBox 46">
-            <a:extLst>
-              <a:ext uri="{FF2B5EF4-FFF2-40B4-BE49-F238E27FC236}">
-                <a16:creationId xmlns:a16="http://schemas.microsoft.com/office/drawing/2014/main" id="{BCEE1BD3-A18E-948D-832A-D70313928071}"/>
-              </a:ext>
-            </a:extLst>
-          </p:cNvPr>
-          <p:cNvSpPr txBox="1"/>
-          <p:nvPr/>
-        </p:nvSpPr>
-        <p:spPr>
-          <a:xfrm>
-            <a:off x="4374501" y="3072093"/>
-            <a:ext cx="1554561" cy="830997"/>
-          </a:xfrm>
-          <a:prstGeom prst="rect">
-            <a:avLst/>
-          </a:prstGeom>
-          <a:noFill/>
-          <a:ln>
-            <a:noFill/>
-          </a:ln>
-        </p:spPr>
-        <p:txBody>
-          <a:bodyPr wrap="square" rtlCol="0">
-            <a:spAutoFit/>
-          </a:bodyPr>
-          <a:lstStyle/>
-          <a:p>
-            <a:pPr algn="ctr"/>
-            <a:r>
-              <a:rPr lang="en-US" sz="2800" dirty="0">
-                <a:solidFill>
-                  <a:schemeClr val="accent1">
-                    <a:lumMod val="50000"/>
-                  </a:schemeClr>
-                </a:solidFill>
-              </a:rPr>
-              <a:t>Grass Mg</a:t>
-            </a:r>
-          </a:p>
-          <a:p>
-            <a:pPr algn="ctr"/>
-            <a:r>
-              <a:rPr lang="en-US" sz="2000" kern="100" dirty="0">
-                <a:solidFill>
-                  <a:schemeClr val="accent1">
-                    <a:lumMod val="50000"/>
-                  </a:schemeClr>
-                </a:solidFill>
-                <a:effectLst/>
-                <a:latin typeface="Calibri" panose="020F0502020204030204" pitchFamily="34" charset="0"/>
-                <a:ea typeface="Calibri" panose="020F0502020204030204" pitchFamily="34" charset="0"/>
-                <a:cs typeface="Times New Roman" panose="02020603050405020304" pitchFamily="18" charset="0"/>
-              </a:rPr>
-              <a:t>R</a:t>
-            </a:r>
-            <a:r>
-              <a:rPr lang="en-US" sz="2000" kern="100" baseline="30000" dirty="0">
-                <a:solidFill>
-                  <a:schemeClr val="accent1">
-                    <a:lumMod val="50000"/>
-                  </a:schemeClr>
-                </a:solidFill>
-                <a:effectLst/>
-                <a:latin typeface="Calibri" panose="020F0502020204030204" pitchFamily="34" charset="0"/>
-                <a:ea typeface="Calibri" panose="020F0502020204030204" pitchFamily="34" charset="0"/>
-                <a:cs typeface="Times New Roman" panose="02020603050405020304" pitchFamily="18" charset="0"/>
-              </a:rPr>
-              <a:t>2</a:t>
-            </a:r>
-            <a:r>
-              <a:rPr lang="en-US" sz="2000" kern="100" dirty="0">
-                <a:solidFill>
-                  <a:schemeClr val="accent1">
-                    <a:lumMod val="50000"/>
-                  </a:schemeClr>
-                </a:solidFill>
-                <a:effectLst/>
-                <a:latin typeface="Calibri" panose="020F0502020204030204" pitchFamily="34" charset="0"/>
-                <a:ea typeface="Calibri" panose="020F0502020204030204" pitchFamily="34" charset="0"/>
-                <a:cs typeface="Times New Roman" panose="02020603050405020304" pitchFamily="18" charset="0"/>
-              </a:rPr>
-              <a:t> = 0.44</a:t>
-            </a:r>
-          </a:p>
-        </p:txBody>
-      </p:sp>
-      <p:sp>
-        <p:nvSpPr>
-          <p:cNvPr id="50" name="TextBox 49">
-            <a:extLst>
-              <a:ext uri="{FF2B5EF4-FFF2-40B4-BE49-F238E27FC236}">
-                <a16:creationId xmlns:a16="http://schemas.microsoft.com/office/drawing/2014/main" id="{3E5C1068-0A17-041B-B2C9-ED12A1F80192}"/>
-              </a:ext>
-            </a:extLst>
-          </p:cNvPr>
-          <p:cNvSpPr txBox="1"/>
-          <p:nvPr/>
-        </p:nvSpPr>
-        <p:spPr>
-          <a:xfrm>
-            <a:off x="3228178" y="4090743"/>
-            <a:ext cx="1590064" cy="830997"/>
-          </a:xfrm>
-          <a:prstGeom prst="rect">
-            <a:avLst/>
-          </a:prstGeom>
-          <a:noFill/>
-          <a:ln>
-            <a:noFill/>
-          </a:ln>
-        </p:spPr>
-        <p:txBody>
-          <a:bodyPr wrap="square" rtlCol="0">
-            <a:spAutoFit/>
-          </a:bodyPr>
-          <a:lstStyle/>
-          <a:p>
-            <a:pPr algn="ctr"/>
-            <a:r>
-              <a:rPr lang="en-US" sz="2800" dirty="0">
-                <a:solidFill>
-                  <a:schemeClr val="accent4">
-                    <a:lumMod val="75000"/>
-                  </a:schemeClr>
-                </a:solidFill>
-              </a:rPr>
-              <a:t>Grass Na</a:t>
-            </a:r>
-          </a:p>
-          <a:p>
-            <a:pPr algn="ctr"/>
-            <a:r>
-              <a:rPr lang="en-US" sz="2000" kern="100" dirty="0">
-                <a:solidFill>
-                  <a:schemeClr val="accent4">
-                    <a:lumMod val="75000"/>
-                  </a:schemeClr>
-                </a:solidFill>
-                <a:effectLst/>
-                <a:latin typeface="Calibri" panose="020F0502020204030204" pitchFamily="34" charset="0"/>
-                <a:ea typeface="Calibri" panose="020F0502020204030204" pitchFamily="34" charset="0"/>
-                <a:cs typeface="Times New Roman" panose="02020603050405020304" pitchFamily="18" charset="0"/>
-              </a:rPr>
-              <a:t>R</a:t>
-            </a:r>
-            <a:r>
-              <a:rPr lang="en-US" sz="2000" kern="100" baseline="30000" dirty="0">
-                <a:solidFill>
-                  <a:schemeClr val="accent4">
-                    <a:lumMod val="75000"/>
-                  </a:schemeClr>
-                </a:solidFill>
-                <a:effectLst/>
-                <a:latin typeface="Calibri" panose="020F0502020204030204" pitchFamily="34" charset="0"/>
-                <a:ea typeface="Calibri" panose="020F0502020204030204" pitchFamily="34" charset="0"/>
-                <a:cs typeface="Times New Roman" panose="02020603050405020304" pitchFamily="18" charset="0"/>
-              </a:rPr>
-              <a:t>2</a:t>
-            </a:r>
-            <a:r>
-              <a:rPr lang="en-US" sz="2000" kern="100" dirty="0">
-                <a:solidFill>
-                  <a:schemeClr val="accent4">
-                    <a:lumMod val="75000"/>
-                  </a:schemeClr>
-                </a:solidFill>
-                <a:effectLst/>
-                <a:latin typeface="Calibri" panose="020F0502020204030204" pitchFamily="34" charset="0"/>
-                <a:ea typeface="Calibri" panose="020F0502020204030204" pitchFamily="34" charset="0"/>
-                <a:cs typeface="Times New Roman" panose="02020603050405020304" pitchFamily="18" charset="0"/>
-              </a:rPr>
-              <a:t> = 0.26</a:t>
-            </a:r>
-          </a:p>
-        </p:txBody>
-      </p:sp>
-      <p:sp>
-        <p:nvSpPr>
-          <p:cNvPr id="53" name="TextBox 52">
-            <a:extLst>
-              <a:ext uri="{FF2B5EF4-FFF2-40B4-BE49-F238E27FC236}">
-                <a16:creationId xmlns:a16="http://schemas.microsoft.com/office/drawing/2014/main" id="{AB6712FD-FA96-D0C3-FCF6-65BFE7AAA274}"/>
-              </a:ext>
-            </a:extLst>
-          </p:cNvPr>
-          <p:cNvSpPr txBox="1"/>
-          <p:nvPr/>
-        </p:nvSpPr>
-        <p:spPr>
-          <a:xfrm>
-            <a:off x="4545325" y="5513167"/>
-            <a:ext cx="1309509" cy="830997"/>
-          </a:xfrm>
-          <a:prstGeom prst="rect">
-            <a:avLst/>
-          </a:prstGeom>
-          <a:noFill/>
-          <a:ln>
-            <a:noFill/>
-          </a:ln>
-        </p:spPr>
-        <p:txBody>
-          <a:bodyPr wrap="square" rtlCol="0">
-            <a:spAutoFit/>
-          </a:bodyPr>
-          <a:lstStyle/>
-          <a:p>
-            <a:pPr algn="ctr"/>
-            <a:r>
-              <a:rPr lang="en-US" sz="2800" dirty="0">
-                <a:solidFill>
-                  <a:schemeClr val="accent2"/>
-                </a:solidFill>
-              </a:rPr>
-              <a:t>Grass Si</a:t>
-            </a:r>
-          </a:p>
-          <a:p>
-            <a:pPr algn="ctr"/>
-            <a:r>
-              <a:rPr lang="en-US" sz="2000" kern="100" dirty="0">
-                <a:solidFill>
-                  <a:schemeClr val="accent2"/>
-                </a:solidFill>
-                <a:effectLst/>
-                <a:latin typeface="Calibri" panose="020F0502020204030204" pitchFamily="34" charset="0"/>
-                <a:ea typeface="Calibri" panose="020F0502020204030204" pitchFamily="34" charset="0"/>
-                <a:cs typeface="Times New Roman" panose="02020603050405020304" pitchFamily="18" charset="0"/>
-              </a:rPr>
-              <a:t>R</a:t>
-            </a:r>
-            <a:r>
-              <a:rPr lang="en-US" sz="2000" kern="100" baseline="30000" dirty="0">
-                <a:solidFill>
-                  <a:schemeClr val="accent2"/>
-                </a:solidFill>
-                <a:effectLst/>
-                <a:latin typeface="Calibri" panose="020F0502020204030204" pitchFamily="34" charset="0"/>
-                <a:ea typeface="Calibri" panose="020F0502020204030204" pitchFamily="34" charset="0"/>
-                <a:cs typeface="Times New Roman" panose="02020603050405020304" pitchFamily="18" charset="0"/>
-              </a:rPr>
-              <a:t>2</a:t>
-            </a:r>
-            <a:r>
-              <a:rPr lang="en-US" sz="2000" kern="100" dirty="0">
-                <a:solidFill>
-                  <a:schemeClr val="accent2"/>
-                </a:solidFill>
-                <a:effectLst/>
-                <a:latin typeface="Calibri" panose="020F0502020204030204" pitchFamily="34" charset="0"/>
-                <a:ea typeface="Calibri" panose="020F0502020204030204" pitchFamily="34" charset="0"/>
-                <a:cs typeface="Times New Roman" panose="02020603050405020304" pitchFamily="18" charset="0"/>
-              </a:rPr>
-              <a:t> = 0.76</a:t>
-            </a:r>
-          </a:p>
-        </p:txBody>
-      </p:sp>
-      <p:sp>
-        <p:nvSpPr>
-          <p:cNvPr id="77" name="TextBox 76">
-            <a:extLst>
-              <a:ext uri="{FF2B5EF4-FFF2-40B4-BE49-F238E27FC236}">
-                <a16:creationId xmlns:a16="http://schemas.microsoft.com/office/drawing/2014/main" id="{13310815-F72B-2A2F-A24C-EE6174335328}"/>
-              </a:ext>
-            </a:extLst>
-          </p:cNvPr>
-          <p:cNvSpPr txBox="1"/>
-          <p:nvPr/>
-        </p:nvSpPr>
-        <p:spPr>
-          <a:xfrm>
-            <a:off x="1433468" y="3617217"/>
-            <a:ext cx="1333450" cy="523220"/>
-          </a:xfrm>
-          <a:prstGeom prst="rect">
-            <a:avLst/>
-          </a:prstGeom>
-          <a:noFill/>
-        </p:spPr>
-        <p:txBody>
-          <a:bodyPr wrap="square" rtlCol="0">
-            <a:spAutoFit/>
-          </a:bodyPr>
-          <a:lstStyle/>
-          <a:p>
-            <a:r>
-              <a:rPr lang="en-US" sz="2800" dirty="0"/>
-              <a:t>Month</a:t>
-            </a:r>
-          </a:p>
-        </p:txBody>
-      </p:sp>
-      <p:cxnSp>
-        <p:nvCxnSpPr>
-          <p:cNvPr id="81" name="Straight Arrow Connector 80">
-            <a:extLst>
-              <a:ext uri="{FF2B5EF4-FFF2-40B4-BE49-F238E27FC236}">
-                <a16:creationId xmlns:a16="http://schemas.microsoft.com/office/drawing/2014/main" id="{E762E987-6607-963D-B052-D45BC78BC9CF}"/>
-              </a:ext>
-            </a:extLst>
-          </p:cNvPr>
-          <p:cNvCxnSpPr>
-            <a:cxnSpLocks/>
-          </p:cNvCxnSpPr>
-          <p:nvPr/>
-        </p:nvCxnSpPr>
-        <p:spPr>
-          <a:xfrm flipH="1" flipV="1">
-            <a:off x="4120625" y="671924"/>
-            <a:ext cx="1663917" cy="53761"/>
-          </a:xfrm>
-          <a:prstGeom prst="straightConnector1">
-            <a:avLst/>
-          </a:prstGeom>
-          <a:ln w="20955">
-            <a:solidFill>
-              <a:schemeClr val="accent6"/>
-            </a:solidFill>
-            <a:tailEnd type="triangle"/>
-          </a:ln>
-        </p:spPr>
-        <p:style>
-          <a:lnRef idx="1">
-            <a:schemeClr val="accent1"/>
-          </a:lnRef>
-          <a:fillRef idx="0">
-            <a:schemeClr val="accent1"/>
-          </a:fillRef>
-          <a:effectRef idx="0">
-            <a:schemeClr val="accent1"/>
-          </a:effectRef>
-          <a:fontRef idx="minor">
-            <a:schemeClr val="tx1"/>
-          </a:fontRef>
-        </p:style>
-      </p:cxnSp>
-      <p:cxnSp>
-        <p:nvCxnSpPr>
-          <p:cNvPr id="84" name="Straight Arrow Connector 83">
-            <a:extLst>
-              <a:ext uri="{FF2B5EF4-FFF2-40B4-BE49-F238E27FC236}">
-                <a16:creationId xmlns:a16="http://schemas.microsoft.com/office/drawing/2014/main" id="{D1BDE6AD-D0DA-ABA2-4DF8-965E092A981C}"/>
-              </a:ext>
-            </a:extLst>
-          </p:cNvPr>
-          <p:cNvCxnSpPr>
-            <a:cxnSpLocks/>
-            <a:endCxn id="23" idx="2"/>
-          </p:cNvCxnSpPr>
-          <p:nvPr/>
-        </p:nvCxnSpPr>
-        <p:spPr>
-          <a:xfrm flipH="1" flipV="1">
-            <a:off x="3456366" y="1267623"/>
-            <a:ext cx="4624241" cy="3420484"/>
-          </a:xfrm>
-          <a:prstGeom prst="straightConnector1">
-            <a:avLst/>
-          </a:prstGeom>
-          <a:ln w="25273">
-            <a:solidFill>
-              <a:schemeClr val="accent6"/>
-            </a:solidFill>
-            <a:tailEnd type="triangle"/>
-          </a:ln>
-        </p:spPr>
-        <p:style>
-          <a:lnRef idx="1">
-            <a:schemeClr val="accent1"/>
-          </a:lnRef>
-          <a:fillRef idx="0">
-            <a:schemeClr val="accent1"/>
-          </a:fillRef>
-          <a:effectRef idx="0">
-            <a:schemeClr val="accent1"/>
-          </a:effectRef>
-          <a:fontRef idx="minor">
-            <a:schemeClr val="tx1"/>
-          </a:fontRef>
-        </p:style>
-      </p:cxnSp>
-      <p:cxnSp>
-        <p:nvCxnSpPr>
-          <p:cNvPr id="142" name="Straight Arrow Connector 141">
-            <a:extLst>
-              <a:ext uri="{FF2B5EF4-FFF2-40B4-BE49-F238E27FC236}">
-                <a16:creationId xmlns:a16="http://schemas.microsoft.com/office/drawing/2014/main" id="{D69192D0-B192-4DC7-7226-099F603F82C3}"/>
-              </a:ext>
-            </a:extLst>
-          </p:cNvPr>
-          <p:cNvCxnSpPr>
-            <a:cxnSpLocks/>
-          </p:cNvCxnSpPr>
-          <p:nvPr/>
-        </p:nvCxnSpPr>
-        <p:spPr>
-          <a:xfrm flipH="1">
-            <a:off x="4023210" y="1954756"/>
-            <a:ext cx="590803" cy="559729"/>
-          </a:xfrm>
-          <a:prstGeom prst="straightConnector1">
-            <a:avLst/>
-          </a:prstGeom>
-          <a:ln w="116840">
-            <a:solidFill>
-              <a:schemeClr val="accent6"/>
-            </a:solidFill>
-            <a:tailEnd type="triangle"/>
-          </a:ln>
-        </p:spPr>
-        <p:style>
-          <a:lnRef idx="1">
-            <a:schemeClr val="accent1"/>
-          </a:lnRef>
-          <a:fillRef idx="0">
-            <a:schemeClr val="accent1"/>
-          </a:fillRef>
-          <a:effectRef idx="0">
-            <a:schemeClr val="accent1"/>
-          </a:effectRef>
-          <a:fontRef idx="minor">
-            <a:schemeClr val="tx1"/>
-          </a:fontRef>
-        </p:style>
-      </p:cxnSp>
-      <p:cxnSp>
-        <p:nvCxnSpPr>
-          <p:cNvPr id="152" name="Straight Arrow Connector 151">
-            <a:extLst>
-              <a:ext uri="{FF2B5EF4-FFF2-40B4-BE49-F238E27FC236}">
-                <a16:creationId xmlns:a16="http://schemas.microsoft.com/office/drawing/2014/main" id="{00175861-C7E2-58B8-7E38-F25D89D818FE}"/>
-              </a:ext>
-            </a:extLst>
-          </p:cNvPr>
-          <p:cNvCxnSpPr>
-            <a:cxnSpLocks/>
-            <a:endCxn id="47" idx="1"/>
-          </p:cNvCxnSpPr>
-          <p:nvPr/>
-        </p:nvCxnSpPr>
-        <p:spPr>
-          <a:xfrm flipV="1">
-            <a:off x="2583760" y="3487592"/>
-            <a:ext cx="1790741" cy="291328"/>
-          </a:xfrm>
-          <a:prstGeom prst="straightConnector1">
-            <a:avLst/>
-          </a:prstGeom>
-          <a:ln w="7874">
-            <a:solidFill>
-              <a:schemeClr val="accent6"/>
-            </a:solidFill>
-            <a:tailEnd type="triangle"/>
-          </a:ln>
-        </p:spPr>
-        <p:style>
-          <a:lnRef idx="1">
-            <a:schemeClr val="accent1"/>
-          </a:lnRef>
-          <a:fillRef idx="0">
-            <a:schemeClr val="accent1"/>
-          </a:fillRef>
-          <a:effectRef idx="0">
-            <a:schemeClr val="accent1"/>
-          </a:effectRef>
-          <a:fontRef idx="minor">
-            <a:schemeClr val="tx1"/>
-          </a:fontRef>
-        </p:style>
-      </p:cxnSp>
-      <p:cxnSp>
-        <p:nvCxnSpPr>
-          <p:cNvPr id="157" name="Straight Arrow Connector 156">
-            <a:extLst>
-              <a:ext uri="{FF2B5EF4-FFF2-40B4-BE49-F238E27FC236}">
-                <a16:creationId xmlns:a16="http://schemas.microsoft.com/office/drawing/2014/main" id="{EEC18938-7472-4131-A335-518E42DB5175}"/>
-              </a:ext>
-            </a:extLst>
-          </p:cNvPr>
-          <p:cNvCxnSpPr>
-            <a:cxnSpLocks/>
-          </p:cNvCxnSpPr>
-          <p:nvPr/>
-        </p:nvCxnSpPr>
-        <p:spPr>
-          <a:xfrm>
-            <a:off x="3855908" y="1239880"/>
-            <a:ext cx="964241" cy="1962805"/>
-          </a:xfrm>
-          <a:prstGeom prst="straightConnector1">
-            <a:avLst/>
-          </a:prstGeom>
-          <a:ln w="16891">
-            <a:solidFill>
-              <a:schemeClr val="accent6"/>
-            </a:solidFill>
-            <a:tailEnd type="triangle"/>
-          </a:ln>
-        </p:spPr>
-        <p:style>
-          <a:lnRef idx="1">
-            <a:schemeClr val="accent1"/>
-          </a:lnRef>
-          <a:fillRef idx="0">
-            <a:schemeClr val="accent1"/>
-          </a:fillRef>
-          <a:effectRef idx="0">
-            <a:schemeClr val="accent1"/>
-          </a:effectRef>
-          <a:fontRef idx="minor">
-            <a:schemeClr val="tx1"/>
-          </a:fontRef>
-        </p:style>
-      </p:cxnSp>
-      <p:cxnSp>
-        <p:nvCxnSpPr>
-          <p:cNvPr id="163" name="Straight Arrow Connector 162">
-            <a:extLst>
-              <a:ext uri="{FF2B5EF4-FFF2-40B4-BE49-F238E27FC236}">
-                <a16:creationId xmlns:a16="http://schemas.microsoft.com/office/drawing/2014/main" id="{FDB6F60A-AB76-B0F1-88C8-AC9F6A785544}"/>
-              </a:ext>
-            </a:extLst>
-          </p:cNvPr>
-          <p:cNvCxnSpPr>
-            <a:cxnSpLocks/>
-          </p:cNvCxnSpPr>
-          <p:nvPr/>
-        </p:nvCxnSpPr>
-        <p:spPr>
-          <a:xfrm flipH="1">
-            <a:off x="4426013" y="3751855"/>
-            <a:ext cx="183696" cy="338888"/>
-          </a:xfrm>
-          <a:prstGeom prst="straightConnector1">
-            <a:avLst/>
-          </a:prstGeom>
-          <a:ln w="13716">
-            <a:solidFill>
-              <a:schemeClr val="accent6"/>
-            </a:solidFill>
-            <a:tailEnd type="triangle"/>
-          </a:ln>
-        </p:spPr>
-        <p:style>
-          <a:lnRef idx="1">
-            <a:schemeClr val="accent1"/>
-          </a:lnRef>
-          <a:fillRef idx="0">
-            <a:schemeClr val="accent1"/>
-          </a:fillRef>
-          <a:effectRef idx="0">
-            <a:schemeClr val="accent1"/>
-          </a:effectRef>
-          <a:fontRef idx="minor">
-            <a:schemeClr val="tx1"/>
-          </a:fontRef>
-        </p:style>
-      </p:cxnSp>
-      <p:cxnSp>
-        <p:nvCxnSpPr>
-          <p:cNvPr id="166" name="Straight Arrow Connector 165">
-            <a:extLst>
-              <a:ext uri="{FF2B5EF4-FFF2-40B4-BE49-F238E27FC236}">
-                <a16:creationId xmlns:a16="http://schemas.microsoft.com/office/drawing/2014/main" id="{93A35AA6-C8F5-8E51-A2B1-066E083A828B}"/>
-              </a:ext>
-            </a:extLst>
-          </p:cNvPr>
-          <p:cNvCxnSpPr>
-            <a:cxnSpLocks/>
-          </p:cNvCxnSpPr>
-          <p:nvPr/>
-        </p:nvCxnSpPr>
-        <p:spPr>
-          <a:xfrm>
-            <a:off x="5392518" y="3903090"/>
-            <a:ext cx="0" cy="1669729"/>
-          </a:xfrm>
-          <a:prstGeom prst="straightConnector1">
-            <a:avLst/>
-          </a:prstGeom>
-          <a:ln w="153035">
-            <a:solidFill>
-              <a:schemeClr val="tx1"/>
-            </a:solidFill>
-            <a:tailEnd type="triangle"/>
-          </a:ln>
-        </p:spPr>
-        <p:style>
-          <a:lnRef idx="1">
-            <a:schemeClr val="accent1"/>
-          </a:lnRef>
-          <a:fillRef idx="0">
-            <a:schemeClr val="accent1"/>
-          </a:fillRef>
-          <a:effectRef idx="0">
-            <a:schemeClr val="accent1"/>
-          </a:effectRef>
-          <a:fontRef idx="minor">
-            <a:schemeClr val="tx1"/>
-          </a:fontRef>
-        </p:style>
-      </p:cxnSp>
-      <p:cxnSp>
-        <p:nvCxnSpPr>
-          <p:cNvPr id="173" name="Straight Arrow Connector 172">
-            <a:extLst>
-              <a:ext uri="{FF2B5EF4-FFF2-40B4-BE49-F238E27FC236}">
-                <a16:creationId xmlns:a16="http://schemas.microsoft.com/office/drawing/2014/main" id="{5F0F6374-0DE5-E142-7B68-73416581B430}"/>
-              </a:ext>
-            </a:extLst>
-          </p:cNvPr>
-          <p:cNvCxnSpPr>
-            <a:cxnSpLocks/>
-            <a:stCxn id="77" idx="2"/>
-            <a:endCxn id="53" idx="1"/>
-          </p:cNvCxnSpPr>
-          <p:nvPr/>
-        </p:nvCxnSpPr>
-        <p:spPr>
-          <a:xfrm>
-            <a:off x="2100193" y="4140437"/>
-            <a:ext cx="2445132" cy="1788229"/>
-          </a:xfrm>
-          <a:prstGeom prst="straightConnector1">
-            <a:avLst/>
-          </a:prstGeom>
-          <a:ln w="48641">
-            <a:solidFill>
-              <a:schemeClr val="accent6"/>
-            </a:solidFill>
-            <a:tailEnd type="triangle"/>
-          </a:ln>
-        </p:spPr>
-        <p:style>
-          <a:lnRef idx="1">
-            <a:schemeClr val="accent1"/>
-          </a:lnRef>
-          <a:fillRef idx="0">
-            <a:schemeClr val="accent1"/>
-          </a:fillRef>
-          <a:effectRef idx="0">
-            <a:schemeClr val="accent1"/>
-          </a:effectRef>
-          <a:fontRef idx="minor">
-            <a:schemeClr val="tx1"/>
-          </a:fontRef>
-        </p:style>
-      </p:cxnSp>
-      <p:cxnSp>
-        <p:nvCxnSpPr>
-          <p:cNvPr id="7" name="Straight Arrow Connector 6">
-            <a:extLst>
-              <a:ext uri="{FF2B5EF4-FFF2-40B4-BE49-F238E27FC236}">
-                <a16:creationId xmlns:a16="http://schemas.microsoft.com/office/drawing/2014/main" id="{FFDCF08F-922E-B125-A8AF-E5B5A2B26F0F}"/>
-              </a:ext>
-            </a:extLst>
-          </p:cNvPr>
-          <p:cNvCxnSpPr>
-            <a:cxnSpLocks/>
-            <a:stCxn id="77" idx="0"/>
-          </p:cNvCxnSpPr>
-          <p:nvPr/>
-        </p:nvCxnSpPr>
-        <p:spPr>
-          <a:xfrm flipV="1">
-            <a:off x="2100193" y="1239880"/>
-            <a:ext cx="967359" cy="2377337"/>
-          </a:xfrm>
-          <a:prstGeom prst="straightConnector1">
-            <a:avLst/>
-          </a:prstGeom>
-          <a:ln w="31623">
-            <a:solidFill>
-              <a:schemeClr val="tx1"/>
-            </a:solidFill>
-            <a:tailEnd type="triangle"/>
-          </a:ln>
-        </p:spPr>
-        <p:style>
-          <a:lnRef idx="1">
-            <a:schemeClr val="accent1"/>
-          </a:lnRef>
-          <a:fillRef idx="0">
-            <a:schemeClr val="accent1"/>
-          </a:fillRef>
-          <a:effectRef idx="0">
-            <a:schemeClr val="accent1"/>
-          </a:effectRef>
-          <a:fontRef idx="minor">
-            <a:schemeClr val="tx1"/>
-          </a:fontRef>
-        </p:style>
-      </p:cxnSp>
-    </p:spTree>
-    <p:extLst>
-      <p:ext uri="{BB962C8B-B14F-4D97-AF65-F5344CB8AC3E}">
-        <p14:creationId xmlns:p14="http://schemas.microsoft.com/office/powerpoint/2010/main" val="3843028413"/>
-      </p:ext>
-    </p:extLst>
-  </p:cSld>
-  <p:clrMapOvr>
-    <a:masterClrMapping/>
-  </p:clrMapOvr>
-</p:sld>
-</file>
-
-<file path=ppt/slides/slide4.xml><?xml version="1.0" encoding="utf-8"?>
-<p:sld xmlns:a="http://schemas.openxmlformats.org/drawingml/2006/main" xmlns:r="http://schemas.openxmlformats.org/officeDocument/2006/relationships" xmlns:p="http://schemas.openxmlformats.org/presentationml/2006/main">
-  <p:cSld>
-    <p:spTree>
-      <p:nvGrpSpPr>
-        <p:cNvPr id="1" name=""/>
-        <p:cNvGrpSpPr/>
-        <p:nvPr/>
-      </p:nvGrpSpPr>
-      <p:grpSpPr>
-        <a:xfrm>
-          <a:off x="0" y="0"/>
-          <a:ext cx="0" cy="0"/>
-          <a:chOff x="0" y="0"/>
-          <a:chExt cx="0" cy="0"/>
-        </a:xfrm>
-      </p:grpSpPr>
-      <p:cxnSp>
-        <p:nvCxnSpPr>
-          <p:cNvPr id="75" name="Straight Arrow Connector 74">
-            <a:extLst>
-              <a:ext uri="{FF2B5EF4-FFF2-40B4-BE49-F238E27FC236}">
-                <a16:creationId xmlns:a16="http://schemas.microsoft.com/office/drawing/2014/main" id="{B68A2F88-A190-8BAB-5370-FB2A353D0127}"/>
-              </a:ext>
-            </a:extLst>
-          </p:cNvPr>
-          <p:cNvCxnSpPr>
-            <a:cxnSpLocks/>
-          </p:cNvCxnSpPr>
-          <p:nvPr/>
-        </p:nvCxnSpPr>
-        <p:spPr>
-          <a:xfrm flipH="1" flipV="1">
-            <a:off x="4264007" y="6014944"/>
-            <a:ext cx="4066442" cy="742793"/>
-          </a:xfrm>
-          <a:prstGeom prst="straightConnector1">
-            <a:avLst/>
-          </a:prstGeom>
-          <a:ln w="6985">
-            <a:solidFill>
-              <a:schemeClr val="accent6"/>
-            </a:solidFill>
-            <a:tailEnd type="triangle"/>
-          </a:ln>
-        </p:spPr>
-        <p:style>
-          <a:lnRef idx="1">
-            <a:schemeClr val="accent1"/>
-          </a:lnRef>
-          <a:fillRef idx="0">
-            <a:schemeClr val="accent1"/>
-          </a:fillRef>
-          <a:effectRef idx="0">
-            <a:schemeClr val="accent1"/>
-          </a:effectRef>
-          <a:fontRef idx="minor">
-            <a:schemeClr val="tx1"/>
-          </a:fontRef>
-        </p:style>
-      </p:cxnSp>
-      <p:cxnSp>
-        <p:nvCxnSpPr>
-          <p:cNvPr id="37" name="Straight Arrow Connector 36">
-            <a:extLst>
-              <a:ext uri="{FF2B5EF4-FFF2-40B4-BE49-F238E27FC236}">
-                <a16:creationId xmlns:a16="http://schemas.microsoft.com/office/drawing/2014/main" id="{DCFC64FB-BD38-12AB-C041-6BCA72EDCAC4}"/>
-              </a:ext>
-            </a:extLst>
-          </p:cNvPr>
-          <p:cNvCxnSpPr>
-            <a:cxnSpLocks/>
-            <a:endCxn id="41" idx="2"/>
-          </p:cNvCxnSpPr>
-          <p:nvPr/>
-        </p:nvCxnSpPr>
-        <p:spPr>
-          <a:xfrm flipH="1" flipV="1">
-            <a:off x="5743833" y="2403663"/>
-            <a:ext cx="2551153" cy="3912158"/>
-          </a:xfrm>
-          <a:prstGeom prst="straightConnector1">
-            <a:avLst/>
-          </a:prstGeom>
-          <a:ln w="3810">
-            <a:solidFill>
-              <a:schemeClr val="accent6"/>
-            </a:solidFill>
-            <a:tailEnd type="triangle"/>
-          </a:ln>
-        </p:spPr>
-        <p:style>
-          <a:lnRef idx="1">
-            <a:schemeClr val="accent1"/>
-          </a:lnRef>
-          <a:fillRef idx="0">
-            <a:schemeClr val="accent1"/>
-          </a:fillRef>
-          <a:effectRef idx="0">
-            <a:schemeClr val="accent1"/>
-          </a:effectRef>
-          <a:fontRef idx="minor">
-            <a:schemeClr val="tx1"/>
-          </a:fontRef>
-        </p:style>
-      </p:cxnSp>
-      <p:cxnSp>
-        <p:nvCxnSpPr>
-          <p:cNvPr id="33" name="Straight Arrow Connector 32">
-            <a:extLst>
-              <a:ext uri="{FF2B5EF4-FFF2-40B4-BE49-F238E27FC236}">
-                <a16:creationId xmlns:a16="http://schemas.microsoft.com/office/drawing/2014/main" id="{A21FBEC6-DA46-1716-DF81-F67E855AB849}"/>
-              </a:ext>
-            </a:extLst>
-          </p:cNvPr>
-          <p:cNvCxnSpPr>
-            <a:cxnSpLocks/>
-            <a:endCxn id="23" idx="2"/>
-          </p:cNvCxnSpPr>
-          <p:nvPr/>
-        </p:nvCxnSpPr>
-        <p:spPr>
-          <a:xfrm flipH="1" flipV="1">
-            <a:off x="3456366" y="1267623"/>
-            <a:ext cx="4716950" cy="4978859"/>
-          </a:xfrm>
-          <a:prstGeom prst="straightConnector1">
-            <a:avLst/>
-          </a:prstGeom>
-          <a:ln w="50800">
-            <a:solidFill>
-              <a:schemeClr val="accent6"/>
-            </a:solidFill>
-            <a:tailEnd type="triangle"/>
-          </a:ln>
-        </p:spPr>
-        <p:style>
-          <a:lnRef idx="1">
-            <a:schemeClr val="accent1"/>
-          </a:lnRef>
-          <a:fillRef idx="0">
-            <a:schemeClr val="accent1"/>
-          </a:fillRef>
-          <a:effectRef idx="0">
-            <a:schemeClr val="accent1"/>
-          </a:effectRef>
-          <a:fontRef idx="minor">
-            <a:schemeClr val="tx1"/>
-          </a:fontRef>
-        </p:style>
-      </p:cxnSp>
-      <p:cxnSp>
-        <p:nvCxnSpPr>
-          <p:cNvPr id="2" name="Straight Arrow Connector 1">
-            <a:extLst>
-              <a:ext uri="{FF2B5EF4-FFF2-40B4-BE49-F238E27FC236}">
-                <a16:creationId xmlns:a16="http://schemas.microsoft.com/office/drawing/2014/main" id="{8A3CF5EE-9368-7A61-2690-03BD39BC0A67}"/>
-              </a:ext>
-            </a:extLst>
-          </p:cNvPr>
-          <p:cNvCxnSpPr>
-            <a:cxnSpLocks/>
-          </p:cNvCxnSpPr>
-          <p:nvPr/>
-        </p:nvCxnSpPr>
-        <p:spPr>
-          <a:xfrm flipH="1">
-            <a:off x="4109232" y="260064"/>
-            <a:ext cx="4093723" cy="318880"/>
-          </a:xfrm>
-          <a:prstGeom prst="straightConnector1">
-            <a:avLst/>
-          </a:prstGeom>
-          <a:ln w="35814">
-            <a:solidFill>
-              <a:schemeClr val="tx1"/>
-            </a:solidFill>
-            <a:tailEnd type="triangle"/>
-          </a:ln>
-        </p:spPr>
-        <p:style>
-          <a:lnRef idx="1">
-            <a:schemeClr val="accent1"/>
-          </a:lnRef>
-          <a:fillRef idx="0">
-            <a:schemeClr val="accent1"/>
-          </a:fillRef>
-          <a:effectRef idx="0">
-            <a:schemeClr val="accent1"/>
-          </a:effectRef>
-          <a:fontRef idx="minor">
-            <a:schemeClr val="tx1"/>
-          </a:fontRef>
-        </p:style>
-      </p:cxnSp>
-      <p:cxnSp>
-        <p:nvCxnSpPr>
-          <p:cNvPr id="139" name="Straight Arrow Connector 138">
-            <a:extLst>
-              <a:ext uri="{FF2B5EF4-FFF2-40B4-BE49-F238E27FC236}">
-                <a16:creationId xmlns:a16="http://schemas.microsoft.com/office/drawing/2014/main" id="{DCDD23ED-2ED6-768A-45C6-D2C6BA0F8010}"/>
-              </a:ext>
-            </a:extLst>
-          </p:cNvPr>
-          <p:cNvCxnSpPr>
-            <a:cxnSpLocks/>
-          </p:cNvCxnSpPr>
-          <p:nvPr/>
-        </p:nvCxnSpPr>
-        <p:spPr>
-          <a:xfrm flipH="1" flipV="1">
-            <a:off x="3777242" y="1267623"/>
-            <a:ext cx="4517744" cy="3558255"/>
-          </a:xfrm>
-          <a:prstGeom prst="straightConnector1">
-            <a:avLst/>
-          </a:prstGeom>
-          <a:ln w="35179">
-            <a:solidFill>
-              <a:schemeClr val="tx1"/>
-            </a:solidFill>
-            <a:prstDash val="dash"/>
-            <a:tailEnd type="triangle"/>
-          </a:ln>
-        </p:spPr>
-        <p:style>
-          <a:lnRef idx="1">
-            <a:schemeClr val="accent1"/>
-          </a:lnRef>
-          <a:fillRef idx="0">
-            <a:schemeClr val="accent1"/>
-          </a:fillRef>
-          <a:effectRef idx="0">
-            <a:schemeClr val="accent1"/>
-          </a:effectRef>
-          <a:fontRef idx="minor">
-            <a:schemeClr val="tx1"/>
-          </a:fontRef>
-        </p:style>
-      </p:cxnSp>
-      <p:cxnSp>
-        <p:nvCxnSpPr>
-          <p:cNvPr id="65" name="Straight Arrow Connector 64">
-            <a:extLst>
-              <a:ext uri="{FF2B5EF4-FFF2-40B4-BE49-F238E27FC236}">
-                <a16:creationId xmlns:a16="http://schemas.microsoft.com/office/drawing/2014/main" id="{12D98813-0E5D-9AEC-F23C-8610A3B73D92}"/>
-              </a:ext>
-            </a:extLst>
-          </p:cNvPr>
-          <p:cNvCxnSpPr>
-            <a:cxnSpLocks/>
-            <a:endCxn id="19" idx="2"/>
-          </p:cNvCxnSpPr>
-          <p:nvPr/>
-        </p:nvCxnSpPr>
-        <p:spPr>
-          <a:xfrm flipH="1" flipV="1">
-            <a:off x="6560130" y="1277290"/>
-            <a:ext cx="1621614" cy="4623032"/>
-          </a:xfrm>
-          <a:prstGeom prst="straightConnector1">
-            <a:avLst/>
-          </a:prstGeom>
-          <a:ln w="72390">
-            <a:solidFill>
-              <a:schemeClr val="tx1"/>
-            </a:solidFill>
-            <a:tailEnd type="triangle"/>
-          </a:ln>
-        </p:spPr>
-        <p:style>
-          <a:lnRef idx="1">
-            <a:schemeClr val="accent1"/>
-          </a:lnRef>
-          <a:fillRef idx="0">
-            <a:schemeClr val="accent1"/>
-          </a:fillRef>
-          <a:effectRef idx="0">
-            <a:schemeClr val="accent1"/>
-          </a:effectRef>
-          <a:fontRef idx="minor">
-            <a:schemeClr val="tx1"/>
-          </a:fontRef>
-        </p:style>
-      </p:cxnSp>
-      <p:cxnSp>
-        <p:nvCxnSpPr>
-          <p:cNvPr id="57" name="Straight Arrow Connector 56">
-            <a:extLst>
-              <a:ext uri="{FF2B5EF4-FFF2-40B4-BE49-F238E27FC236}">
-                <a16:creationId xmlns:a16="http://schemas.microsoft.com/office/drawing/2014/main" id="{4E2A04AA-4CE0-46DC-B8DF-BF99F9C0851A}"/>
-              </a:ext>
-            </a:extLst>
-          </p:cNvPr>
-          <p:cNvCxnSpPr>
-            <a:cxnSpLocks/>
-          </p:cNvCxnSpPr>
-          <p:nvPr/>
-        </p:nvCxnSpPr>
-        <p:spPr>
-          <a:xfrm flipH="1" flipV="1">
-            <a:off x="7001523" y="1248271"/>
-            <a:ext cx="1201432" cy="3289089"/>
-          </a:xfrm>
-          <a:prstGeom prst="straightConnector1">
-            <a:avLst/>
-          </a:prstGeom>
-          <a:ln w="73660">
-            <a:solidFill>
-              <a:schemeClr val="accent6"/>
-            </a:solidFill>
-            <a:tailEnd type="triangle"/>
-          </a:ln>
-        </p:spPr>
-        <p:style>
-          <a:lnRef idx="1">
-            <a:schemeClr val="accent1"/>
-          </a:lnRef>
-          <a:fillRef idx="0">
-            <a:schemeClr val="accent1"/>
-          </a:fillRef>
-          <a:effectRef idx="0">
-            <a:schemeClr val="accent1"/>
-          </a:effectRef>
-          <a:fontRef idx="minor">
-            <a:schemeClr val="tx1"/>
-          </a:fontRef>
-        </p:style>
-      </p:cxnSp>
-      <p:cxnSp>
-        <p:nvCxnSpPr>
-          <p:cNvPr id="56" name="Straight Arrow Connector 55">
-            <a:extLst>
-              <a:ext uri="{FF2B5EF4-FFF2-40B4-BE49-F238E27FC236}">
-                <a16:creationId xmlns:a16="http://schemas.microsoft.com/office/drawing/2014/main" id="{35CD70BE-316A-A9B3-65FA-41FB0904E079}"/>
-              </a:ext>
-            </a:extLst>
-          </p:cNvPr>
-          <p:cNvCxnSpPr>
-            <a:cxnSpLocks/>
-          </p:cNvCxnSpPr>
-          <p:nvPr/>
-        </p:nvCxnSpPr>
-        <p:spPr>
-          <a:xfrm flipH="1" flipV="1">
-            <a:off x="7286705" y="1073359"/>
-            <a:ext cx="985835" cy="1245427"/>
-          </a:xfrm>
-          <a:prstGeom prst="straightConnector1">
-            <a:avLst/>
-          </a:prstGeom>
-          <a:ln w="53340">
-            <a:solidFill>
-              <a:schemeClr val="accent6"/>
-            </a:solidFill>
-            <a:prstDash val="sysDot"/>
-            <a:tailEnd type="triangle"/>
-          </a:ln>
-        </p:spPr>
-        <p:style>
-          <a:lnRef idx="1">
-            <a:schemeClr val="accent1"/>
-          </a:lnRef>
-          <a:fillRef idx="0">
-            <a:schemeClr val="accent1"/>
-          </a:fillRef>
-          <a:effectRef idx="0">
-            <a:schemeClr val="accent1"/>
-          </a:effectRef>
-          <a:fontRef idx="minor">
-            <a:schemeClr val="tx1"/>
-          </a:fontRef>
-        </p:style>
-      </p:cxnSp>
-      <p:pic>
-        <p:nvPicPr>
-          <p:cNvPr id="6" name="Picture 5">
-            <a:extLst>
-              <a:ext uri="{FF2B5EF4-FFF2-40B4-BE49-F238E27FC236}">
-                <a16:creationId xmlns:a16="http://schemas.microsoft.com/office/drawing/2014/main" id="{1C56AB06-0FE9-6A75-78B5-5125473E5C80}"/>
-              </a:ext>
-            </a:extLst>
-          </p:cNvPr>
-          <p:cNvPicPr>
-            <a:picLocks noChangeAspect="1"/>
-          </p:cNvPicPr>
-          <p:nvPr/>
-        </p:nvPicPr>
-        <p:blipFill rotWithShape="1">
-          <a:blip r:embed="rId3">
-            <a:extLst>
-              <a:ext uri="{28A0092B-C50C-407E-A947-70E740481C1C}">
-                <a14:useLocalDpi xmlns:a14="http://schemas.microsoft.com/office/drawing/2010/main" val="0"/>
-              </a:ext>
-            </a:extLst>
-          </a:blip>
-          <a:srcRect l="15650" t="22456" r="16076" b="27134"/>
-          <a:stretch/>
-        </p:blipFill>
-        <p:spPr>
-          <a:xfrm>
-            <a:off x="8082769" y="3592729"/>
-            <a:ext cx="1661310" cy="1488616"/>
-          </a:xfrm>
-          <a:prstGeom prst="rect">
-            <a:avLst/>
-          </a:prstGeom>
-        </p:spPr>
-      </p:pic>
-      <p:pic>
-        <p:nvPicPr>
-          <p:cNvPr id="8" name="Picture 7">
-            <a:extLst>
-              <a:ext uri="{FF2B5EF4-FFF2-40B4-BE49-F238E27FC236}">
-                <a16:creationId xmlns:a16="http://schemas.microsoft.com/office/drawing/2014/main" id="{59444F28-A1FA-708D-3DD0-91E40C0788A4}"/>
-              </a:ext>
-            </a:extLst>
-          </p:cNvPr>
-          <p:cNvPicPr>
-            <a:picLocks noChangeAspect="1"/>
-          </p:cNvPicPr>
-          <p:nvPr/>
-        </p:nvPicPr>
-        <p:blipFill rotWithShape="1">
-          <a:blip r:embed="rId4">
-            <a:extLst>
-              <a:ext uri="{28A0092B-C50C-407E-A947-70E740481C1C}">
-                <a14:useLocalDpi xmlns:a14="http://schemas.microsoft.com/office/drawing/2010/main" val="0"/>
-              </a:ext>
-            </a:extLst>
-          </a:blip>
-          <a:srcRect l="22719" t="43158" r="53158" b="27485"/>
-          <a:stretch/>
-        </p:blipFill>
-        <p:spPr>
-          <a:xfrm>
-            <a:off x="8082769" y="106119"/>
-            <a:ext cx="1632351" cy="1489893"/>
-          </a:xfrm>
-          <a:prstGeom prst="rect">
-            <a:avLst/>
-          </a:prstGeom>
-        </p:spPr>
-      </p:pic>
-      <p:pic>
-        <p:nvPicPr>
-          <p:cNvPr id="10" name="Picture 9">
-            <a:extLst>
-              <a:ext uri="{FF2B5EF4-FFF2-40B4-BE49-F238E27FC236}">
-                <a16:creationId xmlns:a16="http://schemas.microsoft.com/office/drawing/2014/main" id="{2736802B-F260-B466-04CB-05DF23ADE29A}"/>
-              </a:ext>
-            </a:extLst>
-          </p:cNvPr>
-          <p:cNvPicPr>
-            <a:picLocks noChangeAspect="1"/>
-          </p:cNvPicPr>
-          <p:nvPr/>
-        </p:nvPicPr>
-        <p:blipFill rotWithShape="1">
-          <a:blip r:embed="rId5">
-            <a:extLst>
-              <a:ext uri="{28A0092B-C50C-407E-A947-70E740481C1C}">
-                <a14:useLocalDpi xmlns:a14="http://schemas.microsoft.com/office/drawing/2010/main" val="0"/>
-              </a:ext>
-            </a:extLst>
-          </a:blip>
-          <a:srcRect t="5380" b="3626"/>
-          <a:stretch/>
-        </p:blipFill>
-        <p:spPr>
-          <a:xfrm>
-            <a:off x="8090050" y="1648076"/>
-            <a:ext cx="1625070" cy="1871796"/>
-          </a:xfrm>
-          <a:prstGeom prst="rect">
-            <a:avLst/>
-          </a:prstGeom>
-        </p:spPr>
-      </p:pic>
-      <p:grpSp>
-        <p:nvGrpSpPr>
-          <p:cNvPr id="18" name="Group 17">
-            <a:extLst>
-              <a:ext uri="{FF2B5EF4-FFF2-40B4-BE49-F238E27FC236}">
-                <a16:creationId xmlns:a16="http://schemas.microsoft.com/office/drawing/2014/main" id="{B373A205-0A57-E55D-8630-1FF4BAB6D8CB}"/>
-              </a:ext>
-            </a:extLst>
-          </p:cNvPr>
-          <p:cNvGrpSpPr/>
-          <p:nvPr/>
-        </p:nvGrpSpPr>
-        <p:grpSpPr>
-          <a:xfrm>
-            <a:off x="8075112" y="5154202"/>
-            <a:ext cx="1713201" cy="1590767"/>
-            <a:chOff x="4126992" y="3096768"/>
-            <a:chExt cx="2444496" cy="2164080"/>
-          </a:xfrm>
-        </p:grpSpPr>
-        <p:pic>
-          <p:nvPicPr>
-            <p:cNvPr id="14" name="Content Placeholder 5">
-              <a:extLst>
-                <a:ext uri="{FF2B5EF4-FFF2-40B4-BE49-F238E27FC236}">
-                  <a16:creationId xmlns:a16="http://schemas.microsoft.com/office/drawing/2014/main" id="{34A971F1-480A-0833-8D2E-BB5A0148EB92}"/>
-                </a:ext>
-              </a:extLst>
-            </p:cNvPr>
-            <p:cNvPicPr>
-              <a:picLocks noChangeAspect="1"/>
-            </p:cNvPicPr>
-            <p:nvPr/>
-          </p:nvPicPr>
-          <p:blipFill rotWithShape="1">
-            <a:blip r:embed="rId6">
-              <a:extLst>
-                <a:ext uri="{28A0092B-C50C-407E-A947-70E740481C1C}">
-                  <a14:useLocalDpi xmlns:a14="http://schemas.microsoft.com/office/drawing/2010/main" val="0"/>
-                </a:ext>
-              </a:extLst>
-            </a:blip>
-            <a:srcRect l="31086" t="16843" r="15530" b="20377"/>
-            <a:stretch/>
-          </p:blipFill>
-          <p:spPr>
-            <a:xfrm>
-              <a:off x="4126992" y="3096768"/>
-              <a:ext cx="2444496" cy="2164080"/>
-            </a:xfrm>
-            <a:prstGeom prst="rect">
-              <a:avLst/>
-            </a:prstGeom>
-          </p:spPr>
-        </p:pic>
-        <p:sp>
-          <p:nvSpPr>
-            <p:cNvPr id="15" name="Oval 14">
-              <a:extLst>
-                <a:ext uri="{FF2B5EF4-FFF2-40B4-BE49-F238E27FC236}">
-                  <a16:creationId xmlns:a16="http://schemas.microsoft.com/office/drawing/2014/main" id="{3A406421-46F2-21AC-AEDF-1E5D0B0FE6FF}"/>
-                </a:ext>
-              </a:extLst>
-            </p:cNvPr>
-            <p:cNvSpPr/>
-            <p:nvPr/>
-          </p:nvSpPr>
-          <p:spPr>
-            <a:xfrm>
-              <a:off x="4410456" y="3233928"/>
-              <a:ext cx="1877568" cy="1889760"/>
-            </a:xfrm>
-            <a:prstGeom prst="ellipse">
-              <a:avLst/>
-            </a:prstGeom>
-            <a:noFill/>
-            <a:ln w="76200">
-              <a:solidFill>
-                <a:schemeClr val="tx1"/>
-              </a:solidFill>
-            </a:ln>
-          </p:spPr>
-          <p:style>
-            <a:lnRef idx="2">
-              <a:schemeClr val="accent1">
-                <a:shade val="50000"/>
-              </a:schemeClr>
-            </a:lnRef>
-            <a:fillRef idx="1">
-              <a:schemeClr val="accent1"/>
-            </a:fillRef>
-            <a:effectRef idx="0">
-              <a:schemeClr val="accent1"/>
-            </a:effectRef>
-            <a:fontRef idx="minor">
-              <a:schemeClr val="lt1"/>
-            </a:fontRef>
-          </p:style>
-          <p:txBody>
-            <a:bodyPr rtlCol="0" anchor="ctr"/>
-            <a:lstStyle/>
-            <a:p>
-              <a:pPr algn="ctr"/>
-              <a:endParaRPr lang="en-US"/>
-            </a:p>
-          </p:txBody>
-        </p:sp>
-        <p:cxnSp>
-          <p:nvCxnSpPr>
-            <p:cNvPr id="17" name="Straight Connector 16">
-              <a:extLst>
-                <a:ext uri="{FF2B5EF4-FFF2-40B4-BE49-F238E27FC236}">
-                  <a16:creationId xmlns:a16="http://schemas.microsoft.com/office/drawing/2014/main" id="{AEAD83D0-4099-3790-E6BA-275955205711}"/>
-                </a:ext>
-              </a:extLst>
-            </p:cNvPr>
-            <p:cNvCxnSpPr>
-              <a:stCxn id="15" idx="7"/>
-              <a:endCxn id="15" idx="3"/>
-            </p:cNvCxnSpPr>
-            <p:nvPr/>
-          </p:nvCxnSpPr>
-          <p:spPr>
-            <a:xfrm flipH="1">
-              <a:off x="4685419" y="3510677"/>
-              <a:ext cx="1327642" cy="1336262"/>
-            </a:xfrm>
-            <a:prstGeom prst="line">
-              <a:avLst/>
-            </a:prstGeom>
-            <a:ln w="76200">
-              <a:solidFill>
-                <a:schemeClr val="tx1"/>
-              </a:solidFill>
-            </a:ln>
-          </p:spPr>
-          <p:style>
-            <a:lnRef idx="1">
-              <a:schemeClr val="accent1"/>
-            </a:lnRef>
-            <a:fillRef idx="0">
-              <a:schemeClr val="accent1"/>
-            </a:fillRef>
-            <a:effectRef idx="0">
-              <a:schemeClr val="accent1"/>
-            </a:effectRef>
-            <a:fontRef idx="minor">
-              <a:schemeClr val="tx1"/>
-            </a:fontRef>
-          </p:style>
-        </p:cxnSp>
-      </p:grpSp>
-      <p:sp>
-        <p:nvSpPr>
-          <p:cNvPr id="19" name="TextBox 18">
-            <a:extLst>
-              <a:ext uri="{FF2B5EF4-FFF2-40B4-BE49-F238E27FC236}">
-                <a16:creationId xmlns:a16="http://schemas.microsoft.com/office/drawing/2014/main" id="{014C6164-C7F1-050A-21A2-EC72E4DF3CFD}"/>
-              </a:ext>
-            </a:extLst>
-          </p:cNvPr>
-          <p:cNvSpPr txBox="1"/>
-          <p:nvPr/>
-        </p:nvSpPr>
-        <p:spPr>
-          <a:xfrm>
-            <a:off x="5650268" y="446293"/>
-            <a:ext cx="1819723" cy="830997"/>
-          </a:xfrm>
-          <a:prstGeom prst="rect">
-            <a:avLst/>
-          </a:prstGeom>
-          <a:noFill/>
-        </p:spPr>
-        <p:txBody>
-          <a:bodyPr wrap="square" rtlCol="0">
-            <a:spAutoFit/>
-          </a:bodyPr>
-          <a:lstStyle/>
-          <a:p>
-            <a:pPr algn="ctr"/>
-            <a:r>
-              <a:rPr lang="en-US" sz="2800" dirty="0">
-                <a:solidFill>
-                  <a:schemeClr val="accent2">
-                    <a:lumMod val="50000"/>
-                  </a:schemeClr>
-                </a:solidFill>
-              </a:rPr>
-              <a:t>Soil C &amp; N</a:t>
-            </a:r>
-          </a:p>
-          <a:p>
-            <a:pPr algn="ctr"/>
-            <a:r>
-              <a:rPr lang="en-US" sz="2000" kern="100" dirty="0">
-                <a:solidFill>
-                  <a:schemeClr val="accent2">
-                    <a:lumMod val="50000"/>
-                  </a:schemeClr>
-                </a:solidFill>
-                <a:effectLst/>
-                <a:latin typeface="Calibri" panose="020F0502020204030204" pitchFamily="34" charset="0"/>
-                <a:ea typeface="Calibri" panose="020F0502020204030204" pitchFamily="34" charset="0"/>
-                <a:cs typeface="Times New Roman" panose="02020603050405020304" pitchFamily="18" charset="0"/>
-              </a:rPr>
-              <a:t>R</a:t>
-            </a:r>
-            <a:r>
-              <a:rPr lang="en-US" sz="2000" kern="100" baseline="30000" dirty="0">
-                <a:solidFill>
-                  <a:schemeClr val="accent2">
-                    <a:lumMod val="50000"/>
-                  </a:schemeClr>
-                </a:solidFill>
-                <a:effectLst/>
-                <a:latin typeface="Calibri" panose="020F0502020204030204" pitchFamily="34" charset="0"/>
-                <a:ea typeface="Calibri" panose="020F0502020204030204" pitchFamily="34" charset="0"/>
-                <a:cs typeface="Times New Roman" panose="02020603050405020304" pitchFamily="18" charset="0"/>
-              </a:rPr>
-              <a:t>2</a:t>
-            </a:r>
-            <a:r>
-              <a:rPr lang="en-US" sz="2000" kern="100" dirty="0">
-                <a:solidFill>
-                  <a:schemeClr val="accent2">
-                    <a:lumMod val="50000"/>
-                  </a:schemeClr>
-                </a:solidFill>
-                <a:effectLst/>
-                <a:latin typeface="Calibri" panose="020F0502020204030204" pitchFamily="34" charset="0"/>
-                <a:ea typeface="Calibri" panose="020F0502020204030204" pitchFamily="34" charset="0"/>
-                <a:cs typeface="Times New Roman" panose="02020603050405020304" pitchFamily="18" charset="0"/>
-              </a:rPr>
-              <a:t> = 0.27</a:t>
-            </a:r>
-          </a:p>
-        </p:txBody>
-      </p:sp>
-      <p:sp>
-        <p:nvSpPr>
-          <p:cNvPr id="23" name="TextBox 22">
-            <a:extLst>
-              <a:ext uri="{FF2B5EF4-FFF2-40B4-BE49-F238E27FC236}">
-                <a16:creationId xmlns:a16="http://schemas.microsoft.com/office/drawing/2014/main" id="{DE3F3F00-E47F-D582-4D90-D3A5CBC01CD8}"/>
-              </a:ext>
-            </a:extLst>
-          </p:cNvPr>
-          <p:cNvSpPr txBox="1"/>
-          <p:nvPr/>
-        </p:nvSpPr>
-        <p:spPr>
-          <a:xfrm>
-            <a:off x="2801611" y="436626"/>
-            <a:ext cx="1309509" cy="830997"/>
-          </a:xfrm>
-          <a:prstGeom prst="rect">
-            <a:avLst/>
-          </a:prstGeom>
-          <a:noFill/>
-          <a:ln>
-            <a:noFill/>
-          </a:ln>
-        </p:spPr>
-        <p:txBody>
-          <a:bodyPr wrap="square" rtlCol="0">
-            <a:spAutoFit/>
-          </a:bodyPr>
-          <a:lstStyle/>
-          <a:p>
-            <a:pPr algn="ctr"/>
-            <a:r>
-              <a:rPr lang="en-US" sz="2800" dirty="0">
-                <a:solidFill>
-                  <a:srgbClr val="0070C0"/>
-                </a:solidFill>
-              </a:rPr>
               <a:t>Forb N</a:t>
             </a:r>
           </a:p>
@@ -11364,7 +11689,7 @@
         </p:nvSpPr>
         <p:spPr>
           <a:xfrm>
-            <a:off x="4381330" y="4438999"/>
+            <a:off x="4508198" y="3862781"/>
             <a:ext cx="1554561" cy="830997"/>
           </a:xfrm>
           <a:prstGeom prst="rect">
@@ -11454,7 +11779,7 @@
         </p:nvSpPr>
         <p:spPr>
           <a:xfrm>
-            <a:off x="2801611" y="5689625"/>
+            <a:off x="3713166" y="4883640"/>
             <a:ext cx="1590064" cy="830997"/>
           </a:xfrm>
           <a:prstGeom prst="rect">
@@ -11710,13 +12035,14 @@
           </p:cNvPr>
           <p:cNvCxnSpPr>
             <a:cxnSpLocks/>
+            <a:endCxn id="44" idx="0"/>
           </p:cNvCxnSpPr>
           <p:nvPr/>
         </p:nvCxnSpPr>
         <p:spPr>
           <a:xfrm>
             <a:off x="3247524" y="1267623"/>
-            <a:ext cx="13293" cy="1658722"/>
+            <a:ext cx="208841" cy="1799888"/>
           </a:xfrm>
           <a:prstGeom prst="straightConnector1">
             <a:avLst/>
@@ -11803,8 +12129,8 @@
         </p:nvCxnSpPr>
         <p:spPr>
           <a:xfrm>
-            <a:off x="3904131" y="3907239"/>
-            <a:ext cx="660916" cy="624226"/>
+            <a:off x="4067907" y="3658300"/>
+            <a:ext cx="521258" cy="331365"/>
           </a:xfrm>
           <a:prstGeom prst="straightConnector1">
             <a:avLst/>
@@ -11842,13 +12168,14 @@
           </p:cNvPr>
           <p:cNvCxnSpPr>
             <a:cxnSpLocks/>
+            <a:stCxn id="44" idx="2"/>
           </p:cNvCxnSpPr>
           <p:nvPr/>
         </p:nvCxnSpPr>
         <p:spPr>
-          <a:xfrm flipH="1">
-            <a:off x="3211984" y="3942017"/>
-            <a:ext cx="48833" cy="1756379"/>
+          <a:xfrm>
+            <a:off x="3456365" y="3898508"/>
+            <a:ext cx="536896" cy="927370"/>
           </a:xfrm>
           <a:prstGeom prst="straightConnector1">
             <a:avLst/>
@@ -11893,7 +12220,7 @@
         <p:spPr>
           <a:xfrm>
             <a:off x="2084651" y="3592729"/>
-            <a:ext cx="923980" cy="2105667"/>
+            <a:ext cx="1758272" cy="1404651"/>
           </a:xfrm>
           <a:prstGeom prst="straightConnector1">
             <a:avLst/>
@@ -11920,6 +12247,257 @@
           </a:fontRef>
         </p:style>
       </p:cxnSp>
+      <p:cxnSp>
+        <p:nvCxnSpPr>
+          <p:cNvPr id="12" name="Straight Connector 11">
+            <a:extLst>
+              <a:ext uri="{FF2B5EF4-FFF2-40B4-BE49-F238E27FC236}">
+                <a16:creationId xmlns:a16="http://schemas.microsoft.com/office/drawing/2014/main" id="{C373C5A3-977D-E6BA-4962-EDD23114A5CA}"/>
+              </a:ext>
+            </a:extLst>
+          </p:cNvPr>
+          <p:cNvCxnSpPr/>
+          <p:nvPr/>
+        </p:nvCxnSpPr>
+        <p:spPr>
+          <a:xfrm>
+            <a:off x="1515458" y="5551607"/>
+            <a:ext cx="666725" cy="0"/>
+          </a:xfrm>
+          <a:prstGeom prst="line">
+            <a:avLst/>
+          </a:prstGeom>
+          <a:ln w="101600">
+            <a:solidFill>
+              <a:schemeClr val="accent6"/>
+            </a:solidFill>
+          </a:ln>
+        </p:spPr>
+        <p:style>
+          <a:lnRef idx="1">
+            <a:schemeClr val="accent1"/>
+          </a:lnRef>
+          <a:fillRef idx="0">
+            <a:schemeClr val="accent1"/>
+          </a:fillRef>
+          <a:effectRef idx="0">
+            <a:schemeClr val="accent1"/>
+          </a:effectRef>
+          <a:fontRef idx="minor">
+            <a:schemeClr val="tx1"/>
+          </a:fontRef>
+        </p:style>
+      </p:cxnSp>
+      <p:cxnSp>
+        <p:nvCxnSpPr>
+          <p:cNvPr id="13" name="Straight Connector 12">
+            <a:extLst>
+              <a:ext uri="{FF2B5EF4-FFF2-40B4-BE49-F238E27FC236}">
+                <a16:creationId xmlns:a16="http://schemas.microsoft.com/office/drawing/2014/main" id="{2D05BA20-B7DF-D4C3-C1DF-FDF67CE8BCD4}"/>
+              </a:ext>
+            </a:extLst>
+          </p:cNvPr>
+          <p:cNvCxnSpPr/>
+          <p:nvPr/>
+        </p:nvCxnSpPr>
+        <p:spPr>
+          <a:xfrm>
+            <a:off x="1532628" y="5919953"/>
+            <a:ext cx="666725" cy="0"/>
+          </a:xfrm>
+          <a:prstGeom prst="line">
+            <a:avLst/>
+          </a:prstGeom>
+          <a:ln w="101600">
+            <a:solidFill>
+              <a:srgbClr val="002060"/>
+            </a:solidFill>
+          </a:ln>
+        </p:spPr>
+        <p:style>
+          <a:lnRef idx="1">
+            <a:schemeClr val="accent1"/>
+          </a:lnRef>
+          <a:fillRef idx="0">
+            <a:schemeClr val="accent1"/>
+          </a:fillRef>
+          <a:effectRef idx="0">
+            <a:schemeClr val="accent1"/>
+          </a:effectRef>
+          <a:fontRef idx="minor">
+            <a:schemeClr val="tx1"/>
+          </a:fontRef>
+        </p:style>
+      </p:cxnSp>
+      <p:sp>
+        <p:nvSpPr>
+          <p:cNvPr id="16" name="TextBox 15">
+            <a:extLst>
+              <a:ext uri="{FF2B5EF4-FFF2-40B4-BE49-F238E27FC236}">
+                <a16:creationId xmlns:a16="http://schemas.microsoft.com/office/drawing/2014/main" id="{F9C23274-EA2D-1A4A-A1A6-A9195C46B345}"/>
+              </a:ext>
+            </a:extLst>
+          </p:cNvPr>
+          <p:cNvSpPr txBox="1"/>
+          <p:nvPr/>
+        </p:nvSpPr>
+        <p:spPr>
+          <a:xfrm>
+            <a:off x="2182183" y="5640989"/>
+            <a:ext cx="1564841" cy="523220"/>
+          </a:xfrm>
+          <a:prstGeom prst="rect">
+            <a:avLst/>
+          </a:prstGeom>
+          <a:noFill/>
+        </p:spPr>
+        <p:txBody>
+          <a:bodyPr wrap="square" rtlCol="0">
+            <a:spAutoFit/>
+          </a:bodyPr>
+          <a:lstStyle/>
+          <a:p>
+            <a:r>
+              <a:rPr lang="en-US" sz="2800" dirty="0"/>
+              <a:t>Negative</a:t>
+            </a:r>
+          </a:p>
+        </p:txBody>
+      </p:sp>
+      <p:sp>
+        <p:nvSpPr>
+          <p:cNvPr id="20" name="TextBox 19">
+            <a:extLst>
+              <a:ext uri="{FF2B5EF4-FFF2-40B4-BE49-F238E27FC236}">
+                <a16:creationId xmlns:a16="http://schemas.microsoft.com/office/drawing/2014/main" id="{47118B9D-9F2A-23D0-E2F9-4DC054EB5EF3}"/>
+              </a:ext>
+            </a:extLst>
+          </p:cNvPr>
+          <p:cNvSpPr txBox="1"/>
+          <p:nvPr/>
+        </p:nvSpPr>
+        <p:spPr>
+          <a:xfrm>
+            <a:off x="2188141" y="5286228"/>
+            <a:ext cx="1564841" cy="523220"/>
+          </a:xfrm>
+          <a:prstGeom prst="rect">
+            <a:avLst/>
+          </a:prstGeom>
+          <a:noFill/>
+        </p:spPr>
+        <p:txBody>
+          <a:bodyPr wrap="square" rtlCol="0">
+            <a:spAutoFit/>
+          </a:bodyPr>
+          <a:lstStyle/>
+          <a:p>
+            <a:r>
+              <a:rPr lang="en-US" sz="2800" dirty="0">
+                <a:solidFill>
+                  <a:schemeClr val="accent6"/>
+                </a:solidFill>
+              </a:rPr>
+              <a:t>Positive</a:t>
+            </a:r>
+          </a:p>
+        </p:txBody>
+      </p:sp>
+      <p:sp>
+        <p:nvSpPr>
+          <p:cNvPr id="22" name="Rectangle 21">
+            <a:extLst>
+              <a:ext uri="{FF2B5EF4-FFF2-40B4-BE49-F238E27FC236}">
+                <a16:creationId xmlns:a16="http://schemas.microsoft.com/office/drawing/2014/main" id="{006E06C3-0DA7-B529-892D-A1330B71972A}"/>
+              </a:ext>
+            </a:extLst>
+          </p:cNvPr>
+          <p:cNvSpPr/>
+          <p:nvPr/>
+        </p:nvSpPr>
+        <p:spPr>
+          <a:xfrm>
+            <a:off x="1391958" y="5286228"/>
+            <a:ext cx="2198451" cy="877981"/>
+          </a:xfrm>
+          <a:prstGeom prst="rect">
+            <a:avLst/>
+          </a:prstGeom>
+          <a:noFill/>
+          <a:ln>
+            <a:solidFill>
+              <a:schemeClr val="tx1"/>
+            </a:solidFill>
+          </a:ln>
+        </p:spPr>
+        <p:style>
+          <a:lnRef idx="2">
+            <a:schemeClr val="accent1">
+              <a:shade val="15000"/>
+            </a:schemeClr>
+          </a:lnRef>
+          <a:fillRef idx="1">
+            <a:schemeClr val="accent1"/>
+          </a:fillRef>
+          <a:effectRef idx="0">
+            <a:schemeClr val="accent1"/>
+          </a:effectRef>
+          <a:fontRef idx="minor">
+            <a:schemeClr val="lt1"/>
+          </a:fontRef>
+        </p:style>
+        <p:txBody>
+          <a:bodyPr rtlCol="0" anchor="ctr"/>
+          <a:lstStyle/>
+          <a:p>
+            <a:pPr algn="ctr"/>
+            <a:endParaRPr lang="en-US"/>
+          </a:p>
+        </p:txBody>
+      </p:sp>
+      <p:sp>
+        <p:nvSpPr>
+          <p:cNvPr id="24" name="TextBox 23">
+            <a:extLst>
+              <a:ext uri="{FF2B5EF4-FFF2-40B4-BE49-F238E27FC236}">
+                <a16:creationId xmlns:a16="http://schemas.microsoft.com/office/drawing/2014/main" id="{8B632194-791A-AEAE-76DA-8BD9EB97D193}"/>
+              </a:ext>
+            </a:extLst>
+          </p:cNvPr>
+          <p:cNvSpPr txBox="1"/>
+          <p:nvPr/>
+        </p:nvSpPr>
+        <p:spPr>
+          <a:xfrm>
+            <a:off x="3104601" y="6350339"/>
+            <a:ext cx="4086400" cy="523220"/>
+          </a:xfrm>
+          <a:prstGeom prst="rect">
+            <a:avLst/>
+          </a:prstGeom>
+          <a:noFill/>
+        </p:spPr>
+        <p:txBody>
+          <a:bodyPr wrap="square" rtlCol="0">
+            <a:spAutoFit/>
+          </a:bodyPr>
+          <a:lstStyle/>
+          <a:p>
+            <a:r>
+              <a:rPr lang="en-US" sz="2800" dirty="0"/>
+              <a:t>Fischer’s C = 53.6, </a:t>
+            </a:r>
+            <a:r>
+              <a:rPr lang="en-US" sz="2800" i="1" dirty="0"/>
+              <a:t>P </a:t>
+            </a:r>
+            <a:r>
+              <a:rPr lang="en-US" sz="2800" dirty="0"/>
+              <a:t>= 0.64</a:t>
+            </a:r>
+          </a:p>
+        </p:txBody>
+      </p:sp>
     </p:spTree>
     <p:extLst>
       <p:ext uri="{BB962C8B-B14F-4D97-AF65-F5344CB8AC3E}">

--- a/plots/PSEMplots.pptx
+++ b/plots/PSEMplots.pptx
@@ -202,7 +202,7 @@
           <a:p>
             <a:fld id="{09007E6E-1341-4B25-B897-05406DF805DE}" type="datetimeFigureOut">
               <a:rPr lang="en-US" smtClean="0"/>
-              <a:t>10/9/2023</a:t>
+              <a:t>10/23/2024</a:t>
             </a:fld>
             <a:endParaRPr lang="en-US"/>
           </a:p>
@@ -1138,7 +1138,7 @@
           <a:p>
             <a:fld id="{87382854-844E-43E2-9B4F-1BD7657CF4C3}" type="datetimeFigureOut">
               <a:rPr lang="en-US" smtClean="0"/>
-              <a:t>10/9/2023</a:t>
+              <a:t>10/23/2024</a:t>
             </a:fld>
             <a:endParaRPr lang="en-US"/>
           </a:p>
@@ -1336,7 +1336,7 @@
           <a:p>
             <a:fld id="{87382854-844E-43E2-9B4F-1BD7657CF4C3}" type="datetimeFigureOut">
               <a:rPr lang="en-US" smtClean="0"/>
-              <a:t>10/9/2023</a:t>
+              <a:t>10/23/2024</a:t>
             </a:fld>
             <a:endParaRPr lang="en-US"/>
           </a:p>
@@ -1544,7 +1544,7 @@
           <a:p>
             <a:fld id="{87382854-844E-43E2-9B4F-1BD7657CF4C3}" type="datetimeFigureOut">
               <a:rPr lang="en-US" smtClean="0"/>
-              <a:t>10/9/2023</a:t>
+              <a:t>10/23/2024</a:t>
             </a:fld>
             <a:endParaRPr lang="en-US"/>
           </a:p>
@@ -1742,7 +1742,7 @@
           <a:p>
             <a:fld id="{87382854-844E-43E2-9B4F-1BD7657CF4C3}" type="datetimeFigureOut">
               <a:rPr lang="en-US" smtClean="0"/>
-              <a:t>10/9/2023</a:t>
+              <a:t>10/23/2024</a:t>
             </a:fld>
             <a:endParaRPr lang="en-US"/>
           </a:p>
@@ -2017,7 +2017,7 @@
           <a:p>
             <a:fld id="{87382854-844E-43E2-9B4F-1BD7657CF4C3}" type="datetimeFigureOut">
               <a:rPr lang="en-US" smtClean="0"/>
-              <a:t>10/9/2023</a:t>
+              <a:t>10/23/2024</a:t>
             </a:fld>
             <a:endParaRPr lang="en-US"/>
           </a:p>
@@ -2282,7 +2282,7 @@
           <a:p>
             <a:fld id="{87382854-844E-43E2-9B4F-1BD7657CF4C3}" type="datetimeFigureOut">
               <a:rPr lang="en-US" smtClean="0"/>
-              <a:t>10/9/2023</a:t>
+              <a:t>10/23/2024</a:t>
             </a:fld>
             <a:endParaRPr lang="en-US"/>
           </a:p>
@@ -2694,7 +2694,7 @@
           <a:p>
             <a:fld id="{87382854-844E-43E2-9B4F-1BD7657CF4C3}" type="datetimeFigureOut">
               <a:rPr lang="en-US" smtClean="0"/>
-              <a:t>10/9/2023</a:t>
+              <a:t>10/23/2024</a:t>
             </a:fld>
             <a:endParaRPr lang="en-US"/>
           </a:p>
@@ -2835,7 +2835,7 @@
           <a:p>
             <a:fld id="{87382854-844E-43E2-9B4F-1BD7657CF4C3}" type="datetimeFigureOut">
               <a:rPr lang="en-US" smtClean="0"/>
-              <a:t>10/9/2023</a:t>
+              <a:t>10/23/2024</a:t>
             </a:fld>
             <a:endParaRPr lang="en-US"/>
           </a:p>
@@ -2948,7 +2948,7 @@
           <a:p>
             <a:fld id="{87382854-844E-43E2-9B4F-1BD7657CF4C3}" type="datetimeFigureOut">
               <a:rPr lang="en-US" smtClean="0"/>
-              <a:t>10/9/2023</a:t>
+              <a:t>10/23/2024</a:t>
             </a:fld>
             <a:endParaRPr lang="en-US"/>
           </a:p>
@@ -3259,7 +3259,7 @@
           <a:p>
             <a:fld id="{87382854-844E-43E2-9B4F-1BD7657CF4C3}" type="datetimeFigureOut">
               <a:rPr lang="en-US" smtClean="0"/>
-              <a:t>10/9/2023</a:t>
+              <a:t>10/23/2024</a:t>
             </a:fld>
             <a:endParaRPr lang="en-US"/>
           </a:p>
@@ -3547,7 +3547,7 @@
           <a:p>
             <a:fld id="{87382854-844E-43E2-9B4F-1BD7657CF4C3}" type="datetimeFigureOut">
               <a:rPr lang="en-US" smtClean="0"/>
-              <a:t>10/9/2023</a:t>
+              <a:t>10/23/2024</a:t>
             </a:fld>
             <a:endParaRPr lang="en-US"/>
           </a:p>
@@ -3788,7 +3788,7 @@
           <a:p>
             <a:fld id="{87382854-844E-43E2-9B4F-1BD7657CF4C3}" type="datetimeFigureOut">
               <a:rPr lang="en-US" smtClean="0"/>
-              <a:t>10/9/2023</a:t>
+              <a:t>10/23/2024</a:t>
             </a:fld>
             <a:endParaRPr lang="en-US"/>
           </a:p>
@@ -17652,10 +17652,10 @@
       </p:grpSpPr>
       <p:grpSp>
         <p:nvGrpSpPr>
-          <p:cNvPr id="83" name="Group 82">
+          <p:cNvPr id="58" name="Group 57">
             <a:extLst>
               <a:ext uri="{FF2B5EF4-FFF2-40B4-BE49-F238E27FC236}">
-                <a16:creationId xmlns:a16="http://schemas.microsoft.com/office/drawing/2014/main" id="{5091880C-ED34-1075-43D9-CCA3335731D6}"/>
+                <a16:creationId xmlns:a16="http://schemas.microsoft.com/office/drawing/2014/main" id="{C90F3361-80AA-E2CC-38C4-3B8524FF5696}"/>
               </a:ext>
             </a:extLst>
           </p:cNvPr>
@@ -17664,10 +17664,10 @@
         </p:nvGrpSpPr>
         <p:grpSpPr>
           <a:xfrm>
-            <a:off x="-1285875" y="-285804"/>
-            <a:ext cx="17605734" cy="7212878"/>
-            <a:chOff x="-1285875" y="-285804"/>
-            <a:chExt cx="17605734" cy="7212878"/>
+            <a:off x="-1402080" y="-247391"/>
+            <a:ext cx="9128759" cy="14420594"/>
+            <a:chOff x="-1402080" y="-247391"/>
+            <a:chExt cx="9128759" cy="14420594"/>
           </a:xfrm>
         </p:grpSpPr>
         <p:sp>
@@ -17683,9 +17683,9 @@
             <p:nvPr/>
           </p:nvSpPr>
           <p:spPr>
-            <a:xfrm>
-              <a:off x="-1285875" y="-285804"/>
-              <a:ext cx="17605734" cy="7212878"/>
+            <a:xfrm rot="5400000">
+              <a:off x="-4047997" y="2398526"/>
+              <a:ext cx="14420594" cy="9128759"/>
             </a:xfrm>
             <a:prstGeom prst="rect">
               <a:avLst/>
@@ -18239,7 +18239,7 @@
           <p:spPr>
             <a:xfrm>
               <a:off x="5890491" y="3539660"/>
-              <a:ext cx="1727744" cy="1585048"/>
+              <a:ext cx="1690055" cy="1550472"/>
             </a:xfrm>
             <a:prstGeom prst="rect">
               <a:avLst/>
@@ -18330,8 +18330,8 @@
           </p:nvGrpSpPr>
           <p:grpSpPr>
             <a:xfrm>
-              <a:off x="5882528" y="5202285"/>
-              <a:ext cx="1735707" cy="1684596"/>
+              <a:off x="5882529" y="5202285"/>
+              <a:ext cx="1697628" cy="1586408"/>
               <a:chOff x="4126992" y="3096768"/>
               <a:chExt cx="2444496" cy="2164080"/>
             </a:xfrm>
@@ -19513,7 +19513,7 @@
           </p:nvCxnSpPr>
           <p:spPr>
             <a:xfrm>
-              <a:off x="8194233" y="6116351"/>
+              <a:off x="-499034" y="13391325"/>
               <a:ext cx="666725" cy="0"/>
             </a:xfrm>
             <a:prstGeom prst="line">
@@ -19554,7 +19554,7 @@
           </p:nvCxnSpPr>
           <p:spPr>
             <a:xfrm>
-              <a:off x="8211403" y="6484697"/>
+              <a:off x="-481864" y="13759671"/>
               <a:ext cx="666725" cy="0"/>
             </a:xfrm>
             <a:prstGeom prst="line">
@@ -19595,7 +19595,7 @@
           </p:nvSpPr>
           <p:spPr>
             <a:xfrm>
-              <a:off x="8860958" y="6205733"/>
+              <a:off x="167691" y="13480707"/>
               <a:ext cx="1564841" cy="523220"/>
             </a:xfrm>
             <a:prstGeom prst="rect">
@@ -19630,7 +19630,7 @@
           </p:nvSpPr>
           <p:spPr>
             <a:xfrm>
-              <a:off x="8866916" y="5850972"/>
+              <a:off x="173649" y="13125946"/>
               <a:ext cx="1564841" cy="523220"/>
             </a:xfrm>
             <a:prstGeom prst="rect">
@@ -19669,7 +19669,7 @@
           </p:nvSpPr>
           <p:spPr>
             <a:xfrm>
-              <a:off x="8070733" y="5850972"/>
+              <a:off x="-622534" y="13125946"/>
               <a:ext cx="2198451" cy="877981"/>
             </a:xfrm>
             <a:prstGeom prst="rect">
@@ -19759,7 +19759,7 @@
           </p:nvCxnSpPr>
           <p:spPr>
             <a:xfrm flipH="1" flipV="1">
-              <a:off x="11834776" y="4928628"/>
+              <a:off x="3141509" y="12203602"/>
               <a:ext cx="3027219" cy="1458598"/>
             </a:xfrm>
             <a:prstGeom prst="straightConnector1">
@@ -19804,7 +19804,7 @@
           </p:nvCxnSpPr>
           <p:spPr>
             <a:xfrm flipH="1" flipV="1">
-              <a:off x="12275379" y="2033152"/>
+              <a:off x="3582112" y="9308126"/>
               <a:ext cx="2551153" cy="3912158"/>
             </a:xfrm>
             <a:prstGeom prst="straightConnector1">
@@ -19849,7 +19849,7 @@
           </p:nvCxnSpPr>
           <p:spPr>
             <a:xfrm flipH="1" flipV="1">
-              <a:off x="9987912" y="897112"/>
+              <a:off x="1294645" y="8172086"/>
               <a:ext cx="4716950" cy="4978859"/>
             </a:xfrm>
             <a:prstGeom prst="straightConnector1">
@@ -19893,7 +19893,7 @@
           </p:nvCxnSpPr>
           <p:spPr>
             <a:xfrm flipH="1">
-              <a:off x="10640778" y="-110447"/>
+              <a:off x="1947511" y="7164527"/>
               <a:ext cx="4093723" cy="318880"/>
             </a:xfrm>
             <a:prstGeom prst="straightConnector1">
@@ -19937,7 +19937,7 @@
           </p:nvCxnSpPr>
           <p:spPr>
             <a:xfrm flipH="1" flipV="1">
-              <a:off x="10308788" y="897112"/>
+              <a:off x="1615521" y="8172086"/>
               <a:ext cx="4517744" cy="3558255"/>
             </a:xfrm>
             <a:prstGeom prst="straightConnector1">
@@ -19983,7 +19983,7 @@
           </p:nvCxnSpPr>
           <p:spPr>
             <a:xfrm flipH="1" flipV="1">
-              <a:off x="13091676" y="906779"/>
+              <a:off x="4398409" y="8181753"/>
               <a:ext cx="1663067" cy="5312188"/>
             </a:xfrm>
             <a:prstGeom prst="straightConnector1">
@@ -20027,7 +20027,7 @@
           </p:nvCxnSpPr>
           <p:spPr>
             <a:xfrm flipH="1" flipV="1">
-              <a:off x="13533069" y="877760"/>
+              <a:off x="4839802" y="8152734"/>
               <a:ext cx="1201432" cy="3796551"/>
             </a:xfrm>
             <a:prstGeom prst="straightConnector1">
@@ -20071,7 +20071,7 @@
           </p:nvCxnSpPr>
           <p:spPr>
             <a:xfrm flipH="1" flipV="1">
-              <a:off x="13818251" y="702848"/>
+              <a:off x="5124984" y="7977822"/>
               <a:ext cx="886611" cy="1272542"/>
             </a:xfrm>
             <a:prstGeom prst="straightConnector1">
@@ -20114,7 +20114,7 @@
           </p:nvSpPr>
           <p:spPr>
             <a:xfrm>
-              <a:off x="12181814" y="75782"/>
+              <a:off x="3488547" y="7350756"/>
               <a:ext cx="1819723" cy="830997"/>
             </a:xfrm>
             <a:prstGeom prst="rect">
@@ -20201,7 +20201,7 @@
           </p:nvSpPr>
           <p:spPr>
             <a:xfrm>
-              <a:off x="9333157" y="66115"/>
+              <a:off x="639890" y="7341089"/>
               <a:ext cx="1309509" cy="830997"/>
             </a:xfrm>
             <a:prstGeom prst="rect">
@@ -20283,7 +20283,7 @@
           </p:nvSpPr>
           <p:spPr>
             <a:xfrm>
-              <a:off x="11620624" y="1202155"/>
+              <a:off x="2927357" y="8477129"/>
               <a:ext cx="1309509" cy="830997"/>
             </a:xfrm>
             <a:prstGeom prst="rect">
@@ -20365,7 +20365,7 @@
           </p:nvSpPr>
           <p:spPr>
             <a:xfrm>
-              <a:off x="9333156" y="2697000"/>
+              <a:off x="639889" y="9971974"/>
               <a:ext cx="1309509" cy="830997"/>
             </a:xfrm>
             <a:prstGeom prst="rect">
@@ -20447,7 +20447,7 @@
           </p:nvSpPr>
           <p:spPr>
             <a:xfrm>
-              <a:off x="11039744" y="3492270"/>
+              <a:off x="2346477" y="10767244"/>
               <a:ext cx="1554561" cy="830997"/>
             </a:xfrm>
             <a:prstGeom prst="rect">
@@ -20537,7 +20537,7 @@
           </p:nvSpPr>
           <p:spPr>
             <a:xfrm>
-              <a:off x="10244712" y="4513129"/>
+              <a:off x="1551445" y="11788103"/>
               <a:ext cx="1590064" cy="830997"/>
             </a:xfrm>
             <a:prstGeom prst="rect">
@@ -20627,7 +20627,7 @@
           </p:nvSpPr>
           <p:spPr>
             <a:xfrm>
-              <a:off x="7949472" y="2698998"/>
+              <a:off x="-743795" y="9973972"/>
               <a:ext cx="1333450" cy="523220"/>
             </a:xfrm>
             <a:prstGeom prst="rect">
@@ -20665,7 +20665,7 @@
           </p:nvCxnSpPr>
           <p:spPr>
             <a:xfrm flipH="1" flipV="1">
-              <a:off x="10640778" y="480554"/>
+              <a:off x="1947511" y="7755528"/>
               <a:ext cx="1541036" cy="10727"/>
             </a:xfrm>
             <a:prstGeom prst="straightConnector1">
@@ -20710,7 +20710,7 @@
           </p:nvCxnSpPr>
           <p:spPr>
             <a:xfrm flipV="1">
-              <a:off x="8616197" y="906779"/>
+              <a:off x="-77070" y="8181753"/>
               <a:ext cx="896527" cy="1792219"/>
             </a:xfrm>
             <a:prstGeom prst="straightConnector1">
@@ -20754,7 +20754,7 @@
           </p:nvCxnSpPr>
           <p:spPr>
             <a:xfrm>
-              <a:off x="10535405" y="805955"/>
+              <a:off x="1842138" y="8080929"/>
               <a:ext cx="1150302" cy="519606"/>
             </a:xfrm>
             <a:prstGeom prst="straightConnector1">
@@ -20799,7 +20799,7 @@
           </p:nvCxnSpPr>
           <p:spPr>
             <a:xfrm>
-              <a:off x="9779070" y="897112"/>
+              <a:off x="1085803" y="8172086"/>
               <a:ext cx="208841" cy="1799888"/>
             </a:xfrm>
             <a:prstGeom prst="straightConnector1">
@@ -20843,7 +20843,7 @@
           </p:nvCxnSpPr>
           <p:spPr>
             <a:xfrm flipH="1">
-              <a:off x="10551267" y="1943057"/>
+              <a:off x="1858000" y="9218031"/>
               <a:ext cx="1138889" cy="848723"/>
             </a:xfrm>
             <a:prstGeom prst="straightConnector1">
@@ -20887,7 +20887,7 @@
           </p:nvCxnSpPr>
           <p:spPr>
             <a:xfrm>
-              <a:off x="10599453" y="3287789"/>
+              <a:off x="1906186" y="10562763"/>
               <a:ext cx="521258" cy="331365"/>
             </a:xfrm>
             <a:prstGeom prst="straightConnector1">
@@ -20932,7 +20932,7 @@
           </p:nvCxnSpPr>
           <p:spPr>
             <a:xfrm>
-              <a:off x="9987911" y="3527997"/>
+              <a:off x="1294644" y="10802971"/>
               <a:ext cx="536896" cy="927370"/>
             </a:xfrm>
             <a:prstGeom prst="straightConnector1">
@@ -20977,7 +20977,7 @@
           </p:nvCxnSpPr>
           <p:spPr>
             <a:xfrm>
-              <a:off x="8616197" y="3222218"/>
+              <a:off x="-77070" y="10497192"/>
               <a:ext cx="1758272" cy="1404651"/>
             </a:xfrm>
             <a:prstGeom prst="straightConnector1">
@@ -21032,8 +21032,8 @@
           </p:blipFill>
           <p:spPr>
             <a:xfrm>
-              <a:off x="14576823" y="3539660"/>
-              <a:ext cx="1727744" cy="1585048"/>
+              <a:off x="5883556" y="10814634"/>
+              <a:ext cx="1696601" cy="1556477"/>
             </a:xfrm>
             <a:prstGeom prst="rect">
               <a:avLst/>
@@ -21067,8 +21067,8 @@
           </p:blipFill>
           <p:spPr>
             <a:xfrm>
-              <a:off x="14576823" y="-172811"/>
-              <a:ext cx="1697627" cy="1586408"/>
+              <a:off x="5883556" y="7103121"/>
+              <a:ext cx="1696601" cy="1585449"/>
             </a:xfrm>
             <a:prstGeom prst="rect">
               <a:avLst/>
@@ -21102,20 +21102,90 @@
           </p:blipFill>
           <p:spPr>
             <a:xfrm>
-              <a:off x="14584395" y="1469034"/>
-              <a:ext cx="1690055" cy="1993050"/>
+              <a:off x="5891129" y="8744008"/>
+              <a:ext cx="1690054" cy="1993049"/>
             </a:xfrm>
             <a:prstGeom prst="rect">
               <a:avLst/>
             </a:prstGeom>
           </p:spPr>
         </p:pic>
+        <p:sp>
+          <p:nvSpPr>
+            <p:cNvPr id="80" name="TextBox 79">
+              <a:extLst>
+                <a:ext uri="{FF2B5EF4-FFF2-40B4-BE49-F238E27FC236}">
+                  <a16:creationId xmlns:a16="http://schemas.microsoft.com/office/drawing/2014/main" id="{726C1EFE-B750-FB6B-2354-90883BA1DB5D}"/>
+                </a:ext>
+              </a:extLst>
+            </p:cNvPr>
+            <p:cNvSpPr txBox="1"/>
+            <p:nvPr/>
+          </p:nvSpPr>
+          <p:spPr>
+            <a:xfrm>
+              <a:off x="-1202552" y="6858000"/>
+              <a:ext cx="2206230" cy="523220"/>
+            </a:xfrm>
+            <a:prstGeom prst="rect">
+              <a:avLst/>
+            </a:prstGeom>
+            <a:noFill/>
+          </p:spPr>
+          <p:txBody>
+            <a:bodyPr wrap="square" rtlCol="0">
+              <a:spAutoFit/>
+            </a:bodyPr>
+            <a:lstStyle/>
+            <a:p>
+              <a:r>
+                <a:rPr lang="en-US" sz="2800" b="1" dirty="0"/>
+                <a:t>B) Forb</a:t>
+              </a:r>
+            </a:p>
+          </p:txBody>
+        </p:sp>
+        <p:sp>
+          <p:nvSpPr>
+            <p:cNvPr id="82" name="TextBox 81">
+              <a:extLst>
+                <a:ext uri="{FF2B5EF4-FFF2-40B4-BE49-F238E27FC236}">
+                  <a16:creationId xmlns:a16="http://schemas.microsoft.com/office/drawing/2014/main" id="{9D9861D5-B00F-B53C-0BFF-D44B38206BEC}"/>
+                </a:ext>
+              </a:extLst>
+            </p:cNvPr>
+            <p:cNvSpPr txBox="1"/>
+            <p:nvPr/>
+          </p:nvSpPr>
+          <p:spPr>
+            <a:xfrm>
+              <a:off x="-572141" y="12590522"/>
+              <a:ext cx="2206230" cy="523220"/>
+            </a:xfrm>
+            <a:prstGeom prst="rect">
+              <a:avLst/>
+            </a:prstGeom>
+            <a:noFill/>
+          </p:spPr>
+          <p:txBody>
+            <a:bodyPr wrap="square" rtlCol="0">
+              <a:spAutoFit/>
+            </a:bodyPr>
+            <a:lstStyle/>
+            <a:p>
+              <a:r>
+                <a:rPr lang="en-US" sz="2800" b="1" dirty="0"/>
+                <a:t>Key</a:t>
+              </a:r>
+            </a:p>
+          </p:txBody>
+        </p:sp>
         <p:grpSp>
           <p:nvGrpSpPr>
-            <p:cNvPr id="70" name="Group 69">
-              <a:extLst>
-                <a:ext uri="{FF2B5EF4-FFF2-40B4-BE49-F238E27FC236}">
-                  <a16:creationId xmlns:a16="http://schemas.microsoft.com/office/drawing/2014/main" id="{A69008D2-56A2-6C80-3785-E8D94DF245FC}"/>
+            <p:cNvPr id="32" name="Group 31">
+              <a:extLst>
+                <a:ext uri="{FF2B5EF4-FFF2-40B4-BE49-F238E27FC236}">
+                  <a16:creationId xmlns:a16="http://schemas.microsoft.com/office/drawing/2014/main" id="{25E86476-24CB-8A4C-7383-B15328EDBB6D}"/>
                 </a:ext>
               </a:extLst>
             </p:cNvPr>
@@ -21124,18 +21194,18 @@
           </p:nvGrpSpPr>
           <p:grpSpPr>
             <a:xfrm>
-              <a:off x="14568860" y="5202285"/>
-              <a:ext cx="1705590" cy="1684596"/>
+              <a:off x="5868496" y="12467213"/>
+              <a:ext cx="1697628" cy="1586408"/>
               <a:chOff x="4126992" y="3096768"/>
               <a:chExt cx="2444496" cy="2164080"/>
             </a:xfrm>
           </p:grpSpPr>
           <p:pic>
             <p:nvPicPr>
-              <p:cNvPr id="71" name="Content Placeholder 5">
+              <p:cNvPr id="33" name="Content Placeholder 5">
                 <a:extLst>
                   <a:ext uri="{FF2B5EF4-FFF2-40B4-BE49-F238E27FC236}">
-                    <a16:creationId xmlns:a16="http://schemas.microsoft.com/office/drawing/2014/main" id="{13A5E8E8-4E24-E34C-41FF-749957AD2C27}"/>
+                    <a16:creationId xmlns:a16="http://schemas.microsoft.com/office/drawing/2014/main" id="{486AAA3F-3F62-51D7-D1A6-CBB8D90E9C17}"/>
                   </a:ext>
                 </a:extLst>
               </p:cNvPr>
@@ -21167,10 +21237,10 @@
           </p:pic>
           <p:sp>
             <p:nvSpPr>
-              <p:cNvPr id="72" name="Oval 71">
+              <p:cNvPr id="34" name="Oval 33">
                 <a:extLst>
                   <a:ext uri="{FF2B5EF4-FFF2-40B4-BE49-F238E27FC236}">
-                    <a16:creationId xmlns:a16="http://schemas.microsoft.com/office/drawing/2014/main" id="{05E9B5D9-61D1-91E8-C3F5-29EDA4E3DD23}"/>
+                    <a16:creationId xmlns:a16="http://schemas.microsoft.com/office/drawing/2014/main" id="{CCCB76A3-06FD-DBC4-36F4-23B59F47615F}"/>
                   </a:ext>
                 </a:extLst>
               </p:cNvPr>
@@ -21219,16 +21289,16 @@
           </p:sp>
           <p:cxnSp>
             <p:nvCxnSpPr>
-              <p:cNvPr id="73" name="Straight Connector 72">
+              <p:cNvPr id="55" name="Straight Connector 54">
                 <a:extLst>
                   <a:ext uri="{FF2B5EF4-FFF2-40B4-BE49-F238E27FC236}">
-                    <a16:creationId xmlns:a16="http://schemas.microsoft.com/office/drawing/2014/main" id="{96F9AEE2-C377-EC09-CBA8-FBF562A9F6FE}"/>
+                    <a16:creationId xmlns:a16="http://schemas.microsoft.com/office/drawing/2014/main" id="{926B7A4F-735E-A2E6-FF54-663618AC9574}"/>
                   </a:ext>
                 </a:extLst>
               </p:cNvPr>
               <p:cNvCxnSpPr>
-                <a:stCxn id="72" idx="7"/>
-                <a:endCxn id="72" idx="3"/>
+                <a:stCxn id="34" idx="7"/>
+                <a:endCxn id="34" idx="3"/>
               </p:cNvCxnSpPr>
               <p:nvPr/>
             </p:nvCxnSpPr>
@@ -21262,76 +21332,6 @@
             </p:style>
           </p:cxnSp>
         </p:grpSp>
-        <p:sp>
-          <p:nvSpPr>
-            <p:cNvPr id="80" name="TextBox 79">
-              <a:extLst>
-                <a:ext uri="{FF2B5EF4-FFF2-40B4-BE49-F238E27FC236}">
-                  <a16:creationId xmlns:a16="http://schemas.microsoft.com/office/drawing/2014/main" id="{726C1EFE-B750-FB6B-2354-90883BA1DB5D}"/>
-                </a:ext>
-              </a:extLst>
-            </p:cNvPr>
-            <p:cNvSpPr txBox="1"/>
-            <p:nvPr/>
-          </p:nvSpPr>
-          <p:spPr>
-            <a:xfrm>
-              <a:off x="7664974" y="-247391"/>
-              <a:ext cx="2206230" cy="523220"/>
-            </a:xfrm>
-            <a:prstGeom prst="rect">
-              <a:avLst/>
-            </a:prstGeom>
-            <a:noFill/>
-          </p:spPr>
-          <p:txBody>
-            <a:bodyPr wrap="square" rtlCol="0">
-              <a:spAutoFit/>
-            </a:bodyPr>
-            <a:lstStyle/>
-            <a:p>
-              <a:r>
-                <a:rPr lang="en-US" sz="2800" b="1" dirty="0"/>
-                <a:t>B) Forb</a:t>
-              </a:r>
-            </a:p>
-          </p:txBody>
-        </p:sp>
-        <p:sp>
-          <p:nvSpPr>
-            <p:cNvPr id="82" name="TextBox 81">
-              <a:extLst>
-                <a:ext uri="{FF2B5EF4-FFF2-40B4-BE49-F238E27FC236}">
-                  <a16:creationId xmlns:a16="http://schemas.microsoft.com/office/drawing/2014/main" id="{9D9861D5-B00F-B53C-0BFF-D44B38206BEC}"/>
-                </a:ext>
-              </a:extLst>
-            </p:cNvPr>
-            <p:cNvSpPr txBox="1"/>
-            <p:nvPr/>
-          </p:nvSpPr>
-          <p:spPr>
-            <a:xfrm>
-              <a:off x="8121126" y="5315548"/>
-              <a:ext cx="2206230" cy="523220"/>
-            </a:xfrm>
-            <a:prstGeom prst="rect">
-              <a:avLst/>
-            </a:prstGeom>
-            <a:noFill/>
-          </p:spPr>
-          <p:txBody>
-            <a:bodyPr wrap="square" rtlCol="0">
-              <a:spAutoFit/>
-            </a:bodyPr>
-            <a:lstStyle/>
-            <a:p>
-              <a:r>
-                <a:rPr lang="en-US" sz="2800" b="1" dirty="0"/>
-                <a:t>Key</a:t>
-              </a:r>
-            </a:p>
-          </p:txBody>
-        </p:sp>
       </p:grpSp>
     </p:spTree>
     <p:extLst>
